--- a/OSSW-PPT.pptx
+++ b/OSSW-PPT.pptx
@@ -19,18 +19,22 @@
     <p:sldId id="264" r:id="rId13"/>
     <p:sldId id="265" r:id="rId14"/>
     <p:sldId id="266" r:id="rId15"/>
+    <p:sldId id="267" r:id="rId16"/>
+    <p:sldId id="268" r:id="rId17"/>
+    <p:sldId id="269" r:id="rId18"/>
+    <p:sldId id="270" r:id="rId19"/>
   </p:sldIdLst>
   <p:sldSz cy="5143500" cx="9144000"/>
   <p:notesSz cx="6858000" cy="9144000"/>
   <p:embeddedFontLst>
     <p:embeddedFont>
       <p:font typeface="Average"/>
-      <p:regular r:id="rId16"/>
+      <p:regular r:id="rId20"/>
     </p:embeddedFont>
     <p:embeddedFont>
       <p:font typeface="Oswald"/>
-      <p:regular r:id="rId17"/>
-      <p:bold r:id="rId18"/>
+      <p:regular r:id="rId21"/>
+      <p:bold r:id="rId22"/>
     </p:embeddedFont>
   </p:embeddedFontLst>
   <p:defaultTextStyle>
@@ -793,7 +797,7 @@
   <p:cSld>
     <p:spTree>
       <p:nvGrpSpPr>
-        <p:cNvPr id="170" name="Shape 170"/>
+        <p:cNvPr id="180" name="Shape 180"/>
         <p:cNvGrpSpPr/>
         <p:nvPr/>
       </p:nvGrpSpPr>
@@ -807,7 +811,7 @@
       </p:grpSpPr>
       <p:sp>
         <p:nvSpPr>
-          <p:cNvPr id="171" name="Google Shape;171;g49be4c35bd_0_108:notes"/>
+          <p:cNvPr id="181" name="Google Shape;181;g49be4c35bd_1_20:notes"/>
           <p:cNvSpPr/>
           <p:nvPr>
             <p:ph idx="2" type="sldImg"/>
@@ -842,7 +846,7 @@
       </p:sp>
       <p:sp>
         <p:nvSpPr>
-          <p:cNvPr id="172" name="Google Shape;172;g49be4c35bd_0_108:notes"/>
+          <p:cNvPr id="182" name="Google Shape;182;g49be4c35bd_1_20:notes"/>
           <p:cNvSpPr txBox="1"/>
           <p:nvPr>
             <p:ph idx="1" type="body"/>
@@ -892,7 +896,7 @@
   <p:cSld>
     <p:spTree>
       <p:nvGrpSpPr>
-        <p:cNvPr id="175" name="Shape 175"/>
+        <p:cNvPr id="187" name="Shape 187"/>
         <p:cNvGrpSpPr/>
         <p:nvPr/>
       </p:nvGrpSpPr>
@@ -906,7 +910,7 @@
       </p:grpSpPr>
       <p:sp>
         <p:nvSpPr>
-          <p:cNvPr id="176" name="Google Shape;176;gc6f980f91_0_105:notes"/>
+          <p:cNvPr id="188" name="Google Shape;188;g49be4c35bd_1_31:notes"/>
           <p:cNvSpPr/>
           <p:nvPr>
             <p:ph idx="2" type="sldImg"/>
@@ -941,7 +945,403 @@
       </p:sp>
       <p:sp>
         <p:nvSpPr>
-          <p:cNvPr id="177" name="Google Shape;177;gc6f980f91_0_105:notes"/>
+          <p:cNvPr id="189" name="Google Shape;189;g49be4c35bd_1_31:notes"/>
+          <p:cNvSpPr txBox="1"/>
+          <p:nvPr>
+            <p:ph idx="1" type="body"/>
+          </p:nvPr>
+        </p:nvSpPr>
+        <p:spPr>
+          <a:xfrm>
+            <a:off x="685800" y="4343400"/>
+            <a:ext cx="5486400" cy="4114800"/>
+          </a:xfrm>
+          <a:prstGeom prst="rect">
+            <a:avLst/>
+          </a:prstGeom>
+        </p:spPr>
+        <p:txBody>
+          <a:bodyPr anchorCtr="0" anchor="t" bIns="91425" lIns="91425" spcFirstLastPara="1" rIns="91425" wrap="square" tIns="91425">
+            <a:noAutofit/>
+          </a:bodyPr>
+          <a:lstStyle/>
+          <a:p>
+            <a:pPr indent="0" lvl="0" marL="0" rtl="0" algn="l">
+              <a:spcBef>
+                <a:spcPts val="0"/>
+              </a:spcBef>
+              <a:spcAft>
+                <a:spcPts val="0"/>
+              </a:spcAft>
+              <a:buNone/>
+            </a:pPr>
+            <a:r>
+              <a:t/>
+            </a:r>
+            <a:endParaRPr/>
+          </a:p>
+        </p:txBody>
+      </p:sp>
+    </p:spTree>
+  </p:cSld>
+  <p:clrMapOvr>
+    <a:masterClrMapping/>
+  </p:clrMapOvr>
+</p:notes>
+</file>
+
+<file path=ppt/notesSlides/notesSlide12.xml><?xml version="1.0" encoding="utf-8"?>
+<p:notes xmlns:a="http://schemas.openxmlformats.org/drawingml/2006/main" xmlns:r="http://schemas.openxmlformats.org/officeDocument/2006/relationships" xmlns:mc="http://schemas.openxmlformats.org/markup-compatibility/2006" xmlns:mv="urn:schemas-microsoft-com:mac:vml" xmlns:p="http://schemas.openxmlformats.org/presentationml/2006/main" xmlns:c="http://schemas.openxmlformats.org/drawingml/2006/chart" xmlns:dgm="http://schemas.openxmlformats.org/drawingml/2006/diagram" xmlns:o="urn:schemas-microsoft-com:office:office" xmlns:v="urn:schemas-microsoft-com:vml" xmlns:pvml="urn:schemas-microsoft-com:office:powerpoint" xmlns:com="http://schemas.openxmlformats.org/drawingml/2006/compatibility" xmlns:p14="http://schemas.microsoft.com/office/powerpoint/2010/main" xmlns:p15="http://schemas.microsoft.com/office/powerpoint/2012/main" showMasterPhAnim="0" showMasterSp="0">
+  <p:cSld>
+    <p:spTree>
+      <p:nvGrpSpPr>
+        <p:cNvPr id="192" name="Shape 192"/>
+        <p:cNvGrpSpPr/>
+        <p:nvPr/>
+      </p:nvGrpSpPr>
+      <p:grpSpPr>
+        <a:xfrm>
+          <a:off x="0" y="0"/>
+          <a:ext cx="0" cy="0"/>
+          <a:chOff x="0" y="0"/>
+          <a:chExt cx="0" cy="0"/>
+        </a:xfrm>
+      </p:grpSpPr>
+      <p:sp>
+        <p:nvSpPr>
+          <p:cNvPr id="193" name="Google Shape;193;gc6f980f91_0_42:notes"/>
+          <p:cNvSpPr/>
+          <p:nvPr>
+            <p:ph idx="2" type="sldImg"/>
+          </p:nvPr>
+        </p:nvSpPr>
+        <p:spPr>
+          <a:xfrm>
+            <a:off x="381188" y="685800"/>
+            <a:ext cx="6096300" cy="3429000"/>
+          </a:xfrm>
+          <a:custGeom>
+            <a:rect b="b" l="l" r="r" t="t"/>
+            <a:pathLst>
+              <a:path extrusionOk="0" h="120000" w="120000">
+                <a:moveTo>
+                  <a:pt x="0" y="0"/>
+                </a:moveTo>
+                <a:lnTo>
+                  <a:pt x="120000" y="0"/>
+                </a:lnTo>
+                <a:lnTo>
+                  <a:pt x="120000" y="120000"/>
+                </a:lnTo>
+                <a:lnTo>
+                  <a:pt x="0" y="120000"/>
+                </a:lnTo>
+                <a:close/>
+              </a:path>
+            </a:pathLst>
+          </a:custGeom>
+        </p:spPr>
+      </p:sp>
+      <p:sp>
+        <p:nvSpPr>
+          <p:cNvPr id="194" name="Google Shape;194;gc6f980f91_0_42:notes"/>
+          <p:cNvSpPr txBox="1"/>
+          <p:nvPr>
+            <p:ph idx="1" type="body"/>
+          </p:nvPr>
+        </p:nvSpPr>
+        <p:spPr>
+          <a:xfrm>
+            <a:off x="685800" y="4343400"/>
+            <a:ext cx="5486400" cy="4114800"/>
+          </a:xfrm>
+          <a:prstGeom prst="rect">
+            <a:avLst/>
+          </a:prstGeom>
+        </p:spPr>
+        <p:txBody>
+          <a:bodyPr anchorCtr="0" anchor="t" bIns="91425" lIns="91425" spcFirstLastPara="1" rIns="91425" wrap="square" tIns="91425">
+            <a:noAutofit/>
+          </a:bodyPr>
+          <a:lstStyle/>
+          <a:p>
+            <a:pPr indent="0" lvl="0" marL="0" rtl="0" algn="l">
+              <a:spcBef>
+                <a:spcPts val="0"/>
+              </a:spcBef>
+              <a:spcAft>
+                <a:spcPts val="0"/>
+              </a:spcAft>
+              <a:buNone/>
+            </a:pPr>
+            <a:r>
+              <a:t/>
+            </a:r>
+            <a:endParaRPr/>
+          </a:p>
+        </p:txBody>
+      </p:sp>
+    </p:spTree>
+  </p:cSld>
+  <p:clrMapOvr>
+    <a:masterClrMapping/>
+  </p:clrMapOvr>
+</p:notes>
+</file>
+
+<file path=ppt/notesSlides/notesSlide13.xml><?xml version="1.0" encoding="utf-8"?>
+<p:notes xmlns:a="http://schemas.openxmlformats.org/drawingml/2006/main" xmlns:r="http://schemas.openxmlformats.org/officeDocument/2006/relationships" xmlns:mc="http://schemas.openxmlformats.org/markup-compatibility/2006" xmlns:mv="urn:schemas-microsoft-com:mac:vml" xmlns:p="http://schemas.openxmlformats.org/presentationml/2006/main" xmlns:c="http://schemas.openxmlformats.org/drawingml/2006/chart" xmlns:dgm="http://schemas.openxmlformats.org/drawingml/2006/diagram" xmlns:o="urn:schemas-microsoft-com:office:office" xmlns:v="urn:schemas-microsoft-com:vml" xmlns:pvml="urn:schemas-microsoft-com:office:powerpoint" xmlns:com="http://schemas.openxmlformats.org/drawingml/2006/compatibility" xmlns:p14="http://schemas.microsoft.com/office/powerpoint/2010/main" xmlns:p15="http://schemas.microsoft.com/office/powerpoint/2012/main" showMasterPhAnim="0" showMasterSp="0">
+  <p:cSld>
+    <p:spTree>
+      <p:nvGrpSpPr>
+        <p:cNvPr id="198" name="Shape 198"/>
+        <p:cNvGrpSpPr/>
+        <p:nvPr/>
+      </p:nvGrpSpPr>
+      <p:grpSpPr>
+        <a:xfrm>
+          <a:off x="0" y="0"/>
+          <a:ext cx="0" cy="0"/>
+          <a:chOff x="0" y="0"/>
+          <a:chExt cx="0" cy="0"/>
+        </a:xfrm>
+      </p:grpSpPr>
+      <p:sp>
+        <p:nvSpPr>
+          <p:cNvPr id="199" name="Google Shape;199;g49be4c35bd_0_102:notes"/>
+          <p:cNvSpPr/>
+          <p:nvPr>
+            <p:ph idx="2" type="sldImg"/>
+          </p:nvPr>
+        </p:nvSpPr>
+        <p:spPr>
+          <a:xfrm>
+            <a:off x="381188" y="685800"/>
+            <a:ext cx="6096300" cy="3429000"/>
+          </a:xfrm>
+          <a:custGeom>
+            <a:rect b="b" l="l" r="r" t="t"/>
+            <a:pathLst>
+              <a:path extrusionOk="0" h="120000" w="120000">
+                <a:moveTo>
+                  <a:pt x="0" y="0"/>
+                </a:moveTo>
+                <a:lnTo>
+                  <a:pt x="120000" y="0"/>
+                </a:lnTo>
+                <a:lnTo>
+                  <a:pt x="120000" y="120000"/>
+                </a:lnTo>
+                <a:lnTo>
+                  <a:pt x="0" y="120000"/>
+                </a:lnTo>
+                <a:close/>
+              </a:path>
+            </a:pathLst>
+          </a:custGeom>
+        </p:spPr>
+      </p:sp>
+      <p:sp>
+        <p:nvSpPr>
+          <p:cNvPr id="200" name="Google Shape;200;g49be4c35bd_0_102:notes"/>
+          <p:cNvSpPr txBox="1"/>
+          <p:nvPr>
+            <p:ph idx="1" type="body"/>
+          </p:nvPr>
+        </p:nvSpPr>
+        <p:spPr>
+          <a:xfrm>
+            <a:off x="685800" y="4343400"/>
+            <a:ext cx="5486400" cy="4114800"/>
+          </a:xfrm>
+          <a:prstGeom prst="rect">
+            <a:avLst/>
+          </a:prstGeom>
+        </p:spPr>
+        <p:txBody>
+          <a:bodyPr anchorCtr="0" anchor="t" bIns="91425" lIns="91425" spcFirstLastPara="1" rIns="91425" wrap="square" tIns="91425">
+            <a:noAutofit/>
+          </a:bodyPr>
+          <a:lstStyle/>
+          <a:p>
+            <a:pPr indent="0" lvl="0" marL="0" rtl="0" algn="l">
+              <a:spcBef>
+                <a:spcPts val="0"/>
+              </a:spcBef>
+              <a:spcAft>
+                <a:spcPts val="0"/>
+              </a:spcAft>
+              <a:buNone/>
+            </a:pPr>
+            <a:r>
+              <a:t/>
+            </a:r>
+            <a:endParaRPr/>
+          </a:p>
+        </p:txBody>
+      </p:sp>
+    </p:spTree>
+  </p:cSld>
+  <p:clrMapOvr>
+    <a:masterClrMapping/>
+  </p:clrMapOvr>
+</p:notes>
+</file>
+
+<file path=ppt/notesSlides/notesSlide14.xml><?xml version="1.0" encoding="utf-8"?>
+<p:notes xmlns:a="http://schemas.openxmlformats.org/drawingml/2006/main" xmlns:r="http://schemas.openxmlformats.org/officeDocument/2006/relationships" xmlns:mc="http://schemas.openxmlformats.org/markup-compatibility/2006" xmlns:mv="urn:schemas-microsoft-com:mac:vml" xmlns:p="http://schemas.openxmlformats.org/presentationml/2006/main" xmlns:c="http://schemas.openxmlformats.org/drawingml/2006/chart" xmlns:dgm="http://schemas.openxmlformats.org/drawingml/2006/diagram" xmlns:o="urn:schemas-microsoft-com:office:office" xmlns:v="urn:schemas-microsoft-com:vml" xmlns:pvml="urn:schemas-microsoft-com:office:powerpoint" xmlns:com="http://schemas.openxmlformats.org/drawingml/2006/compatibility" xmlns:p14="http://schemas.microsoft.com/office/powerpoint/2010/main" xmlns:p15="http://schemas.microsoft.com/office/powerpoint/2012/main" showMasterPhAnim="0" showMasterSp="0">
+  <p:cSld>
+    <p:spTree>
+      <p:nvGrpSpPr>
+        <p:cNvPr id="203" name="Shape 203"/>
+        <p:cNvGrpSpPr/>
+        <p:nvPr/>
+      </p:nvGrpSpPr>
+      <p:grpSpPr>
+        <a:xfrm>
+          <a:off x="0" y="0"/>
+          <a:ext cx="0" cy="0"/>
+          <a:chOff x="0" y="0"/>
+          <a:chExt cx="0" cy="0"/>
+        </a:xfrm>
+      </p:grpSpPr>
+      <p:sp>
+        <p:nvSpPr>
+          <p:cNvPr id="204" name="Google Shape;204;g49be4c35bd_0_108:notes"/>
+          <p:cNvSpPr/>
+          <p:nvPr>
+            <p:ph idx="2" type="sldImg"/>
+          </p:nvPr>
+        </p:nvSpPr>
+        <p:spPr>
+          <a:xfrm>
+            <a:off x="381188" y="685800"/>
+            <a:ext cx="6096300" cy="3429000"/>
+          </a:xfrm>
+          <a:custGeom>
+            <a:rect b="b" l="l" r="r" t="t"/>
+            <a:pathLst>
+              <a:path extrusionOk="0" h="120000" w="120000">
+                <a:moveTo>
+                  <a:pt x="0" y="0"/>
+                </a:moveTo>
+                <a:lnTo>
+                  <a:pt x="120000" y="0"/>
+                </a:lnTo>
+                <a:lnTo>
+                  <a:pt x="120000" y="120000"/>
+                </a:lnTo>
+                <a:lnTo>
+                  <a:pt x="0" y="120000"/>
+                </a:lnTo>
+                <a:close/>
+              </a:path>
+            </a:pathLst>
+          </a:custGeom>
+        </p:spPr>
+      </p:sp>
+      <p:sp>
+        <p:nvSpPr>
+          <p:cNvPr id="205" name="Google Shape;205;g49be4c35bd_0_108:notes"/>
+          <p:cNvSpPr txBox="1"/>
+          <p:nvPr>
+            <p:ph idx="1" type="body"/>
+          </p:nvPr>
+        </p:nvSpPr>
+        <p:spPr>
+          <a:xfrm>
+            <a:off x="685800" y="4343400"/>
+            <a:ext cx="5486400" cy="4114800"/>
+          </a:xfrm>
+          <a:prstGeom prst="rect">
+            <a:avLst/>
+          </a:prstGeom>
+        </p:spPr>
+        <p:txBody>
+          <a:bodyPr anchorCtr="0" anchor="t" bIns="91425" lIns="91425" spcFirstLastPara="1" rIns="91425" wrap="square" tIns="91425">
+            <a:noAutofit/>
+          </a:bodyPr>
+          <a:lstStyle/>
+          <a:p>
+            <a:pPr indent="0" lvl="0" marL="0" rtl="0" algn="l">
+              <a:spcBef>
+                <a:spcPts val="0"/>
+              </a:spcBef>
+              <a:spcAft>
+                <a:spcPts val="0"/>
+              </a:spcAft>
+              <a:buNone/>
+            </a:pPr>
+            <a:r>
+              <a:t/>
+            </a:r>
+            <a:endParaRPr/>
+          </a:p>
+        </p:txBody>
+      </p:sp>
+    </p:spTree>
+  </p:cSld>
+  <p:clrMapOvr>
+    <a:masterClrMapping/>
+  </p:clrMapOvr>
+</p:notes>
+</file>
+
+<file path=ppt/notesSlides/notesSlide15.xml><?xml version="1.0" encoding="utf-8"?>
+<p:notes xmlns:a="http://schemas.openxmlformats.org/drawingml/2006/main" xmlns:r="http://schemas.openxmlformats.org/officeDocument/2006/relationships" xmlns:mc="http://schemas.openxmlformats.org/markup-compatibility/2006" xmlns:mv="urn:schemas-microsoft-com:mac:vml" xmlns:p="http://schemas.openxmlformats.org/presentationml/2006/main" xmlns:c="http://schemas.openxmlformats.org/drawingml/2006/chart" xmlns:dgm="http://schemas.openxmlformats.org/drawingml/2006/diagram" xmlns:o="urn:schemas-microsoft-com:office:office" xmlns:v="urn:schemas-microsoft-com:vml" xmlns:pvml="urn:schemas-microsoft-com:office:powerpoint" xmlns:com="http://schemas.openxmlformats.org/drawingml/2006/compatibility" xmlns:p14="http://schemas.microsoft.com/office/powerpoint/2010/main" xmlns:p15="http://schemas.microsoft.com/office/powerpoint/2012/main" showMasterPhAnim="0" showMasterSp="0">
+  <p:cSld>
+    <p:spTree>
+      <p:nvGrpSpPr>
+        <p:cNvPr id="208" name="Shape 208"/>
+        <p:cNvGrpSpPr/>
+        <p:nvPr/>
+      </p:nvGrpSpPr>
+      <p:grpSpPr>
+        <a:xfrm>
+          <a:off x="0" y="0"/>
+          <a:ext cx="0" cy="0"/>
+          <a:chOff x="0" y="0"/>
+          <a:chExt cx="0" cy="0"/>
+        </a:xfrm>
+      </p:grpSpPr>
+      <p:sp>
+        <p:nvSpPr>
+          <p:cNvPr id="209" name="Google Shape;209;gc6f980f91_0_105:notes"/>
+          <p:cNvSpPr/>
+          <p:nvPr>
+            <p:ph idx="2" type="sldImg"/>
+          </p:nvPr>
+        </p:nvSpPr>
+        <p:spPr>
+          <a:xfrm>
+            <a:off x="381188" y="685800"/>
+            <a:ext cx="6096300" cy="3429000"/>
+          </a:xfrm>
+          <a:custGeom>
+            <a:rect b="b" l="l" r="r" t="t"/>
+            <a:pathLst>
+              <a:path extrusionOk="0" h="120000" w="120000">
+                <a:moveTo>
+                  <a:pt x="0" y="0"/>
+                </a:moveTo>
+                <a:lnTo>
+                  <a:pt x="120000" y="0"/>
+                </a:lnTo>
+                <a:lnTo>
+                  <a:pt x="120000" y="120000"/>
+                </a:lnTo>
+                <a:lnTo>
+                  <a:pt x="0" y="120000"/>
+                </a:lnTo>
+                <a:close/>
+              </a:path>
+            </a:pathLst>
+          </a:custGeom>
+        </p:spPr>
+      </p:sp>
+      <p:sp>
+        <p:nvSpPr>
+          <p:cNvPr id="210" name="Google Shape;210;gc6f980f91_0_105:notes"/>
           <p:cNvSpPr txBox="1"/>
           <p:nvPr>
             <p:ph idx="1" type="body"/>
@@ -1203,7 +1603,7 @@
       </p:grpSpPr>
       <p:sp>
         <p:nvSpPr>
-          <p:cNvPr id="92" name="Google Shape;92;gc6f980f91_0_10:notes"/>
+          <p:cNvPr id="92" name="Google Shape;92;g49be4c35bd_1_4:notes"/>
           <p:cNvSpPr/>
           <p:nvPr>
             <p:ph idx="2" type="sldImg"/>
@@ -1238,7 +1638,7 @@
       </p:sp>
       <p:sp>
         <p:nvSpPr>
-          <p:cNvPr id="93" name="Google Shape;93;gc6f980f91_0_10:notes"/>
+          <p:cNvPr id="93" name="Google Shape;93;g49be4c35bd_1_4:notes"/>
           <p:cNvSpPr txBox="1"/>
           <p:nvPr>
             <p:ph idx="1" type="body"/>
@@ -1288,7 +1688,7 @@
   <p:cSld>
     <p:spTree>
       <p:nvGrpSpPr>
-        <p:cNvPr id="141" name="Shape 141"/>
+        <p:cNvPr id="97" name="Shape 97"/>
         <p:cNvGrpSpPr/>
         <p:nvPr/>
       </p:nvGrpSpPr>
@@ -1302,7 +1702,7 @@
       </p:grpSpPr>
       <p:sp>
         <p:nvSpPr>
-          <p:cNvPr id="142" name="Google Shape;142;gc6f980f91_0_29:notes"/>
+          <p:cNvPr id="98" name="Google Shape;98;gc6f980f91_0_10:notes"/>
           <p:cNvSpPr/>
           <p:nvPr>
             <p:ph idx="2" type="sldImg"/>
@@ -1337,7 +1737,7 @@
       </p:sp>
       <p:sp>
         <p:nvSpPr>
-          <p:cNvPr id="143" name="Google Shape;143;gc6f980f91_0_29:notes"/>
+          <p:cNvPr id="99" name="Google Shape;99;gc6f980f91_0_10:notes"/>
           <p:cNvSpPr txBox="1"/>
           <p:nvPr>
             <p:ph idx="1" type="body"/>
@@ -1387,7 +1787,7 @@
   <p:cSld>
     <p:spTree>
       <p:nvGrpSpPr>
-        <p:cNvPr id="146" name="Shape 146"/>
+        <p:cNvPr id="147" name="Shape 147"/>
         <p:cNvGrpSpPr/>
         <p:nvPr/>
       </p:nvGrpSpPr>
@@ -1401,7 +1801,7 @@
       </p:grpSpPr>
       <p:sp>
         <p:nvSpPr>
-          <p:cNvPr id="147" name="Google Shape;147;gc6f980f91_0_33:notes"/>
+          <p:cNvPr id="148" name="Google Shape;148;gc6f980f91_0_29:notes"/>
           <p:cNvSpPr/>
           <p:nvPr>
             <p:ph idx="2" type="sldImg"/>
@@ -1436,7 +1836,7 @@
       </p:sp>
       <p:sp>
         <p:nvSpPr>
-          <p:cNvPr id="148" name="Google Shape;148;gc6f980f91_0_33:notes"/>
+          <p:cNvPr id="149" name="Google Shape;149;gc6f980f91_0_29:notes"/>
           <p:cNvSpPr txBox="1"/>
           <p:nvPr>
             <p:ph idx="1" type="body"/>
@@ -1500,7 +1900,7 @@
       </p:grpSpPr>
       <p:sp>
         <p:nvSpPr>
-          <p:cNvPr id="153" name="Google Shape;153;gc6f980f91_0_37:notes"/>
+          <p:cNvPr id="153" name="Google Shape;153;gc6f980f91_0_33:notes"/>
           <p:cNvSpPr/>
           <p:nvPr>
             <p:ph idx="2" type="sldImg"/>
@@ -1535,7 +1935,7 @@
       </p:sp>
       <p:sp>
         <p:nvSpPr>
-          <p:cNvPr id="154" name="Google Shape;154;gc6f980f91_0_37:notes"/>
+          <p:cNvPr id="154" name="Google Shape;154;gc6f980f91_0_33:notes"/>
           <p:cNvSpPr txBox="1"/>
           <p:nvPr>
             <p:ph idx="1" type="body"/>
@@ -1585,7 +1985,7 @@
   <p:cSld>
     <p:spTree>
       <p:nvGrpSpPr>
-        <p:cNvPr id="159" name="Shape 159"/>
+        <p:cNvPr id="158" name="Shape 158"/>
         <p:cNvGrpSpPr/>
         <p:nvPr/>
       </p:nvGrpSpPr>
@@ -1599,7 +1999,7 @@
       </p:grpSpPr>
       <p:sp>
         <p:nvSpPr>
-          <p:cNvPr id="160" name="Google Shape;160;gc6f980f91_0_42:notes"/>
+          <p:cNvPr id="159" name="Google Shape;159;g49be4c35bd_1_8:notes"/>
           <p:cNvSpPr/>
           <p:nvPr>
             <p:ph idx="2" type="sldImg"/>
@@ -1634,7 +2034,7 @@
       </p:sp>
       <p:sp>
         <p:nvSpPr>
-          <p:cNvPr id="161" name="Google Shape;161;gc6f980f91_0_42:notes"/>
+          <p:cNvPr id="160" name="Google Shape;160;g49be4c35bd_1_8:notes"/>
           <p:cNvSpPr txBox="1"/>
           <p:nvPr>
             <p:ph idx="1" type="body"/>
@@ -1684,7 +2084,7 @@
   <p:cSld>
     <p:spTree>
       <p:nvGrpSpPr>
-        <p:cNvPr id="165" name="Shape 165"/>
+        <p:cNvPr id="173" name="Shape 173"/>
         <p:cNvGrpSpPr/>
         <p:nvPr/>
       </p:nvGrpSpPr>
@@ -1698,7 +2098,7 @@
       </p:grpSpPr>
       <p:sp>
         <p:nvSpPr>
-          <p:cNvPr id="166" name="Google Shape;166;g49be4c35bd_0_102:notes"/>
+          <p:cNvPr id="174" name="Google Shape;174;gc6f980f91_0_37:notes"/>
           <p:cNvSpPr/>
           <p:nvPr>
             <p:ph idx="2" type="sldImg"/>
@@ -1733,7 +2133,7 @@
       </p:sp>
       <p:sp>
         <p:nvSpPr>
-          <p:cNvPr id="167" name="Google Shape;167;g49be4c35bd_0_102:notes"/>
+          <p:cNvPr id="175" name="Google Shape;175;gc6f980f91_0_37:notes"/>
           <p:cNvSpPr txBox="1"/>
           <p:nvPr>
             <p:ph idx="1" type="body"/>
@@ -7089,7 +7489,7 @@
   <p:cSld>
     <p:spTree>
       <p:nvGrpSpPr>
-        <p:cNvPr id="173" name="Shape 173"/>
+        <p:cNvPr id="183" name="Shape 183"/>
         <p:cNvGrpSpPr/>
         <p:nvPr/>
       </p:nvGrpSpPr>
@@ -7103,7 +7503,493 @@
       </p:grpSpPr>
       <p:sp>
         <p:nvSpPr>
-          <p:cNvPr id="174" name="Google Shape;174;p22"/>
+          <p:cNvPr id="184" name="Google Shape;184;p22"/>
+          <p:cNvSpPr txBox="1"/>
+          <p:nvPr>
+            <p:ph type="title"/>
+          </p:nvPr>
+        </p:nvSpPr>
+        <p:spPr>
+          <a:xfrm>
+            <a:off x="265500" y="1733850"/>
+            <a:ext cx="4045200" cy="1675800"/>
+          </a:xfrm>
+          <a:prstGeom prst="rect">
+            <a:avLst/>
+          </a:prstGeom>
+        </p:spPr>
+        <p:txBody>
+          <a:bodyPr anchorCtr="0" anchor="ctr" bIns="91425" lIns="91425" spcFirstLastPara="1" rIns="91425" wrap="square" tIns="91425">
+            <a:noAutofit/>
+          </a:bodyPr>
+          <a:lstStyle/>
+          <a:p>
+            <a:pPr indent="0" lvl="0" marL="0" rtl="0" algn="ctr">
+              <a:spcBef>
+                <a:spcPts val="0"/>
+              </a:spcBef>
+              <a:spcAft>
+                <a:spcPts val="0"/>
+              </a:spcAft>
+              <a:buNone/>
+            </a:pPr>
+            <a:r>
+              <a:rPr lang="ko"/>
+              <a:t>version control</a:t>
+            </a:r>
+            <a:endParaRPr/>
+          </a:p>
+        </p:txBody>
+      </p:sp>
+      <p:pic>
+        <p:nvPicPr>
+          <p:cNvPr id="185" name="Google Shape;185;p22"/>
+          <p:cNvPicPr preferRelativeResize="0"/>
+          <p:nvPr/>
+        </p:nvPicPr>
+        <p:blipFill rotWithShape="1">
+          <a:blip r:embed="rId3">
+            <a:alphaModFix/>
+          </a:blip>
+          <a:srcRect b="0" l="0" r="0" t="25827"/>
+          <a:stretch/>
+        </p:blipFill>
+        <p:spPr>
+          <a:xfrm>
+            <a:off x="4943362" y="1484750"/>
+            <a:ext cx="3805200" cy="3589024"/>
+          </a:xfrm>
+          <a:prstGeom prst="rect">
+            <a:avLst/>
+          </a:prstGeom>
+          <a:noFill/>
+          <a:ln>
+            <a:noFill/>
+          </a:ln>
+        </p:spPr>
+      </p:pic>
+      <p:pic>
+        <p:nvPicPr>
+          <p:cNvPr id="186" name="Google Shape;186;p22"/>
+          <p:cNvPicPr preferRelativeResize="0"/>
+          <p:nvPr/>
+        </p:nvPicPr>
+        <p:blipFill>
+          <a:blip r:embed="rId4">
+            <a:alphaModFix/>
+          </a:blip>
+          <a:stretch>
+            <a:fillRect/>
+          </a:stretch>
+        </p:blipFill>
+        <p:spPr>
+          <a:xfrm>
+            <a:off x="4671437" y="61974"/>
+            <a:ext cx="4349075" cy="1364683"/>
+          </a:xfrm>
+          <a:prstGeom prst="rect">
+            <a:avLst/>
+          </a:prstGeom>
+          <a:noFill/>
+          <a:ln>
+            <a:noFill/>
+          </a:ln>
+        </p:spPr>
+      </p:pic>
+    </p:spTree>
+  </p:cSld>
+  <p:clrMapOvr>
+    <a:masterClrMapping/>
+  </p:clrMapOvr>
+</p:sld>
+</file>
+
+<file path=ppt/slides/slide11.xml><?xml version="1.0" encoding="utf-8"?>
+<p:sld xmlns:a="http://schemas.openxmlformats.org/drawingml/2006/main" xmlns:r="http://schemas.openxmlformats.org/officeDocument/2006/relationships" xmlns:mc="http://schemas.openxmlformats.org/markup-compatibility/2006" xmlns:mv="urn:schemas-microsoft-com:mac:vml" xmlns:p="http://schemas.openxmlformats.org/presentationml/2006/main" xmlns:c="http://schemas.openxmlformats.org/drawingml/2006/chart" xmlns:dgm="http://schemas.openxmlformats.org/drawingml/2006/diagram" xmlns:o="urn:schemas-microsoft-com:office:office" xmlns:v="urn:schemas-microsoft-com:vml" xmlns:pvml="urn:schemas-microsoft-com:office:powerpoint" xmlns:com="http://schemas.openxmlformats.org/drawingml/2006/compatibility" xmlns:p14="http://schemas.microsoft.com/office/powerpoint/2010/main" xmlns:p15="http://schemas.microsoft.com/office/powerpoint/2012/main">
+  <p:cSld>
+    <p:spTree>
+      <p:nvGrpSpPr>
+        <p:cNvPr id="190" name="Shape 190"/>
+        <p:cNvGrpSpPr/>
+        <p:nvPr/>
+      </p:nvGrpSpPr>
+      <p:grpSpPr>
+        <a:xfrm>
+          <a:off x="0" y="0"/>
+          <a:ext cx="0" cy="0"/>
+          <a:chOff x="0" y="0"/>
+          <a:chExt cx="0" cy="0"/>
+        </a:xfrm>
+      </p:grpSpPr>
+      <p:sp>
+        <p:nvSpPr>
+          <p:cNvPr id="191" name="Google Shape;191;p23"/>
+          <p:cNvSpPr txBox="1"/>
+          <p:nvPr>
+            <p:ph type="title"/>
+          </p:nvPr>
+        </p:nvSpPr>
+        <p:spPr>
+          <a:xfrm>
+            <a:off x="1289325" y="526350"/>
+            <a:ext cx="6565500" cy="4090800"/>
+          </a:xfrm>
+          <a:prstGeom prst="rect">
+            <a:avLst/>
+          </a:prstGeom>
+        </p:spPr>
+        <p:txBody>
+          <a:bodyPr anchorCtr="0" anchor="ctr" bIns="91425" lIns="91425" spcFirstLastPara="1" rIns="91425" wrap="square" tIns="91425">
+            <a:noAutofit/>
+          </a:bodyPr>
+          <a:lstStyle/>
+          <a:p>
+            <a:pPr indent="0" lvl="0" marL="0" rtl="0" algn="ctr">
+              <a:spcBef>
+                <a:spcPts val="0"/>
+              </a:spcBef>
+              <a:spcAft>
+                <a:spcPts val="0"/>
+              </a:spcAft>
+              <a:buNone/>
+            </a:pPr>
+            <a:r>
+              <a:rPr lang="ko" sz="4200">
+                <a:uFill>
+                  <a:noFill/>
+                </a:uFill>
+                <a:hlinkClick r:id="rId3"/>
+              </a:rPr>
+              <a:t>ossw.iptime.org/ossw_cardnew</a:t>
+            </a:r>
+            <a:r>
+              <a:rPr lang="ko" sz="4200">
+                <a:uFill>
+                  <a:noFill/>
+                </a:uFill>
+                <a:hlinkClick r:id="rId4"/>
+              </a:rPr>
+              <a:t>s</a:t>
+            </a:r>
+            <a:endParaRPr sz="4200"/>
+          </a:p>
+        </p:txBody>
+      </p:sp>
+    </p:spTree>
+  </p:cSld>
+  <p:clrMapOvr>
+    <a:masterClrMapping/>
+  </p:clrMapOvr>
+</p:sld>
+</file>
+
+<file path=ppt/slides/slide12.xml><?xml version="1.0" encoding="utf-8"?>
+<p:sld xmlns:a="http://schemas.openxmlformats.org/drawingml/2006/main" xmlns:r="http://schemas.openxmlformats.org/officeDocument/2006/relationships" xmlns:mc="http://schemas.openxmlformats.org/markup-compatibility/2006" xmlns:mv="urn:schemas-microsoft-com:mac:vml" xmlns:p="http://schemas.openxmlformats.org/presentationml/2006/main" xmlns:c="http://schemas.openxmlformats.org/drawingml/2006/chart" xmlns:dgm="http://schemas.openxmlformats.org/drawingml/2006/diagram" xmlns:o="urn:schemas-microsoft-com:office:office" xmlns:v="urn:schemas-microsoft-com:vml" xmlns:pvml="urn:schemas-microsoft-com:office:powerpoint" xmlns:com="http://schemas.openxmlformats.org/drawingml/2006/compatibility" xmlns:p14="http://schemas.microsoft.com/office/powerpoint/2010/main" xmlns:p15="http://schemas.microsoft.com/office/powerpoint/2012/main">
+  <p:cSld>
+    <p:spTree>
+      <p:nvGrpSpPr>
+        <p:cNvPr id="195" name="Shape 195"/>
+        <p:cNvGrpSpPr/>
+        <p:nvPr/>
+      </p:nvGrpSpPr>
+      <p:grpSpPr>
+        <a:xfrm>
+          <a:off x="0" y="0"/>
+          <a:ext cx="0" cy="0"/>
+          <a:chOff x="0" y="0"/>
+          <a:chExt cx="0" cy="0"/>
+        </a:xfrm>
+      </p:grpSpPr>
+      <p:sp>
+        <p:nvSpPr>
+          <p:cNvPr id="196" name="Google Shape;196;p24"/>
+          <p:cNvSpPr txBox="1"/>
+          <p:nvPr>
+            <p:ph type="title"/>
+          </p:nvPr>
+        </p:nvSpPr>
+        <p:spPr>
+          <a:xfrm>
+            <a:off x="311700" y="445025"/>
+            <a:ext cx="8520600" cy="572700"/>
+          </a:xfrm>
+          <a:prstGeom prst="rect">
+            <a:avLst/>
+          </a:prstGeom>
+        </p:spPr>
+        <p:txBody>
+          <a:bodyPr anchorCtr="0" anchor="t" bIns="91425" lIns="91425" spcFirstLastPara="1" rIns="91425" wrap="square" tIns="91425">
+            <a:noAutofit/>
+          </a:bodyPr>
+          <a:lstStyle/>
+          <a:p>
+            <a:pPr indent="0" lvl="0" marL="0" rtl="0" algn="l">
+              <a:spcBef>
+                <a:spcPts val="0"/>
+              </a:spcBef>
+              <a:spcAft>
+                <a:spcPts val="0"/>
+              </a:spcAft>
+              <a:buNone/>
+            </a:pPr>
+            <a:r>
+              <a:rPr lang="ko"/>
+              <a:t>라이센스</a:t>
+            </a:r>
+            <a:endParaRPr/>
+          </a:p>
+        </p:txBody>
+      </p:sp>
+      <p:sp>
+        <p:nvSpPr>
+          <p:cNvPr id="197" name="Google Shape;197;p24"/>
+          <p:cNvSpPr txBox="1"/>
+          <p:nvPr>
+            <p:ph idx="1" type="body"/>
+          </p:nvPr>
+        </p:nvSpPr>
+        <p:spPr>
+          <a:xfrm>
+            <a:off x="311700" y="1521225"/>
+            <a:ext cx="8681700" cy="2878500"/>
+          </a:xfrm>
+          <a:prstGeom prst="rect">
+            <a:avLst/>
+          </a:prstGeom>
+        </p:spPr>
+        <p:txBody>
+          <a:bodyPr anchorCtr="0" anchor="t" bIns="91425" lIns="91425" spcFirstLastPara="1" rIns="91425" wrap="square" tIns="91425">
+            <a:noAutofit/>
+          </a:bodyPr>
+          <a:lstStyle/>
+          <a:p>
+            <a:pPr indent="-330200" lvl="0" marL="457200" rtl="0" algn="l">
+              <a:spcBef>
+                <a:spcPts val="0"/>
+              </a:spcBef>
+              <a:spcAft>
+                <a:spcPts val="0"/>
+              </a:spcAft>
+              <a:buSzPts val="1600"/>
+              <a:buChar char="●"/>
+            </a:pPr>
+            <a:r>
+              <a:rPr b="1" lang="ko" sz="2100">
+                <a:solidFill>
+                  <a:schemeClr val="dk1"/>
+                </a:solidFill>
+              </a:rPr>
+              <a:t>HTML5UP         -&gt;          CCL 3.0</a:t>
+            </a:r>
+            <a:endParaRPr b="1" sz="2100">
+              <a:solidFill>
+                <a:schemeClr val="dk1"/>
+              </a:solidFill>
+            </a:endParaRPr>
+          </a:p>
+          <a:p>
+            <a:pPr indent="-330200" lvl="0" marL="457200" rtl="0" algn="l">
+              <a:spcBef>
+                <a:spcPts val="1600"/>
+              </a:spcBef>
+              <a:spcAft>
+                <a:spcPts val="0"/>
+              </a:spcAft>
+              <a:buSzPts val="1600"/>
+              <a:buChar char="●"/>
+            </a:pPr>
+            <a:r>
+              <a:rPr b="1" lang="ko" sz="2100">
+                <a:solidFill>
+                  <a:schemeClr val="dk1"/>
+                </a:solidFill>
+              </a:rPr>
+              <a:t>BOOTSTRAP    -&gt;          MIT license</a:t>
+            </a:r>
+            <a:endParaRPr b="1" sz="2100">
+              <a:solidFill>
+                <a:schemeClr val="dk1"/>
+              </a:solidFill>
+            </a:endParaRPr>
+          </a:p>
+          <a:p>
+            <a:pPr indent="-330200" lvl="0" marL="457200" rtl="0" algn="l">
+              <a:spcBef>
+                <a:spcPts val="1600"/>
+              </a:spcBef>
+              <a:spcAft>
+                <a:spcPts val="0"/>
+              </a:spcAft>
+              <a:buSzPts val="1600"/>
+              <a:buChar char="●"/>
+            </a:pPr>
+            <a:r>
+              <a:rPr b="1" lang="ko" sz="2100">
+                <a:solidFill>
+                  <a:schemeClr val="dk1"/>
+                </a:solidFill>
+              </a:rPr>
+              <a:t>API                      -&gt;         이용 준수 사항 존재(license X) </a:t>
+            </a:r>
+            <a:endParaRPr b="1" sz="2100">
+              <a:solidFill>
+                <a:schemeClr val="dk1"/>
+              </a:solidFill>
+            </a:endParaRPr>
+          </a:p>
+          <a:p>
+            <a:pPr indent="-330200" lvl="0" marL="457200" rtl="0" algn="l">
+              <a:spcBef>
+                <a:spcPts val="1600"/>
+              </a:spcBef>
+              <a:spcAft>
+                <a:spcPts val="0"/>
+              </a:spcAft>
+              <a:buSzPts val="1600"/>
+              <a:buChar char="●"/>
+            </a:pPr>
+            <a:r>
+              <a:rPr b="1" lang="ko" sz="2100">
+                <a:solidFill>
+                  <a:schemeClr val="dk1"/>
+                </a:solidFill>
+              </a:rPr>
+              <a:t>google jQuery     -&gt;         MIT license</a:t>
+            </a:r>
+            <a:endParaRPr b="1" sz="2100">
+              <a:solidFill>
+                <a:schemeClr val="dk1"/>
+              </a:solidFill>
+            </a:endParaRPr>
+          </a:p>
+          <a:p>
+            <a:pPr indent="-361950" lvl="0" marL="457200" rtl="0" algn="l">
+              <a:spcBef>
+                <a:spcPts val="1600"/>
+              </a:spcBef>
+              <a:spcAft>
+                <a:spcPts val="1600"/>
+              </a:spcAft>
+              <a:buClr>
+                <a:schemeClr val="dk1"/>
+              </a:buClr>
+              <a:buSzPts val="2100"/>
+              <a:buChar char="●"/>
+            </a:pPr>
+            <a:r>
+              <a:rPr b="1" lang="ko" sz="2100">
+                <a:solidFill>
+                  <a:schemeClr val="dk1"/>
+                </a:solidFill>
+              </a:rPr>
+              <a:t>image                   -&gt;         CC0 license</a:t>
+            </a:r>
+            <a:endParaRPr b="1" sz="2100">
+              <a:solidFill>
+                <a:schemeClr val="dk1"/>
+              </a:solidFill>
+            </a:endParaRPr>
+          </a:p>
+        </p:txBody>
+      </p:sp>
+    </p:spTree>
+  </p:cSld>
+  <p:clrMapOvr>
+    <a:masterClrMapping/>
+  </p:clrMapOvr>
+</p:sld>
+</file>
+
+<file path=ppt/slides/slide13.xml><?xml version="1.0" encoding="utf-8"?>
+<p:sld xmlns:a="http://schemas.openxmlformats.org/drawingml/2006/main" xmlns:r="http://schemas.openxmlformats.org/officeDocument/2006/relationships" xmlns:mc="http://schemas.openxmlformats.org/markup-compatibility/2006" xmlns:mv="urn:schemas-microsoft-com:mac:vml" xmlns:p="http://schemas.openxmlformats.org/presentationml/2006/main" xmlns:c="http://schemas.openxmlformats.org/drawingml/2006/chart" xmlns:dgm="http://schemas.openxmlformats.org/drawingml/2006/diagram" xmlns:o="urn:schemas-microsoft-com:office:office" xmlns:v="urn:schemas-microsoft-com:vml" xmlns:pvml="urn:schemas-microsoft-com:office:powerpoint" xmlns:com="http://schemas.openxmlformats.org/drawingml/2006/compatibility" xmlns:p14="http://schemas.microsoft.com/office/powerpoint/2010/main" xmlns:p15="http://schemas.microsoft.com/office/powerpoint/2012/main">
+  <p:cSld>
+    <p:spTree>
+      <p:nvGrpSpPr>
+        <p:cNvPr id="201" name="Shape 201"/>
+        <p:cNvGrpSpPr/>
+        <p:nvPr/>
+      </p:nvGrpSpPr>
+      <p:grpSpPr>
+        <a:xfrm>
+          <a:off x="0" y="0"/>
+          <a:ext cx="0" cy="0"/>
+          <a:chOff x="0" y="0"/>
+          <a:chExt cx="0" cy="0"/>
+        </a:xfrm>
+      </p:grpSpPr>
+      <p:sp>
+        <p:nvSpPr>
+          <p:cNvPr id="202" name="Google Shape;202;p25"/>
+          <p:cNvSpPr txBox="1"/>
+          <p:nvPr>
+            <p:ph type="title"/>
+          </p:nvPr>
+        </p:nvSpPr>
+        <p:spPr>
+          <a:xfrm>
+            <a:off x="1458450" y="526350"/>
+            <a:ext cx="6227100" cy="4090800"/>
+          </a:xfrm>
+          <a:prstGeom prst="rect">
+            <a:avLst/>
+          </a:prstGeom>
+        </p:spPr>
+        <p:txBody>
+          <a:bodyPr anchorCtr="0" anchor="ctr" bIns="91425" lIns="91425" spcFirstLastPara="1" rIns="91425" wrap="square" tIns="91425">
+            <a:noAutofit/>
+          </a:bodyPr>
+          <a:lstStyle/>
+          <a:p>
+            <a:pPr indent="0" lvl="0" marL="0" rtl="0" algn="ctr">
+              <a:spcBef>
+                <a:spcPts val="0"/>
+              </a:spcBef>
+              <a:spcAft>
+                <a:spcPts val="0"/>
+              </a:spcAft>
+              <a:buNone/>
+            </a:pPr>
+            <a:r>
+              <a:rPr lang="ko" sz="4200">
+                <a:uFill>
+                  <a:noFill/>
+                </a:uFill>
+                <a:hlinkClick r:id="rId3"/>
+              </a:rPr>
+              <a:t>최종 라이센스</a:t>
+            </a:r>
+            <a:endParaRPr sz="4200"/>
+          </a:p>
+        </p:txBody>
+      </p:sp>
+    </p:spTree>
+  </p:cSld>
+  <p:clrMapOvr>
+    <a:masterClrMapping/>
+  </p:clrMapOvr>
+</p:sld>
+</file>
+
+<file path=ppt/slides/slide14.xml><?xml version="1.0" encoding="utf-8"?>
+<p:sld xmlns:a="http://schemas.openxmlformats.org/drawingml/2006/main" xmlns:r="http://schemas.openxmlformats.org/officeDocument/2006/relationships" xmlns:mc="http://schemas.openxmlformats.org/markup-compatibility/2006" xmlns:mv="urn:schemas-microsoft-com:mac:vml" xmlns:p="http://schemas.openxmlformats.org/presentationml/2006/main" xmlns:c="http://schemas.openxmlformats.org/drawingml/2006/chart" xmlns:dgm="http://schemas.openxmlformats.org/drawingml/2006/diagram" xmlns:o="urn:schemas-microsoft-com:office:office" xmlns:v="urn:schemas-microsoft-com:vml" xmlns:pvml="urn:schemas-microsoft-com:office:powerpoint" xmlns:com="http://schemas.openxmlformats.org/drawingml/2006/compatibility" xmlns:p14="http://schemas.microsoft.com/office/powerpoint/2010/main" xmlns:p15="http://schemas.microsoft.com/office/powerpoint/2012/main">
+  <p:cSld>
+    <p:spTree>
+      <p:nvGrpSpPr>
+        <p:cNvPr id="206" name="Shape 206"/>
+        <p:cNvGrpSpPr/>
+        <p:nvPr/>
+      </p:nvGrpSpPr>
+      <p:grpSpPr>
+        <a:xfrm>
+          <a:off x="0" y="0"/>
+          <a:ext cx="0" cy="0"/>
+          <a:chOff x="0" y="0"/>
+          <a:chExt cx="0" cy="0"/>
+        </a:xfrm>
+      </p:grpSpPr>
+      <p:sp>
+        <p:nvSpPr>
+          <p:cNvPr id="207" name="Google Shape;207;p26"/>
           <p:cNvSpPr txBox="1"/>
           <p:nvPr>
             <p:ph type="title"/>
@@ -7149,12 +8035,12 @@
 </p:sld>
 </file>
 
-<file path=ppt/slides/slide11.xml><?xml version="1.0" encoding="utf-8"?>
+<file path=ppt/slides/slide15.xml><?xml version="1.0" encoding="utf-8"?>
 <p:sld xmlns:a="http://schemas.openxmlformats.org/drawingml/2006/main" xmlns:r="http://schemas.openxmlformats.org/officeDocument/2006/relationships" xmlns:mc="http://schemas.openxmlformats.org/markup-compatibility/2006" xmlns:mv="urn:schemas-microsoft-com:mac:vml" xmlns:p="http://schemas.openxmlformats.org/presentationml/2006/main" xmlns:c="http://schemas.openxmlformats.org/drawingml/2006/chart" xmlns:dgm="http://schemas.openxmlformats.org/drawingml/2006/diagram" xmlns:o="urn:schemas-microsoft-com:office:office" xmlns:v="urn:schemas-microsoft-com:vml" xmlns:pvml="urn:schemas-microsoft-com:office:powerpoint" xmlns:com="http://schemas.openxmlformats.org/drawingml/2006/compatibility" xmlns:p14="http://schemas.microsoft.com/office/powerpoint/2010/main" xmlns:p15="http://schemas.microsoft.com/office/powerpoint/2012/main">
   <p:cSld>
     <p:spTree>
       <p:nvGrpSpPr>
-        <p:cNvPr id="178" name="Shape 178"/>
+        <p:cNvPr id="211" name="Shape 211"/>
         <p:cNvGrpSpPr/>
         <p:nvPr/>
       </p:nvGrpSpPr>
@@ -7168,7 +8054,7 @@
       </p:grpSpPr>
       <p:sp>
         <p:nvSpPr>
-          <p:cNvPr id="179" name="Google Shape;179;p23"/>
+          <p:cNvPr id="212" name="Google Shape;212;p27"/>
           <p:cNvSpPr txBox="1"/>
           <p:nvPr>
             <p:ph type="title"/>
@@ -7176,8 +8062,8 @@
         </p:nvSpPr>
         <p:spPr>
           <a:xfrm>
-            <a:off x="311700" y="150650"/>
-            <a:ext cx="8520600" cy="572700"/>
+            <a:off x="2344950" y="142900"/>
+            <a:ext cx="4454100" cy="572700"/>
           </a:xfrm>
           <a:prstGeom prst="rect">
             <a:avLst/>
@@ -7208,7 +8094,7 @@
       </p:sp>
       <p:sp>
         <p:nvSpPr>
-          <p:cNvPr id="180" name="Google Shape;180;p23"/>
+          <p:cNvPr id="213" name="Google Shape;213;p27"/>
           <p:cNvSpPr txBox="1"/>
           <p:nvPr>
             <p:ph idx="4294967295" type="body"/>
@@ -7256,7 +8142,7 @@
       </p:sp>
       <p:pic>
         <p:nvPicPr>
-          <p:cNvPr id="181" name="Google Shape;181;p23"/>
+          <p:cNvPr id="214" name="Google Shape;214;p27"/>
           <p:cNvPicPr preferRelativeResize="0"/>
           <p:nvPr/>
         </p:nvPicPr>
@@ -7270,7 +8156,7 @@
         </p:blipFill>
         <p:spPr>
           <a:xfrm>
-            <a:off x="2466588" y="855051"/>
+            <a:off x="2466575" y="847301"/>
             <a:ext cx="4210826" cy="4058574"/>
           </a:xfrm>
           <a:prstGeom prst="rect">
@@ -7282,6 +8168,97 @@
           </a:ln>
         </p:spPr>
       </p:pic>
+      <p:sp>
+        <p:nvSpPr>
+          <p:cNvPr id="215" name="Google Shape;215;p27"/>
+          <p:cNvSpPr txBox="1"/>
+          <p:nvPr/>
+        </p:nvSpPr>
+        <p:spPr>
+          <a:xfrm>
+            <a:off x="2466600" y="4812925"/>
+            <a:ext cx="4210800" cy="291900"/>
+          </a:xfrm>
+          <a:prstGeom prst="rect">
+            <a:avLst/>
+          </a:prstGeom>
+          <a:solidFill>
+            <a:schemeClr val="lt1"/>
+          </a:solidFill>
+          <a:ln>
+            <a:noFill/>
+          </a:ln>
+        </p:spPr>
+        <p:txBody>
+          <a:bodyPr anchorCtr="0" anchor="t" bIns="91425" lIns="91425" spcFirstLastPara="1" rIns="91425" wrap="square" tIns="91425">
+            <a:noAutofit/>
+          </a:bodyPr>
+          <a:lstStyle/>
+          <a:p>
+            <a:pPr indent="0" lvl="0" marL="0" rtl="0" algn="ctr">
+              <a:lnSpc>
+                <a:spcPct val="120000"/>
+              </a:lnSpc>
+              <a:spcBef>
+                <a:spcPts val="0"/>
+              </a:spcBef>
+              <a:spcAft>
+                <a:spcPts val="0"/>
+              </a:spcAft>
+              <a:buNone/>
+            </a:pPr>
+            <a:r>
+              <a:rPr lang="ko" sz="1500">
+                <a:solidFill>
+                  <a:srgbClr val="FFFFFF"/>
+                </a:solidFill>
+                <a:highlight>
+                  <a:schemeClr val="lt1"/>
+                </a:highlight>
+                <a:latin typeface="Oswald"/>
+                <a:ea typeface="Oswald"/>
+                <a:cs typeface="Oswald"/>
+                <a:sym typeface="Oswald"/>
+              </a:rPr>
+              <a:t>The Re-giving Tree </a:t>
+            </a:r>
+            <a:r>
+              <a:rPr lang="ko" sz="900">
+                <a:solidFill>
+                  <a:srgbClr val="FFFFFF"/>
+                </a:solidFill>
+                <a:highlight>
+                  <a:schemeClr val="lt1"/>
+                </a:highlight>
+              </a:rPr>
+              <a:t>by </a:t>
+            </a:r>
+            <a:r>
+              <a:rPr b="1" lang="ko" sz="1300">
+                <a:solidFill>
+                  <a:srgbClr val="FFFFFF"/>
+                </a:solidFill>
+                <a:highlight>
+                  <a:schemeClr val="lt1"/>
+                </a:highlight>
+                <a:uFill>
+                  <a:noFill/>
+                </a:uFill>
+                <a:hlinkClick r:id="rId4"/>
+              </a:rPr>
+              <a:t>Jason Adam Katzenstein</a:t>
+            </a:r>
+            <a:endParaRPr sz="1300">
+              <a:solidFill>
+                <a:srgbClr val="FFFFFF"/>
+              </a:solidFill>
+              <a:highlight>
+                <a:schemeClr val="lt1"/>
+              </a:highlight>
+            </a:endParaRPr>
+          </a:p>
+        </p:txBody>
+      </p:sp>
     </p:spTree>
   </p:cSld>
   <p:clrMapOvr>
@@ -8331,6 +9308,244 @@
         </p:nvSpPr>
         <p:spPr>
           <a:xfrm>
+            <a:off x="869250" y="999150"/>
+            <a:ext cx="7405500" cy="3145200"/>
+          </a:xfrm>
+          <a:prstGeom prst="rect">
+            <a:avLst/>
+          </a:prstGeom>
+        </p:spPr>
+        <p:txBody>
+          <a:bodyPr anchorCtr="0" anchor="t" bIns="91425" lIns="91425" spcFirstLastPara="1" rIns="91425" wrap="square" tIns="91425">
+            <a:noAutofit/>
+          </a:bodyPr>
+          <a:lstStyle/>
+          <a:p>
+            <a:pPr indent="0" lvl="0" marL="0" rtl="0" algn="ctr">
+              <a:spcBef>
+                <a:spcPts val="0"/>
+              </a:spcBef>
+              <a:spcAft>
+                <a:spcPts val="0"/>
+              </a:spcAft>
+              <a:buNone/>
+            </a:pPr>
+            <a:r>
+              <a:rPr lang="ko" sz="3900"/>
+              <a:t>오픈소스 소프트웨어</a:t>
+            </a:r>
+            <a:endParaRPr sz="3900"/>
+          </a:p>
+          <a:p>
+            <a:pPr indent="0" lvl="0" marL="0" rtl="0" algn="ctr">
+              <a:spcBef>
+                <a:spcPts val="0"/>
+              </a:spcBef>
+              <a:spcAft>
+                <a:spcPts val="0"/>
+              </a:spcAft>
+              <a:buNone/>
+            </a:pPr>
+            <a:r>
+              <a:t/>
+            </a:r>
+            <a:endParaRPr sz="3900"/>
+          </a:p>
+          <a:p>
+            <a:pPr indent="0" lvl="0" marL="0" rtl="0" algn="ctr">
+              <a:spcBef>
+                <a:spcPts val="0"/>
+              </a:spcBef>
+              <a:spcAft>
+                <a:spcPts val="0"/>
+              </a:spcAft>
+              <a:buNone/>
+            </a:pPr>
+            <a:r>
+              <a:rPr lang="ko" sz="3900"/>
+              <a:t>+</a:t>
+            </a:r>
+            <a:endParaRPr sz="3900"/>
+          </a:p>
+          <a:p>
+            <a:pPr indent="0" lvl="0" marL="0" rtl="0" algn="ctr">
+              <a:spcBef>
+                <a:spcPts val="0"/>
+              </a:spcBef>
+              <a:spcAft>
+                <a:spcPts val="0"/>
+              </a:spcAft>
+              <a:buNone/>
+            </a:pPr>
+            <a:r>
+              <a:t/>
+            </a:r>
+            <a:endParaRPr sz="3900"/>
+          </a:p>
+          <a:p>
+            <a:pPr indent="0" lvl="0" marL="0" rtl="0" algn="ctr">
+              <a:spcBef>
+                <a:spcPts val="0"/>
+              </a:spcBef>
+              <a:spcAft>
+                <a:spcPts val="0"/>
+              </a:spcAft>
+              <a:buNone/>
+            </a:pPr>
+            <a:r>
+              <a:rPr lang="ko" sz="3900"/>
+              <a:t>폭포수 모델</a:t>
+            </a:r>
+            <a:endParaRPr sz="3900"/>
+          </a:p>
+        </p:txBody>
+      </p:sp>
+      <p:pic>
+        <p:nvPicPr>
+          <p:cNvPr id="96" name="Google Shape;96;p16"/>
+          <p:cNvPicPr preferRelativeResize="0"/>
+          <p:nvPr/>
+        </p:nvPicPr>
+        <p:blipFill>
+          <a:blip r:embed="rId3">
+            <a:alphaModFix/>
+          </a:blip>
+          <a:stretch>
+            <a:fillRect/>
+          </a:stretch>
+        </p:blipFill>
+        <p:spPr>
+          <a:xfrm>
+            <a:off x="1883938" y="805200"/>
+            <a:ext cx="5376124" cy="3533075"/>
+          </a:xfrm>
+          <a:prstGeom prst="rect">
+            <a:avLst/>
+          </a:prstGeom>
+          <a:noFill/>
+          <a:ln>
+            <a:noFill/>
+          </a:ln>
+        </p:spPr>
+      </p:pic>
+    </p:spTree>
+  </p:cSld>
+  <p:clrMapOvr>
+    <a:masterClrMapping/>
+  </p:clrMapOvr>
+  <p:timing>
+    <p:tnLst>
+      <p:par>
+        <p:cTn dur="indefinite" nodeType="tmRoot" restart="never">
+          <p:childTnLst>
+            <p:seq concurrent="1" nextAc="seek">
+              <p:cTn dur="indefinite" id="2" nodeType="mainSeq">
+                <p:childTnLst>
+                  <p:par>
+                    <p:cTn fill="hold">
+                      <p:stCondLst>
+                        <p:cond delay="indefinite"/>
+                      </p:stCondLst>
+                      <p:childTnLst>
+                        <p:par>
+                          <p:cTn fill="hold">
+                            <p:stCondLst>
+                              <p:cond delay="0"/>
+                            </p:stCondLst>
+                            <p:childTnLst>
+                              <p:par>
+                                <p:cTn fill="hold" nodeType="clickEffect" presetClass="entr" presetID="10" presetSubtype="0">
+                                  <p:stCondLst>
+                                    <p:cond delay="0"/>
+                                  </p:stCondLst>
+                                  <p:childTnLst>
+                                    <p:set>
+                                      <p:cBhvr>
+                                        <p:cTn dur="1" fill="hold">
+                                          <p:stCondLst>
+                                            <p:cond delay="0"/>
+                                          </p:stCondLst>
+                                        </p:cTn>
+                                        <p:tgtEl>
+                                          <p:spTgt spid="96"/>
+                                        </p:tgtEl>
+                                        <p:attrNameLst>
+                                          <p:attrName>style.visibility</p:attrName>
+                                        </p:attrNameLst>
+                                      </p:cBhvr>
+                                      <p:to>
+                                        <p:strVal val="visible"/>
+                                      </p:to>
+                                    </p:set>
+                                    <p:animEffect filter="fade" transition="in">
+                                      <p:cBhvr>
+                                        <p:cTn dur="1000"/>
+                                        <p:tgtEl>
+                                          <p:spTgt spid="96"/>
+                                        </p:tgtEl>
+                                      </p:cBhvr>
+                                    </p:animEffect>
+                                  </p:childTnLst>
+                                </p:cTn>
+                              </p:par>
+                            </p:childTnLst>
+                          </p:cTn>
+                        </p:par>
+                      </p:childTnLst>
+                    </p:cTn>
+                  </p:par>
+                </p:childTnLst>
+              </p:cTn>
+              <p:prevCondLst>
+                <p:cond evt="onPrev">
+                  <p:tgtEl>
+                    <p:sldTgt/>
+                  </p:tgtEl>
+                </p:cond>
+              </p:prevCondLst>
+              <p:nextCondLst>
+                <p:cond evt="onNext">
+                  <p:tgtEl>
+                    <p:sldTgt/>
+                  </p:tgtEl>
+                </p:cond>
+              </p:nextCondLst>
+            </p:seq>
+          </p:childTnLst>
+        </p:cTn>
+      </p:par>
+    </p:tnLst>
+  </p:timing>
+</p:sld>
+</file>
+
+<file path=ppt/slides/slide5.xml><?xml version="1.0" encoding="utf-8"?>
+<p:sld xmlns:a="http://schemas.openxmlformats.org/drawingml/2006/main" xmlns:r="http://schemas.openxmlformats.org/officeDocument/2006/relationships" xmlns:mc="http://schemas.openxmlformats.org/markup-compatibility/2006" xmlns:mv="urn:schemas-microsoft-com:mac:vml" xmlns:p="http://schemas.openxmlformats.org/presentationml/2006/main" xmlns:c="http://schemas.openxmlformats.org/drawingml/2006/chart" xmlns:dgm="http://schemas.openxmlformats.org/drawingml/2006/diagram" xmlns:o="urn:schemas-microsoft-com:office:office" xmlns:v="urn:schemas-microsoft-com:vml" xmlns:pvml="urn:schemas-microsoft-com:office:powerpoint" xmlns:com="http://schemas.openxmlformats.org/drawingml/2006/compatibility" xmlns:p14="http://schemas.microsoft.com/office/powerpoint/2010/main" xmlns:p15="http://schemas.microsoft.com/office/powerpoint/2012/main">
+  <p:cSld>
+    <p:spTree>
+      <p:nvGrpSpPr>
+        <p:cNvPr id="100" name="Shape 100"/>
+        <p:cNvGrpSpPr/>
+        <p:nvPr/>
+      </p:nvGrpSpPr>
+      <p:grpSpPr>
+        <a:xfrm>
+          <a:off x="0" y="0"/>
+          <a:ext cx="0" cy="0"/>
+          <a:chOff x="0" y="0"/>
+          <a:chExt cx="0" cy="0"/>
+        </a:xfrm>
+      </p:grpSpPr>
+      <p:sp>
+        <p:nvSpPr>
+          <p:cNvPr id="101" name="Google Shape;101;p17"/>
+          <p:cNvSpPr txBox="1"/>
+          <p:nvPr>
+            <p:ph type="title"/>
+          </p:nvPr>
+        </p:nvSpPr>
+        <p:spPr>
+          <a:xfrm>
             <a:off x="311700" y="445025"/>
             <a:ext cx="8520600" cy="572700"/>
           </a:xfrm>
@@ -8363,7 +9578,7 @@
       </p:sp>
       <p:grpSp>
         <p:nvGrpSpPr>
-          <p:cNvPr id="96" name="Google Shape;96;p16"/>
+          <p:cNvPr id="102" name="Google Shape;102;p17"/>
           <p:cNvGrpSpPr/>
           <p:nvPr/>
         </p:nvGrpSpPr>
@@ -8377,7 +9592,7 @@
         </p:grpSpPr>
         <p:sp>
           <p:nvSpPr>
-            <p:cNvPr id="97" name="Google Shape;97;p16"/>
+            <p:cNvPr id="103" name="Google Shape;103;p17"/>
             <p:cNvSpPr txBox="1"/>
             <p:nvPr/>
           </p:nvSpPr>
@@ -8420,7 +9635,7 @@
         </p:sp>
         <p:sp>
           <p:nvSpPr>
-            <p:cNvPr id="98" name="Google Shape;98;p16"/>
+            <p:cNvPr id="104" name="Google Shape;104;p17"/>
             <p:cNvSpPr/>
             <p:nvPr/>
           </p:nvSpPr>
@@ -8462,7 +9677,7 @@
       </p:grpSp>
       <p:sp>
         <p:nvSpPr>
-          <p:cNvPr id="99" name="Google Shape;99;p16"/>
+          <p:cNvPr id="105" name="Google Shape;105;p17"/>
           <p:cNvSpPr txBox="1"/>
           <p:nvPr>
             <p:ph idx="4294967295" type="body"/>
@@ -8510,7 +9725,7 @@
       </p:sp>
       <p:grpSp>
         <p:nvGrpSpPr>
-          <p:cNvPr id="100" name="Google Shape;100;p16"/>
+          <p:cNvPr id="106" name="Google Shape;106;p17"/>
           <p:cNvGrpSpPr/>
           <p:nvPr/>
         </p:nvGrpSpPr>
@@ -8524,7 +9739,7 @@
         </p:grpSpPr>
         <p:sp>
           <p:nvSpPr>
-            <p:cNvPr id="101" name="Google Shape;101;p16"/>
+            <p:cNvPr id="107" name="Google Shape;107;p17"/>
             <p:cNvSpPr txBox="1"/>
             <p:nvPr/>
           </p:nvSpPr>
@@ -8567,7 +9782,7 @@
         </p:sp>
         <p:sp>
           <p:nvSpPr>
-            <p:cNvPr id="102" name="Google Shape;102;p16"/>
+            <p:cNvPr id="108" name="Google Shape;108;p17"/>
             <p:cNvSpPr/>
             <p:nvPr/>
           </p:nvSpPr>
@@ -8609,7 +9824,7 @@
       </p:grpSp>
       <p:sp>
         <p:nvSpPr>
-          <p:cNvPr id="103" name="Google Shape;103;p16"/>
+          <p:cNvPr id="109" name="Google Shape;109;p17"/>
           <p:cNvSpPr txBox="1"/>
           <p:nvPr>
             <p:ph idx="4294967295" type="body"/>
@@ -8657,7 +9872,7 @@
       </p:sp>
       <p:grpSp>
         <p:nvGrpSpPr>
-          <p:cNvPr id="104" name="Google Shape;104;p16"/>
+          <p:cNvPr id="110" name="Google Shape;110;p17"/>
           <p:cNvGrpSpPr/>
           <p:nvPr/>
         </p:nvGrpSpPr>
@@ -8671,7 +9886,7 @@
         </p:grpSpPr>
         <p:sp>
           <p:nvSpPr>
-            <p:cNvPr id="105" name="Google Shape;105;p16"/>
+            <p:cNvPr id="111" name="Google Shape;111;p17"/>
             <p:cNvSpPr/>
             <p:nvPr/>
           </p:nvSpPr>
@@ -8712,7 +9927,7 @@
         </p:sp>
         <p:sp>
           <p:nvSpPr>
-            <p:cNvPr id="106" name="Google Shape;106;p16"/>
+            <p:cNvPr id="112" name="Google Shape;112;p17"/>
             <p:cNvSpPr txBox="1"/>
             <p:nvPr/>
           </p:nvSpPr>
@@ -8756,7 +9971,7 @@
       </p:grpSp>
       <p:sp>
         <p:nvSpPr>
-          <p:cNvPr id="107" name="Google Shape;107;p16"/>
+          <p:cNvPr id="113" name="Google Shape;113;p17"/>
           <p:cNvSpPr txBox="1"/>
           <p:nvPr>
             <p:ph idx="4294967295" type="body"/>
@@ -8804,7 +10019,7 @@
       </p:sp>
       <p:grpSp>
         <p:nvGrpSpPr>
-          <p:cNvPr id="108" name="Google Shape;108;p16"/>
+          <p:cNvPr id="114" name="Google Shape;114;p17"/>
           <p:cNvGrpSpPr/>
           <p:nvPr/>
         </p:nvGrpSpPr>
@@ -8818,7 +10033,7 @@
         </p:grpSpPr>
         <p:sp>
           <p:nvSpPr>
-            <p:cNvPr id="109" name="Google Shape;109;p16"/>
+            <p:cNvPr id="115" name="Google Shape;115;p17"/>
             <p:cNvSpPr txBox="1"/>
             <p:nvPr/>
           </p:nvSpPr>
@@ -8861,7 +10076,7 @@
         </p:sp>
         <p:sp>
           <p:nvSpPr>
-            <p:cNvPr id="110" name="Google Shape;110;p16"/>
+            <p:cNvPr id="116" name="Google Shape;116;p17"/>
             <p:cNvSpPr/>
             <p:nvPr/>
           </p:nvSpPr>
@@ -8903,7 +10118,7 @@
       </p:grpSp>
       <p:grpSp>
         <p:nvGrpSpPr>
-          <p:cNvPr id="111" name="Google Shape;111;p16"/>
+          <p:cNvPr id="117" name="Google Shape;117;p17"/>
           <p:cNvGrpSpPr/>
           <p:nvPr/>
         </p:nvGrpSpPr>
@@ -8917,7 +10132,7 @@
         </p:grpSpPr>
         <p:sp>
           <p:nvSpPr>
-            <p:cNvPr id="112" name="Google Shape;112;p16"/>
+            <p:cNvPr id="118" name="Google Shape;118;p17"/>
             <p:cNvSpPr txBox="1"/>
             <p:nvPr/>
           </p:nvSpPr>
@@ -8960,7 +10175,7 @@
         </p:sp>
         <p:sp>
           <p:nvSpPr>
-            <p:cNvPr id="113" name="Google Shape;113;p16"/>
+            <p:cNvPr id="119" name="Google Shape;119;p17"/>
             <p:cNvSpPr/>
             <p:nvPr/>
           </p:nvSpPr>
@@ -9002,7 +10217,7 @@
       </p:grpSp>
       <p:grpSp>
         <p:nvGrpSpPr>
-          <p:cNvPr id="114" name="Google Shape;114;p16"/>
+          <p:cNvPr id="120" name="Google Shape;120;p17"/>
           <p:cNvGrpSpPr/>
           <p:nvPr/>
         </p:nvGrpSpPr>
@@ -9016,7 +10231,7 @@
         </p:grpSpPr>
         <p:sp>
           <p:nvSpPr>
-            <p:cNvPr id="115" name="Google Shape;115;p16"/>
+            <p:cNvPr id="121" name="Google Shape;121;p17"/>
             <p:cNvSpPr txBox="1"/>
             <p:nvPr/>
           </p:nvSpPr>
@@ -9059,7 +10274,7 @@
         </p:sp>
         <p:sp>
           <p:nvSpPr>
-            <p:cNvPr id="116" name="Google Shape;116;p16"/>
+            <p:cNvPr id="122" name="Google Shape;122;p17"/>
             <p:cNvSpPr/>
             <p:nvPr/>
           </p:nvSpPr>
@@ -9101,7 +10316,7 @@
       </p:grpSp>
       <p:sp>
         <p:nvSpPr>
-          <p:cNvPr id="117" name="Google Shape;117;p16"/>
+          <p:cNvPr id="123" name="Google Shape;123;p17"/>
           <p:cNvSpPr txBox="1"/>
           <p:nvPr>
             <p:ph idx="4294967295" type="body"/>
@@ -9149,7 +10364,7 @@
       </p:sp>
       <p:sp>
         <p:nvSpPr>
-          <p:cNvPr id="118" name="Google Shape;118;p16"/>
+          <p:cNvPr id="124" name="Google Shape;124;p17"/>
           <p:cNvSpPr txBox="1"/>
           <p:nvPr>
             <p:ph idx="4294967295" type="body"/>
@@ -9197,7 +10412,7 @@
       </p:sp>
       <p:sp>
         <p:nvSpPr>
-          <p:cNvPr id="119" name="Google Shape;119;p16"/>
+          <p:cNvPr id="125" name="Google Shape;125;p17"/>
           <p:cNvSpPr txBox="1"/>
           <p:nvPr>
             <p:ph idx="4294967295" type="body"/>
@@ -9245,7 +10460,7 @@
       </p:sp>
       <p:cxnSp>
         <p:nvCxnSpPr>
-          <p:cNvPr id="120" name="Google Shape;120;p16"/>
+          <p:cNvPr id="126" name="Google Shape;126;p17"/>
           <p:cNvCxnSpPr/>
           <p:nvPr/>
         </p:nvCxnSpPr>
@@ -9271,7 +10486,7 @@
       </p:cxnSp>
       <p:cxnSp>
         <p:nvCxnSpPr>
-          <p:cNvPr id="121" name="Google Shape;121;p16"/>
+          <p:cNvPr id="127" name="Google Shape;127;p17"/>
           <p:cNvCxnSpPr/>
           <p:nvPr/>
         </p:nvCxnSpPr>
@@ -9297,7 +10512,7 @@
       </p:cxnSp>
       <p:cxnSp>
         <p:nvCxnSpPr>
-          <p:cNvPr id="122" name="Google Shape;122;p16"/>
+          <p:cNvPr id="128" name="Google Shape;128;p17"/>
           <p:cNvCxnSpPr/>
           <p:nvPr/>
         </p:nvCxnSpPr>
@@ -9323,7 +10538,7 @@
       </p:cxnSp>
       <p:cxnSp>
         <p:nvCxnSpPr>
-          <p:cNvPr id="123" name="Google Shape;123;p16"/>
+          <p:cNvPr id="129" name="Google Shape;129;p17"/>
           <p:cNvCxnSpPr/>
           <p:nvPr/>
         </p:nvCxnSpPr>
@@ -9349,7 +10564,7 @@
       </p:cxnSp>
       <p:cxnSp>
         <p:nvCxnSpPr>
-          <p:cNvPr id="124" name="Google Shape;124;p16"/>
+          <p:cNvPr id="130" name="Google Shape;130;p17"/>
           <p:cNvCxnSpPr/>
           <p:nvPr/>
         </p:nvCxnSpPr>
@@ -9375,7 +10590,7 @@
       </p:cxnSp>
       <p:cxnSp>
         <p:nvCxnSpPr>
-          <p:cNvPr id="125" name="Google Shape;125;p16"/>
+          <p:cNvPr id="131" name="Google Shape;131;p17"/>
           <p:cNvCxnSpPr/>
           <p:nvPr/>
         </p:nvCxnSpPr>
@@ -9401,7 +10616,7 @@
       </p:cxnSp>
       <p:cxnSp>
         <p:nvCxnSpPr>
-          <p:cNvPr id="126" name="Google Shape;126;p16"/>
+          <p:cNvPr id="132" name="Google Shape;132;p17"/>
           <p:cNvCxnSpPr/>
           <p:nvPr/>
         </p:nvCxnSpPr>
@@ -9427,7 +10642,7 @@
       </p:cxnSp>
       <p:cxnSp>
         <p:nvCxnSpPr>
-          <p:cNvPr id="127" name="Google Shape;127;p16"/>
+          <p:cNvPr id="133" name="Google Shape;133;p17"/>
           <p:cNvCxnSpPr/>
           <p:nvPr/>
         </p:nvCxnSpPr>
@@ -9453,7 +10668,7 @@
       </p:cxnSp>
       <p:cxnSp>
         <p:nvCxnSpPr>
-          <p:cNvPr id="128" name="Google Shape;128;p16"/>
+          <p:cNvPr id="134" name="Google Shape;134;p17"/>
           <p:cNvCxnSpPr/>
           <p:nvPr/>
         </p:nvCxnSpPr>
@@ -9479,7 +10694,7 @@
       </p:cxnSp>
       <p:cxnSp>
         <p:nvCxnSpPr>
-          <p:cNvPr id="129" name="Google Shape;129;p16"/>
+          <p:cNvPr id="135" name="Google Shape;135;p17"/>
           <p:cNvCxnSpPr/>
           <p:nvPr/>
         </p:nvCxnSpPr>
@@ -9505,7 +10720,7 @@
       </p:cxnSp>
       <p:cxnSp>
         <p:nvCxnSpPr>
-          <p:cNvPr id="130" name="Google Shape;130;p16"/>
+          <p:cNvPr id="136" name="Google Shape;136;p17"/>
           <p:cNvCxnSpPr/>
           <p:nvPr/>
         </p:nvCxnSpPr>
@@ -9531,7 +10746,7 @@
       </p:cxnSp>
       <p:cxnSp>
         <p:nvCxnSpPr>
-          <p:cNvPr id="131" name="Google Shape;131;p16"/>
+          <p:cNvPr id="137" name="Google Shape;137;p17"/>
           <p:cNvCxnSpPr/>
           <p:nvPr/>
         </p:nvCxnSpPr>
@@ -9557,7 +10772,7 @@
       </p:cxnSp>
       <p:cxnSp>
         <p:nvCxnSpPr>
-          <p:cNvPr id="132" name="Google Shape;132;p16"/>
+          <p:cNvPr id="138" name="Google Shape;138;p17"/>
           <p:cNvCxnSpPr/>
           <p:nvPr/>
         </p:nvCxnSpPr>
@@ -9583,7 +10798,7 @@
       </p:cxnSp>
       <p:cxnSp>
         <p:nvCxnSpPr>
-          <p:cNvPr id="133" name="Google Shape;133;p16"/>
+          <p:cNvPr id="139" name="Google Shape;139;p17"/>
           <p:cNvCxnSpPr/>
           <p:nvPr/>
         </p:nvCxnSpPr>
@@ -9609,7 +10824,7 @@
       </p:cxnSp>
       <p:cxnSp>
         <p:nvCxnSpPr>
-          <p:cNvPr id="134" name="Google Shape;134;p16"/>
+          <p:cNvPr id="140" name="Google Shape;140;p17"/>
           <p:cNvCxnSpPr/>
           <p:nvPr/>
         </p:nvCxnSpPr>
@@ -9635,7 +10850,7 @@
       </p:cxnSp>
       <p:cxnSp>
         <p:nvCxnSpPr>
-          <p:cNvPr id="135" name="Google Shape;135;p16"/>
+          <p:cNvPr id="141" name="Google Shape;141;p17"/>
           <p:cNvCxnSpPr/>
           <p:nvPr/>
         </p:nvCxnSpPr>
@@ -9661,7 +10876,7 @@
       </p:cxnSp>
       <p:cxnSp>
         <p:nvCxnSpPr>
-          <p:cNvPr id="136" name="Google Shape;136;p16"/>
+          <p:cNvPr id="142" name="Google Shape;142;p17"/>
           <p:cNvCxnSpPr/>
           <p:nvPr/>
         </p:nvCxnSpPr>
@@ -9687,7 +10902,7 @@
       </p:cxnSp>
       <p:cxnSp>
         <p:nvCxnSpPr>
-          <p:cNvPr id="137" name="Google Shape;137;p16"/>
+          <p:cNvPr id="143" name="Google Shape;143;p17"/>
           <p:cNvCxnSpPr/>
           <p:nvPr/>
         </p:nvCxnSpPr>
@@ -9713,7 +10928,7 @@
       </p:cxnSp>
       <p:cxnSp>
         <p:nvCxnSpPr>
-          <p:cNvPr id="138" name="Google Shape;138;p16"/>
+          <p:cNvPr id="144" name="Google Shape;144;p17"/>
           <p:cNvCxnSpPr/>
           <p:nvPr/>
         </p:nvCxnSpPr>
@@ -9739,7 +10954,7 @@
       </p:cxnSp>
       <p:cxnSp>
         <p:nvCxnSpPr>
-          <p:cNvPr id="139" name="Google Shape;139;p16"/>
+          <p:cNvPr id="145" name="Google Shape;145;p17"/>
           <p:cNvCxnSpPr/>
           <p:nvPr/>
         </p:nvCxnSpPr>
@@ -9765,7 +10980,7 @@
       </p:cxnSp>
       <p:cxnSp>
         <p:nvCxnSpPr>
-          <p:cNvPr id="140" name="Google Shape;140;p16"/>
+          <p:cNvPr id="146" name="Google Shape;146;p17"/>
           <p:cNvCxnSpPr/>
           <p:nvPr/>
         </p:nvCxnSpPr>
@@ -9797,12 +11012,12 @@
 </p:sld>
 </file>
 
-<file path=ppt/slides/slide5.xml><?xml version="1.0" encoding="utf-8"?>
+<file path=ppt/slides/slide6.xml><?xml version="1.0" encoding="utf-8"?>
 <p:sld xmlns:a="http://schemas.openxmlformats.org/drawingml/2006/main" xmlns:r="http://schemas.openxmlformats.org/officeDocument/2006/relationships" xmlns:mc="http://schemas.openxmlformats.org/markup-compatibility/2006" xmlns:mv="urn:schemas-microsoft-com:mac:vml" xmlns:p="http://schemas.openxmlformats.org/presentationml/2006/main" xmlns:c="http://schemas.openxmlformats.org/drawingml/2006/chart" xmlns:dgm="http://schemas.openxmlformats.org/drawingml/2006/diagram" xmlns:o="urn:schemas-microsoft-com:office:office" xmlns:v="urn:schemas-microsoft-com:vml" xmlns:pvml="urn:schemas-microsoft-com:office:powerpoint" xmlns:com="http://schemas.openxmlformats.org/drawingml/2006/compatibility" xmlns:p14="http://schemas.microsoft.com/office/powerpoint/2010/main" xmlns:p15="http://schemas.microsoft.com/office/powerpoint/2012/main">
   <p:cSld>
     <p:spTree>
       <p:nvGrpSpPr>
-        <p:cNvPr id="144" name="Shape 144"/>
+        <p:cNvPr id="150" name="Shape 150"/>
         <p:cNvGrpSpPr/>
         <p:nvPr/>
       </p:nvGrpSpPr>
@@ -9816,7 +11031,7 @@
       </p:grpSpPr>
       <p:sp>
         <p:nvSpPr>
-          <p:cNvPr id="145" name="Google Shape;145;p17"/>
+          <p:cNvPr id="151" name="Google Shape;151;p18"/>
           <p:cNvSpPr txBox="1"/>
           <p:nvPr>
             <p:ph type="title"/>
@@ -9918,99 +11133,6 @@
           </a:p>
         </p:txBody>
       </p:sp>
-    </p:spTree>
-  </p:cSld>
-  <p:clrMapOvr>
-    <a:masterClrMapping/>
-  </p:clrMapOvr>
-</p:sld>
-</file>
-
-<file path=ppt/slides/slide6.xml><?xml version="1.0" encoding="utf-8"?>
-<p:sld xmlns:a="http://schemas.openxmlformats.org/drawingml/2006/main" xmlns:r="http://schemas.openxmlformats.org/officeDocument/2006/relationships" xmlns:mc="http://schemas.openxmlformats.org/markup-compatibility/2006" xmlns:mv="urn:schemas-microsoft-com:mac:vml" xmlns:p="http://schemas.openxmlformats.org/presentationml/2006/main" xmlns:c="http://schemas.openxmlformats.org/drawingml/2006/chart" xmlns:dgm="http://schemas.openxmlformats.org/drawingml/2006/diagram" xmlns:o="urn:schemas-microsoft-com:office:office" xmlns:v="urn:schemas-microsoft-com:vml" xmlns:pvml="urn:schemas-microsoft-com:office:powerpoint" xmlns:com="http://schemas.openxmlformats.org/drawingml/2006/compatibility" xmlns:p14="http://schemas.microsoft.com/office/powerpoint/2010/main" xmlns:p15="http://schemas.microsoft.com/office/powerpoint/2012/main">
-  <p:cSld>
-    <p:spTree>
-      <p:nvGrpSpPr>
-        <p:cNvPr id="149" name="Shape 149"/>
-        <p:cNvGrpSpPr/>
-        <p:nvPr/>
-      </p:nvGrpSpPr>
-      <p:grpSpPr>
-        <a:xfrm>
-          <a:off x="0" y="0"/>
-          <a:ext cx="0" cy="0"/>
-          <a:chOff x="0" y="0"/>
-          <a:chExt cx="0" cy="0"/>
-        </a:xfrm>
-      </p:grpSpPr>
-      <p:sp>
-        <p:nvSpPr>
-          <p:cNvPr id="150" name="Google Shape;150;p18"/>
-          <p:cNvSpPr txBox="1"/>
-          <p:nvPr>
-            <p:ph type="title"/>
-          </p:nvPr>
-        </p:nvSpPr>
-        <p:spPr>
-          <a:xfrm>
-            <a:off x="645900" y="417150"/>
-            <a:ext cx="7852200" cy="861000"/>
-          </a:xfrm>
-          <a:prstGeom prst="rect">
-            <a:avLst/>
-          </a:prstGeom>
-        </p:spPr>
-        <p:txBody>
-          <a:bodyPr anchorCtr="0" anchor="ctr" bIns="91425" lIns="91425" spcFirstLastPara="1" rIns="91425" wrap="square" tIns="91425">
-            <a:noAutofit/>
-          </a:bodyPr>
-          <a:lstStyle/>
-          <a:p>
-            <a:pPr indent="0" lvl="0" marL="0" rtl="0" algn="ctr">
-              <a:spcBef>
-                <a:spcPts val="0"/>
-              </a:spcBef>
-              <a:spcAft>
-                <a:spcPts val="0"/>
-              </a:spcAft>
-              <a:buNone/>
-            </a:pPr>
-            <a:r>
-              <a:rPr lang="ko"/>
-              <a:t>오픈소스 - Bitnami</a:t>
-            </a:r>
-            <a:endParaRPr/>
-          </a:p>
-        </p:txBody>
-      </p:sp>
-      <p:pic>
-        <p:nvPicPr>
-          <p:cNvPr id="151" name="Google Shape;151;p18"/>
-          <p:cNvPicPr preferRelativeResize="0"/>
-          <p:nvPr/>
-        </p:nvPicPr>
-        <p:blipFill>
-          <a:blip r:embed="rId3">
-            <a:alphaModFix/>
-          </a:blip>
-          <a:stretch>
-            <a:fillRect/>
-          </a:stretch>
-        </p:blipFill>
-        <p:spPr>
-          <a:xfrm>
-            <a:off x="2163388" y="1278150"/>
-            <a:ext cx="4817214" cy="3560550"/>
-          </a:xfrm>
-          <a:prstGeom prst="rect">
-            <a:avLst/>
-          </a:prstGeom>
-          <a:noFill/>
-          <a:ln>
-            <a:noFill/>
-          </a:ln>
-        </p:spPr>
-      </p:pic>
     </p:spTree>
   </p:cSld>
   <p:clrMapOvr>
@@ -10046,6 +11168,774 @@
         </p:nvSpPr>
         <p:spPr>
           <a:xfrm>
+            <a:off x="645900" y="417150"/>
+            <a:ext cx="7852200" cy="861000"/>
+          </a:xfrm>
+          <a:prstGeom prst="rect">
+            <a:avLst/>
+          </a:prstGeom>
+        </p:spPr>
+        <p:txBody>
+          <a:bodyPr anchorCtr="0" anchor="ctr" bIns="91425" lIns="91425" spcFirstLastPara="1" rIns="91425" wrap="square" tIns="91425">
+            <a:noAutofit/>
+          </a:bodyPr>
+          <a:lstStyle/>
+          <a:p>
+            <a:pPr indent="0" lvl="0" marL="0" rtl="0" algn="ctr">
+              <a:spcBef>
+                <a:spcPts val="0"/>
+              </a:spcBef>
+              <a:spcAft>
+                <a:spcPts val="0"/>
+              </a:spcAft>
+              <a:buNone/>
+            </a:pPr>
+            <a:r>
+              <a:rPr lang="ko"/>
+              <a:t>오픈소스 - Bitnami</a:t>
+            </a:r>
+            <a:endParaRPr/>
+          </a:p>
+        </p:txBody>
+      </p:sp>
+      <p:pic>
+        <p:nvPicPr>
+          <p:cNvPr id="157" name="Google Shape;157;p19"/>
+          <p:cNvPicPr preferRelativeResize="0"/>
+          <p:nvPr/>
+        </p:nvPicPr>
+        <p:blipFill>
+          <a:blip r:embed="rId3">
+            <a:alphaModFix/>
+          </a:blip>
+          <a:stretch>
+            <a:fillRect/>
+          </a:stretch>
+        </p:blipFill>
+        <p:spPr>
+          <a:xfrm>
+            <a:off x="2163388" y="1278150"/>
+            <a:ext cx="4817214" cy="3560550"/>
+          </a:xfrm>
+          <a:prstGeom prst="rect">
+            <a:avLst/>
+          </a:prstGeom>
+          <a:noFill/>
+          <a:ln>
+            <a:noFill/>
+          </a:ln>
+        </p:spPr>
+      </p:pic>
+    </p:spTree>
+  </p:cSld>
+  <p:clrMapOvr>
+    <a:masterClrMapping/>
+  </p:clrMapOvr>
+</p:sld>
+</file>
+
+<file path=ppt/slides/slide8.xml><?xml version="1.0" encoding="utf-8"?>
+<p:sld xmlns:a="http://schemas.openxmlformats.org/drawingml/2006/main" xmlns:r="http://schemas.openxmlformats.org/officeDocument/2006/relationships" xmlns:mc="http://schemas.openxmlformats.org/markup-compatibility/2006" xmlns:mv="urn:schemas-microsoft-com:mac:vml" xmlns:p="http://schemas.openxmlformats.org/presentationml/2006/main" xmlns:c="http://schemas.openxmlformats.org/drawingml/2006/chart" xmlns:dgm="http://schemas.openxmlformats.org/drawingml/2006/diagram" xmlns:o="urn:schemas-microsoft-com:office:office" xmlns:v="urn:schemas-microsoft-com:vml" xmlns:pvml="urn:schemas-microsoft-com:office:powerpoint" xmlns:com="http://schemas.openxmlformats.org/drawingml/2006/compatibility" xmlns:p14="http://schemas.microsoft.com/office/powerpoint/2010/main" xmlns:p15="http://schemas.microsoft.com/office/powerpoint/2012/main">
+  <p:cSld>
+    <p:spTree>
+      <p:nvGrpSpPr>
+        <p:cNvPr id="161" name="Shape 161"/>
+        <p:cNvGrpSpPr/>
+        <p:nvPr/>
+      </p:nvGrpSpPr>
+      <p:grpSpPr>
+        <a:xfrm>
+          <a:off x="0" y="0"/>
+          <a:ext cx="0" cy="0"/>
+          <a:chOff x="0" y="0"/>
+          <a:chExt cx="0" cy="0"/>
+        </a:xfrm>
+      </p:grpSpPr>
+      <p:sp>
+        <p:nvSpPr>
+          <p:cNvPr id="162" name="Google Shape;162;p20"/>
+          <p:cNvSpPr txBox="1"/>
+          <p:nvPr>
+            <p:ph type="title"/>
+          </p:nvPr>
+        </p:nvSpPr>
+        <p:spPr>
+          <a:xfrm>
+            <a:off x="645900" y="207975"/>
+            <a:ext cx="7852200" cy="861000"/>
+          </a:xfrm>
+          <a:prstGeom prst="rect">
+            <a:avLst/>
+          </a:prstGeom>
+        </p:spPr>
+        <p:txBody>
+          <a:bodyPr anchorCtr="0" anchor="ctr" bIns="91425" lIns="91425" spcFirstLastPara="1" rIns="91425" wrap="square" tIns="91425">
+            <a:noAutofit/>
+          </a:bodyPr>
+          <a:lstStyle/>
+          <a:p>
+            <a:pPr indent="0" lvl="0" marL="0" rtl="0" algn="ctr">
+              <a:spcBef>
+                <a:spcPts val="0"/>
+              </a:spcBef>
+              <a:spcAft>
+                <a:spcPts val="0"/>
+              </a:spcAft>
+              <a:buNone/>
+            </a:pPr>
+            <a:r>
+              <a:rPr lang="ko"/>
+              <a:t>portforwarding 과  DDNS</a:t>
+            </a:r>
+            <a:endParaRPr/>
+          </a:p>
+        </p:txBody>
+      </p:sp>
+      <p:pic>
+        <p:nvPicPr>
+          <p:cNvPr id="163" name="Google Shape;163;p20"/>
+          <p:cNvPicPr preferRelativeResize="0"/>
+          <p:nvPr/>
+        </p:nvPicPr>
+        <p:blipFill>
+          <a:blip r:embed="rId3">
+            <a:alphaModFix/>
+          </a:blip>
+          <a:stretch>
+            <a:fillRect/>
+          </a:stretch>
+        </p:blipFill>
+        <p:spPr>
+          <a:xfrm>
+            <a:off x="4807900" y="1270400"/>
+            <a:ext cx="4105124" cy="3568300"/>
+          </a:xfrm>
+          <a:prstGeom prst="rect">
+            <a:avLst/>
+          </a:prstGeom>
+          <a:noFill/>
+          <a:ln>
+            <a:noFill/>
+          </a:ln>
+        </p:spPr>
+      </p:pic>
+      <p:pic>
+        <p:nvPicPr>
+          <p:cNvPr id="164" name="Google Shape;164;p20"/>
+          <p:cNvPicPr preferRelativeResize="0"/>
+          <p:nvPr/>
+        </p:nvPicPr>
+        <p:blipFill>
+          <a:blip r:embed="rId4">
+            <a:alphaModFix/>
+          </a:blip>
+          <a:stretch>
+            <a:fillRect/>
+          </a:stretch>
+        </p:blipFill>
+        <p:spPr>
+          <a:xfrm>
+            <a:off x="312149" y="1270400"/>
+            <a:ext cx="4078057" cy="3568300"/>
+          </a:xfrm>
+          <a:prstGeom prst="rect">
+            <a:avLst/>
+          </a:prstGeom>
+          <a:noFill/>
+          <a:ln>
+            <a:noFill/>
+          </a:ln>
+        </p:spPr>
+      </p:pic>
+      <p:sp>
+        <p:nvSpPr>
+          <p:cNvPr id="165" name="Google Shape;165;p20"/>
+          <p:cNvSpPr/>
+          <p:nvPr/>
+        </p:nvSpPr>
+        <p:spPr>
+          <a:xfrm>
+            <a:off x="1409825" y="1626700"/>
+            <a:ext cx="255600" cy="93000"/>
+          </a:xfrm>
+          <a:prstGeom prst="rect">
+            <a:avLst/>
+          </a:prstGeom>
+          <a:solidFill>
+            <a:srgbClr val="000000"/>
+          </a:solidFill>
+          <a:ln cap="flat" cmpd="sng" w="9525">
+            <a:solidFill>
+              <a:schemeClr val="dk2"/>
+            </a:solidFill>
+            <a:prstDash val="solid"/>
+            <a:round/>
+            <a:headEnd len="sm" w="sm" type="none"/>
+            <a:tailEnd len="sm" w="sm" type="none"/>
+          </a:ln>
+        </p:spPr>
+        <p:txBody>
+          <a:bodyPr anchorCtr="0" anchor="ctr" bIns="91425" lIns="91425" spcFirstLastPara="1" rIns="91425" wrap="square" tIns="91425">
+            <a:noAutofit/>
+          </a:bodyPr>
+          <a:lstStyle/>
+          <a:p>
+            <a:pPr indent="0" lvl="0" marL="0" rtl="0" algn="l">
+              <a:spcBef>
+                <a:spcPts val="0"/>
+              </a:spcBef>
+              <a:spcAft>
+                <a:spcPts val="0"/>
+              </a:spcAft>
+              <a:buNone/>
+            </a:pPr>
+            <a:r>
+              <a:t/>
+            </a:r>
+            <a:endParaRPr/>
+          </a:p>
+        </p:txBody>
+      </p:sp>
+      <p:sp>
+        <p:nvSpPr>
+          <p:cNvPr id="166" name="Google Shape;166;p20"/>
+          <p:cNvSpPr/>
+          <p:nvPr/>
+        </p:nvSpPr>
+        <p:spPr>
+          <a:xfrm>
+            <a:off x="1081950" y="4281150"/>
+            <a:ext cx="188400" cy="93000"/>
+          </a:xfrm>
+          <a:prstGeom prst="rect">
+            <a:avLst/>
+          </a:prstGeom>
+          <a:solidFill>
+            <a:srgbClr val="000000"/>
+          </a:solidFill>
+          <a:ln cap="flat" cmpd="sng" w="9525">
+            <a:solidFill>
+              <a:schemeClr val="dk2"/>
+            </a:solidFill>
+            <a:prstDash val="solid"/>
+            <a:round/>
+            <a:headEnd len="sm" w="sm" type="none"/>
+            <a:tailEnd len="sm" w="sm" type="none"/>
+          </a:ln>
+        </p:spPr>
+        <p:txBody>
+          <a:bodyPr anchorCtr="0" anchor="ctr" bIns="91425" lIns="91425" spcFirstLastPara="1" rIns="91425" wrap="square" tIns="91425">
+            <a:noAutofit/>
+          </a:bodyPr>
+          <a:lstStyle/>
+          <a:p>
+            <a:pPr indent="0" lvl="0" marL="0" rtl="0" algn="l">
+              <a:spcBef>
+                <a:spcPts val="0"/>
+              </a:spcBef>
+              <a:spcAft>
+                <a:spcPts val="0"/>
+              </a:spcAft>
+              <a:buNone/>
+            </a:pPr>
+            <a:r>
+              <a:t/>
+            </a:r>
+            <a:endParaRPr/>
+          </a:p>
+        </p:txBody>
+      </p:sp>
+      <p:sp>
+        <p:nvSpPr>
+          <p:cNvPr id="167" name="Google Shape;167;p20"/>
+          <p:cNvSpPr/>
+          <p:nvPr/>
+        </p:nvSpPr>
+        <p:spPr>
+          <a:xfrm>
+            <a:off x="1319550" y="4281150"/>
+            <a:ext cx="188400" cy="93000"/>
+          </a:xfrm>
+          <a:prstGeom prst="rect">
+            <a:avLst/>
+          </a:prstGeom>
+          <a:solidFill>
+            <a:srgbClr val="000000"/>
+          </a:solidFill>
+          <a:ln cap="flat" cmpd="sng" w="9525">
+            <a:solidFill>
+              <a:schemeClr val="dk2"/>
+            </a:solidFill>
+            <a:prstDash val="solid"/>
+            <a:round/>
+            <a:headEnd len="sm" w="sm" type="none"/>
+            <a:tailEnd len="sm" w="sm" type="none"/>
+          </a:ln>
+        </p:spPr>
+        <p:txBody>
+          <a:bodyPr anchorCtr="0" anchor="ctr" bIns="91425" lIns="91425" spcFirstLastPara="1" rIns="91425" wrap="square" tIns="91425">
+            <a:noAutofit/>
+          </a:bodyPr>
+          <a:lstStyle/>
+          <a:p>
+            <a:pPr indent="0" lvl="0" marL="0" rtl="0" algn="l">
+              <a:spcBef>
+                <a:spcPts val="0"/>
+              </a:spcBef>
+              <a:spcAft>
+                <a:spcPts val="0"/>
+              </a:spcAft>
+              <a:buNone/>
+            </a:pPr>
+            <a:r>
+              <a:t/>
+            </a:r>
+            <a:endParaRPr/>
+          </a:p>
+        </p:txBody>
+      </p:sp>
+      <p:sp>
+        <p:nvSpPr>
+          <p:cNvPr id="168" name="Google Shape;168;p20"/>
+          <p:cNvSpPr/>
+          <p:nvPr/>
+        </p:nvSpPr>
+        <p:spPr>
+          <a:xfrm>
+            <a:off x="1557150" y="4281150"/>
+            <a:ext cx="188400" cy="93000"/>
+          </a:xfrm>
+          <a:prstGeom prst="rect">
+            <a:avLst/>
+          </a:prstGeom>
+          <a:solidFill>
+            <a:srgbClr val="000000"/>
+          </a:solidFill>
+          <a:ln cap="flat" cmpd="sng" w="9525">
+            <a:solidFill>
+              <a:schemeClr val="dk2"/>
+            </a:solidFill>
+            <a:prstDash val="solid"/>
+            <a:round/>
+            <a:headEnd len="sm" w="sm" type="none"/>
+            <a:tailEnd len="sm" w="sm" type="none"/>
+          </a:ln>
+        </p:spPr>
+        <p:txBody>
+          <a:bodyPr anchorCtr="0" anchor="ctr" bIns="91425" lIns="91425" spcFirstLastPara="1" rIns="91425" wrap="square" tIns="91425">
+            <a:noAutofit/>
+          </a:bodyPr>
+          <a:lstStyle/>
+          <a:p>
+            <a:pPr indent="0" lvl="0" marL="0" rtl="0" algn="l">
+              <a:spcBef>
+                <a:spcPts val="0"/>
+              </a:spcBef>
+              <a:spcAft>
+                <a:spcPts val="0"/>
+              </a:spcAft>
+              <a:buNone/>
+            </a:pPr>
+            <a:r>
+              <a:t/>
+            </a:r>
+            <a:endParaRPr/>
+          </a:p>
+        </p:txBody>
+      </p:sp>
+      <p:sp>
+        <p:nvSpPr>
+          <p:cNvPr id="169" name="Google Shape;169;p20"/>
+          <p:cNvSpPr/>
+          <p:nvPr/>
+        </p:nvSpPr>
+        <p:spPr>
+          <a:xfrm>
+            <a:off x="6016300" y="2755125"/>
+            <a:ext cx="255600" cy="93000"/>
+          </a:xfrm>
+          <a:prstGeom prst="rect">
+            <a:avLst/>
+          </a:prstGeom>
+          <a:solidFill>
+            <a:srgbClr val="000000"/>
+          </a:solidFill>
+          <a:ln cap="flat" cmpd="sng" w="9525">
+            <a:solidFill>
+              <a:schemeClr val="dk2"/>
+            </a:solidFill>
+            <a:prstDash val="solid"/>
+            <a:round/>
+            <a:headEnd len="sm" w="sm" type="none"/>
+            <a:tailEnd len="sm" w="sm" type="none"/>
+          </a:ln>
+        </p:spPr>
+        <p:txBody>
+          <a:bodyPr anchorCtr="0" anchor="ctr" bIns="91425" lIns="91425" spcFirstLastPara="1" rIns="91425" wrap="square" tIns="91425">
+            <a:noAutofit/>
+          </a:bodyPr>
+          <a:lstStyle/>
+          <a:p>
+            <a:pPr indent="0" lvl="0" marL="0" rtl="0" algn="l">
+              <a:spcBef>
+                <a:spcPts val="0"/>
+              </a:spcBef>
+              <a:spcAft>
+                <a:spcPts val="0"/>
+              </a:spcAft>
+              <a:buNone/>
+            </a:pPr>
+            <a:r>
+              <a:t/>
+            </a:r>
+            <a:endParaRPr/>
+          </a:p>
+        </p:txBody>
+      </p:sp>
+      <p:sp>
+        <p:nvSpPr>
+          <p:cNvPr id="170" name="Google Shape;170;p20"/>
+          <p:cNvSpPr/>
+          <p:nvPr/>
+        </p:nvSpPr>
+        <p:spPr>
+          <a:xfrm>
+            <a:off x="5848425" y="2811875"/>
+            <a:ext cx="774600" cy="263400"/>
+          </a:xfrm>
+          <a:prstGeom prst="ellipse">
+            <a:avLst/>
+          </a:prstGeom>
+          <a:noFill/>
+          <a:ln cap="flat" cmpd="sng" w="38100">
+            <a:solidFill>
+              <a:srgbClr val="FF0000"/>
+            </a:solidFill>
+            <a:prstDash val="solid"/>
+            <a:round/>
+            <a:headEnd len="sm" w="sm" type="none"/>
+            <a:tailEnd len="sm" w="sm" type="none"/>
+          </a:ln>
+        </p:spPr>
+        <p:txBody>
+          <a:bodyPr anchorCtr="0" anchor="ctr" bIns="91425" lIns="91425" spcFirstLastPara="1" rIns="91425" wrap="square" tIns="91425">
+            <a:noAutofit/>
+          </a:bodyPr>
+          <a:lstStyle/>
+          <a:p>
+            <a:pPr indent="0" lvl="0" marL="0" rtl="0" algn="l">
+              <a:spcBef>
+                <a:spcPts val="0"/>
+              </a:spcBef>
+              <a:spcAft>
+                <a:spcPts val="0"/>
+              </a:spcAft>
+              <a:buNone/>
+            </a:pPr>
+            <a:r>
+              <a:t/>
+            </a:r>
+            <a:endParaRPr/>
+          </a:p>
+        </p:txBody>
+      </p:sp>
+      <p:sp>
+        <p:nvSpPr>
+          <p:cNvPr id="171" name="Google Shape;171;p20"/>
+          <p:cNvSpPr/>
+          <p:nvPr/>
+        </p:nvSpPr>
+        <p:spPr>
+          <a:xfrm>
+            <a:off x="4738225" y="2491725"/>
+            <a:ext cx="774600" cy="320100"/>
+          </a:xfrm>
+          <a:prstGeom prst="ellipse">
+            <a:avLst/>
+          </a:prstGeom>
+          <a:noFill/>
+          <a:ln cap="flat" cmpd="sng" w="38100">
+            <a:solidFill>
+              <a:srgbClr val="FF0000"/>
+            </a:solidFill>
+            <a:prstDash val="solid"/>
+            <a:round/>
+            <a:headEnd len="sm" w="sm" type="none"/>
+            <a:tailEnd len="sm" w="sm" type="none"/>
+          </a:ln>
+        </p:spPr>
+        <p:txBody>
+          <a:bodyPr anchorCtr="0" anchor="ctr" bIns="91425" lIns="91425" spcFirstLastPara="1" rIns="91425" wrap="square" tIns="91425">
+            <a:noAutofit/>
+          </a:bodyPr>
+          <a:lstStyle/>
+          <a:p>
+            <a:pPr indent="0" lvl="0" marL="0" rtl="0" algn="l">
+              <a:spcBef>
+                <a:spcPts val="0"/>
+              </a:spcBef>
+              <a:spcAft>
+                <a:spcPts val="0"/>
+              </a:spcAft>
+              <a:buNone/>
+            </a:pPr>
+            <a:r>
+              <a:t/>
+            </a:r>
+            <a:endParaRPr/>
+          </a:p>
+        </p:txBody>
+      </p:sp>
+      <p:sp>
+        <p:nvSpPr>
+          <p:cNvPr id="172" name="Google Shape;172;p20"/>
+          <p:cNvSpPr/>
+          <p:nvPr/>
+        </p:nvSpPr>
+        <p:spPr>
+          <a:xfrm rot="1726576">
+            <a:off x="5560653" y="2751149"/>
+            <a:ext cx="239930" cy="100966"/>
+          </a:xfrm>
+          <a:prstGeom prst="leftArrow">
+            <a:avLst>
+              <a:gd fmla="val 50000" name="adj1"/>
+              <a:gd fmla="val 50000" name="adj2"/>
+            </a:avLst>
+          </a:prstGeom>
+          <a:solidFill>
+            <a:srgbClr val="FF0000"/>
+          </a:solidFill>
+          <a:ln>
+            <a:noFill/>
+          </a:ln>
+        </p:spPr>
+        <p:txBody>
+          <a:bodyPr anchorCtr="0" anchor="ctr" bIns="91425" lIns="91425" spcFirstLastPara="1" rIns="91425" wrap="square" tIns="91425">
+            <a:noAutofit/>
+          </a:bodyPr>
+          <a:lstStyle/>
+          <a:p>
+            <a:pPr indent="0" lvl="0" marL="0" rtl="0" algn="l">
+              <a:spcBef>
+                <a:spcPts val="0"/>
+              </a:spcBef>
+              <a:spcAft>
+                <a:spcPts val="0"/>
+              </a:spcAft>
+              <a:buNone/>
+            </a:pPr>
+            <a:r>
+              <a:t/>
+            </a:r>
+            <a:endParaRPr>
+              <a:solidFill>
+                <a:srgbClr val="FF0000"/>
+              </a:solidFill>
+            </a:endParaRPr>
+          </a:p>
+        </p:txBody>
+      </p:sp>
+    </p:spTree>
+  </p:cSld>
+  <p:clrMapOvr>
+    <a:masterClrMapping/>
+  </p:clrMapOvr>
+  <p:timing>
+    <p:tnLst>
+      <p:par>
+        <p:cTn dur="indefinite" nodeType="tmRoot" restart="never">
+          <p:childTnLst>
+            <p:seq concurrent="1" nextAc="seek">
+              <p:cTn dur="indefinite" id="2" nodeType="mainSeq">
+                <p:childTnLst>
+                  <p:par>
+                    <p:cTn fill="hold">
+                      <p:stCondLst>
+                        <p:cond delay="indefinite"/>
+                      </p:stCondLst>
+                      <p:childTnLst>
+                        <p:par>
+                          <p:cTn fill="hold">
+                            <p:stCondLst>
+                              <p:cond delay="0"/>
+                            </p:stCondLst>
+                            <p:childTnLst>
+                              <p:par>
+                                <p:cTn fill="hold" nodeType="clickEffect" presetClass="entr" presetID="1" presetSubtype="0">
+                                  <p:stCondLst>
+                                    <p:cond delay="0"/>
+                                  </p:stCondLst>
+                                  <p:childTnLst>
+                                    <p:set>
+                                      <p:cBhvr>
+                                        <p:cTn dur="1" fill="hold">
+                                          <p:stCondLst>
+                                            <p:cond delay="0"/>
+                                          </p:stCondLst>
+                                        </p:cTn>
+                                        <p:tgtEl>
+                                          <p:spTgt spid="170"/>
+                                        </p:tgtEl>
+                                        <p:attrNameLst>
+                                          <p:attrName>style.visibility</p:attrName>
+                                        </p:attrNameLst>
+                                      </p:cBhvr>
+                                      <p:to>
+                                        <p:strVal val="visible"/>
+                                      </p:to>
+                                    </p:set>
+                                  </p:childTnLst>
+                                </p:cTn>
+                              </p:par>
+                            </p:childTnLst>
+                          </p:cTn>
+                        </p:par>
+                      </p:childTnLst>
+                    </p:cTn>
+                  </p:par>
+                  <p:par>
+                    <p:cTn fill="hold">
+                      <p:stCondLst>
+                        <p:cond delay="indefinite"/>
+                      </p:stCondLst>
+                      <p:childTnLst>
+                        <p:par>
+                          <p:cTn fill="hold">
+                            <p:stCondLst>
+                              <p:cond delay="0"/>
+                            </p:stCondLst>
+                            <p:childTnLst>
+                              <p:par>
+                                <p:cTn fill="hold" nodeType="clickEffect" presetClass="entr" presetID="1" presetSubtype="0">
+                                  <p:stCondLst>
+                                    <p:cond delay="0"/>
+                                  </p:stCondLst>
+                                  <p:childTnLst>
+                                    <p:set>
+                                      <p:cBhvr>
+                                        <p:cTn dur="1" fill="hold">
+                                          <p:stCondLst>
+                                            <p:cond delay="0"/>
+                                          </p:stCondLst>
+                                        </p:cTn>
+                                        <p:tgtEl>
+                                          <p:spTgt spid="171"/>
+                                        </p:tgtEl>
+                                        <p:attrNameLst>
+                                          <p:attrName>style.visibility</p:attrName>
+                                        </p:attrNameLst>
+                                      </p:cBhvr>
+                                      <p:to>
+                                        <p:strVal val="visible"/>
+                                      </p:to>
+                                    </p:set>
+                                  </p:childTnLst>
+                                </p:cTn>
+                              </p:par>
+                            </p:childTnLst>
+                          </p:cTn>
+                        </p:par>
+                      </p:childTnLst>
+                    </p:cTn>
+                  </p:par>
+                  <p:par>
+                    <p:cTn fill="hold">
+                      <p:stCondLst>
+                        <p:cond delay="indefinite"/>
+                      </p:stCondLst>
+                      <p:childTnLst>
+                        <p:par>
+                          <p:cTn fill="hold">
+                            <p:stCondLst>
+                              <p:cond delay="0"/>
+                            </p:stCondLst>
+                            <p:childTnLst>
+                              <p:par>
+                                <p:cTn fill="hold" nodeType="clickEffect" presetClass="entr" presetID="1" presetSubtype="0">
+                                  <p:stCondLst>
+                                    <p:cond delay="0"/>
+                                  </p:stCondLst>
+                                  <p:childTnLst>
+                                    <p:set>
+                                      <p:cBhvr>
+                                        <p:cTn dur="1" fill="hold">
+                                          <p:stCondLst>
+                                            <p:cond delay="0"/>
+                                          </p:stCondLst>
+                                        </p:cTn>
+                                        <p:tgtEl>
+                                          <p:spTgt spid="172"/>
+                                        </p:tgtEl>
+                                        <p:attrNameLst>
+                                          <p:attrName>style.visibility</p:attrName>
+                                        </p:attrNameLst>
+                                      </p:cBhvr>
+                                      <p:to>
+                                        <p:strVal val="visible"/>
+                                      </p:to>
+                                    </p:set>
+                                  </p:childTnLst>
+                                </p:cTn>
+                              </p:par>
+                            </p:childTnLst>
+                          </p:cTn>
+                        </p:par>
+                      </p:childTnLst>
+                    </p:cTn>
+                  </p:par>
+                </p:childTnLst>
+              </p:cTn>
+              <p:prevCondLst>
+                <p:cond evt="onPrev">
+                  <p:tgtEl>
+                    <p:sldTgt/>
+                  </p:tgtEl>
+                </p:cond>
+              </p:prevCondLst>
+              <p:nextCondLst>
+                <p:cond evt="onNext">
+                  <p:tgtEl>
+                    <p:sldTgt/>
+                  </p:tgtEl>
+                </p:cond>
+              </p:nextCondLst>
+            </p:seq>
+          </p:childTnLst>
+        </p:cTn>
+      </p:par>
+    </p:tnLst>
+  </p:timing>
+</p:sld>
+</file>
+
+<file path=ppt/slides/slide9.xml><?xml version="1.0" encoding="utf-8"?>
+<p:sld xmlns:a="http://schemas.openxmlformats.org/drawingml/2006/main" xmlns:r="http://schemas.openxmlformats.org/officeDocument/2006/relationships" xmlns:mc="http://schemas.openxmlformats.org/markup-compatibility/2006" xmlns:mv="urn:schemas-microsoft-com:mac:vml" xmlns:p="http://schemas.openxmlformats.org/presentationml/2006/main" xmlns:c="http://schemas.openxmlformats.org/drawingml/2006/chart" xmlns:dgm="http://schemas.openxmlformats.org/drawingml/2006/diagram" xmlns:o="urn:schemas-microsoft-com:office:office" xmlns:v="urn:schemas-microsoft-com:vml" xmlns:pvml="urn:schemas-microsoft-com:office:powerpoint" xmlns:com="http://schemas.openxmlformats.org/drawingml/2006/compatibility" xmlns:p14="http://schemas.microsoft.com/office/powerpoint/2010/main" xmlns:p15="http://schemas.microsoft.com/office/powerpoint/2012/main">
+  <p:cSld>
+    <p:spTree>
+      <p:nvGrpSpPr>
+        <p:cNvPr id="176" name="Shape 176"/>
+        <p:cNvGrpSpPr/>
+        <p:nvPr/>
+      </p:nvGrpSpPr>
+      <p:grpSpPr>
+        <a:xfrm>
+          <a:off x="0" y="0"/>
+          <a:ext cx="0" cy="0"/>
+          <a:chOff x="0" y="0"/>
+          <a:chExt cx="0" cy="0"/>
+        </a:xfrm>
+      </p:grpSpPr>
+      <p:sp>
+        <p:nvSpPr>
+          <p:cNvPr id="177" name="Google Shape;177;p21"/>
+          <p:cNvSpPr txBox="1"/>
+          <p:nvPr>
+            <p:ph type="title"/>
+          </p:nvPr>
+        </p:nvSpPr>
+        <p:spPr>
+          <a:xfrm>
             <a:off x="265500" y="1733850"/>
             <a:ext cx="4045200" cy="1675800"/>
           </a:xfrm>
@@ -10094,7 +11984,7 @@
       </p:sp>
       <p:sp>
         <p:nvSpPr>
-          <p:cNvPr id="157" name="Google Shape;157;p19"/>
+          <p:cNvPr id="178" name="Google Shape;178;p21"/>
           <p:cNvSpPr txBox="1"/>
           <p:nvPr>
             <p:ph idx="2" type="body"/>
@@ -10199,24 +12089,24 @@
       </p:sp>
       <p:sp>
         <p:nvSpPr>
-          <p:cNvPr id="158" name="Google Shape;158;p19">
-            <a:hlinkClick r:id="rId3"/>
-          </p:cNvPr>
-          <p:cNvSpPr txBox="1"/>
+          <p:cNvPr id="179" name="Google Shape;179;p21"/>
+          <p:cNvSpPr/>
           <p:nvPr/>
         </p:nvSpPr>
         <p:spPr>
           <a:xfrm>
-            <a:off x="5011800" y="4111325"/>
-            <a:ext cx="3606000" cy="396600"/>
+            <a:off x="4872375" y="4299150"/>
+            <a:ext cx="921900" cy="596400"/>
           </a:xfrm>
           <a:prstGeom prst="rect">
             <a:avLst/>
           </a:prstGeom>
-          <a:noFill/>
-          <a:ln cap="flat" cmpd="sng" w="28575">
+          <a:solidFill>
+            <a:srgbClr val="FFFFFF"/>
+          </a:solidFill>
+          <a:ln cap="flat" cmpd="sng" w="9525">
             <a:solidFill>
-              <a:srgbClr val="000000"/>
+              <a:srgbClr val="FFFFFF"/>
             </a:solidFill>
             <a:prstDash val="solid"/>
             <a:round/>
@@ -10225,7 +12115,7 @@
           </a:ln>
         </p:spPr>
         <p:txBody>
-          <a:bodyPr anchorCtr="0" anchor="t" bIns="91425" lIns="91425" spcFirstLastPara="1" rIns="91425" wrap="square" tIns="91425">
+          <a:bodyPr anchorCtr="0" anchor="ctr" bIns="91425" lIns="91425" spcFirstLastPara="1" rIns="91425" wrap="square" tIns="91425">
             <a:noAutofit/>
           </a:bodyPr>
           <a:lstStyle/>
@@ -10240,306 +12130,9 @@
               <a:buNone/>
             </a:pPr>
             <a:r>
-              <a:rPr lang="ko" u="sng">
-                <a:solidFill>
-                  <a:srgbClr val="1155CC"/>
-                </a:solidFill>
-                <a:hlinkClick r:id="rId4"/>
-              </a:rPr>
-              <a:t>http://ossw.iptime.org/ossw_cardnews</a:t>
-            </a:r>
-            <a:endParaRPr>
-              <a:solidFill>
-                <a:srgbClr val="1155CC"/>
-              </a:solidFill>
-            </a:endParaRPr>
-          </a:p>
-        </p:txBody>
-      </p:sp>
-    </p:spTree>
-  </p:cSld>
-  <p:clrMapOvr>
-    <a:masterClrMapping/>
-  </p:clrMapOvr>
-</p:sld>
-</file>
-
-<file path=ppt/slides/slide8.xml><?xml version="1.0" encoding="utf-8"?>
-<p:sld xmlns:a="http://schemas.openxmlformats.org/drawingml/2006/main" xmlns:r="http://schemas.openxmlformats.org/officeDocument/2006/relationships" xmlns:mc="http://schemas.openxmlformats.org/markup-compatibility/2006" xmlns:mv="urn:schemas-microsoft-com:mac:vml" xmlns:p="http://schemas.openxmlformats.org/presentationml/2006/main" xmlns:c="http://schemas.openxmlformats.org/drawingml/2006/chart" xmlns:dgm="http://schemas.openxmlformats.org/drawingml/2006/diagram" xmlns:o="urn:schemas-microsoft-com:office:office" xmlns:v="urn:schemas-microsoft-com:vml" xmlns:pvml="urn:schemas-microsoft-com:office:powerpoint" xmlns:com="http://schemas.openxmlformats.org/drawingml/2006/compatibility" xmlns:p14="http://schemas.microsoft.com/office/powerpoint/2010/main" xmlns:p15="http://schemas.microsoft.com/office/powerpoint/2012/main">
-  <p:cSld>
-    <p:spTree>
-      <p:nvGrpSpPr>
-        <p:cNvPr id="162" name="Shape 162"/>
-        <p:cNvGrpSpPr/>
-        <p:nvPr/>
-      </p:nvGrpSpPr>
-      <p:grpSpPr>
-        <a:xfrm>
-          <a:off x="0" y="0"/>
-          <a:ext cx="0" cy="0"/>
-          <a:chOff x="0" y="0"/>
-          <a:chExt cx="0" cy="0"/>
-        </a:xfrm>
-      </p:grpSpPr>
-      <p:sp>
-        <p:nvSpPr>
-          <p:cNvPr id="163" name="Google Shape;163;p20"/>
-          <p:cNvSpPr txBox="1"/>
-          <p:nvPr>
-            <p:ph type="title"/>
-          </p:nvPr>
-        </p:nvSpPr>
-        <p:spPr>
-          <a:xfrm>
-            <a:off x="311700" y="445025"/>
-            <a:ext cx="8520600" cy="572700"/>
-          </a:xfrm>
-          <a:prstGeom prst="rect">
-            <a:avLst/>
-          </a:prstGeom>
-        </p:spPr>
-        <p:txBody>
-          <a:bodyPr anchorCtr="0" anchor="t" bIns="91425" lIns="91425" spcFirstLastPara="1" rIns="91425" wrap="square" tIns="91425">
-            <a:noAutofit/>
-          </a:bodyPr>
-          <a:lstStyle/>
-          <a:p>
-            <a:pPr indent="0" lvl="0" marL="0" rtl="0" algn="l">
-              <a:spcBef>
-                <a:spcPts val="0"/>
-              </a:spcBef>
-              <a:spcAft>
-                <a:spcPts val="0"/>
-              </a:spcAft>
-              <a:buNone/>
-            </a:pPr>
-            <a:r>
-              <a:rPr lang="ko"/>
-              <a:t>라이센스</a:t>
+              <a:t/>
             </a:r>
             <a:endParaRPr/>
-          </a:p>
-        </p:txBody>
-      </p:sp>
-      <p:sp>
-        <p:nvSpPr>
-          <p:cNvPr id="164" name="Google Shape;164;p20"/>
-          <p:cNvSpPr txBox="1"/>
-          <p:nvPr>
-            <p:ph idx="1" type="body"/>
-          </p:nvPr>
-        </p:nvSpPr>
-        <p:spPr>
-          <a:xfrm>
-            <a:off x="311700" y="1521225"/>
-            <a:ext cx="8681700" cy="2878500"/>
-          </a:xfrm>
-          <a:prstGeom prst="rect">
-            <a:avLst/>
-          </a:prstGeom>
-        </p:spPr>
-        <p:txBody>
-          <a:bodyPr anchorCtr="0" anchor="t" bIns="91425" lIns="91425" spcFirstLastPara="1" rIns="91425" wrap="square" tIns="91425">
-            <a:noAutofit/>
-          </a:bodyPr>
-          <a:lstStyle/>
-          <a:p>
-            <a:pPr indent="-330200" lvl="0" marL="457200" rtl="0" algn="l">
-              <a:spcBef>
-                <a:spcPts val="0"/>
-              </a:spcBef>
-              <a:spcAft>
-                <a:spcPts val="0"/>
-              </a:spcAft>
-              <a:buSzPts val="1600"/>
-              <a:buChar char="●"/>
-            </a:pPr>
-            <a:r>
-              <a:rPr b="1" lang="ko" sz="2100">
-                <a:solidFill>
-                  <a:schemeClr val="dk1"/>
-                </a:solidFill>
-              </a:rPr>
-              <a:t>HTML5UP         -&gt;          CCL 3.0</a:t>
-            </a:r>
-            <a:endParaRPr b="1" sz="2100">
-              <a:solidFill>
-                <a:schemeClr val="dk1"/>
-              </a:solidFill>
-            </a:endParaRPr>
-          </a:p>
-          <a:p>
-            <a:pPr indent="-330200" lvl="0" marL="457200" rtl="0" algn="l">
-              <a:spcBef>
-                <a:spcPts val="1600"/>
-              </a:spcBef>
-              <a:spcAft>
-                <a:spcPts val="0"/>
-              </a:spcAft>
-              <a:buSzPts val="1600"/>
-              <a:buChar char="●"/>
-            </a:pPr>
-            <a:r>
-              <a:rPr b="1" lang="ko" sz="2100">
-                <a:solidFill>
-                  <a:schemeClr val="dk1"/>
-                </a:solidFill>
-              </a:rPr>
-              <a:t>BOOTSTRAP    -&gt;          MIT license</a:t>
-            </a:r>
-            <a:endParaRPr b="1" sz="2100">
-              <a:solidFill>
-                <a:schemeClr val="dk1"/>
-              </a:solidFill>
-            </a:endParaRPr>
-          </a:p>
-          <a:p>
-            <a:pPr indent="-330200" lvl="0" marL="457200" rtl="0" algn="l">
-              <a:spcBef>
-                <a:spcPts val="1600"/>
-              </a:spcBef>
-              <a:spcAft>
-                <a:spcPts val="0"/>
-              </a:spcAft>
-              <a:buSzPts val="1600"/>
-              <a:buChar char="●"/>
-            </a:pPr>
-            <a:r>
-              <a:rPr b="1" lang="ko" sz="2100">
-                <a:solidFill>
-                  <a:schemeClr val="dk1"/>
-                </a:solidFill>
-              </a:rPr>
-              <a:t>API                      -&gt;         이용 준수 사항 존재(license X) </a:t>
-            </a:r>
-            <a:endParaRPr b="1" sz="2100">
-              <a:solidFill>
-                <a:schemeClr val="dk1"/>
-              </a:solidFill>
-            </a:endParaRPr>
-          </a:p>
-          <a:p>
-            <a:pPr indent="-330200" lvl="0" marL="457200" rtl="0" algn="l">
-              <a:spcBef>
-                <a:spcPts val="1600"/>
-              </a:spcBef>
-              <a:spcAft>
-                <a:spcPts val="0"/>
-              </a:spcAft>
-              <a:buSzPts val="1600"/>
-              <a:buChar char="●"/>
-            </a:pPr>
-            <a:r>
-              <a:rPr b="1" lang="ko" sz="2100">
-                <a:solidFill>
-                  <a:schemeClr val="dk1"/>
-                </a:solidFill>
-              </a:rPr>
-              <a:t>google jQuery     -&gt;         MIT license</a:t>
-            </a:r>
-            <a:endParaRPr b="1" sz="2100">
-              <a:solidFill>
-                <a:schemeClr val="dk1"/>
-              </a:solidFill>
-            </a:endParaRPr>
-          </a:p>
-          <a:p>
-            <a:pPr indent="-361950" lvl="0" marL="457200" rtl="0" algn="l">
-              <a:spcBef>
-                <a:spcPts val="1600"/>
-              </a:spcBef>
-              <a:spcAft>
-                <a:spcPts val="1600"/>
-              </a:spcAft>
-              <a:buClr>
-                <a:schemeClr val="dk1"/>
-              </a:buClr>
-              <a:buSzPts val="2100"/>
-              <a:buChar char="●"/>
-            </a:pPr>
-            <a:r>
-              <a:rPr b="1" lang="ko" sz="2100">
-                <a:solidFill>
-                  <a:schemeClr val="dk1"/>
-                </a:solidFill>
-              </a:rPr>
-              <a:t>image                   -&gt;         Public Domain</a:t>
-            </a:r>
-            <a:endParaRPr b="1" sz="2100">
-              <a:solidFill>
-                <a:schemeClr val="dk1"/>
-              </a:solidFill>
-            </a:endParaRPr>
-          </a:p>
-        </p:txBody>
-      </p:sp>
-    </p:spTree>
-  </p:cSld>
-  <p:clrMapOvr>
-    <a:masterClrMapping/>
-  </p:clrMapOvr>
-</p:sld>
-</file>
-
-<file path=ppt/slides/slide9.xml><?xml version="1.0" encoding="utf-8"?>
-<p:sld xmlns:a="http://schemas.openxmlformats.org/drawingml/2006/main" xmlns:r="http://schemas.openxmlformats.org/officeDocument/2006/relationships" xmlns:mc="http://schemas.openxmlformats.org/markup-compatibility/2006" xmlns:mv="urn:schemas-microsoft-com:mac:vml" xmlns:p="http://schemas.openxmlformats.org/presentationml/2006/main" xmlns:c="http://schemas.openxmlformats.org/drawingml/2006/chart" xmlns:dgm="http://schemas.openxmlformats.org/drawingml/2006/diagram" xmlns:o="urn:schemas-microsoft-com:office:office" xmlns:v="urn:schemas-microsoft-com:vml" xmlns:pvml="urn:schemas-microsoft-com:office:powerpoint" xmlns:com="http://schemas.openxmlformats.org/drawingml/2006/compatibility" xmlns:p14="http://schemas.microsoft.com/office/powerpoint/2010/main" xmlns:p15="http://schemas.microsoft.com/office/powerpoint/2012/main">
-  <p:cSld>
-    <p:spTree>
-      <p:nvGrpSpPr>
-        <p:cNvPr id="168" name="Shape 168"/>
-        <p:cNvGrpSpPr/>
-        <p:nvPr/>
-      </p:nvGrpSpPr>
-      <p:grpSpPr>
-        <a:xfrm>
-          <a:off x="0" y="0"/>
-          <a:ext cx="0" cy="0"/>
-          <a:chOff x="0" y="0"/>
-          <a:chExt cx="0" cy="0"/>
-        </a:xfrm>
-      </p:grpSpPr>
-      <p:sp>
-        <p:nvSpPr>
-          <p:cNvPr id="169" name="Google Shape;169;p21"/>
-          <p:cNvSpPr txBox="1"/>
-          <p:nvPr>
-            <p:ph type="title"/>
-          </p:nvPr>
-        </p:nvSpPr>
-        <p:spPr>
-          <a:xfrm>
-            <a:off x="1458450" y="526350"/>
-            <a:ext cx="6227100" cy="4090800"/>
-          </a:xfrm>
-          <a:prstGeom prst="rect">
-            <a:avLst/>
-          </a:prstGeom>
-        </p:spPr>
-        <p:txBody>
-          <a:bodyPr anchorCtr="0" anchor="ctr" bIns="91425" lIns="91425" spcFirstLastPara="1" rIns="91425" wrap="square" tIns="91425">
-            <a:noAutofit/>
-          </a:bodyPr>
-          <a:lstStyle/>
-          <a:p>
-            <a:pPr indent="0" lvl="0" marL="0" rtl="0" algn="ctr">
-              <a:spcBef>
-                <a:spcPts val="0"/>
-              </a:spcBef>
-              <a:spcAft>
-                <a:spcPts val="0"/>
-              </a:spcAft>
-              <a:buNone/>
-            </a:pPr>
-            <a:r>
-              <a:rPr lang="ko" sz="4200">
-                <a:uFill>
-                  <a:noFill/>
-                </a:uFill>
-                <a:hlinkClick r:id="rId3"/>
-              </a:rPr>
-              <a:t>최종 라이센스</a:t>
-            </a:r>
-            <a:endParaRPr sz="4200"/>
           </a:p>
         </p:txBody>
       </p:sp>

--- a/OSSW-PPT.pptx
+++ b/OSSW-PPT.pptx
@@ -23,18 +23,21 @@
     <p:sldId id="268" r:id="rId17"/>
     <p:sldId id="269" r:id="rId18"/>
     <p:sldId id="270" r:id="rId19"/>
+    <p:sldId id="271" r:id="rId20"/>
+    <p:sldId id="272" r:id="rId21"/>
+    <p:sldId id="273" r:id="rId22"/>
   </p:sldIdLst>
   <p:sldSz cy="5143500" cx="9144000"/>
   <p:notesSz cx="6858000" cy="9144000"/>
   <p:embeddedFontLst>
     <p:embeddedFont>
       <p:font typeface="Average"/>
-      <p:regular r:id="rId20"/>
+      <p:regular r:id="rId23"/>
     </p:embeddedFont>
     <p:embeddedFont>
       <p:font typeface="Oswald"/>
-      <p:regular r:id="rId21"/>
-      <p:bold r:id="rId22"/>
+      <p:regular r:id="rId24"/>
+      <p:bold r:id="rId25"/>
     </p:embeddedFont>
   </p:embeddedFontLst>
   <p:defaultTextStyle>
@@ -797,7 +800,7 @@
   <p:cSld>
     <p:spTree>
       <p:nvGrpSpPr>
-        <p:cNvPr id="180" name="Shape 180"/>
+        <p:cNvPr id="188" name="Shape 188"/>
         <p:cNvGrpSpPr/>
         <p:nvPr/>
       </p:nvGrpSpPr>
@@ -811,7 +814,7 @@
       </p:grpSpPr>
       <p:sp>
         <p:nvSpPr>
-          <p:cNvPr id="181" name="Google Shape;181;g49be4c35bd_1_20:notes"/>
+          <p:cNvPr id="189" name="Google Shape;189;gc6f980f91_0_37:notes"/>
           <p:cNvSpPr/>
           <p:nvPr>
             <p:ph idx="2" type="sldImg"/>
@@ -846,7 +849,7 @@
       </p:sp>
       <p:sp>
         <p:nvSpPr>
-          <p:cNvPr id="182" name="Google Shape;182;g49be4c35bd_1_20:notes"/>
+          <p:cNvPr id="190" name="Google Shape;190;gc6f980f91_0_37:notes"/>
           <p:cNvSpPr txBox="1"/>
           <p:nvPr>
             <p:ph idx="1" type="body"/>
@@ -896,7 +899,7 @@
   <p:cSld>
     <p:spTree>
       <p:nvGrpSpPr>
-        <p:cNvPr id="187" name="Shape 187"/>
+        <p:cNvPr id="195" name="Shape 195"/>
         <p:cNvGrpSpPr/>
         <p:nvPr/>
       </p:nvGrpSpPr>
@@ -910,7 +913,7 @@
       </p:grpSpPr>
       <p:sp>
         <p:nvSpPr>
-          <p:cNvPr id="188" name="Google Shape;188;g49be4c35bd_1_31:notes"/>
+          <p:cNvPr id="196" name="Google Shape;196;g49be4c35bd_1_20:notes"/>
           <p:cNvSpPr/>
           <p:nvPr>
             <p:ph idx="2" type="sldImg"/>
@@ -945,7 +948,7 @@
       </p:sp>
       <p:sp>
         <p:nvSpPr>
-          <p:cNvPr id="189" name="Google Shape;189;g49be4c35bd_1_31:notes"/>
+          <p:cNvPr id="197" name="Google Shape;197;g49be4c35bd_1_20:notes"/>
           <p:cNvSpPr txBox="1"/>
           <p:nvPr>
             <p:ph idx="1" type="body"/>
@@ -995,7 +998,7 @@
   <p:cSld>
     <p:spTree>
       <p:nvGrpSpPr>
-        <p:cNvPr id="192" name="Shape 192"/>
+        <p:cNvPr id="202" name="Shape 202"/>
         <p:cNvGrpSpPr/>
         <p:nvPr/>
       </p:nvGrpSpPr>
@@ -1009,7 +1012,7 @@
       </p:grpSpPr>
       <p:sp>
         <p:nvSpPr>
-          <p:cNvPr id="193" name="Google Shape;193;gc6f980f91_0_42:notes"/>
+          <p:cNvPr id="203" name="Google Shape;203;g49be4c35bd_1_31:notes"/>
           <p:cNvSpPr/>
           <p:nvPr>
             <p:ph idx="2" type="sldImg"/>
@@ -1044,7 +1047,7 @@
       </p:sp>
       <p:sp>
         <p:nvSpPr>
-          <p:cNvPr id="194" name="Google Shape;194;gc6f980f91_0_42:notes"/>
+          <p:cNvPr id="204" name="Google Shape;204;g49be4c35bd_1_31:notes"/>
           <p:cNvSpPr txBox="1"/>
           <p:nvPr>
             <p:ph idx="1" type="body"/>
@@ -1094,7 +1097,7 @@
   <p:cSld>
     <p:spTree>
       <p:nvGrpSpPr>
-        <p:cNvPr id="198" name="Shape 198"/>
+        <p:cNvPr id="207" name="Shape 207"/>
         <p:cNvGrpSpPr/>
         <p:nvPr/>
       </p:nvGrpSpPr>
@@ -1108,7 +1111,7 @@
       </p:grpSpPr>
       <p:sp>
         <p:nvSpPr>
-          <p:cNvPr id="199" name="Google Shape;199;g49be4c35bd_0_102:notes"/>
+          <p:cNvPr id="208" name="Google Shape;208;gc6f980f91_0_42:notes"/>
           <p:cNvSpPr/>
           <p:nvPr>
             <p:ph idx="2" type="sldImg"/>
@@ -1143,7 +1146,7 @@
       </p:sp>
       <p:sp>
         <p:nvSpPr>
-          <p:cNvPr id="200" name="Google Shape;200;g49be4c35bd_0_102:notes"/>
+          <p:cNvPr id="209" name="Google Shape;209;gc6f980f91_0_42:notes"/>
           <p:cNvSpPr txBox="1"/>
           <p:nvPr>
             <p:ph idx="1" type="body"/>
@@ -1193,7 +1196,7 @@
   <p:cSld>
     <p:spTree>
       <p:nvGrpSpPr>
-        <p:cNvPr id="203" name="Shape 203"/>
+        <p:cNvPr id="213" name="Shape 213"/>
         <p:cNvGrpSpPr/>
         <p:nvPr/>
       </p:nvGrpSpPr>
@@ -1207,7 +1210,7 @@
       </p:grpSpPr>
       <p:sp>
         <p:nvSpPr>
-          <p:cNvPr id="204" name="Google Shape;204;g49be4c35bd_0_108:notes"/>
+          <p:cNvPr id="214" name="Google Shape;214;g4a628c5e8b_0_8:notes"/>
           <p:cNvSpPr/>
           <p:nvPr>
             <p:ph idx="2" type="sldImg"/>
@@ -1242,7 +1245,7 @@
       </p:sp>
       <p:sp>
         <p:nvSpPr>
-          <p:cNvPr id="205" name="Google Shape;205;g49be4c35bd_0_108:notes"/>
+          <p:cNvPr id="215" name="Google Shape;215;g4a628c5e8b_0_8:notes"/>
           <p:cNvSpPr txBox="1"/>
           <p:nvPr>
             <p:ph idx="1" type="body"/>
@@ -1292,7 +1295,7 @@
   <p:cSld>
     <p:spTree>
       <p:nvGrpSpPr>
-        <p:cNvPr id="208" name="Shape 208"/>
+        <p:cNvPr id="223" name="Shape 223"/>
         <p:cNvGrpSpPr/>
         <p:nvPr/>
       </p:nvGrpSpPr>
@@ -1306,7 +1309,7 @@
       </p:grpSpPr>
       <p:sp>
         <p:nvSpPr>
-          <p:cNvPr id="209" name="Google Shape;209;gc6f980f91_0_105:notes"/>
+          <p:cNvPr id="224" name="Google Shape;224;g4a628c5e8b_2_0:notes"/>
           <p:cNvSpPr/>
           <p:nvPr>
             <p:ph idx="2" type="sldImg"/>
@@ -1341,7 +1344,304 @@
       </p:sp>
       <p:sp>
         <p:nvSpPr>
-          <p:cNvPr id="210" name="Google Shape;210;gc6f980f91_0_105:notes"/>
+          <p:cNvPr id="225" name="Google Shape;225;g4a628c5e8b_2_0:notes"/>
+          <p:cNvSpPr txBox="1"/>
+          <p:nvPr>
+            <p:ph idx="1" type="body"/>
+          </p:nvPr>
+        </p:nvSpPr>
+        <p:spPr>
+          <a:xfrm>
+            <a:off x="685800" y="4343400"/>
+            <a:ext cx="5486400" cy="4114800"/>
+          </a:xfrm>
+          <a:prstGeom prst="rect">
+            <a:avLst/>
+          </a:prstGeom>
+        </p:spPr>
+        <p:txBody>
+          <a:bodyPr anchorCtr="0" anchor="t" bIns="91425" lIns="91425" spcFirstLastPara="1" rIns="91425" wrap="square" tIns="91425">
+            <a:noAutofit/>
+          </a:bodyPr>
+          <a:lstStyle/>
+          <a:p>
+            <a:pPr indent="0" lvl="0" marL="0" rtl="0" algn="l">
+              <a:spcBef>
+                <a:spcPts val="0"/>
+              </a:spcBef>
+              <a:spcAft>
+                <a:spcPts val="0"/>
+              </a:spcAft>
+              <a:buNone/>
+            </a:pPr>
+            <a:r>
+              <a:t/>
+            </a:r>
+            <a:endParaRPr/>
+          </a:p>
+        </p:txBody>
+      </p:sp>
+    </p:spTree>
+  </p:cSld>
+  <p:clrMapOvr>
+    <a:masterClrMapping/>
+  </p:clrMapOvr>
+</p:notes>
+</file>
+
+<file path=ppt/notesSlides/notesSlide16.xml><?xml version="1.0" encoding="utf-8"?>
+<p:notes xmlns:a="http://schemas.openxmlformats.org/drawingml/2006/main" xmlns:r="http://schemas.openxmlformats.org/officeDocument/2006/relationships" xmlns:mc="http://schemas.openxmlformats.org/markup-compatibility/2006" xmlns:mv="urn:schemas-microsoft-com:mac:vml" xmlns:p="http://schemas.openxmlformats.org/presentationml/2006/main" xmlns:c="http://schemas.openxmlformats.org/drawingml/2006/chart" xmlns:dgm="http://schemas.openxmlformats.org/drawingml/2006/diagram" xmlns:o="urn:schemas-microsoft-com:office:office" xmlns:v="urn:schemas-microsoft-com:vml" xmlns:pvml="urn:schemas-microsoft-com:office:powerpoint" xmlns:com="http://schemas.openxmlformats.org/drawingml/2006/compatibility" xmlns:p14="http://schemas.microsoft.com/office/powerpoint/2010/main" xmlns:p15="http://schemas.microsoft.com/office/powerpoint/2012/main" showMasterPhAnim="0" showMasterSp="0">
+  <p:cSld>
+    <p:spTree>
+      <p:nvGrpSpPr>
+        <p:cNvPr id="233" name="Shape 233"/>
+        <p:cNvGrpSpPr/>
+        <p:nvPr/>
+      </p:nvGrpSpPr>
+      <p:grpSpPr>
+        <a:xfrm>
+          <a:off x="0" y="0"/>
+          <a:ext cx="0" cy="0"/>
+          <a:chOff x="0" y="0"/>
+          <a:chExt cx="0" cy="0"/>
+        </a:xfrm>
+      </p:grpSpPr>
+      <p:sp>
+        <p:nvSpPr>
+          <p:cNvPr id="234" name="Google Shape;234;g49be4c35bd_0_102:notes"/>
+          <p:cNvSpPr/>
+          <p:nvPr>
+            <p:ph idx="2" type="sldImg"/>
+          </p:nvPr>
+        </p:nvSpPr>
+        <p:spPr>
+          <a:xfrm>
+            <a:off x="381188" y="685800"/>
+            <a:ext cx="6096300" cy="3429000"/>
+          </a:xfrm>
+          <a:custGeom>
+            <a:rect b="b" l="l" r="r" t="t"/>
+            <a:pathLst>
+              <a:path extrusionOk="0" h="120000" w="120000">
+                <a:moveTo>
+                  <a:pt x="0" y="0"/>
+                </a:moveTo>
+                <a:lnTo>
+                  <a:pt x="120000" y="0"/>
+                </a:lnTo>
+                <a:lnTo>
+                  <a:pt x="120000" y="120000"/>
+                </a:lnTo>
+                <a:lnTo>
+                  <a:pt x="0" y="120000"/>
+                </a:lnTo>
+                <a:close/>
+              </a:path>
+            </a:pathLst>
+          </a:custGeom>
+        </p:spPr>
+      </p:sp>
+      <p:sp>
+        <p:nvSpPr>
+          <p:cNvPr id="235" name="Google Shape;235;g49be4c35bd_0_102:notes"/>
+          <p:cNvSpPr txBox="1"/>
+          <p:nvPr>
+            <p:ph idx="1" type="body"/>
+          </p:nvPr>
+        </p:nvSpPr>
+        <p:spPr>
+          <a:xfrm>
+            <a:off x="685800" y="4343400"/>
+            <a:ext cx="5486400" cy="4114800"/>
+          </a:xfrm>
+          <a:prstGeom prst="rect">
+            <a:avLst/>
+          </a:prstGeom>
+        </p:spPr>
+        <p:txBody>
+          <a:bodyPr anchorCtr="0" anchor="t" bIns="91425" lIns="91425" spcFirstLastPara="1" rIns="91425" wrap="square" tIns="91425">
+            <a:noAutofit/>
+          </a:bodyPr>
+          <a:lstStyle/>
+          <a:p>
+            <a:pPr indent="0" lvl="0" marL="0" rtl="0" algn="l">
+              <a:spcBef>
+                <a:spcPts val="0"/>
+              </a:spcBef>
+              <a:spcAft>
+                <a:spcPts val="0"/>
+              </a:spcAft>
+              <a:buNone/>
+            </a:pPr>
+            <a:r>
+              <a:t/>
+            </a:r>
+            <a:endParaRPr/>
+          </a:p>
+        </p:txBody>
+      </p:sp>
+    </p:spTree>
+  </p:cSld>
+  <p:clrMapOvr>
+    <a:masterClrMapping/>
+  </p:clrMapOvr>
+</p:notes>
+</file>
+
+<file path=ppt/notesSlides/notesSlide17.xml><?xml version="1.0" encoding="utf-8"?>
+<p:notes xmlns:a="http://schemas.openxmlformats.org/drawingml/2006/main" xmlns:r="http://schemas.openxmlformats.org/officeDocument/2006/relationships" xmlns:mc="http://schemas.openxmlformats.org/markup-compatibility/2006" xmlns:mv="urn:schemas-microsoft-com:mac:vml" xmlns:p="http://schemas.openxmlformats.org/presentationml/2006/main" xmlns:c="http://schemas.openxmlformats.org/drawingml/2006/chart" xmlns:dgm="http://schemas.openxmlformats.org/drawingml/2006/diagram" xmlns:o="urn:schemas-microsoft-com:office:office" xmlns:v="urn:schemas-microsoft-com:vml" xmlns:pvml="urn:schemas-microsoft-com:office:powerpoint" xmlns:com="http://schemas.openxmlformats.org/drawingml/2006/compatibility" xmlns:p14="http://schemas.microsoft.com/office/powerpoint/2010/main" xmlns:p15="http://schemas.microsoft.com/office/powerpoint/2012/main" showMasterPhAnim="0" showMasterSp="0">
+  <p:cSld>
+    <p:spTree>
+      <p:nvGrpSpPr>
+        <p:cNvPr id="238" name="Shape 238"/>
+        <p:cNvGrpSpPr/>
+        <p:nvPr/>
+      </p:nvGrpSpPr>
+      <p:grpSpPr>
+        <a:xfrm>
+          <a:off x="0" y="0"/>
+          <a:ext cx="0" cy="0"/>
+          <a:chOff x="0" y="0"/>
+          <a:chExt cx="0" cy="0"/>
+        </a:xfrm>
+      </p:grpSpPr>
+      <p:sp>
+        <p:nvSpPr>
+          <p:cNvPr id="239" name="Google Shape;239;g49be4c35bd_0_108:notes"/>
+          <p:cNvSpPr/>
+          <p:nvPr>
+            <p:ph idx="2" type="sldImg"/>
+          </p:nvPr>
+        </p:nvSpPr>
+        <p:spPr>
+          <a:xfrm>
+            <a:off x="381188" y="685800"/>
+            <a:ext cx="6096300" cy="3429000"/>
+          </a:xfrm>
+          <a:custGeom>
+            <a:rect b="b" l="l" r="r" t="t"/>
+            <a:pathLst>
+              <a:path extrusionOk="0" h="120000" w="120000">
+                <a:moveTo>
+                  <a:pt x="0" y="0"/>
+                </a:moveTo>
+                <a:lnTo>
+                  <a:pt x="120000" y="0"/>
+                </a:lnTo>
+                <a:lnTo>
+                  <a:pt x="120000" y="120000"/>
+                </a:lnTo>
+                <a:lnTo>
+                  <a:pt x="0" y="120000"/>
+                </a:lnTo>
+                <a:close/>
+              </a:path>
+            </a:pathLst>
+          </a:custGeom>
+        </p:spPr>
+      </p:sp>
+      <p:sp>
+        <p:nvSpPr>
+          <p:cNvPr id="240" name="Google Shape;240;g49be4c35bd_0_108:notes"/>
+          <p:cNvSpPr txBox="1"/>
+          <p:nvPr>
+            <p:ph idx="1" type="body"/>
+          </p:nvPr>
+        </p:nvSpPr>
+        <p:spPr>
+          <a:xfrm>
+            <a:off x="685800" y="4343400"/>
+            <a:ext cx="5486400" cy="4114800"/>
+          </a:xfrm>
+          <a:prstGeom prst="rect">
+            <a:avLst/>
+          </a:prstGeom>
+        </p:spPr>
+        <p:txBody>
+          <a:bodyPr anchorCtr="0" anchor="t" bIns="91425" lIns="91425" spcFirstLastPara="1" rIns="91425" wrap="square" tIns="91425">
+            <a:noAutofit/>
+          </a:bodyPr>
+          <a:lstStyle/>
+          <a:p>
+            <a:pPr indent="0" lvl="0" marL="0" rtl="0" algn="l">
+              <a:spcBef>
+                <a:spcPts val="0"/>
+              </a:spcBef>
+              <a:spcAft>
+                <a:spcPts val="0"/>
+              </a:spcAft>
+              <a:buNone/>
+            </a:pPr>
+            <a:r>
+              <a:t/>
+            </a:r>
+            <a:endParaRPr/>
+          </a:p>
+        </p:txBody>
+      </p:sp>
+    </p:spTree>
+  </p:cSld>
+  <p:clrMapOvr>
+    <a:masterClrMapping/>
+  </p:clrMapOvr>
+</p:notes>
+</file>
+
+<file path=ppt/notesSlides/notesSlide18.xml><?xml version="1.0" encoding="utf-8"?>
+<p:notes xmlns:a="http://schemas.openxmlformats.org/drawingml/2006/main" xmlns:r="http://schemas.openxmlformats.org/officeDocument/2006/relationships" xmlns:mc="http://schemas.openxmlformats.org/markup-compatibility/2006" xmlns:mv="urn:schemas-microsoft-com:mac:vml" xmlns:p="http://schemas.openxmlformats.org/presentationml/2006/main" xmlns:c="http://schemas.openxmlformats.org/drawingml/2006/chart" xmlns:dgm="http://schemas.openxmlformats.org/drawingml/2006/diagram" xmlns:o="urn:schemas-microsoft-com:office:office" xmlns:v="urn:schemas-microsoft-com:vml" xmlns:pvml="urn:schemas-microsoft-com:office:powerpoint" xmlns:com="http://schemas.openxmlformats.org/drawingml/2006/compatibility" xmlns:p14="http://schemas.microsoft.com/office/powerpoint/2010/main" xmlns:p15="http://schemas.microsoft.com/office/powerpoint/2012/main" showMasterPhAnim="0" showMasterSp="0">
+  <p:cSld>
+    <p:spTree>
+      <p:nvGrpSpPr>
+        <p:cNvPr id="243" name="Shape 243"/>
+        <p:cNvGrpSpPr/>
+        <p:nvPr/>
+      </p:nvGrpSpPr>
+      <p:grpSpPr>
+        <a:xfrm>
+          <a:off x="0" y="0"/>
+          <a:ext cx="0" cy="0"/>
+          <a:chOff x="0" y="0"/>
+          <a:chExt cx="0" cy="0"/>
+        </a:xfrm>
+      </p:grpSpPr>
+      <p:sp>
+        <p:nvSpPr>
+          <p:cNvPr id="244" name="Google Shape;244;gc6f980f91_0_105:notes"/>
+          <p:cNvSpPr/>
+          <p:nvPr>
+            <p:ph idx="2" type="sldImg"/>
+          </p:nvPr>
+        </p:nvSpPr>
+        <p:spPr>
+          <a:xfrm>
+            <a:off x="381188" y="685800"/>
+            <a:ext cx="6096300" cy="3429000"/>
+          </a:xfrm>
+          <a:custGeom>
+            <a:rect b="b" l="l" r="r" t="t"/>
+            <a:pathLst>
+              <a:path extrusionOk="0" h="120000" w="120000">
+                <a:moveTo>
+                  <a:pt x="0" y="0"/>
+                </a:moveTo>
+                <a:lnTo>
+                  <a:pt x="120000" y="0"/>
+                </a:lnTo>
+                <a:lnTo>
+                  <a:pt x="120000" y="120000"/>
+                </a:lnTo>
+                <a:lnTo>
+                  <a:pt x="0" y="120000"/>
+                </a:lnTo>
+                <a:close/>
+              </a:path>
+            </a:pathLst>
+          </a:custGeom>
+        </p:spPr>
+      </p:sp>
+      <p:sp>
+        <p:nvSpPr>
+          <p:cNvPr id="245" name="Google Shape;245;gc6f980f91_0_105:notes"/>
           <p:cNvSpPr txBox="1"/>
           <p:nvPr>
             <p:ph idx="1" type="body"/>
@@ -1688,7 +1988,7 @@
   <p:cSld>
     <p:spTree>
       <p:nvGrpSpPr>
-        <p:cNvPr id="97" name="Shape 97"/>
+        <p:cNvPr id="96" name="Shape 96"/>
         <p:cNvGrpSpPr/>
         <p:nvPr/>
       </p:nvGrpSpPr>
@@ -1702,7 +2002,7 @@
       </p:grpSpPr>
       <p:sp>
         <p:nvSpPr>
-          <p:cNvPr id="98" name="Google Shape;98;gc6f980f91_0_10:notes"/>
+          <p:cNvPr id="97" name="Google Shape;97;g4a600b429a_0_0:notes"/>
           <p:cNvSpPr/>
           <p:nvPr>
             <p:ph idx="2" type="sldImg"/>
@@ -1737,7 +2037,7 @@
       </p:sp>
       <p:sp>
         <p:nvSpPr>
-          <p:cNvPr id="99" name="Google Shape;99;gc6f980f91_0_10:notes"/>
+          <p:cNvPr id="98" name="Google Shape;98;g4a600b429a_0_0:notes"/>
           <p:cNvSpPr txBox="1"/>
           <p:nvPr>
             <p:ph idx="1" type="body"/>
@@ -1787,7 +2087,7 @@
   <p:cSld>
     <p:spTree>
       <p:nvGrpSpPr>
-        <p:cNvPr id="147" name="Shape 147"/>
+        <p:cNvPr id="112" name="Shape 112"/>
         <p:cNvGrpSpPr/>
         <p:nvPr/>
       </p:nvGrpSpPr>
@@ -1801,7 +2101,7 @@
       </p:grpSpPr>
       <p:sp>
         <p:nvSpPr>
-          <p:cNvPr id="148" name="Google Shape;148;gc6f980f91_0_29:notes"/>
+          <p:cNvPr id="113" name="Google Shape;113;gc6f980f91_0_10:notes"/>
           <p:cNvSpPr/>
           <p:nvPr>
             <p:ph idx="2" type="sldImg"/>
@@ -1836,7 +2136,7 @@
       </p:sp>
       <p:sp>
         <p:nvSpPr>
-          <p:cNvPr id="149" name="Google Shape;149;gc6f980f91_0_29:notes"/>
+          <p:cNvPr id="114" name="Google Shape;114;gc6f980f91_0_10:notes"/>
           <p:cNvSpPr txBox="1"/>
           <p:nvPr>
             <p:ph idx="1" type="body"/>
@@ -1886,7 +2186,7 @@
   <p:cSld>
     <p:spTree>
       <p:nvGrpSpPr>
-        <p:cNvPr id="152" name="Shape 152"/>
+        <p:cNvPr id="162" name="Shape 162"/>
         <p:cNvGrpSpPr/>
         <p:nvPr/>
       </p:nvGrpSpPr>
@@ -1900,7 +2200,7 @@
       </p:grpSpPr>
       <p:sp>
         <p:nvSpPr>
-          <p:cNvPr id="153" name="Google Shape;153;gc6f980f91_0_33:notes"/>
+          <p:cNvPr id="163" name="Google Shape;163;gc6f980f91_0_29:notes"/>
           <p:cNvSpPr/>
           <p:nvPr>
             <p:ph idx="2" type="sldImg"/>
@@ -1935,7 +2235,7 @@
       </p:sp>
       <p:sp>
         <p:nvSpPr>
-          <p:cNvPr id="154" name="Google Shape;154;gc6f980f91_0_33:notes"/>
+          <p:cNvPr id="164" name="Google Shape;164;gc6f980f91_0_29:notes"/>
           <p:cNvSpPr txBox="1"/>
           <p:nvPr>
             <p:ph idx="1" type="body"/>
@@ -1985,7 +2285,7 @@
   <p:cSld>
     <p:spTree>
       <p:nvGrpSpPr>
-        <p:cNvPr id="158" name="Shape 158"/>
+        <p:cNvPr id="167" name="Shape 167"/>
         <p:cNvGrpSpPr/>
         <p:nvPr/>
       </p:nvGrpSpPr>
@@ -1999,7 +2299,7 @@
       </p:grpSpPr>
       <p:sp>
         <p:nvSpPr>
-          <p:cNvPr id="159" name="Google Shape;159;g49be4c35bd_1_8:notes"/>
+          <p:cNvPr id="168" name="Google Shape;168;gc6f980f91_0_33:notes"/>
           <p:cNvSpPr/>
           <p:nvPr>
             <p:ph idx="2" type="sldImg"/>
@@ -2034,7 +2334,7 @@
       </p:sp>
       <p:sp>
         <p:nvSpPr>
-          <p:cNvPr id="160" name="Google Shape;160;g49be4c35bd_1_8:notes"/>
+          <p:cNvPr id="169" name="Google Shape;169;gc6f980f91_0_33:notes"/>
           <p:cNvSpPr txBox="1"/>
           <p:nvPr>
             <p:ph idx="1" type="body"/>
@@ -2098,7 +2398,7 @@
       </p:grpSpPr>
       <p:sp>
         <p:nvSpPr>
-          <p:cNvPr id="174" name="Google Shape;174;gc6f980f91_0_37:notes"/>
+          <p:cNvPr id="174" name="Google Shape;174;g49be4c35bd_1_8:notes"/>
           <p:cNvSpPr/>
           <p:nvPr>
             <p:ph idx="2" type="sldImg"/>
@@ -2133,7 +2433,7 @@
       </p:sp>
       <p:sp>
         <p:nvSpPr>
-          <p:cNvPr id="175" name="Google Shape;175;gc6f980f91_0_37:notes"/>
+          <p:cNvPr id="175" name="Google Shape;175;g49be4c35bd_1_8:notes"/>
           <p:cNvSpPr txBox="1"/>
           <p:nvPr>
             <p:ph idx="1" type="body"/>
@@ -7489,7 +7789,7 @@
   <p:cSld>
     <p:spTree>
       <p:nvGrpSpPr>
-        <p:cNvPr id="183" name="Shape 183"/>
+        <p:cNvPr id="191" name="Shape 191"/>
         <p:cNvGrpSpPr/>
         <p:nvPr/>
       </p:nvGrpSpPr>
@@ -7503,7 +7803,7 @@
       </p:grpSpPr>
       <p:sp>
         <p:nvSpPr>
-          <p:cNvPr id="184" name="Google Shape;184;p22"/>
+          <p:cNvPr id="192" name="Google Shape;192;p22"/>
           <p:cNvSpPr txBox="1"/>
           <p:nvPr>
             <p:ph type="title"/>
@@ -7535,67 +7835,182 @@
             </a:pPr>
             <a:r>
               <a:rPr lang="ko"/>
-              <a:t>version control</a:t>
+              <a:t>Web Application</a:t>
+            </a:r>
+            <a:endParaRPr/>
+          </a:p>
+          <a:p>
+            <a:pPr indent="0" lvl="0" marL="0" rtl="0" algn="ctr">
+              <a:spcBef>
+                <a:spcPts val="0"/>
+              </a:spcBef>
+              <a:spcAft>
+                <a:spcPts val="0"/>
+              </a:spcAft>
+              <a:buNone/>
+            </a:pPr>
+            <a:r>
+              <a:rPr lang="ko"/>
+              <a:t>development</a:t>
             </a:r>
             <a:endParaRPr/>
           </a:p>
         </p:txBody>
       </p:sp>
-      <p:pic>
-        <p:nvPicPr>
-          <p:cNvPr id="185" name="Google Shape;185;p22"/>
-          <p:cNvPicPr preferRelativeResize="0"/>
+      <p:sp>
+        <p:nvSpPr>
+          <p:cNvPr id="193" name="Google Shape;193;p22"/>
+          <p:cNvSpPr txBox="1"/>
+          <p:nvPr>
+            <p:ph idx="2" type="body"/>
+          </p:nvPr>
+        </p:nvSpPr>
+        <p:spPr>
+          <a:xfrm>
+            <a:off x="4931750" y="861750"/>
+            <a:ext cx="3837000" cy="3420000"/>
+          </a:xfrm>
+          <a:prstGeom prst="rect">
+            <a:avLst/>
+          </a:prstGeom>
+        </p:spPr>
+        <p:txBody>
+          <a:bodyPr anchorCtr="0" anchor="ctr" bIns="91425" lIns="91425" spcFirstLastPara="1" rIns="91425" wrap="square" tIns="91425">
+            <a:noAutofit/>
+          </a:bodyPr>
+          <a:lstStyle/>
+          <a:p>
+            <a:pPr indent="-342900" lvl="0" marL="457200" rtl="0" algn="l">
+              <a:spcBef>
+                <a:spcPts val="0"/>
+              </a:spcBef>
+              <a:spcAft>
+                <a:spcPts val="0"/>
+              </a:spcAft>
+              <a:buSzPts val="1800"/>
+              <a:buChar char="●"/>
+            </a:pPr>
+            <a:r>
+              <a:rPr lang="ko"/>
+              <a:t>HTML5UP 오픈소스 템플릿</a:t>
+            </a:r>
+            <a:endParaRPr/>
+          </a:p>
+          <a:p>
+            <a:pPr indent="0" lvl="0" marL="457200" rtl="0" algn="l">
+              <a:spcBef>
+                <a:spcPts val="1600"/>
+              </a:spcBef>
+              <a:spcAft>
+                <a:spcPts val="0"/>
+              </a:spcAft>
+              <a:buNone/>
+            </a:pPr>
+            <a:r>
+              <a:t/>
+            </a:r>
+            <a:endParaRPr/>
+          </a:p>
+          <a:p>
+            <a:pPr indent="-342900" lvl="0" marL="457200" rtl="0" algn="l">
+              <a:spcBef>
+                <a:spcPts val="1600"/>
+              </a:spcBef>
+              <a:spcAft>
+                <a:spcPts val="0"/>
+              </a:spcAft>
+              <a:buSzPts val="1800"/>
+              <a:buChar char="●"/>
+            </a:pPr>
+            <a:r>
+              <a:rPr lang="ko"/>
+              <a:t>BOOTSTRAP 오픈소스 템플릿</a:t>
+            </a:r>
+            <a:endParaRPr/>
+          </a:p>
+          <a:p>
+            <a:pPr indent="0" lvl="0" marL="457200" rtl="0" algn="l">
+              <a:spcBef>
+                <a:spcPts val="1600"/>
+              </a:spcBef>
+              <a:spcAft>
+                <a:spcPts val="0"/>
+              </a:spcAft>
+              <a:buNone/>
+            </a:pPr>
+            <a:r>
+              <a:t/>
+            </a:r>
+            <a:endParaRPr/>
+          </a:p>
+          <a:p>
+            <a:pPr indent="-342900" lvl="0" marL="457200" rtl="0" algn="l">
+              <a:spcBef>
+                <a:spcPts val="1600"/>
+              </a:spcBef>
+              <a:spcAft>
+                <a:spcPts val="0"/>
+              </a:spcAft>
+              <a:buSzPts val="1800"/>
+              <a:buChar char="●"/>
+            </a:pPr>
+            <a:r>
+              <a:rPr lang="ko"/>
+              <a:t>SNS 제공 API</a:t>
+            </a:r>
+            <a:endParaRPr/>
+          </a:p>
+        </p:txBody>
+      </p:sp>
+      <p:sp>
+        <p:nvSpPr>
+          <p:cNvPr id="194" name="Google Shape;194;p22"/>
+          <p:cNvSpPr/>
           <p:nvPr/>
-        </p:nvPicPr>
-        <p:blipFill rotWithShape="1">
-          <a:blip r:embed="rId3">
-            <a:alphaModFix/>
-          </a:blip>
-          <a:srcRect b="0" l="0" r="0" t="25827"/>
-          <a:stretch/>
-        </p:blipFill>
-        <p:spPr>
-          <a:xfrm>
-            <a:off x="4943362" y="1484750"/>
-            <a:ext cx="3805200" cy="3589024"/>
+        </p:nvSpPr>
+        <p:spPr>
+          <a:xfrm>
+            <a:off x="4872375" y="4299150"/>
+            <a:ext cx="921900" cy="596400"/>
           </a:xfrm>
           <a:prstGeom prst="rect">
             <a:avLst/>
           </a:prstGeom>
-          <a:noFill/>
-          <a:ln>
-            <a:noFill/>
+          <a:solidFill>
+            <a:srgbClr val="FFFFFF"/>
+          </a:solidFill>
+          <a:ln cap="flat" cmpd="sng" w="9525">
+            <a:solidFill>
+              <a:srgbClr val="FFFFFF"/>
+            </a:solidFill>
+            <a:prstDash val="solid"/>
+            <a:round/>
+            <a:headEnd len="sm" w="sm" type="none"/>
+            <a:tailEnd len="sm" w="sm" type="none"/>
           </a:ln>
         </p:spPr>
-      </p:pic>
-      <p:pic>
-        <p:nvPicPr>
-          <p:cNvPr id="186" name="Google Shape;186;p22"/>
-          <p:cNvPicPr preferRelativeResize="0"/>
-          <p:nvPr/>
-        </p:nvPicPr>
-        <p:blipFill>
-          <a:blip r:embed="rId4">
-            <a:alphaModFix/>
-          </a:blip>
-          <a:stretch>
-            <a:fillRect/>
-          </a:stretch>
-        </p:blipFill>
-        <p:spPr>
-          <a:xfrm>
-            <a:off x="4671437" y="61974"/>
-            <a:ext cx="4349075" cy="1364683"/>
-          </a:xfrm>
-          <a:prstGeom prst="rect">
-            <a:avLst/>
-          </a:prstGeom>
-          <a:noFill/>
-          <a:ln>
-            <a:noFill/>
-          </a:ln>
-        </p:spPr>
-      </p:pic>
+        <p:txBody>
+          <a:bodyPr anchorCtr="0" anchor="ctr" bIns="91425" lIns="91425" spcFirstLastPara="1" rIns="91425" wrap="square" tIns="91425">
+            <a:noAutofit/>
+          </a:bodyPr>
+          <a:lstStyle/>
+          <a:p>
+            <a:pPr indent="0" lvl="0" marL="0" rtl="0" algn="l">
+              <a:spcBef>
+                <a:spcPts val="0"/>
+              </a:spcBef>
+              <a:spcAft>
+                <a:spcPts val="0"/>
+              </a:spcAft>
+              <a:buNone/>
+            </a:pPr>
+            <a:r>
+              <a:t/>
+            </a:r>
+            <a:endParaRPr/>
+          </a:p>
+        </p:txBody>
+      </p:sp>
     </p:spTree>
   </p:cSld>
   <p:clrMapOvr>
@@ -7609,7 +8024,7 @@
   <p:cSld>
     <p:spTree>
       <p:nvGrpSpPr>
-        <p:cNvPr id="190" name="Shape 190"/>
+        <p:cNvPr id="198" name="Shape 198"/>
         <p:cNvGrpSpPr/>
         <p:nvPr/>
       </p:nvGrpSpPr>
@@ -7623,7 +8038,127 @@
       </p:grpSpPr>
       <p:sp>
         <p:nvSpPr>
-          <p:cNvPr id="191" name="Google Shape;191;p23"/>
+          <p:cNvPr id="199" name="Google Shape;199;p23"/>
+          <p:cNvSpPr txBox="1"/>
+          <p:nvPr>
+            <p:ph type="title"/>
+          </p:nvPr>
+        </p:nvSpPr>
+        <p:spPr>
+          <a:xfrm>
+            <a:off x="265500" y="1733850"/>
+            <a:ext cx="4045200" cy="1675800"/>
+          </a:xfrm>
+          <a:prstGeom prst="rect">
+            <a:avLst/>
+          </a:prstGeom>
+        </p:spPr>
+        <p:txBody>
+          <a:bodyPr anchorCtr="0" anchor="ctr" bIns="91425" lIns="91425" spcFirstLastPara="1" rIns="91425" wrap="square" tIns="91425">
+            <a:noAutofit/>
+          </a:bodyPr>
+          <a:lstStyle/>
+          <a:p>
+            <a:pPr indent="0" lvl="0" marL="0" rtl="0" algn="ctr">
+              <a:spcBef>
+                <a:spcPts val="0"/>
+              </a:spcBef>
+              <a:spcAft>
+                <a:spcPts val="0"/>
+              </a:spcAft>
+              <a:buNone/>
+            </a:pPr>
+            <a:r>
+              <a:rPr lang="ko"/>
+              <a:t>version control</a:t>
+            </a:r>
+            <a:endParaRPr/>
+          </a:p>
+        </p:txBody>
+      </p:sp>
+      <p:pic>
+        <p:nvPicPr>
+          <p:cNvPr id="200" name="Google Shape;200;p23"/>
+          <p:cNvPicPr preferRelativeResize="0"/>
+          <p:nvPr/>
+        </p:nvPicPr>
+        <p:blipFill rotWithShape="1">
+          <a:blip r:embed="rId3">
+            <a:alphaModFix/>
+          </a:blip>
+          <a:srcRect b="0" l="0" r="0" t="25827"/>
+          <a:stretch/>
+        </p:blipFill>
+        <p:spPr>
+          <a:xfrm>
+            <a:off x="4943362" y="1484750"/>
+            <a:ext cx="3805200" cy="3589024"/>
+          </a:xfrm>
+          <a:prstGeom prst="rect">
+            <a:avLst/>
+          </a:prstGeom>
+          <a:noFill/>
+          <a:ln>
+            <a:noFill/>
+          </a:ln>
+        </p:spPr>
+      </p:pic>
+      <p:pic>
+        <p:nvPicPr>
+          <p:cNvPr id="201" name="Google Shape;201;p23"/>
+          <p:cNvPicPr preferRelativeResize="0"/>
+          <p:nvPr/>
+        </p:nvPicPr>
+        <p:blipFill>
+          <a:blip r:embed="rId4">
+            <a:alphaModFix/>
+          </a:blip>
+          <a:stretch>
+            <a:fillRect/>
+          </a:stretch>
+        </p:blipFill>
+        <p:spPr>
+          <a:xfrm>
+            <a:off x="4671437" y="61974"/>
+            <a:ext cx="4349075" cy="1364683"/>
+          </a:xfrm>
+          <a:prstGeom prst="rect">
+            <a:avLst/>
+          </a:prstGeom>
+          <a:noFill/>
+          <a:ln>
+            <a:noFill/>
+          </a:ln>
+        </p:spPr>
+      </p:pic>
+    </p:spTree>
+  </p:cSld>
+  <p:clrMapOvr>
+    <a:masterClrMapping/>
+  </p:clrMapOvr>
+</p:sld>
+</file>
+
+<file path=ppt/slides/slide12.xml><?xml version="1.0" encoding="utf-8"?>
+<p:sld xmlns:a="http://schemas.openxmlformats.org/drawingml/2006/main" xmlns:r="http://schemas.openxmlformats.org/officeDocument/2006/relationships" xmlns:mc="http://schemas.openxmlformats.org/markup-compatibility/2006" xmlns:mv="urn:schemas-microsoft-com:mac:vml" xmlns:p="http://schemas.openxmlformats.org/presentationml/2006/main" xmlns:c="http://schemas.openxmlformats.org/drawingml/2006/chart" xmlns:dgm="http://schemas.openxmlformats.org/drawingml/2006/diagram" xmlns:o="urn:schemas-microsoft-com:office:office" xmlns:v="urn:schemas-microsoft-com:vml" xmlns:pvml="urn:schemas-microsoft-com:office:powerpoint" xmlns:com="http://schemas.openxmlformats.org/drawingml/2006/compatibility" xmlns:p14="http://schemas.microsoft.com/office/powerpoint/2010/main" xmlns:p15="http://schemas.microsoft.com/office/powerpoint/2012/main">
+  <p:cSld>
+    <p:spTree>
+      <p:nvGrpSpPr>
+        <p:cNvPr id="205" name="Shape 205"/>
+        <p:cNvGrpSpPr/>
+        <p:nvPr/>
+      </p:nvGrpSpPr>
+      <p:grpSpPr>
+        <a:xfrm>
+          <a:off x="0" y="0"/>
+          <a:ext cx="0" cy="0"/>
+          <a:chOff x="0" y="0"/>
+          <a:chExt cx="0" cy="0"/>
+        </a:xfrm>
+      </p:grpSpPr>
+      <p:sp>
+        <p:nvSpPr>
+          <p:cNvPr id="206" name="Google Shape;206;p24"/>
           <p:cNvSpPr txBox="1"/>
           <p:nvPr>
             <p:ph type="title"/>
@@ -7683,12 +8218,12 @@
 </p:sld>
 </file>
 
-<file path=ppt/slides/slide12.xml><?xml version="1.0" encoding="utf-8"?>
+<file path=ppt/slides/slide13.xml><?xml version="1.0" encoding="utf-8"?>
 <p:sld xmlns:a="http://schemas.openxmlformats.org/drawingml/2006/main" xmlns:r="http://schemas.openxmlformats.org/officeDocument/2006/relationships" xmlns:mc="http://schemas.openxmlformats.org/markup-compatibility/2006" xmlns:mv="urn:schemas-microsoft-com:mac:vml" xmlns:p="http://schemas.openxmlformats.org/presentationml/2006/main" xmlns:c="http://schemas.openxmlformats.org/drawingml/2006/chart" xmlns:dgm="http://schemas.openxmlformats.org/drawingml/2006/diagram" xmlns:o="urn:schemas-microsoft-com:office:office" xmlns:v="urn:schemas-microsoft-com:vml" xmlns:pvml="urn:schemas-microsoft-com:office:powerpoint" xmlns:com="http://schemas.openxmlformats.org/drawingml/2006/compatibility" xmlns:p14="http://schemas.microsoft.com/office/powerpoint/2010/main" xmlns:p15="http://schemas.microsoft.com/office/powerpoint/2012/main">
   <p:cSld>
     <p:spTree>
       <p:nvGrpSpPr>
-        <p:cNvPr id="195" name="Shape 195"/>
+        <p:cNvPr id="210" name="Shape 210"/>
         <p:cNvGrpSpPr/>
         <p:nvPr/>
       </p:nvGrpSpPr>
@@ -7702,7 +8237,7 @@
       </p:grpSpPr>
       <p:sp>
         <p:nvSpPr>
-          <p:cNvPr id="196" name="Google Shape;196;p24"/>
+          <p:cNvPr id="211" name="Google Shape;211;p25"/>
           <p:cNvSpPr txBox="1"/>
           <p:nvPr>
             <p:ph type="title"/>
@@ -7742,7 +8277,7 @@
       </p:sp>
       <p:sp>
         <p:nvSpPr>
-          <p:cNvPr id="197" name="Google Shape;197;p24"/>
+          <p:cNvPr id="212" name="Google Shape;212;p25"/>
           <p:cNvSpPr txBox="1"/>
           <p:nvPr>
             <p:ph idx="1" type="body"/>
@@ -7766,6 +8301,79 @@
             <a:pPr indent="-330200" lvl="0" marL="457200" rtl="0" algn="l">
               <a:spcBef>
                 <a:spcPts val="0"/>
+              </a:spcBef>
+              <a:spcAft>
+                <a:spcPts val="0"/>
+              </a:spcAft>
+              <a:buSzPts val="1600"/>
+              <a:buChar char="●"/>
+            </a:pPr>
+            <a:r>
+              <a:rPr b="1" lang="ko" sz="2100" u="sng">
+                <a:solidFill>
+                  <a:schemeClr val="accent5"/>
+                </a:solidFill>
+                <a:hlinkClick r:id="rId3"/>
+              </a:rPr>
+              <a:t>BOOTSTRAP </a:t>
+            </a:r>
+            <a:r>
+              <a:rPr b="1" lang="ko" sz="2100">
+                <a:solidFill>
+                  <a:schemeClr val="dk1"/>
+                </a:solidFill>
+              </a:rPr>
+              <a:t>       -&gt;          MIT license</a:t>
+            </a:r>
+            <a:endParaRPr/>
+          </a:p>
+          <a:p>
+            <a:pPr indent="-330200" lvl="0" marL="457200" rtl="0" algn="l">
+              <a:spcBef>
+                <a:spcPts val="1600"/>
+              </a:spcBef>
+              <a:spcAft>
+                <a:spcPts val="0"/>
+              </a:spcAft>
+              <a:buSzPts val="1600"/>
+              <a:buChar char="●"/>
+            </a:pPr>
+            <a:r>
+              <a:rPr b="1" lang="ko" sz="2100" u="sng">
+                <a:solidFill>
+                  <a:schemeClr val="accent5"/>
+                </a:solidFill>
+                <a:hlinkClick r:id="rId4"/>
+              </a:rPr>
+              <a:t>HTML5UP</a:t>
+            </a:r>
+            <a:r>
+              <a:rPr b="1" lang="ko" sz="2100">
+                <a:solidFill>
+                  <a:schemeClr val="dk1"/>
+                </a:solidFill>
+              </a:rPr>
+              <a:t>             -&gt;          </a:t>
+            </a:r>
+            <a:r>
+              <a:rPr b="1" lang="ko" sz="2100" u="sng">
+                <a:solidFill>
+                  <a:schemeClr val="accent5"/>
+                </a:solidFill>
+                <a:hlinkClick r:id="rId5"/>
+              </a:rPr>
+              <a:t>CCL 3.0  ( CC-BY )</a:t>
+            </a:r>
+            <a:endParaRPr b="1" sz="2100">
+              <a:solidFill>
+                <a:schemeClr val="dk1"/>
+              </a:solidFill>
+            </a:endParaRPr>
+          </a:p>
+          <a:p>
+            <a:pPr indent="-330200" lvl="0" marL="457200" rtl="0" algn="l">
+              <a:spcBef>
+                <a:spcPts val="1600"/>
               </a:spcBef>
               <a:spcAft>
                 <a:spcPts val="0"/>
@@ -7779,7 +8387,7 @@
                   <a:schemeClr val="dk1"/>
                 </a:solidFill>
               </a:rPr>
-              <a:t>HTML5UP         -&gt;          CCL 3.0</a:t>
+              <a:t>SNS API                 -&gt;          이용 준수 사항 존재(license X) </a:t>
             </a:r>
             <a:endParaRPr b="1" sz="2100">
               <a:solidFill>
@@ -7804,57 +8412,7 @@
                   <a:schemeClr val="dk1"/>
                 </a:solidFill>
               </a:rPr>
-              <a:t>BOOTSTRAP    -&gt;          MIT license</a:t>
-            </a:r>
-            <a:endParaRPr b="1" sz="2100">
-              <a:solidFill>
-                <a:schemeClr val="dk1"/>
-              </a:solidFill>
-            </a:endParaRPr>
-          </a:p>
-          <a:p>
-            <a:pPr indent="-330200" lvl="0" marL="457200" rtl="0" algn="l">
-              <a:spcBef>
-                <a:spcPts val="1600"/>
-              </a:spcBef>
-              <a:spcAft>
-                <a:spcPts val="0"/>
-              </a:spcAft>
-              <a:buSzPts val="1600"/>
-              <a:buChar char="●"/>
-            </a:pPr>
-            <a:r>
-              <a:rPr b="1" lang="ko" sz="2100">
-                <a:solidFill>
-                  <a:schemeClr val="dk1"/>
-                </a:solidFill>
-              </a:rPr>
-              <a:t>API                      -&gt;         이용 준수 사항 존재(license X) </a:t>
-            </a:r>
-            <a:endParaRPr b="1" sz="2100">
-              <a:solidFill>
-                <a:schemeClr val="dk1"/>
-              </a:solidFill>
-            </a:endParaRPr>
-          </a:p>
-          <a:p>
-            <a:pPr indent="-330200" lvl="0" marL="457200" rtl="0" algn="l">
-              <a:spcBef>
-                <a:spcPts val="1600"/>
-              </a:spcBef>
-              <a:spcAft>
-                <a:spcPts val="0"/>
-              </a:spcAft>
-              <a:buSzPts val="1600"/>
-              <a:buChar char="●"/>
-            </a:pPr>
-            <a:r>
-              <a:rPr b="1" lang="ko" sz="2100">
-                <a:solidFill>
-                  <a:schemeClr val="dk1"/>
-                </a:solidFill>
-              </a:rPr>
-              <a:t>google jQuery     -&gt;         MIT license</a:t>
+              <a:t>google jQuery        -&gt;          MIT license</a:t>
             </a:r>
             <a:endParaRPr b="1" sz="2100">
               <a:solidFill>
@@ -7882,7 +8440,7 @@
                   <a:schemeClr val="dk1"/>
                 </a:solidFill>
               </a:rPr>
-              <a:t>image                   -&gt;         CC0 license</a:t>
+              <a:t>Pixabay                   -&gt;          CC0 1.0 license</a:t>
             </a:r>
             <a:endParaRPr b="1" sz="2100">
               <a:solidFill>
@@ -7900,12 +8458,12 @@
 </p:sld>
 </file>
 
-<file path=ppt/slides/slide13.xml><?xml version="1.0" encoding="utf-8"?>
+<file path=ppt/slides/slide14.xml><?xml version="1.0" encoding="utf-8"?>
 <p:sld xmlns:a="http://schemas.openxmlformats.org/drawingml/2006/main" xmlns:r="http://schemas.openxmlformats.org/officeDocument/2006/relationships" xmlns:mc="http://schemas.openxmlformats.org/markup-compatibility/2006" xmlns:mv="urn:schemas-microsoft-com:mac:vml" xmlns:p="http://schemas.openxmlformats.org/presentationml/2006/main" xmlns:c="http://schemas.openxmlformats.org/drawingml/2006/chart" xmlns:dgm="http://schemas.openxmlformats.org/drawingml/2006/diagram" xmlns:o="urn:schemas-microsoft-com:office:office" xmlns:v="urn:schemas-microsoft-com:vml" xmlns:pvml="urn:schemas-microsoft-com:office:powerpoint" xmlns:com="http://schemas.openxmlformats.org/drawingml/2006/compatibility" xmlns:p14="http://schemas.microsoft.com/office/powerpoint/2010/main" xmlns:p15="http://schemas.microsoft.com/office/powerpoint/2012/main">
   <p:cSld>
     <p:spTree>
       <p:nvGrpSpPr>
-        <p:cNvPr id="201" name="Shape 201"/>
+        <p:cNvPr id="216" name="Shape 216"/>
         <p:cNvGrpSpPr/>
         <p:nvPr/>
       </p:nvGrpSpPr>
@@ -7919,7 +8477,843 @@
       </p:grpSpPr>
       <p:sp>
         <p:nvSpPr>
-          <p:cNvPr id="202" name="Google Shape;202;p25"/>
+          <p:cNvPr id="217" name="Google Shape;217;p26"/>
+          <p:cNvSpPr txBox="1"/>
+          <p:nvPr>
+            <p:ph type="title"/>
+          </p:nvPr>
+        </p:nvSpPr>
+        <p:spPr>
+          <a:xfrm>
+            <a:off x="265500" y="1733850"/>
+            <a:ext cx="4045200" cy="1675800"/>
+          </a:xfrm>
+          <a:prstGeom prst="rect">
+            <a:avLst/>
+          </a:prstGeom>
+        </p:spPr>
+        <p:txBody>
+          <a:bodyPr anchorCtr="0" anchor="ctr" bIns="91425" lIns="91425" spcFirstLastPara="1" rIns="91425" wrap="square" tIns="91425">
+            <a:noAutofit/>
+          </a:bodyPr>
+          <a:lstStyle/>
+          <a:p>
+            <a:pPr indent="0" lvl="0" marL="0" rtl="0" algn="ctr">
+              <a:spcBef>
+                <a:spcPts val="0"/>
+              </a:spcBef>
+              <a:spcAft>
+                <a:spcPts val="0"/>
+              </a:spcAft>
+              <a:buNone/>
+            </a:pPr>
+            <a:r>
+              <a:rPr lang="ko"/>
+              <a:t>CC-BY    vs    MIT</a:t>
+            </a:r>
+            <a:endParaRPr/>
+          </a:p>
+        </p:txBody>
+      </p:sp>
+      <p:sp>
+        <p:nvSpPr>
+          <p:cNvPr id="218" name="Google Shape;218;p26"/>
+          <p:cNvSpPr/>
+          <p:nvPr/>
+        </p:nvSpPr>
+        <p:spPr>
+          <a:xfrm>
+            <a:off x="4856900" y="4252675"/>
+            <a:ext cx="689400" cy="526800"/>
+          </a:xfrm>
+          <a:prstGeom prst="rect">
+            <a:avLst/>
+          </a:prstGeom>
+          <a:solidFill>
+            <a:srgbClr val="FFFFFF"/>
+          </a:solidFill>
+          <a:ln>
+            <a:noFill/>
+          </a:ln>
+        </p:spPr>
+        <p:txBody>
+          <a:bodyPr anchorCtr="0" anchor="ctr" bIns="91425" lIns="91425" spcFirstLastPara="1" rIns="91425" wrap="square" tIns="91425">
+            <a:noAutofit/>
+          </a:bodyPr>
+          <a:lstStyle/>
+          <a:p>
+            <a:pPr indent="0" lvl="0" marL="0" rtl="0" algn="l">
+              <a:spcBef>
+                <a:spcPts val="0"/>
+              </a:spcBef>
+              <a:spcAft>
+                <a:spcPts val="0"/>
+              </a:spcAft>
+              <a:buNone/>
+            </a:pPr>
+            <a:r>
+              <a:t/>
+            </a:r>
+            <a:endParaRPr/>
+          </a:p>
+        </p:txBody>
+      </p:sp>
+      <p:sp>
+        <p:nvSpPr>
+          <p:cNvPr id="219" name="Google Shape;219;p26"/>
+          <p:cNvSpPr txBox="1"/>
+          <p:nvPr>
+            <p:ph type="title"/>
+          </p:nvPr>
+        </p:nvSpPr>
+        <p:spPr>
+          <a:xfrm>
+            <a:off x="4856900" y="81300"/>
+            <a:ext cx="4045200" cy="778500"/>
+          </a:xfrm>
+          <a:prstGeom prst="rect">
+            <a:avLst/>
+          </a:prstGeom>
+        </p:spPr>
+        <p:txBody>
+          <a:bodyPr anchorCtr="0" anchor="ctr" bIns="91425" lIns="91425" spcFirstLastPara="1" rIns="91425" wrap="square" tIns="91425">
+            <a:noAutofit/>
+          </a:bodyPr>
+          <a:lstStyle/>
+          <a:p>
+            <a:pPr indent="0" lvl="0" marL="0" rtl="0" algn="ctr">
+              <a:spcBef>
+                <a:spcPts val="0"/>
+              </a:spcBef>
+              <a:spcAft>
+                <a:spcPts val="0"/>
+              </a:spcAft>
+              <a:buNone/>
+            </a:pPr>
+            <a:r>
+              <a:rPr lang="ko">
+                <a:solidFill>
+                  <a:schemeClr val="lt1"/>
+                </a:solidFill>
+              </a:rPr>
+              <a:t>CC-BY-3.0</a:t>
+            </a:r>
+            <a:r>
+              <a:rPr lang="ko"/>
+              <a:t>t</a:t>
+            </a:r>
+            <a:endParaRPr/>
+          </a:p>
+        </p:txBody>
+      </p:sp>
+      <p:sp>
+        <p:nvSpPr>
+          <p:cNvPr id="220" name="Google Shape;220;p26"/>
+          <p:cNvSpPr txBox="1"/>
+          <p:nvPr>
+            <p:ph type="title"/>
+          </p:nvPr>
+        </p:nvSpPr>
+        <p:spPr>
+          <a:xfrm>
+            <a:off x="4856900" y="2631150"/>
+            <a:ext cx="4045200" cy="778500"/>
+          </a:xfrm>
+          <a:prstGeom prst="rect">
+            <a:avLst/>
+          </a:prstGeom>
+        </p:spPr>
+        <p:txBody>
+          <a:bodyPr anchorCtr="0" anchor="ctr" bIns="91425" lIns="91425" spcFirstLastPara="1" rIns="91425" wrap="square" tIns="91425">
+            <a:noAutofit/>
+          </a:bodyPr>
+          <a:lstStyle/>
+          <a:p>
+            <a:pPr indent="0" lvl="0" marL="0" rtl="0" algn="ctr">
+              <a:spcBef>
+                <a:spcPts val="0"/>
+              </a:spcBef>
+              <a:spcAft>
+                <a:spcPts val="0"/>
+              </a:spcAft>
+              <a:buNone/>
+            </a:pPr>
+            <a:r>
+              <a:rPr lang="ko">
+                <a:solidFill>
+                  <a:schemeClr val="lt1"/>
+                </a:solidFill>
+              </a:rPr>
+              <a:t>MIT</a:t>
+            </a:r>
+            <a:r>
+              <a:rPr lang="ko"/>
+              <a:t>t</a:t>
+            </a:r>
+            <a:endParaRPr/>
+          </a:p>
+        </p:txBody>
+      </p:sp>
+      <p:sp>
+        <p:nvSpPr>
+          <p:cNvPr id="221" name="Google Shape;221;p26"/>
+          <p:cNvSpPr txBox="1"/>
+          <p:nvPr>
+            <p:ph type="title"/>
+          </p:nvPr>
+        </p:nvSpPr>
+        <p:spPr>
+          <a:xfrm>
+            <a:off x="4856900" y="859800"/>
+            <a:ext cx="4045200" cy="1675800"/>
+          </a:xfrm>
+          <a:prstGeom prst="rect">
+            <a:avLst/>
+          </a:prstGeom>
+        </p:spPr>
+        <p:txBody>
+          <a:bodyPr anchorCtr="0" anchor="ctr" bIns="91425" lIns="91425" spcFirstLastPara="1" rIns="91425" wrap="square" tIns="91425">
+            <a:noAutofit/>
+          </a:bodyPr>
+          <a:lstStyle/>
+          <a:p>
+            <a:pPr indent="0" lvl="0" marL="0" rtl="0" algn="ctr">
+              <a:spcBef>
+                <a:spcPts val="0"/>
+              </a:spcBef>
+              <a:spcAft>
+                <a:spcPts val="0"/>
+              </a:spcAft>
+              <a:buNone/>
+            </a:pPr>
+            <a:r>
+              <a:rPr lang="ko" sz="3600">
+                <a:solidFill>
+                  <a:schemeClr val="lt1"/>
+                </a:solidFill>
+              </a:rPr>
+              <a:t>원저자 표기</a:t>
+            </a:r>
+            <a:endParaRPr/>
+          </a:p>
+        </p:txBody>
+      </p:sp>
+      <p:sp>
+        <p:nvSpPr>
+          <p:cNvPr id="222" name="Google Shape;222;p26"/>
+          <p:cNvSpPr txBox="1"/>
+          <p:nvPr>
+            <p:ph type="title"/>
+          </p:nvPr>
+        </p:nvSpPr>
+        <p:spPr>
+          <a:xfrm>
+            <a:off x="4856900" y="3305075"/>
+            <a:ext cx="4045200" cy="1675800"/>
+          </a:xfrm>
+          <a:prstGeom prst="rect">
+            <a:avLst/>
+          </a:prstGeom>
+        </p:spPr>
+        <p:txBody>
+          <a:bodyPr anchorCtr="0" anchor="ctr" bIns="91425" lIns="91425" spcFirstLastPara="1" rIns="91425" wrap="square" tIns="91425">
+            <a:noAutofit/>
+          </a:bodyPr>
+          <a:lstStyle/>
+          <a:p>
+            <a:pPr indent="0" lvl="0" marL="0" rtl="0" algn="ctr">
+              <a:spcBef>
+                <a:spcPts val="0"/>
+              </a:spcBef>
+              <a:spcAft>
+                <a:spcPts val="0"/>
+              </a:spcAft>
+              <a:buNone/>
+            </a:pPr>
+            <a:r>
+              <a:rPr lang="ko" sz="3600">
+                <a:solidFill>
+                  <a:schemeClr val="lt1"/>
+                </a:solidFill>
+              </a:rPr>
+              <a:t>원저자 표기</a:t>
+            </a:r>
+            <a:endParaRPr/>
+          </a:p>
+        </p:txBody>
+      </p:sp>
+    </p:spTree>
+  </p:cSld>
+  <p:clrMapOvr>
+    <a:masterClrMapping/>
+  </p:clrMapOvr>
+</p:sld>
+</file>
+
+<file path=ppt/slides/slide15.xml><?xml version="1.0" encoding="utf-8"?>
+<p:sld xmlns:a="http://schemas.openxmlformats.org/drawingml/2006/main" xmlns:r="http://schemas.openxmlformats.org/officeDocument/2006/relationships" xmlns:mc="http://schemas.openxmlformats.org/markup-compatibility/2006" xmlns:mv="urn:schemas-microsoft-com:mac:vml" xmlns:p="http://schemas.openxmlformats.org/presentationml/2006/main" xmlns:c="http://schemas.openxmlformats.org/drawingml/2006/chart" xmlns:dgm="http://schemas.openxmlformats.org/drawingml/2006/diagram" xmlns:o="urn:schemas-microsoft-com:office:office" xmlns:v="urn:schemas-microsoft-com:vml" xmlns:pvml="urn:schemas-microsoft-com:office:powerpoint" xmlns:com="http://schemas.openxmlformats.org/drawingml/2006/compatibility" xmlns:p14="http://schemas.microsoft.com/office/powerpoint/2010/main" xmlns:p15="http://schemas.microsoft.com/office/powerpoint/2012/main">
+  <p:cSld>
+    <p:spTree>
+      <p:nvGrpSpPr>
+        <p:cNvPr id="226" name="Shape 226"/>
+        <p:cNvGrpSpPr/>
+        <p:nvPr/>
+      </p:nvGrpSpPr>
+      <p:grpSpPr>
+        <a:xfrm>
+          <a:off x="0" y="0"/>
+          <a:ext cx="0" cy="0"/>
+          <a:chOff x="0" y="0"/>
+          <a:chExt cx="0" cy="0"/>
+        </a:xfrm>
+      </p:grpSpPr>
+      <p:sp>
+        <p:nvSpPr>
+          <p:cNvPr id="227" name="Google Shape;227;p27"/>
+          <p:cNvSpPr txBox="1"/>
+          <p:nvPr>
+            <p:ph type="title"/>
+          </p:nvPr>
+        </p:nvSpPr>
+        <p:spPr>
+          <a:xfrm>
+            <a:off x="265500" y="1733850"/>
+            <a:ext cx="4045200" cy="1675800"/>
+          </a:xfrm>
+          <a:prstGeom prst="rect">
+            <a:avLst/>
+          </a:prstGeom>
+        </p:spPr>
+        <p:txBody>
+          <a:bodyPr anchorCtr="0" anchor="ctr" bIns="91425" lIns="91425" spcFirstLastPara="1" rIns="91425" wrap="square" tIns="91425">
+            <a:noAutofit/>
+          </a:bodyPr>
+          <a:lstStyle/>
+          <a:p>
+            <a:pPr indent="0" lvl="0" marL="0" rtl="0" algn="ctr">
+              <a:spcBef>
+                <a:spcPts val="0"/>
+              </a:spcBef>
+              <a:spcAft>
+                <a:spcPts val="0"/>
+              </a:spcAft>
+              <a:buNone/>
+            </a:pPr>
+            <a:r>
+              <a:rPr b="1" lang="ko"/>
+              <a:t>API</a:t>
+            </a:r>
+            <a:r>
+              <a:rPr lang="ko"/>
+              <a:t> </a:t>
+            </a:r>
+            <a:r>
+              <a:rPr b="1" lang="ko"/>
+              <a:t>금지사항</a:t>
+            </a:r>
+            <a:endParaRPr b="1"/>
+          </a:p>
+        </p:txBody>
+      </p:sp>
+      <p:sp>
+        <p:nvSpPr>
+          <p:cNvPr id="228" name="Google Shape;228;p27"/>
+          <p:cNvSpPr/>
+          <p:nvPr/>
+        </p:nvSpPr>
+        <p:spPr>
+          <a:xfrm>
+            <a:off x="4856900" y="4252675"/>
+            <a:ext cx="689400" cy="526800"/>
+          </a:xfrm>
+          <a:prstGeom prst="rect">
+            <a:avLst/>
+          </a:prstGeom>
+          <a:solidFill>
+            <a:srgbClr val="FFFFFF"/>
+          </a:solidFill>
+          <a:ln>
+            <a:noFill/>
+          </a:ln>
+        </p:spPr>
+        <p:txBody>
+          <a:bodyPr anchorCtr="0" anchor="ctr" bIns="91425" lIns="91425" spcFirstLastPara="1" rIns="91425" wrap="square" tIns="91425">
+            <a:noAutofit/>
+          </a:bodyPr>
+          <a:lstStyle/>
+          <a:p>
+            <a:pPr indent="0" lvl="0" marL="0" rtl="0" algn="l">
+              <a:spcBef>
+                <a:spcPts val="0"/>
+              </a:spcBef>
+              <a:spcAft>
+                <a:spcPts val="0"/>
+              </a:spcAft>
+              <a:buNone/>
+            </a:pPr>
+            <a:r>
+              <a:t/>
+            </a:r>
+            <a:endParaRPr/>
+          </a:p>
+        </p:txBody>
+      </p:sp>
+      <p:sp>
+        <p:nvSpPr>
+          <p:cNvPr id="229" name="Google Shape;229;p27"/>
+          <p:cNvSpPr txBox="1"/>
+          <p:nvPr>
+            <p:ph type="title"/>
+          </p:nvPr>
+        </p:nvSpPr>
+        <p:spPr>
+          <a:xfrm>
+            <a:off x="4856900" y="81300"/>
+            <a:ext cx="4045200" cy="778500"/>
+          </a:xfrm>
+          <a:prstGeom prst="rect">
+            <a:avLst/>
+          </a:prstGeom>
+        </p:spPr>
+        <p:txBody>
+          <a:bodyPr anchorCtr="0" anchor="ctr" bIns="91425" lIns="91425" spcFirstLastPara="1" rIns="91425" wrap="square" tIns="91425">
+            <a:noAutofit/>
+          </a:bodyPr>
+          <a:lstStyle/>
+          <a:p>
+            <a:pPr indent="0" lvl="0" marL="0" rtl="0" algn="ctr">
+              <a:spcBef>
+                <a:spcPts val="0"/>
+              </a:spcBef>
+              <a:spcAft>
+                <a:spcPts val="0"/>
+              </a:spcAft>
+              <a:buNone/>
+            </a:pPr>
+            <a:r>
+              <a:rPr lang="ko">
+                <a:solidFill>
+                  <a:schemeClr val="lt1"/>
+                </a:solidFill>
+              </a:rPr>
+              <a:t>twitter</a:t>
+            </a:r>
+            <a:r>
+              <a:rPr lang="ko"/>
+              <a:t>t</a:t>
+            </a:r>
+            <a:endParaRPr/>
+          </a:p>
+        </p:txBody>
+      </p:sp>
+      <p:sp>
+        <p:nvSpPr>
+          <p:cNvPr id="230" name="Google Shape;230;p27"/>
+          <p:cNvSpPr txBox="1"/>
+          <p:nvPr>
+            <p:ph type="title"/>
+          </p:nvPr>
+        </p:nvSpPr>
+        <p:spPr>
+          <a:xfrm>
+            <a:off x="4856900" y="2631150"/>
+            <a:ext cx="4045200" cy="778500"/>
+          </a:xfrm>
+          <a:prstGeom prst="rect">
+            <a:avLst/>
+          </a:prstGeom>
+        </p:spPr>
+        <p:txBody>
+          <a:bodyPr anchorCtr="0" anchor="ctr" bIns="91425" lIns="91425" spcFirstLastPara="1" rIns="91425" wrap="square" tIns="91425">
+            <a:noAutofit/>
+          </a:bodyPr>
+          <a:lstStyle/>
+          <a:p>
+            <a:pPr indent="0" lvl="0" marL="0" rtl="0" algn="ctr">
+              <a:spcBef>
+                <a:spcPts val="0"/>
+              </a:spcBef>
+              <a:spcAft>
+                <a:spcPts val="0"/>
+              </a:spcAft>
+              <a:buNone/>
+            </a:pPr>
+            <a:r>
+              <a:rPr lang="ko">
+                <a:solidFill>
+                  <a:schemeClr val="lt1"/>
+                </a:solidFill>
+              </a:rPr>
+              <a:t>MIT</a:t>
+            </a:r>
+            <a:r>
+              <a:rPr lang="ko"/>
+              <a:t>t</a:t>
+            </a:r>
+            <a:endParaRPr/>
+          </a:p>
+        </p:txBody>
+      </p:sp>
+      <p:sp>
+        <p:nvSpPr>
+          <p:cNvPr id="231" name="Google Shape;231;p27"/>
+          <p:cNvSpPr txBox="1"/>
+          <p:nvPr>
+            <p:ph type="title"/>
+          </p:nvPr>
+        </p:nvSpPr>
+        <p:spPr>
+          <a:xfrm>
+            <a:off x="4856900" y="859800"/>
+            <a:ext cx="4045200" cy="1675800"/>
+          </a:xfrm>
+          <a:prstGeom prst="rect">
+            <a:avLst/>
+          </a:prstGeom>
+        </p:spPr>
+        <p:txBody>
+          <a:bodyPr anchorCtr="0" anchor="ctr" bIns="91425" lIns="91425" spcFirstLastPara="1" rIns="91425" wrap="square" tIns="91425">
+            <a:noAutofit/>
+          </a:bodyPr>
+          <a:lstStyle/>
+          <a:p>
+            <a:pPr indent="0" lvl="0" marL="0" rtl="0" algn="ctr">
+              <a:spcBef>
+                <a:spcPts val="0"/>
+              </a:spcBef>
+              <a:spcAft>
+                <a:spcPts val="0"/>
+              </a:spcAft>
+              <a:buNone/>
+            </a:pPr>
+            <a:r>
+              <a:rPr b="1" lang="ko" sz="2400">
+                <a:solidFill>
+                  <a:schemeClr val="lt1"/>
+                </a:solidFill>
+                <a:latin typeface="Georgia"/>
+                <a:ea typeface="Georgia"/>
+                <a:cs typeface="Georgia"/>
+                <a:sym typeface="Georgia"/>
+              </a:rPr>
+              <a:t>리버스 엔지니어링</a:t>
+            </a:r>
+            <a:endParaRPr b="1" sz="2400">
+              <a:solidFill>
+                <a:schemeClr val="lt1"/>
+              </a:solidFill>
+              <a:latin typeface="Georgia"/>
+              <a:ea typeface="Georgia"/>
+              <a:cs typeface="Georgia"/>
+              <a:sym typeface="Georgia"/>
+            </a:endParaRPr>
+          </a:p>
+          <a:p>
+            <a:pPr indent="0" lvl="0" marL="0" rtl="0" algn="ctr">
+              <a:spcBef>
+                <a:spcPts val="0"/>
+              </a:spcBef>
+              <a:spcAft>
+                <a:spcPts val="0"/>
+              </a:spcAft>
+              <a:buNone/>
+            </a:pPr>
+            <a:r>
+              <a:t/>
+            </a:r>
+            <a:endParaRPr b="1" sz="900">
+              <a:solidFill>
+                <a:schemeClr val="lt1"/>
+              </a:solidFill>
+              <a:latin typeface="Georgia"/>
+              <a:ea typeface="Georgia"/>
+              <a:cs typeface="Georgia"/>
+              <a:sym typeface="Georgia"/>
+            </a:endParaRPr>
+          </a:p>
+          <a:p>
+            <a:pPr indent="0" lvl="0" marL="0" rtl="0" algn="ctr">
+              <a:spcBef>
+                <a:spcPts val="0"/>
+              </a:spcBef>
+              <a:spcAft>
+                <a:spcPts val="0"/>
+              </a:spcAft>
+              <a:buNone/>
+            </a:pPr>
+            <a:r>
+              <a:rPr b="1" lang="ko" sz="2400">
+                <a:solidFill>
+                  <a:schemeClr val="lt1"/>
+                </a:solidFill>
+                <a:latin typeface="Georgia"/>
+                <a:ea typeface="Georgia"/>
+                <a:cs typeface="Georgia"/>
+                <a:sym typeface="Georgia"/>
+              </a:rPr>
+              <a:t>과도한 접속/미러링</a:t>
+            </a:r>
+            <a:endParaRPr b="1" sz="2400">
+              <a:solidFill>
+                <a:schemeClr val="lt1"/>
+              </a:solidFill>
+              <a:latin typeface="Georgia"/>
+              <a:ea typeface="Georgia"/>
+              <a:cs typeface="Georgia"/>
+              <a:sym typeface="Georgia"/>
+            </a:endParaRPr>
+          </a:p>
+          <a:p>
+            <a:pPr indent="0" lvl="0" marL="0" rtl="0" algn="ctr">
+              <a:spcBef>
+                <a:spcPts val="0"/>
+              </a:spcBef>
+              <a:spcAft>
+                <a:spcPts val="0"/>
+              </a:spcAft>
+              <a:buNone/>
+            </a:pPr>
+            <a:r>
+              <a:t/>
+            </a:r>
+            <a:endParaRPr b="1" sz="900">
+              <a:solidFill>
+                <a:schemeClr val="lt1"/>
+              </a:solidFill>
+              <a:latin typeface="Georgia"/>
+              <a:ea typeface="Georgia"/>
+              <a:cs typeface="Georgia"/>
+              <a:sym typeface="Georgia"/>
+            </a:endParaRPr>
+          </a:p>
+          <a:p>
+            <a:pPr indent="0" lvl="0" marL="0" rtl="0" algn="ctr">
+              <a:spcBef>
+                <a:spcPts val="0"/>
+              </a:spcBef>
+              <a:spcAft>
+                <a:spcPts val="0"/>
+              </a:spcAft>
+              <a:buNone/>
+            </a:pPr>
+            <a:r>
+              <a:rPr b="1" lang="ko" sz="2400">
+                <a:solidFill>
+                  <a:schemeClr val="lt1"/>
+                </a:solidFill>
+                <a:latin typeface="Georgia"/>
+                <a:ea typeface="Georgia"/>
+                <a:cs typeface="Georgia"/>
+                <a:sym typeface="Georgia"/>
+              </a:rPr>
+              <a:t>개인정보보호</a:t>
+            </a:r>
+            <a:endParaRPr b="1" sz="2400">
+              <a:solidFill>
+                <a:schemeClr val="lt1"/>
+              </a:solidFill>
+              <a:latin typeface="Georgia"/>
+              <a:ea typeface="Georgia"/>
+              <a:cs typeface="Georgia"/>
+              <a:sym typeface="Georgia"/>
+            </a:endParaRPr>
+          </a:p>
+        </p:txBody>
+      </p:sp>
+      <p:sp>
+        <p:nvSpPr>
+          <p:cNvPr id="232" name="Google Shape;232;p27"/>
+          <p:cNvSpPr txBox="1"/>
+          <p:nvPr>
+            <p:ph type="title"/>
+          </p:nvPr>
+        </p:nvSpPr>
+        <p:spPr>
+          <a:xfrm>
+            <a:off x="4856900" y="3297325"/>
+            <a:ext cx="4045200" cy="1675800"/>
+          </a:xfrm>
+          <a:prstGeom prst="rect">
+            <a:avLst/>
+          </a:prstGeom>
+        </p:spPr>
+        <p:txBody>
+          <a:bodyPr anchorCtr="0" anchor="ctr" bIns="91425" lIns="91425" spcFirstLastPara="1" rIns="91425" wrap="square" tIns="91425">
+            <a:noAutofit/>
+          </a:bodyPr>
+          <a:lstStyle/>
+          <a:p>
+            <a:pPr indent="0" lvl="0" marL="0" rtl="0" algn="ctr">
+              <a:spcBef>
+                <a:spcPts val="0"/>
+              </a:spcBef>
+              <a:spcAft>
+                <a:spcPts val="0"/>
+              </a:spcAft>
+              <a:buNone/>
+            </a:pPr>
+            <a:r>
+              <a:rPr b="1" lang="ko" sz="2400">
+                <a:solidFill>
+                  <a:schemeClr val="lt1"/>
+                </a:solidFill>
+                <a:latin typeface="Georgia"/>
+                <a:ea typeface="Georgia"/>
+                <a:cs typeface="Georgia"/>
+                <a:sym typeface="Georgia"/>
+              </a:rPr>
+              <a:t>일일 호출 1억 초과</a:t>
+            </a:r>
+            <a:endParaRPr b="1" sz="2400">
+              <a:solidFill>
+                <a:schemeClr val="lt1"/>
+              </a:solidFill>
+              <a:latin typeface="Georgia"/>
+              <a:ea typeface="Georgia"/>
+              <a:cs typeface="Georgia"/>
+              <a:sym typeface="Georgia"/>
+            </a:endParaRPr>
+          </a:p>
+          <a:p>
+            <a:pPr indent="0" lvl="0" marL="0" rtl="0" algn="ctr">
+              <a:spcBef>
+                <a:spcPts val="0"/>
+              </a:spcBef>
+              <a:spcAft>
+                <a:spcPts val="0"/>
+              </a:spcAft>
+              <a:buNone/>
+            </a:pPr>
+            <a:r>
+              <a:t/>
+            </a:r>
+            <a:endParaRPr b="1" sz="900">
+              <a:solidFill>
+                <a:schemeClr val="lt1"/>
+              </a:solidFill>
+              <a:latin typeface="Georgia"/>
+              <a:ea typeface="Georgia"/>
+              <a:cs typeface="Georgia"/>
+              <a:sym typeface="Georgia"/>
+            </a:endParaRPr>
+          </a:p>
+          <a:p>
+            <a:pPr indent="0" lvl="0" marL="0" rtl="0" algn="ctr">
+              <a:spcBef>
+                <a:spcPts val="0"/>
+              </a:spcBef>
+              <a:spcAft>
+                <a:spcPts val="0"/>
+              </a:spcAft>
+              <a:buNone/>
+            </a:pPr>
+            <a:r>
+              <a:rPr b="1" lang="ko" sz="2400">
+                <a:solidFill>
+                  <a:schemeClr val="lt1"/>
+                </a:solidFill>
+                <a:latin typeface="Georgia"/>
+                <a:ea typeface="Georgia"/>
+                <a:cs typeface="Georgia"/>
+                <a:sym typeface="Georgia"/>
+              </a:rPr>
+              <a:t>수수료 청구</a:t>
+            </a:r>
+            <a:endParaRPr b="1" sz="2400">
+              <a:solidFill>
+                <a:schemeClr val="lt1"/>
+              </a:solidFill>
+              <a:latin typeface="Georgia"/>
+              <a:ea typeface="Georgia"/>
+              <a:cs typeface="Georgia"/>
+              <a:sym typeface="Georgia"/>
+            </a:endParaRPr>
+          </a:p>
+          <a:p>
+            <a:pPr indent="0" lvl="0" marL="0" rtl="0" algn="ctr">
+              <a:spcBef>
+                <a:spcPts val="0"/>
+              </a:spcBef>
+              <a:spcAft>
+                <a:spcPts val="0"/>
+              </a:spcAft>
+              <a:buNone/>
+            </a:pPr>
+            <a:r>
+              <a:t/>
+            </a:r>
+            <a:endParaRPr b="1" sz="900">
+              <a:solidFill>
+                <a:schemeClr val="lt1"/>
+              </a:solidFill>
+              <a:latin typeface="Georgia"/>
+              <a:ea typeface="Georgia"/>
+              <a:cs typeface="Georgia"/>
+              <a:sym typeface="Georgia"/>
+            </a:endParaRPr>
+          </a:p>
+          <a:p>
+            <a:pPr indent="0" lvl="0" marL="0" rtl="0" algn="ctr">
+              <a:spcBef>
+                <a:spcPts val="0"/>
+              </a:spcBef>
+              <a:spcAft>
+                <a:spcPts val="0"/>
+              </a:spcAft>
+              <a:buNone/>
+            </a:pPr>
+            <a:r>
+              <a:rPr b="1" lang="ko" sz="2400">
+                <a:solidFill>
+                  <a:schemeClr val="lt1"/>
+                </a:solidFill>
+                <a:latin typeface="Georgia"/>
+                <a:ea typeface="Georgia"/>
+                <a:cs typeface="Georgia"/>
+                <a:sym typeface="Georgia"/>
+              </a:rPr>
+              <a:t>개인정보보호</a:t>
+            </a:r>
+            <a:endParaRPr b="1" sz="2400">
+              <a:solidFill>
+                <a:schemeClr val="lt1"/>
+              </a:solidFill>
+              <a:latin typeface="Georgia"/>
+              <a:ea typeface="Georgia"/>
+              <a:cs typeface="Georgia"/>
+              <a:sym typeface="Georgia"/>
+            </a:endParaRPr>
+          </a:p>
+        </p:txBody>
+      </p:sp>
+    </p:spTree>
+  </p:cSld>
+  <p:clrMapOvr>
+    <a:masterClrMapping/>
+  </p:clrMapOvr>
+</p:sld>
+</file>
+
+<file path=ppt/slides/slide16.xml><?xml version="1.0" encoding="utf-8"?>
+<p:sld xmlns:a="http://schemas.openxmlformats.org/drawingml/2006/main" xmlns:r="http://schemas.openxmlformats.org/officeDocument/2006/relationships" xmlns:mc="http://schemas.openxmlformats.org/markup-compatibility/2006" xmlns:mv="urn:schemas-microsoft-com:mac:vml" xmlns:p="http://schemas.openxmlformats.org/presentationml/2006/main" xmlns:c="http://schemas.openxmlformats.org/drawingml/2006/chart" xmlns:dgm="http://schemas.openxmlformats.org/drawingml/2006/diagram" xmlns:o="urn:schemas-microsoft-com:office:office" xmlns:v="urn:schemas-microsoft-com:vml" xmlns:pvml="urn:schemas-microsoft-com:office:powerpoint" xmlns:com="http://schemas.openxmlformats.org/drawingml/2006/compatibility" xmlns:p14="http://schemas.microsoft.com/office/powerpoint/2010/main" xmlns:p15="http://schemas.microsoft.com/office/powerpoint/2012/main">
+  <p:cSld>
+    <p:spTree>
+      <p:nvGrpSpPr>
+        <p:cNvPr id="236" name="Shape 236"/>
+        <p:cNvGrpSpPr/>
+        <p:nvPr/>
+      </p:nvGrpSpPr>
+      <p:grpSpPr>
+        <a:xfrm>
+          <a:off x="0" y="0"/>
+          <a:ext cx="0" cy="0"/>
+          <a:chOff x="0" y="0"/>
+          <a:chExt cx="0" cy="0"/>
+        </a:xfrm>
+      </p:grpSpPr>
+      <p:sp>
+        <p:nvSpPr>
+          <p:cNvPr id="237" name="Google Shape;237;p28"/>
           <p:cNvSpPr txBox="1"/>
           <p:nvPr>
             <p:ph type="title"/>
@@ -7970,12 +9364,12 @@
 </p:sld>
 </file>
 
-<file path=ppt/slides/slide14.xml><?xml version="1.0" encoding="utf-8"?>
+<file path=ppt/slides/slide17.xml><?xml version="1.0" encoding="utf-8"?>
 <p:sld xmlns:a="http://schemas.openxmlformats.org/drawingml/2006/main" xmlns:r="http://schemas.openxmlformats.org/officeDocument/2006/relationships" xmlns:mc="http://schemas.openxmlformats.org/markup-compatibility/2006" xmlns:mv="urn:schemas-microsoft-com:mac:vml" xmlns:p="http://schemas.openxmlformats.org/presentationml/2006/main" xmlns:c="http://schemas.openxmlformats.org/drawingml/2006/chart" xmlns:dgm="http://schemas.openxmlformats.org/drawingml/2006/diagram" xmlns:o="urn:schemas-microsoft-com:office:office" xmlns:v="urn:schemas-microsoft-com:vml" xmlns:pvml="urn:schemas-microsoft-com:office:powerpoint" xmlns:com="http://schemas.openxmlformats.org/drawingml/2006/compatibility" xmlns:p14="http://schemas.microsoft.com/office/powerpoint/2010/main" xmlns:p15="http://schemas.microsoft.com/office/powerpoint/2012/main">
   <p:cSld>
     <p:spTree>
       <p:nvGrpSpPr>
-        <p:cNvPr id="206" name="Shape 206"/>
+        <p:cNvPr id="241" name="Shape 241"/>
         <p:cNvGrpSpPr/>
         <p:nvPr/>
       </p:nvGrpSpPr>
@@ -7989,7 +9383,7 @@
       </p:grpSpPr>
       <p:sp>
         <p:nvSpPr>
-          <p:cNvPr id="207" name="Google Shape;207;p26"/>
+          <p:cNvPr id="242" name="Google Shape;242;p29"/>
           <p:cNvSpPr txBox="1"/>
           <p:nvPr>
             <p:ph type="title"/>
@@ -8035,12 +9429,12 @@
 </p:sld>
 </file>
 
-<file path=ppt/slides/slide15.xml><?xml version="1.0" encoding="utf-8"?>
+<file path=ppt/slides/slide18.xml><?xml version="1.0" encoding="utf-8"?>
 <p:sld xmlns:a="http://schemas.openxmlformats.org/drawingml/2006/main" xmlns:r="http://schemas.openxmlformats.org/officeDocument/2006/relationships" xmlns:mc="http://schemas.openxmlformats.org/markup-compatibility/2006" xmlns:mv="urn:schemas-microsoft-com:mac:vml" xmlns:p="http://schemas.openxmlformats.org/presentationml/2006/main" xmlns:c="http://schemas.openxmlformats.org/drawingml/2006/chart" xmlns:dgm="http://schemas.openxmlformats.org/drawingml/2006/diagram" xmlns:o="urn:schemas-microsoft-com:office:office" xmlns:v="urn:schemas-microsoft-com:vml" xmlns:pvml="urn:schemas-microsoft-com:office:powerpoint" xmlns:com="http://schemas.openxmlformats.org/drawingml/2006/compatibility" xmlns:p14="http://schemas.microsoft.com/office/powerpoint/2010/main" xmlns:p15="http://schemas.microsoft.com/office/powerpoint/2012/main">
   <p:cSld>
     <p:spTree>
       <p:nvGrpSpPr>
-        <p:cNvPr id="211" name="Shape 211"/>
+        <p:cNvPr id="246" name="Shape 246"/>
         <p:cNvGrpSpPr/>
         <p:nvPr/>
       </p:nvGrpSpPr>
@@ -8054,7 +9448,7 @@
       </p:grpSpPr>
       <p:sp>
         <p:nvSpPr>
-          <p:cNvPr id="212" name="Google Shape;212;p27"/>
+          <p:cNvPr id="247" name="Google Shape;247;p30"/>
           <p:cNvSpPr txBox="1"/>
           <p:nvPr>
             <p:ph type="title"/>
@@ -8094,7 +9488,7 @@
       </p:sp>
       <p:sp>
         <p:nvSpPr>
-          <p:cNvPr id="213" name="Google Shape;213;p27"/>
+          <p:cNvPr id="248" name="Google Shape;248;p30"/>
           <p:cNvSpPr txBox="1"/>
           <p:nvPr>
             <p:ph idx="4294967295" type="body"/>
@@ -8142,7 +9536,7 @@
       </p:sp>
       <p:pic>
         <p:nvPicPr>
-          <p:cNvPr id="214" name="Google Shape;214;p27"/>
+          <p:cNvPr id="249" name="Google Shape;249;p30"/>
           <p:cNvPicPr preferRelativeResize="0"/>
           <p:nvPr/>
         </p:nvPicPr>
@@ -8170,7 +9564,7 @@
       </p:pic>
       <p:sp>
         <p:nvSpPr>
-          <p:cNvPr id="215" name="Google Shape;215;p27"/>
+          <p:cNvPr id="250" name="Google Shape;250;p30"/>
           <p:cNvSpPr txBox="1"/>
           <p:nvPr/>
         </p:nvSpPr>
@@ -8677,13 +10071,29 @@
                 <a:spcPts val="0"/>
               </a:spcBef>
               <a:spcAft>
-                <a:spcPts val="1600"/>
+                <a:spcPts val="0"/>
               </a:spcAft>
               <a:buNone/>
             </a:pPr>
             <a:r>
               <a:rPr lang="ko" sz="1300"/>
-              <a:t>라이센스 문서 요약, 번역 </a:t>
+              <a:t>라이센스 문서 초안</a:t>
+            </a:r>
+            <a:endParaRPr sz="1300"/>
+          </a:p>
+          <a:p>
+            <a:pPr indent="0" lvl="0" marL="0" rtl="0" algn="ctr">
+              <a:spcBef>
+                <a:spcPts val="1600"/>
+              </a:spcBef>
+              <a:spcAft>
+                <a:spcPts val="1600"/>
+              </a:spcAft>
+              <a:buNone/>
+            </a:pPr>
+            <a:r>
+              <a:rPr lang="ko" sz="1300"/>
+              <a:t>편집총괄 </a:t>
             </a:r>
             <a:endParaRPr sz="1300"/>
           </a:p>
@@ -9332,7 +10742,7 @@
             </a:pPr>
             <a:r>
               <a:rPr lang="ko" sz="3900"/>
-              <a:t>오픈소스 소프트웨어</a:t>
+              <a:t>오픈소스</a:t>
             </a:r>
             <a:endParaRPr sz="3900"/>
           </a:p>
@@ -9394,40 +10804,659 @@
             </a:pPr>
             <a:r>
               <a:rPr lang="ko" sz="3900"/>
-              <a:t>폭포수 모델</a:t>
+              <a:t>개발방법론</a:t>
             </a:r>
             <a:endParaRPr sz="3900"/>
           </a:p>
         </p:txBody>
       </p:sp>
-      <p:pic>
-        <p:nvPicPr>
-          <p:cNvPr id="96" name="Google Shape;96;p16"/>
-          <p:cNvPicPr preferRelativeResize="0"/>
+    </p:spTree>
+  </p:cSld>
+  <p:clrMapOvr>
+    <a:masterClrMapping/>
+  </p:clrMapOvr>
+</p:sld>
+</file>
+
+<file path=ppt/slides/slide5.xml><?xml version="1.0" encoding="utf-8"?>
+<p:sld xmlns:a="http://schemas.openxmlformats.org/drawingml/2006/main" xmlns:r="http://schemas.openxmlformats.org/officeDocument/2006/relationships" xmlns:mc="http://schemas.openxmlformats.org/markup-compatibility/2006" xmlns:mv="urn:schemas-microsoft-com:mac:vml" xmlns:p="http://schemas.openxmlformats.org/presentationml/2006/main" xmlns:c="http://schemas.openxmlformats.org/drawingml/2006/chart" xmlns:dgm="http://schemas.openxmlformats.org/drawingml/2006/diagram" xmlns:o="urn:schemas-microsoft-com:office:office" xmlns:v="urn:schemas-microsoft-com:vml" xmlns:pvml="urn:schemas-microsoft-com:office:powerpoint" xmlns:com="http://schemas.openxmlformats.org/drawingml/2006/compatibility" xmlns:p14="http://schemas.microsoft.com/office/powerpoint/2010/main" xmlns:p15="http://schemas.microsoft.com/office/powerpoint/2012/main">
+  <p:cSld>
+    <p:spTree>
+      <p:nvGrpSpPr>
+        <p:cNvPr id="99" name="Shape 99"/>
+        <p:cNvGrpSpPr/>
+        <p:nvPr/>
+      </p:nvGrpSpPr>
+      <p:grpSpPr>
+        <a:xfrm>
+          <a:off x="0" y="0"/>
+          <a:ext cx="0" cy="0"/>
+          <a:chOff x="0" y="0"/>
+          <a:chExt cx="0" cy="0"/>
+        </a:xfrm>
+      </p:grpSpPr>
+      <p:sp>
+        <p:nvSpPr>
+          <p:cNvPr id="100" name="Google Shape;100;p17"/>
+          <p:cNvSpPr txBox="1"/>
+          <p:nvPr>
+            <p:ph type="title"/>
+          </p:nvPr>
+        </p:nvSpPr>
+        <p:spPr>
+          <a:xfrm>
+            <a:off x="0" y="0"/>
+            <a:ext cx="1715700" cy="855000"/>
+          </a:xfrm>
+          <a:prstGeom prst="rect">
+            <a:avLst/>
+          </a:prstGeom>
+          <a:ln cap="flat" cmpd="sng" w="38100">
+            <a:solidFill>
+              <a:srgbClr val="000000"/>
+            </a:solidFill>
+            <a:prstDash val="solid"/>
+            <a:round/>
+            <a:headEnd len="sm" w="sm" type="none"/>
+            <a:tailEnd len="sm" w="sm" type="none"/>
+          </a:ln>
+        </p:spPr>
+        <p:txBody>
+          <a:bodyPr anchorCtr="0" anchor="ctr" bIns="91425" lIns="91425" spcFirstLastPara="1" rIns="91425" wrap="square" tIns="91425">
+            <a:noAutofit/>
+          </a:bodyPr>
+          <a:lstStyle/>
+          <a:p>
+            <a:pPr indent="0" lvl="0" marL="0" rtl="0" algn="ctr">
+              <a:spcBef>
+                <a:spcPts val="0"/>
+              </a:spcBef>
+              <a:spcAft>
+                <a:spcPts val="0"/>
+              </a:spcAft>
+              <a:buNone/>
+            </a:pPr>
+            <a:r>
+              <a:rPr b="1" lang="ko" sz="3000"/>
+              <a:t>계획</a:t>
+            </a:r>
+            <a:endParaRPr b="1" sz="3000"/>
+          </a:p>
+        </p:txBody>
+      </p:sp>
+      <p:sp>
+        <p:nvSpPr>
+          <p:cNvPr id="101" name="Google Shape;101;p17"/>
+          <p:cNvSpPr txBox="1"/>
+          <p:nvPr>
+            <p:ph type="title"/>
+          </p:nvPr>
+        </p:nvSpPr>
+        <p:spPr>
+          <a:xfrm>
+            <a:off x="1468725" y="854988"/>
+            <a:ext cx="1715700" cy="855000"/>
+          </a:xfrm>
+          <a:prstGeom prst="rect">
+            <a:avLst/>
+          </a:prstGeom>
+          <a:ln cap="flat" cmpd="sng" w="38100">
+            <a:solidFill>
+              <a:srgbClr val="000000"/>
+            </a:solidFill>
+            <a:prstDash val="solid"/>
+            <a:round/>
+            <a:headEnd len="sm" w="sm" type="none"/>
+            <a:tailEnd len="sm" w="sm" type="none"/>
+          </a:ln>
+        </p:spPr>
+        <p:txBody>
+          <a:bodyPr anchorCtr="0" anchor="ctr" bIns="91425" lIns="91425" spcFirstLastPara="1" rIns="91425" wrap="square" tIns="91425">
+            <a:noAutofit/>
+          </a:bodyPr>
+          <a:lstStyle/>
+          <a:p>
+            <a:pPr indent="0" lvl="0" marL="0" rtl="0" algn="l">
+              <a:spcBef>
+                <a:spcPts val="0"/>
+              </a:spcBef>
+              <a:spcAft>
+                <a:spcPts val="0"/>
+              </a:spcAft>
+              <a:buNone/>
+            </a:pPr>
+            <a:r>
+              <a:rPr b="1" lang="ko" sz="3000"/>
+              <a:t>요구분석</a:t>
+            </a:r>
+            <a:endParaRPr b="1" sz="3000"/>
+          </a:p>
+        </p:txBody>
+      </p:sp>
+      <p:sp>
+        <p:nvSpPr>
+          <p:cNvPr id="102" name="Google Shape;102;p17"/>
+          <p:cNvSpPr txBox="1"/>
+          <p:nvPr>
+            <p:ph type="title"/>
+          </p:nvPr>
+        </p:nvSpPr>
+        <p:spPr>
+          <a:xfrm>
+            <a:off x="2948350" y="1710000"/>
+            <a:ext cx="1715700" cy="855000"/>
+          </a:xfrm>
+          <a:prstGeom prst="rect">
+            <a:avLst/>
+          </a:prstGeom>
+          <a:ln cap="flat" cmpd="sng" w="38100">
+            <a:solidFill>
+              <a:srgbClr val="000000"/>
+            </a:solidFill>
+            <a:prstDash val="solid"/>
+            <a:round/>
+            <a:headEnd len="sm" w="sm" type="none"/>
+            <a:tailEnd len="sm" w="sm" type="none"/>
+          </a:ln>
+        </p:spPr>
+        <p:txBody>
+          <a:bodyPr anchorCtr="0" anchor="ctr" bIns="91425" lIns="91425" spcFirstLastPara="1" rIns="91425" wrap="square" tIns="91425">
+            <a:noAutofit/>
+          </a:bodyPr>
+          <a:lstStyle/>
+          <a:p>
+            <a:pPr indent="0" lvl="0" marL="0" rtl="0" algn="ctr">
+              <a:spcBef>
+                <a:spcPts val="0"/>
+              </a:spcBef>
+              <a:spcAft>
+                <a:spcPts val="0"/>
+              </a:spcAft>
+              <a:buNone/>
+            </a:pPr>
+            <a:r>
+              <a:rPr b="1" lang="ko" sz="3000"/>
+              <a:t>설계</a:t>
+            </a:r>
+            <a:endParaRPr b="1" sz="3000"/>
+          </a:p>
+        </p:txBody>
+      </p:sp>
+      <p:sp>
+        <p:nvSpPr>
+          <p:cNvPr id="103" name="Google Shape;103;p17"/>
+          <p:cNvSpPr txBox="1"/>
+          <p:nvPr>
+            <p:ph type="title"/>
+          </p:nvPr>
+        </p:nvSpPr>
+        <p:spPr>
+          <a:xfrm>
+            <a:off x="4454875" y="2565000"/>
+            <a:ext cx="1715700" cy="855000"/>
+          </a:xfrm>
+          <a:prstGeom prst="rect">
+            <a:avLst/>
+          </a:prstGeom>
+          <a:ln cap="flat" cmpd="sng" w="38100">
+            <a:solidFill>
+              <a:srgbClr val="000000"/>
+            </a:solidFill>
+            <a:prstDash val="solid"/>
+            <a:round/>
+            <a:headEnd len="sm" w="sm" type="none"/>
+            <a:tailEnd len="sm" w="sm" type="none"/>
+          </a:ln>
+        </p:spPr>
+        <p:txBody>
+          <a:bodyPr anchorCtr="0" anchor="ctr" bIns="91425" lIns="91425" spcFirstLastPara="1" rIns="91425" wrap="square" tIns="91425">
+            <a:noAutofit/>
+          </a:bodyPr>
+          <a:lstStyle/>
+          <a:p>
+            <a:pPr indent="0" lvl="0" marL="0" rtl="0" algn="ctr">
+              <a:spcBef>
+                <a:spcPts val="0"/>
+              </a:spcBef>
+              <a:spcAft>
+                <a:spcPts val="0"/>
+              </a:spcAft>
+              <a:buNone/>
+            </a:pPr>
+            <a:r>
+              <a:rPr b="1" lang="ko" sz="3000"/>
+              <a:t>구현</a:t>
+            </a:r>
+            <a:endParaRPr b="1" sz="3000"/>
+          </a:p>
+        </p:txBody>
+      </p:sp>
+      <p:sp>
+        <p:nvSpPr>
+          <p:cNvPr id="104" name="Google Shape;104;p17"/>
+          <p:cNvSpPr txBox="1"/>
+          <p:nvPr>
+            <p:ph type="title"/>
+          </p:nvPr>
+        </p:nvSpPr>
+        <p:spPr>
+          <a:xfrm>
+            <a:off x="5975825" y="3420000"/>
+            <a:ext cx="1715700" cy="855000"/>
+          </a:xfrm>
+          <a:prstGeom prst="rect">
+            <a:avLst/>
+          </a:prstGeom>
+          <a:ln cap="flat" cmpd="sng" w="38100">
+            <a:solidFill>
+              <a:srgbClr val="000000"/>
+            </a:solidFill>
+            <a:prstDash val="solid"/>
+            <a:round/>
+            <a:headEnd len="sm" w="sm" type="none"/>
+            <a:tailEnd len="sm" w="sm" type="none"/>
+          </a:ln>
+        </p:spPr>
+        <p:txBody>
+          <a:bodyPr anchorCtr="0" anchor="ctr" bIns="91425" lIns="91425" spcFirstLastPara="1" rIns="91425" wrap="square" tIns="91425">
+            <a:noAutofit/>
+          </a:bodyPr>
+          <a:lstStyle/>
+          <a:p>
+            <a:pPr indent="0" lvl="0" marL="0" rtl="0" algn="ctr">
+              <a:spcBef>
+                <a:spcPts val="0"/>
+              </a:spcBef>
+              <a:spcAft>
+                <a:spcPts val="0"/>
+              </a:spcAft>
+              <a:buNone/>
+            </a:pPr>
+            <a:r>
+              <a:rPr b="1" lang="ko" sz="3000"/>
+              <a:t>시험</a:t>
+            </a:r>
+            <a:endParaRPr b="1" sz="3000"/>
+          </a:p>
+        </p:txBody>
+      </p:sp>
+      <p:sp>
+        <p:nvSpPr>
+          <p:cNvPr id="105" name="Google Shape;105;p17"/>
+          <p:cNvSpPr txBox="1"/>
+          <p:nvPr>
+            <p:ph type="title"/>
+          </p:nvPr>
+        </p:nvSpPr>
+        <p:spPr>
+          <a:xfrm>
+            <a:off x="7428300" y="4275000"/>
+            <a:ext cx="1715700" cy="855000"/>
+          </a:xfrm>
+          <a:prstGeom prst="rect">
+            <a:avLst/>
+          </a:prstGeom>
+          <a:ln cap="flat" cmpd="sng" w="38100">
+            <a:solidFill>
+              <a:srgbClr val="000000"/>
+            </a:solidFill>
+            <a:prstDash val="solid"/>
+            <a:round/>
+            <a:headEnd len="sm" w="sm" type="none"/>
+            <a:tailEnd len="sm" w="sm" type="none"/>
+          </a:ln>
+        </p:spPr>
+        <p:txBody>
+          <a:bodyPr anchorCtr="0" anchor="ctr" bIns="91425" lIns="91425" spcFirstLastPara="1" rIns="91425" wrap="square" tIns="91425">
+            <a:noAutofit/>
+          </a:bodyPr>
+          <a:lstStyle/>
+          <a:p>
+            <a:pPr indent="0" lvl="0" marL="0" rtl="0" algn="ctr">
+              <a:spcBef>
+                <a:spcPts val="0"/>
+              </a:spcBef>
+              <a:spcAft>
+                <a:spcPts val="0"/>
+              </a:spcAft>
+              <a:buNone/>
+            </a:pPr>
+            <a:r>
+              <a:rPr b="1" lang="ko" sz="3000"/>
+              <a:t>유지보수</a:t>
+            </a:r>
+            <a:endParaRPr b="1" sz="3000"/>
+          </a:p>
+        </p:txBody>
+      </p:sp>
+      <p:sp>
+        <p:nvSpPr>
+          <p:cNvPr id="106" name="Google Shape;106;p17"/>
+          <p:cNvSpPr/>
           <p:nvPr/>
-        </p:nvPicPr>
-        <p:blipFill>
-          <a:blip r:embed="rId3">
-            <a:alphaModFix/>
-          </a:blip>
-          <a:stretch>
-            <a:fillRect/>
-          </a:stretch>
-        </p:blipFill>
-        <p:spPr>
-          <a:xfrm>
-            <a:off x="1883938" y="805200"/>
-            <a:ext cx="5376124" cy="3533075"/>
-          </a:xfrm>
-          <a:prstGeom prst="rect">
-            <a:avLst/>
-          </a:prstGeom>
-          <a:noFill/>
-          <a:ln>
-            <a:noFill/>
+        </p:nvSpPr>
+        <p:spPr>
+          <a:xfrm rot="5400000">
+            <a:off x="2048775" y="167850"/>
+            <a:ext cx="555600" cy="519300"/>
+          </a:xfrm>
+          <a:prstGeom prst="bentArrow">
+            <a:avLst>
+              <a:gd fmla="val 25000" name="adj1"/>
+              <a:gd fmla="val 25784" name="adj2"/>
+              <a:gd fmla="val 25000" name="adj3"/>
+              <a:gd fmla="val 51935" name="adj4"/>
+            </a:avLst>
+          </a:prstGeom>
+          <a:solidFill>
+            <a:schemeClr val="lt1"/>
+          </a:solidFill>
+          <a:ln cap="flat" cmpd="sng" w="9525">
+            <a:solidFill>
+              <a:srgbClr val="000000"/>
+            </a:solidFill>
+            <a:prstDash val="solid"/>
+            <a:round/>
+            <a:headEnd len="sm" w="sm" type="none"/>
+            <a:tailEnd len="sm" w="sm" type="none"/>
           </a:ln>
         </p:spPr>
-      </p:pic>
+        <p:txBody>
+          <a:bodyPr anchorCtr="0" anchor="ctr" bIns="91425" lIns="91425" spcFirstLastPara="1" rIns="91425" wrap="square" tIns="91425">
+            <a:noAutofit/>
+          </a:bodyPr>
+          <a:lstStyle/>
+          <a:p>
+            <a:pPr indent="0" lvl="0" marL="0" rtl="0" algn="l">
+              <a:spcBef>
+                <a:spcPts val="0"/>
+              </a:spcBef>
+              <a:spcAft>
+                <a:spcPts val="0"/>
+              </a:spcAft>
+              <a:buNone/>
+            </a:pPr>
+            <a:r>
+              <a:t/>
+            </a:r>
+            <a:endParaRPr/>
+          </a:p>
+        </p:txBody>
+      </p:sp>
+      <p:sp>
+        <p:nvSpPr>
+          <p:cNvPr id="107" name="Google Shape;107;p17"/>
+          <p:cNvSpPr/>
+          <p:nvPr/>
+        </p:nvSpPr>
+        <p:spPr>
+          <a:xfrm rot="5400000">
+            <a:off x="3528400" y="1022850"/>
+            <a:ext cx="555600" cy="519300"/>
+          </a:xfrm>
+          <a:prstGeom prst="bentArrow">
+            <a:avLst>
+              <a:gd fmla="val 25000" name="adj1"/>
+              <a:gd fmla="val 25784" name="adj2"/>
+              <a:gd fmla="val 25000" name="adj3"/>
+              <a:gd fmla="val 51935" name="adj4"/>
+            </a:avLst>
+          </a:prstGeom>
+          <a:solidFill>
+            <a:schemeClr val="lt1"/>
+          </a:solidFill>
+          <a:ln cap="flat" cmpd="sng" w="9525">
+            <a:solidFill>
+              <a:schemeClr val="dk2"/>
+            </a:solidFill>
+            <a:prstDash val="solid"/>
+            <a:round/>
+            <a:headEnd len="sm" w="sm" type="none"/>
+            <a:tailEnd len="sm" w="sm" type="none"/>
+          </a:ln>
+        </p:spPr>
+        <p:txBody>
+          <a:bodyPr anchorCtr="0" anchor="ctr" bIns="91425" lIns="91425" spcFirstLastPara="1" rIns="91425" wrap="square" tIns="91425">
+            <a:noAutofit/>
+          </a:bodyPr>
+          <a:lstStyle/>
+          <a:p>
+            <a:pPr indent="0" lvl="0" marL="0" rtl="0" algn="l">
+              <a:spcBef>
+                <a:spcPts val="0"/>
+              </a:spcBef>
+              <a:spcAft>
+                <a:spcPts val="0"/>
+              </a:spcAft>
+              <a:buNone/>
+            </a:pPr>
+            <a:r>
+              <a:t/>
+            </a:r>
+            <a:endParaRPr/>
+          </a:p>
+        </p:txBody>
+      </p:sp>
+      <p:sp>
+        <p:nvSpPr>
+          <p:cNvPr id="108" name="Google Shape;108;p17"/>
+          <p:cNvSpPr/>
+          <p:nvPr/>
+        </p:nvSpPr>
+        <p:spPr>
+          <a:xfrm rot="5400000">
+            <a:off x="5034925" y="1877850"/>
+            <a:ext cx="555600" cy="519300"/>
+          </a:xfrm>
+          <a:prstGeom prst="bentArrow">
+            <a:avLst>
+              <a:gd fmla="val 25000" name="adj1"/>
+              <a:gd fmla="val 25784" name="adj2"/>
+              <a:gd fmla="val 25000" name="adj3"/>
+              <a:gd fmla="val 51935" name="adj4"/>
+            </a:avLst>
+          </a:prstGeom>
+          <a:solidFill>
+            <a:schemeClr val="lt1"/>
+          </a:solidFill>
+          <a:ln cap="flat" cmpd="sng" w="9525">
+            <a:solidFill>
+              <a:schemeClr val="dk2"/>
+            </a:solidFill>
+            <a:prstDash val="solid"/>
+            <a:round/>
+            <a:headEnd len="sm" w="sm" type="none"/>
+            <a:tailEnd len="sm" w="sm" type="none"/>
+          </a:ln>
+        </p:spPr>
+        <p:txBody>
+          <a:bodyPr anchorCtr="0" anchor="ctr" bIns="91425" lIns="91425" spcFirstLastPara="1" rIns="91425" wrap="square" tIns="91425">
+            <a:noAutofit/>
+          </a:bodyPr>
+          <a:lstStyle/>
+          <a:p>
+            <a:pPr indent="0" lvl="0" marL="0" rtl="0" algn="l">
+              <a:spcBef>
+                <a:spcPts val="0"/>
+              </a:spcBef>
+              <a:spcAft>
+                <a:spcPts val="0"/>
+              </a:spcAft>
+              <a:buNone/>
+            </a:pPr>
+            <a:r>
+              <a:t/>
+            </a:r>
+            <a:endParaRPr/>
+          </a:p>
+        </p:txBody>
+      </p:sp>
+      <p:sp>
+        <p:nvSpPr>
+          <p:cNvPr id="109" name="Google Shape;109;p17"/>
+          <p:cNvSpPr/>
+          <p:nvPr/>
+        </p:nvSpPr>
+        <p:spPr>
+          <a:xfrm rot="5400000">
+            <a:off x="6555875" y="2732850"/>
+            <a:ext cx="555600" cy="519300"/>
+          </a:xfrm>
+          <a:prstGeom prst="bentArrow">
+            <a:avLst>
+              <a:gd fmla="val 25000" name="adj1"/>
+              <a:gd fmla="val 25784" name="adj2"/>
+              <a:gd fmla="val 25000" name="adj3"/>
+              <a:gd fmla="val 51935" name="adj4"/>
+            </a:avLst>
+          </a:prstGeom>
+          <a:solidFill>
+            <a:schemeClr val="lt1"/>
+          </a:solidFill>
+          <a:ln cap="flat" cmpd="sng" w="9525">
+            <a:solidFill>
+              <a:schemeClr val="dk2"/>
+            </a:solidFill>
+            <a:prstDash val="solid"/>
+            <a:round/>
+            <a:headEnd len="sm" w="sm" type="none"/>
+            <a:tailEnd len="sm" w="sm" type="none"/>
+          </a:ln>
+        </p:spPr>
+        <p:txBody>
+          <a:bodyPr anchorCtr="0" anchor="ctr" bIns="91425" lIns="91425" spcFirstLastPara="1" rIns="91425" wrap="square" tIns="91425">
+            <a:noAutofit/>
+          </a:bodyPr>
+          <a:lstStyle/>
+          <a:p>
+            <a:pPr indent="0" lvl="0" marL="0" rtl="0" algn="l">
+              <a:spcBef>
+                <a:spcPts val="0"/>
+              </a:spcBef>
+              <a:spcAft>
+                <a:spcPts val="0"/>
+              </a:spcAft>
+              <a:buNone/>
+            </a:pPr>
+            <a:r>
+              <a:t/>
+            </a:r>
+            <a:endParaRPr/>
+          </a:p>
+        </p:txBody>
+      </p:sp>
+      <p:sp>
+        <p:nvSpPr>
+          <p:cNvPr id="110" name="Google Shape;110;p17"/>
+          <p:cNvSpPr/>
+          <p:nvPr/>
+        </p:nvSpPr>
+        <p:spPr>
+          <a:xfrm rot="5400000">
+            <a:off x="8008350" y="3587850"/>
+            <a:ext cx="555600" cy="519300"/>
+          </a:xfrm>
+          <a:prstGeom prst="bentArrow">
+            <a:avLst>
+              <a:gd fmla="val 25000" name="adj1"/>
+              <a:gd fmla="val 25784" name="adj2"/>
+              <a:gd fmla="val 25000" name="adj3"/>
+              <a:gd fmla="val 51935" name="adj4"/>
+            </a:avLst>
+          </a:prstGeom>
+          <a:solidFill>
+            <a:schemeClr val="lt1"/>
+          </a:solidFill>
+          <a:ln cap="flat" cmpd="sng" w="9525">
+            <a:solidFill>
+              <a:schemeClr val="dk2"/>
+            </a:solidFill>
+            <a:prstDash val="solid"/>
+            <a:round/>
+            <a:headEnd len="sm" w="sm" type="none"/>
+            <a:tailEnd len="sm" w="sm" type="none"/>
+          </a:ln>
+        </p:spPr>
+        <p:txBody>
+          <a:bodyPr anchorCtr="0" anchor="ctr" bIns="91425" lIns="91425" spcFirstLastPara="1" rIns="91425" wrap="square" tIns="91425">
+            <a:noAutofit/>
+          </a:bodyPr>
+          <a:lstStyle/>
+          <a:p>
+            <a:pPr indent="0" lvl="0" marL="0" rtl="0" algn="l">
+              <a:spcBef>
+                <a:spcPts val="0"/>
+              </a:spcBef>
+              <a:spcAft>
+                <a:spcPts val="0"/>
+              </a:spcAft>
+              <a:buNone/>
+            </a:pPr>
+            <a:r>
+              <a:t/>
+            </a:r>
+            <a:endParaRPr/>
+          </a:p>
+        </p:txBody>
+      </p:sp>
+      <p:sp>
+        <p:nvSpPr>
+          <p:cNvPr id="111" name="Google Shape;111;p17"/>
+          <p:cNvSpPr/>
+          <p:nvPr/>
+        </p:nvSpPr>
+        <p:spPr>
+          <a:xfrm rot="-5400000">
+            <a:off x="3840550" y="2775900"/>
+            <a:ext cx="1055400" cy="1643400"/>
+          </a:xfrm>
+          <a:prstGeom prst="bentArrow">
+            <a:avLst>
+              <a:gd fmla="val 25000" name="adj1"/>
+              <a:gd fmla="val 25000" name="adj2"/>
+              <a:gd fmla="val 25000" name="adj3"/>
+              <a:gd fmla="val 43750" name="adj4"/>
+            </a:avLst>
+          </a:prstGeom>
+          <a:solidFill>
+            <a:schemeClr val="lt1"/>
+          </a:solidFill>
+          <a:ln cap="flat" cmpd="sng" w="9525">
+            <a:solidFill>
+              <a:schemeClr val="dk2"/>
+            </a:solidFill>
+            <a:prstDash val="solid"/>
+            <a:round/>
+            <a:headEnd len="sm" w="sm" type="none"/>
+            <a:tailEnd len="sm" w="sm" type="none"/>
+          </a:ln>
+        </p:spPr>
+        <p:txBody>
+          <a:bodyPr anchorCtr="0" anchor="ctr" bIns="91425" lIns="91425" spcFirstLastPara="1" rIns="91425" wrap="square" tIns="91425">
+            <a:noAutofit/>
+          </a:bodyPr>
+          <a:lstStyle/>
+          <a:p>
+            <a:pPr indent="0" lvl="0" marL="0" rtl="0" algn="l">
+              <a:spcBef>
+                <a:spcPts val="0"/>
+              </a:spcBef>
+              <a:spcAft>
+                <a:spcPts val="0"/>
+              </a:spcAft>
+              <a:buNone/>
+            </a:pPr>
+            <a:r>
+              <a:t/>
+            </a:r>
+            <a:endParaRPr>
+              <a:solidFill>
+                <a:schemeClr val="lt1"/>
+              </a:solidFill>
+            </a:endParaRPr>
+          </a:p>
+        </p:txBody>
+      </p:sp>
     </p:spTree>
   </p:cSld>
   <p:clrMapOvr>
@@ -9454,7 +11483,7 @@
                             </p:stCondLst>
                             <p:childTnLst>
                               <p:par>
-                                <p:cTn fill="hold" nodeType="clickEffect" presetClass="entr" presetID="10" presetSubtype="0">
+                                <p:cTn fill="hold" nodeType="clickEffect" presetClass="entr" presetID="1" presetSubtype="0">
                                   <p:stCondLst>
                                     <p:cond delay="0"/>
                                   </p:stCondLst>
@@ -9467,7 +11496,7 @@
                                           </p:stCondLst>
                                         </p:cTn>
                                         <p:tgtEl>
-                                          <p:spTgt spid="96"/>
+                                          <p:spTgt spid="111"/>
                                         </p:tgtEl>
                                         <p:attrNameLst>
                                           <p:attrName>style.visibility</p:attrName>
@@ -9477,14 +11506,6 @@
                                         <p:strVal val="visible"/>
                                       </p:to>
                                     </p:set>
-                                    <p:animEffect filter="fade" transition="in">
-                                      <p:cBhvr>
-                                        <p:cTn dur="1000"/>
-                                        <p:tgtEl>
-                                          <p:spTgt spid="96"/>
-                                        </p:tgtEl>
-                                      </p:cBhvr>
-                                    </p:animEffect>
                                   </p:childTnLst>
                                 </p:cTn>
                               </p:par>
@@ -9519,12 +11540,12 @@
 </p:sld>
 </file>
 
-<file path=ppt/slides/slide5.xml><?xml version="1.0" encoding="utf-8"?>
+<file path=ppt/slides/slide6.xml><?xml version="1.0" encoding="utf-8"?>
 <p:sld xmlns:a="http://schemas.openxmlformats.org/drawingml/2006/main" xmlns:r="http://schemas.openxmlformats.org/officeDocument/2006/relationships" xmlns:mc="http://schemas.openxmlformats.org/markup-compatibility/2006" xmlns:mv="urn:schemas-microsoft-com:mac:vml" xmlns:p="http://schemas.openxmlformats.org/presentationml/2006/main" xmlns:c="http://schemas.openxmlformats.org/drawingml/2006/chart" xmlns:dgm="http://schemas.openxmlformats.org/drawingml/2006/diagram" xmlns:o="urn:schemas-microsoft-com:office:office" xmlns:v="urn:schemas-microsoft-com:vml" xmlns:pvml="urn:schemas-microsoft-com:office:powerpoint" xmlns:com="http://schemas.openxmlformats.org/drawingml/2006/compatibility" xmlns:p14="http://schemas.microsoft.com/office/powerpoint/2010/main" xmlns:p15="http://schemas.microsoft.com/office/powerpoint/2012/main">
   <p:cSld>
     <p:spTree>
       <p:nvGrpSpPr>
-        <p:cNvPr id="100" name="Shape 100"/>
+        <p:cNvPr id="115" name="Shape 115"/>
         <p:cNvGrpSpPr/>
         <p:nvPr/>
       </p:nvGrpSpPr>
@@ -9538,7 +11559,7 @@
       </p:grpSpPr>
       <p:sp>
         <p:nvSpPr>
-          <p:cNvPr id="101" name="Google Shape;101;p17"/>
+          <p:cNvPr id="116" name="Google Shape;116;p18"/>
           <p:cNvSpPr txBox="1"/>
           <p:nvPr>
             <p:ph type="title"/>
@@ -9578,7 +11599,7 @@
       </p:sp>
       <p:grpSp>
         <p:nvGrpSpPr>
-          <p:cNvPr id="102" name="Google Shape;102;p17"/>
+          <p:cNvPr id="117" name="Google Shape;117;p18"/>
           <p:cNvGrpSpPr/>
           <p:nvPr/>
         </p:nvGrpSpPr>
@@ -9592,7 +11613,7 @@
         </p:grpSpPr>
         <p:sp>
           <p:nvSpPr>
-            <p:cNvPr id="103" name="Google Shape;103;p17"/>
+            <p:cNvPr id="118" name="Google Shape;118;p18"/>
             <p:cNvSpPr txBox="1"/>
             <p:nvPr/>
           </p:nvSpPr>
@@ -9635,7 +11656,7 @@
         </p:sp>
         <p:sp>
           <p:nvSpPr>
-            <p:cNvPr id="104" name="Google Shape;104;p17"/>
+            <p:cNvPr id="119" name="Google Shape;119;p18"/>
             <p:cNvSpPr/>
             <p:nvPr/>
           </p:nvSpPr>
@@ -9677,7 +11698,7 @@
       </p:grpSp>
       <p:sp>
         <p:nvSpPr>
-          <p:cNvPr id="105" name="Google Shape;105;p17"/>
+          <p:cNvPr id="120" name="Google Shape;120;p18"/>
           <p:cNvSpPr txBox="1"/>
           <p:nvPr>
             <p:ph idx="4294967295" type="body"/>
@@ -9725,7 +11746,7 @@
       </p:sp>
       <p:grpSp>
         <p:nvGrpSpPr>
-          <p:cNvPr id="106" name="Google Shape;106;p17"/>
+          <p:cNvPr id="121" name="Google Shape;121;p18"/>
           <p:cNvGrpSpPr/>
           <p:nvPr/>
         </p:nvGrpSpPr>
@@ -9739,7 +11760,7 @@
         </p:grpSpPr>
         <p:sp>
           <p:nvSpPr>
-            <p:cNvPr id="107" name="Google Shape;107;p17"/>
+            <p:cNvPr id="122" name="Google Shape;122;p18"/>
             <p:cNvSpPr txBox="1"/>
             <p:nvPr/>
           </p:nvSpPr>
@@ -9782,7 +11803,7 @@
         </p:sp>
         <p:sp>
           <p:nvSpPr>
-            <p:cNvPr id="108" name="Google Shape;108;p17"/>
+            <p:cNvPr id="123" name="Google Shape;123;p18"/>
             <p:cNvSpPr/>
             <p:nvPr/>
           </p:nvSpPr>
@@ -9824,7 +11845,7 @@
       </p:grpSp>
       <p:sp>
         <p:nvSpPr>
-          <p:cNvPr id="109" name="Google Shape;109;p17"/>
+          <p:cNvPr id="124" name="Google Shape;124;p18"/>
           <p:cNvSpPr txBox="1"/>
           <p:nvPr>
             <p:ph idx="4294967295" type="body"/>
@@ -9872,7 +11893,7 @@
       </p:sp>
       <p:grpSp>
         <p:nvGrpSpPr>
-          <p:cNvPr id="110" name="Google Shape;110;p17"/>
+          <p:cNvPr id="125" name="Google Shape;125;p18"/>
           <p:cNvGrpSpPr/>
           <p:nvPr/>
         </p:nvGrpSpPr>
@@ -9886,7 +11907,7 @@
         </p:grpSpPr>
         <p:sp>
           <p:nvSpPr>
-            <p:cNvPr id="111" name="Google Shape;111;p17"/>
+            <p:cNvPr id="126" name="Google Shape;126;p18"/>
             <p:cNvSpPr/>
             <p:nvPr/>
           </p:nvSpPr>
@@ -9927,7 +11948,7 @@
         </p:sp>
         <p:sp>
           <p:nvSpPr>
-            <p:cNvPr id="112" name="Google Shape;112;p17"/>
+            <p:cNvPr id="127" name="Google Shape;127;p18"/>
             <p:cNvSpPr txBox="1"/>
             <p:nvPr/>
           </p:nvSpPr>
@@ -9971,7 +11992,7 @@
       </p:grpSp>
       <p:sp>
         <p:nvSpPr>
-          <p:cNvPr id="113" name="Google Shape;113;p17"/>
+          <p:cNvPr id="128" name="Google Shape;128;p18"/>
           <p:cNvSpPr txBox="1"/>
           <p:nvPr>
             <p:ph idx="4294967295" type="body"/>
@@ -10019,7 +12040,7 @@
       </p:sp>
       <p:grpSp>
         <p:nvGrpSpPr>
-          <p:cNvPr id="114" name="Google Shape;114;p17"/>
+          <p:cNvPr id="129" name="Google Shape;129;p18"/>
           <p:cNvGrpSpPr/>
           <p:nvPr/>
         </p:nvGrpSpPr>
@@ -10033,7 +12054,7 @@
         </p:grpSpPr>
         <p:sp>
           <p:nvSpPr>
-            <p:cNvPr id="115" name="Google Shape;115;p17"/>
+            <p:cNvPr id="130" name="Google Shape;130;p18"/>
             <p:cNvSpPr txBox="1"/>
             <p:nvPr/>
           </p:nvSpPr>
@@ -10076,7 +12097,7 @@
         </p:sp>
         <p:sp>
           <p:nvSpPr>
-            <p:cNvPr id="116" name="Google Shape;116;p17"/>
+            <p:cNvPr id="131" name="Google Shape;131;p18"/>
             <p:cNvSpPr/>
             <p:nvPr/>
           </p:nvSpPr>
@@ -10118,7 +12139,7 @@
       </p:grpSp>
       <p:grpSp>
         <p:nvGrpSpPr>
-          <p:cNvPr id="117" name="Google Shape;117;p17"/>
+          <p:cNvPr id="132" name="Google Shape;132;p18"/>
           <p:cNvGrpSpPr/>
           <p:nvPr/>
         </p:nvGrpSpPr>
@@ -10132,7 +12153,7 @@
         </p:grpSpPr>
         <p:sp>
           <p:nvSpPr>
-            <p:cNvPr id="118" name="Google Shape;118;p17"/>
+            <p:cNvPr id="133" name="Google Shape;133;p18"/>
             <p:cNvSpPr txBox="1"/>
             <p:nvPr/>
           </p:nvSpPr>
@@ -10175,7 +12196,7 @@
         </p:sp>
         <p:sp>
           <p:nvSpPr>
-            <p:cNvPr id="119" name="Google Shape;119;p17"/>
+            <p:cNvPr id="134" name="Google Shape;134;p18"/>
             <p:cNvSpPr/>
             <p:nvPr/>
           </p:nvSpPr>
@@ -10217,7 +12238,7 @@
       </p:grpSp>
       <p:grpSp>
         <p:nvGrpSpPr>
-          <p:cNvPr id="120" name="Google Shape;120;p17"/>
+          <p:cNvPr id="135" name="Google Shape;135;p18"/>
           <p:cNvGrpSpPr/>
           <p:nvPr/>
         </p:nvGrpSpPr>
@@ -10231,7 +12252,7 @@
         </p:grpSpPr>
         <p:sp>
           <p:nvSpPr>
-            <p:cNvPr id="121" name="Google Shape;121;p17"/>
+            <p:cNvPr id="136" name="Google Shape;136;p18"/>
             <p:cNvSpPr txBox="1"/>
             <p:nvPr/>
           </p:nvSpPr>
@@ -10274,7 +12295,7 @@
         </p:sp>
         <p:sp>
           <p:nvSpPr>
-            <p:cNvPr id="122" name="Google Shape;122;p17"/>
+            <p:cNvPr id="137" name="Google Shape;137;p18"/>
             <p:cNvSpPr/>
             <p:nvPr/>
           </p:nvSpPr>
@@ -10316,7 +12337,7 @@
       </p:grpSp>
       <p:sp>
         <p:nvSpPr>
-          <p:cNvPr id="123" name="Google Shape;123;p17"/>
+          <p:cNvPr id="138" name="Google Shape;138;p18"/>
           <p:cNvSpPr txBox="1"/>
           <p:nvPr>
             <p:ph idx="4294967295" type="body"/>
@@ -10352,7 +12373,7 @@
                   <a:schemeClr val="lt1"/>
                 </a:solidFill>
               </a:rPr>
-              <a:t>서버 운용 점검</a:t>
+              <a:t>개발 환경 마련</a:t>
             </a:r>
             <a:endParaRPr>
               <a:solidFill>
@@ -10364,7 +12385,7 @@
       </p:sp>
       <p:sp>
         <p:nvSpPr>
-          <p:cNvPr id="124" name="Google Shape;124;p17"/>
+          <p:cNvPr id="139" name="Google Shape;139;p18"/>
           <p:cNvSpPr txBox="1"/>
           <p:nvPr>
             <p:ph idx="4294967295" type="body"/>
@@ -10412,7 +12433,7 @@
       </p:sp>
       <p:sp>
         <p:nvSpPr>
-          <p:cNvPr id="125" name="Google Shape;125;p17"/>
+          <p:cNvPr id="140" name="Google Shape;140;p18"/>
           <p:cNvSpPr txBox="1"/>
           <p:nvPr>
             <p:ph idx="4294967295" type="body"/>
@@ -10460,7 +12481,7 @@
       </p:sp>
       <p:cxnSp>
         <p:nvCxnSpPr>
-          <p:cNvPr id="126" name="Google Shape;126;p17"/>
+          <p:cNvPr id="141" name="Google Shape;141;p18"/>
           <p:cNvCxnSpPr/>
           <p:nvPr/>
         </p:nvCxnSpPr>
@@ -10486,7 +12507,7 @@
       </p:cxnSp>
       <p:cxnSp>
         <p:nvCxnSpPr>
-          <p:cNvPr id="127" name="Google Shape;127;p17"/>
+          <p:cNvPr id="142" name="Google Shape;142;p18"/>
           <p:cNvCxnSpPr/>
           <p:nvPr/>
         </p:nvCxnSpPr>
@@ -10512,7 +12533,7 @@
       </p:cxnSp>
       <p:cxnSp>
         <p:nvCxnSpPr>
-          <p:cNvPr id="128" name="Google Shape;128;p17"/>
+          <p:cNvPr id="143" name="Google Shape;143;p18"/>
           <p:cNvCxnSpPr/>
           <p:nvPr/>
         </p:nvCxnSpPr>
@@ -10538,7 +12559,7 @@
       </p:cxnSp>
       <p:cxnSp>
         <p:nvCxnSpPr>
-          <p:cNvPr id="129" name="Google Shape;129;p17"/>
+          <p:cNvPr id="144" name="Google Shape;144;p18"/>
           <p:cNvCxnSpPr/>
           <p:nvPr/>
         </p:nvCxnSpPr>
@@ -10564,7 +12585,7 @@
       </p:cxnSp>
       <p:cxnSp>
         <p:nvCxnSpPr>
-          <p:cNvPr id="130" name="Google Shape;130;p17"/>
+          <p:cNvPr id="145" name="Google Shape;145;p18"/>
           <p:cNvCxnSpPr/>
           <p:nvPr/>
         </p:nvCxnSpPr>
@@ -10590,7 +12611,7 @@
       </p:cxnSp>
       <p:cxnSp>
         <p:nvCxnSpPr>
-          <p:cNvPr id="131" name="Google Shape;131;p17"/>
+          <p:cNvPr id="146" name="Google Shape;146;p18"/>
           <p:cNvCxnSpPr/>
           <p:nvPr/>
         </p:nvCxnSpPr>
@@ -10616,7 +12637,7 @@
       </p:cxnSp>
       <p:cxnSp>
         <p:nvCxnSpPr>
-          <p:cNvPr id="132" name="Google Shape;132;p17"/>
+          <p:cNvPr id="147" name="Google Shape;147;p18"/>
           <p:cNvCxnSpPr/>
           <p:nvPr/>
         </p:nvCxnSpPr>
@@ -10642,7 +12663,7 @@
       </p:cxnSp>
       <p:cxnSp>
         <p:nvCxnSpPr>
-          <p:cNvPr id="133" name="Google Shape;133;p17"/>
+          <p:cNvPr id="148" name="Google Shape;148;p18"/>
           <p:cNvCxnSpPr/>
           <p:nvPr/>
         </p:nvCxnSpPr>
@@ -10668,7 +12689,7 @@
       </p:cxnSp>
       <p:cxnSp>
         <p:nvCxnSpPr>
-          <p:cNvPr id="134" name="Google Shape;134;p17"/>
+          <p:cNvPr id="149" name="Google Shape;149;p18"/>
           <p:cNvCxnSpPr/>
           <p:nvPr/>
         </p:nvCxnSpPr>
@@ -10694,7 +12715,7 @@
       </p:cxnSp>
       <p:cxnSp>
         <p:nvCxnSpPr>
-          <p:cNvPr id="135" name="Google Shape;135;p17"/>
+          <p:cNvPr id="150" name="Google Shape;150;p18"/>
           <p:cNvCxnSpPr/>
           <p:nvPr/>
         </p:nvCxnSpPr>
@@ -10720,7 +12741,7 @@
       </p:cxnSp>
       <p:cxnSp>
         <p:nvCxnSpPr>
-          <p:cNvPr id="136" name="Google Shape;136;p17"/>
+          <p:cNvPr id="151" name="Google Shape;151;p18"/>
           <p:cNvCxnSpPr/>
           <p:nvPr/>
         </p:nvCxnSpPr>
@@ -10746,7 +12767,7 @@
       </p:cxnSp>
       <p:cxnSp>
         <p:nvCxnSpPr>
-          <p:cNvPr id="137" name="Google Shape;137;p17"/>
+          <p:cNvPr id="152" name="Google Shape;152;p18"/>
           <p:cNvCxnSpPr/>
           <p:nvPr/>
         </p:nvCxnSpPr>
@@ -10772,7 +12793,7 @@
       </p:cxnSp>
       <p:cxnSp>
         <p:nvCxnSpPr>
-          <p:cNvPr id="138" name="Google Shape;138;p17"/>
+          <p:cNvPr id="153" name="Google Shape;153;p18"/>
           <p:cNvCxnSpPr/>
           <p:nvPr/>
         </p:nvCxnSpPr>
@@ -10798,7 +12819,7 @@
       </p:cxnSp>
       <p:cxnSp>
         <p:nvCxnSpPr>
-          <p:cNvPr id="139" name="Google Shape;139;p17"/>
+          <p:cNvPr id="154" name="Google Shape;154;p18"/>
           <p:cNvCxnSpPr/>
           <p:nvPr/>
         </p:nvCxnSpPr>
@@ -10824,7 +12845,7 @@
       </p:cxnSp>
       <p:cxnSp>
         <p:nvCxnSpPr>
-          <p:cNvPr id="140" name="Google Shape;140;p17"/>
+          <p:cNvPr id="155" name="Google Shape;155;p18"/>
           <p:cNvCxnSpPr/>
           <p:nvPr/>
         </p:nvCxnSpPr>
@@ -10850,7 +12871,7 @@
       </p:cxnSp>
       <p:cxnSp>
         <p:nvCxnSpPr>
-          <p:cNvPr id="141" name="Google Shape;141;p17"/>
+          <p:cNvPr id="156" name="Google Shape;156;p18"/>
           <p:cNvCxnSpPr/>
           <p:nvPr/>
         </p:nvCxnSpPr>
@@ -10876,7 +12897,7 @@
       </p:cxnSp>
       <p:cxnSp>
         <p:nvCxnSpPr>
-          <p:cNvPr id="142" name="Google Shape;142;p17"/>
+          <p:cNvPr id="157" name="Google Shape;157;p18"/>
           <p:cNvCxnSpPr/>
           <p:nvPr/>
         </p:nvCxnSpPr>
@@ -10902,7 +12923,7 @@
       </p:cxnSp>
       <p:cxnSp>
         <p:nvCxnSpPr>
-          <p:cNvPr id="143" name="Google Shape;143;p17"/>
+          <p:cNvPr id="158" name="Google Shape;158;p18"/>
           <p:cNvCxnSpPr/>
           <p:nvPr/>
         </p:nvCxnSpPr>
@@ -10928,7 +12949,7 @@
       </p:cxnSp>
       <p:cxnSp>
         <p:nvCxnSpPr>
-          <p:cNvPr id="144" name="Google Shape;144;p17"/>
+          <p:cNvPr id="159" name="Google Shape;159;p18"/>
           <p:cNvCxnSpPr/>
           <p:nvPr/>
         </p:nvCxnSpPr>
@@ -10954,7 +12975,7 @@
       </p:cxnSp>
       <p:cxnSp>
         <p:nvCxnSpPr>
-          <p:cNvPr id="145" name="Google Shape;145;p17"/>
+          <p:cNvPr id="160" name="Google Shape;160;p18"/>
           <p:cNvCxnSpPr/>
           <p:nvPr/>
         </p:nvCxnSpPr>
@@ -10980,7 +13001,7 @@
       </p:cxnSp>
       <p:cxnSp>
         <p:nvCxnSpPr>
-          <p:cNvPr id="146" name="Google Shape;146;p17"/>
+          <p:cNvPr id="161" name="Google Shape;161;p18"/>
           <p:cNvCxnSpPr/>
           <p:nvPr/>
         </p:nvCxnSpPr>
@@ -11012,12 +13033,12 @@
 </p:sld>
 </file>
 
-<file path=ppt/slides/slide6.xml><?xml version="1.0" encoding="utf-8"?>
+<file path=ppt/slides/slide7.xml><?xml version="1.0" encoding="utf-8"?>
 <p:sld xmlns:a="http://schemas.openxmlformats.org/drawingml/2006/main" xmlns:r="http://schemas.openxmlformats.org/officeDocument/2006/relationships" xmlns:mc="http://schemas.openxmlformats.org/markup-compatibility/2006" xmlns:mv="urn:schemas-microsoft-com:mac:vml" xmlns:p="http://schemas.openxmlformats.org/presentationml/2006/main" xmlns:c="http://schemas.openxmlformats.org/drawingml/2006/chart" xmlns:dgm="http://schemas.openxmlformats.org/drawingml/2006/diagram" xmlns:o="urn:schemas-microsoft-com:office:office" xmlns:v="urn:schemas-microsoft-com:vml" xmlns:pvml="urn:schemas-microsoft-com:office:powerpoint" xmlns:com="http://schemas.openxmlformats.org/drawingml/2006/compatibility" xmlns:p14="http://schemas.microsoft.com/office/powerpoint/2010/main" xmlns:p15="http://schemas.microsoft.com/office/powerpoint/2012/main">
   <p:cSld>
     <p:spTree>
       <p:nvGrpSpPr>
-        <p:cNvPr id="150" name="Shape 150"/>
+        <p:cNvPr id="165" name="Shape 165"/>
         <p:cNvGrpSpPr/>
         <p:nvPr/>
       </p:nvGrpSpPr>
@@ -11031,7 +13052,7 @@
       </p:grpSpPr>
       <p:sp>
         <p:nvSpPr>
-          <p:cNvPr id="151" name="Google Shape;151;p18"/>
+          <p:cNvPr id="166" name="Google Shape;166;p19"/>
           <p:cNvSpPr txBox="1"/>
           <p:nvPr>
             <p:ph type="title"/>
@@ -11141,12 +13162,12 @@
 </p:sld>
 </file>
 
-<file path=ppt/slides/slide7.xml><?xml version="1.0" encoding="utf-8"?>
+<file path=ppt/slides/slide8.xml><?xml version="1.0" encoding="utf-8"?>
 <p:sld xmlns:a="http://schemas.openxmlformats.org/drawingml/2006/main" xmlns:r="http://schemas.openxmlformats.org/officeDocument/2006/relationships" xmlns:mc="http://schemas.openxmlformats.org/markup-compatibility/2006" xmlns:mv="urn:schemas-microsoft-com:mac:vml" xmlns:p="http://schemas.openxmlformats.org/presentationml/2006/main" xmlns:c="http://schemas.openxmlformats.org/drawingml/2006/chart" xmlns:dgm="http://schemas.openxmlformats.org/drawingml/2006/diagram" xmlns:o="urn:schemas-microsoft-com:office:office" xmlns:v="urn:schemas-microsoft-com:vml" xmlns:pvml="urn:schemas-microsoft-com:office:powerpoint" xmlns:com="http://schemas.openxmlformats.org/drawingml/2006/compatibility" xmlns:p14="http://schemas.microsoft.com/office/powerpoint/2010/main" xmlns:p15="http://schemas.microsoft.com/office/powerpoint/2012/main">
   <p:cSld>
     <p:spTree>
       <p:nvGrpSpPr>
-        <p:cNvPr id="155" name="Shape 155"/>
+        <p:cNvPr id="170" name="Shape 170"/>
         <p:cNvGrpSpPr/>
         <p:nvPr/>
       </p:nvGrpSpPr>
@@ -11160,7 +13181,7 @@
       </p:grpSpPr>
       <p:sp>
         <p:nvSpPr>
-          <p:cNvPr id="156" name="Google Shape;156;p19"/>
+          <p:cNvPr id="171" name="Google Shape;171;p20"/>
           <p:cNvSpPr txBox="1"/>
           <p:nvPr>
             <p:ph type="title"/>
@@ -11200,7 +13221,7 @@
       </p:sp>
       <p:pic>
         <p:nvPicPr>
-          <p:cNvPr id="157" name="Google Shape;157;p19"/>
+          <p:cNvPr id="172" name="Google Shape;172;p20"/>
           <p:cNvPicPr preferRelativeResize="0"/>
           <p:nvPr/>
         </p:nvPicPr>
@@ -11234,12 +13255,12 @@
 </p:sld>
 </file>
 
-<file path=ppt/slides/slide8.xml><?xml version="1.0" encoding="utf-8"?>
+<file path=ppt/slides/slide9.xml><?xml version="1.0" encoding="utf-8"?>
 <p:sld xmlns:a="http://schemas.openxmlformats.org/drawingml/2006/main" xmlns:r="http://schemas.openxmlformats.org/officeDocument/2006/relationships" xmlns:mc="http://schemas.openxmlformats.org/markup-compatibility/2006" xmlns:mv="urn:schemas-microsoft-com:mac:vml" xmlns:p="http://schemas.openxmlformats.org/presentationml/2006/main" xmlns:c="http://schemas.openxmlformats.org/drawingml/2006/chart" xmlns:dgm="http://schemas.openxmlformats.org/drawingml/2006/diagram" xmlns:o="urn:schemas-microsoft-com:office:office" xmlns:v="urn:schemas-microsoft-com:vml" xmlns:pvml="urn:schemas-microsoft-com:office:powerpoint" xmlns:com="http://schemas.openxmlformats.org/drawingml/2006/compatibility" xmlns:p14="http://schemas.microsoft.com/office/powerpoint/2010/main" xmlns:p15="http://schemas.microsoft.com/office/powerpoint/2012/main">
   <p:cSld>
     <p:spTree>
       <p:nvGrpSpPr>
-        <p:cNvPr id="161" name="Shape 161"/>
+        <p:cNvPr id="176" name="Shape 176"/>
         <p:cNvGrpSpPr/>
         <p:nvPr/>
       </p:nvGrpSpPr>
@@ -11253,7 +13274,7 @@
       </p:grpSpPr>
       <p:sp>
         <p:nvSpPr>
-          <p:cNvPr id="162" name="Google Shape;162;p20"/>
+          <p:cNvPr id="177" name="Google Shape;177;p21"/>
           <p:cNvSpPr txBox="1"/>
           <p:nvPr>
             <p:ph type="title"/>
@@ -11293,7 +13314,7 @@
       </p:sp>
       <p:pic>
         <p:nvPicPr>
-          <p:cNvPr id="163" name="Google Shape;163;p20"/>
+          <p:cNvPr id="178" name="Google Shape;178;p21"/>
           <p:cNvPicPr preferRelativeResize="0"/>
           <p:nvPr/>
         </p:nvPicPr>
@@ -11321,7 +13342,7 @@
       </p:pic>
       <p:pic>
         <p:nvPicPr>
-          <p:cNvPr id="164" name="Google Shape;164;p20"/>
+          <p:cNvPr id="179" name="Google Shape;179;p21"/>
           <p:cNvPicPr preferRelativeResize="0"/>
           <p:nvPr/>
         </p:nvPicPr>
@@ -11349,7 +13370,7 @@
       </p:pic>
       <p:sp>
         <p:nvSpPr>
-          <p:cNvPr id="165" name="Google Shape;165;p20"/>
+          <p:cNvPr id="180" name="Google Shape;180;p21"/>
           <p:cNvSpPr/>
           <p:nvPr/>
         </p:nvSpPr>
@@ -11398,7 +13419,7 @@
       </p:sp>
       <p:sp>
         <p:nvSpPr>
-          <p:cNvPr id="166" name="Google Shape;166;p20"/>
+          <p:cNvPr id="181" name="Google Shape;181;p21"/>
           <p:cNvSpPr/>
           <p:nvPr/>
         </p:nvSpPr>
@@ -11447,7 +13468,7 @@
       </p:sp>
       <p:sp>
         <p:nvSpPr>
-          <p:cNvPr id="167" name="Google Shape;167;p20"/>
+          <p:cNvPr id="182" name="Google Shape;182;p21"/>
           <p:cNvSpPr/>
           <p:nvPr/>
         </p:nvSpPr>
@@ -11496,7 +13517,7 @@
       </p:sp>
       <p:sp>
         <p:nvSpPr>
-          <p:cNvPr id="168" name="Google Shape;168;p20"/>
+          <p:cNvPr id="183" name="Google Shape;183;p21"/>
           <p:cNvSpPr/>
           <p:nvPr/>
         </p:nvSpPr>
@@ -11545,7 +13566,7 @@
       </p:sp>
       <p:sp>
         <p:nvSpPr>
-          <p:cNvPr id="169" name="Google Shape;169;p20"/>
+          <p:cNvPr id="184" name="Google Shape;184;p21"/>
           <p:cNvSpPr/>
           <p:nvPr/>
         </p:nvSpPr>
@@ -11594,7 +13615,7 @@
       </p:sp>
       <p:sp>
         <p:nvSpPr>
-          <p:cNvPr id="170" name="Google Shape;170;p20"/>
+          <p:cNvPr id="185" name="Google Shape;185;p21"/>
           <p:cNvSpPr/>
           <p:nvPr/>
         </p:nvSpPr>
@@ -11641,7 +13662,7 @@
       </p:sp>
       <p:sp>
         <p:nvSpPr>
-          <p:cNvPr id="171" name="Google Shape;171;p20"/>
+          <p:cNvPr id="186" name="Google Shape;186;p21"/>
           <p:cNvSpPr/>
           <p:nvPr/>
         </p:nvSpPr>
@@ -11688,7 +13709,7 @@
       </p:sp>
       <p:sp>
         <p:nvSpPr>
-          <p:cNvPr id="172" name="Google Shape;172;p20"/>
+          <p:cNvPr id="187" name="Google Shape;187;p21"/>
           <p:cNvSpPr/>
           <p:nvPr/>
         </p:nvSpPr>
@@ -11775,7 +13796,7 @@
                                           </p:stCondLst>
                                         </p:cTn>
                                         <p:tgtEl>
-                                          <p:spTgt spid="170"/>
+                                          <p:spTgt spid="185"/>
                                         </p:tgtEl>
                                         <p:attrNameLst>
                                           <p:attrName>style.visibility</p:attrName>
@@ -11820,7 +13841,7 @@
                                           </p:stCondLst>
                                         </p:cTn>
                                         <p:tgtEl>
-                                          <p:spTgt spid="171"/>
+                                          <p:spTgt spid="186"/>
                                         </p:tgtEl>
                                         <p:attrNameLst>
                                           <p:attrName>style.visibility</p:attrName>
@@ -11865,7 +13886,7 @@
                                           </p:stCondLst>
                                         </p:cTn>
                                         <p:tgtEl>
-                                          <p:spTgt spid="172"/>
+                                          <p:spTgt spid="187"/>
                                         </p:tgtEl>
                                         <p:attrNameLst>
                                           <p:attrName>style.visibility</p:attrName>
@@ -11909,242 +13930,286 @@
 </p:sld>
 </file>
 
-<file path=ppt/slides/slide9.xml><?xml version="1.0" encoding="utf-8"?>
-<p:sld xmlns:a="http://schemas.openxmlformats.org/drawingml/2006/main" xmlns:r="http://schemas.openxmlformats.org/officeDocument/2006/relationships" xmlns:mc="http://schemas.openxmlformats.org/markup-compatibility/2006" xmlns:mv="urn:schemas-microsoft-com:mac:vml" xmlns:p="http://schemas.openxmlformats.org/presentationml/2006/main" xmlns:c="http://schemas.openxmlformats.org/drawingml/2006/chart" xmlns:dgm="http://schemas.openxmlformats.org/drawingml/2006/diagram" xmlns:o="urn:schemas-microsoft-com:office:office" xmlns:v="urn:schemas-microsoft-com:vml" xmlns:pvml="urn:schemas-microsoft-com:office:powerpoint" xmlns:com="http://schemas.openxmlformats.org/drawingml/2006/compatibility" xmlns:p14="http://schemas.microsoft.com/office/powerpoint/2010/main" xmlns:p15="http://schemas.microsoft.com/office/powerpoint/2012/main">
-  <p:cSld>
-    <p:spTree>
-      <p:nvGrpSpPr>
-        <p:cNvPr id="176" name="Shape 176"/>
-        <p:cNvGrpSpPr/>
-        <p:nvPr/>
-      </p:nvGrpSpPr>
-      <p:grpSpPr>
-        <a:xfrm>
-          <a:off x="0" y="0"/>
-          <a:ext cx="0" cy="0"/>
-          <a:chOff x="0" y="0"/>
-          <a:chExt cx="0" cy="0"/>
-        </a:xfrm>
-      </p:grpSpPr>
-      <p:sp>
-        <p:nvSpPr>
-          <p:cNvPr id="177" name="Google Shape;177;p21"/>
-          <p:cNvSpPr txBox="1"/>
-          <p:nvPr>
-            <p:ph type="title"/>
-          </p:nvPr>
-        </p:nvSpPr>
-        <p:spPr>
-          <a:xfrm>
-            <a:off x="265500" y="1733850"/>
-            <a:ext cx="4045200" cy="1675800"/>
-          </a:xfrm>
-          <a:prstGeom prst="rect">
-            <a:avLst/>
-          </a:prstGeom>
-        </p:spPr>
-        <p:txBody>
-          <a:bodyPr anchorCtr="0" anchor="ctr" bIns="91425" lIns="91425" spcFirstLastPara="1" rIns="91425" wrap="square" tIns="91425">
-            <a:noAutofit/>
-          </a:bodyPr>
-          <a:lstStyle/>
-          <a:p>
-            <a:pPr indent="0" lvl="0" marL="0" rtl="0" algn="ctr">
-              <a:spcBef>
-                <a:spcPts val="0"/>
-              </a:spcBef>
-              <a:spcAft>
-                <a:spcPts val="0"/>
-              </a:spcAft>
-              <a:buNone/>
-            </a:pPr>
-            <a:r>
-              <a:rPr lang="ko"/>
-              <a:t>Web Application</a:t>
-            </a:r>
-            <a:endParaRPr/>
-          </a:p>
-          <a:p>
-            <a:pPr indent="0" lvl="0" marL="0" rtl="0" algn="ctr">
-              <a:spcBef>
-                <a:spcPts val="0"/>
-              </a:spcBef>
-              <a:spcAft>
-                <a:spcPts val="0"/>
-              </a:spcAft>
-              <a:buNone/>
-            </a:pPr>
-            <a:r>
-              <a:rPr lang="ko"/>
-              <a:t>development</a:t>
-            </a:r>
-            <a:endParaRPr/>
-          </a:p>
-        </p:txBody>
-      </p:sp>
-      <p:sp>
-        <p:nvSpPr>
-          <p:cNvPr id="178" name="Google Shape;178;p21"/>
-          <p:cNvSpPr txBox="1"/>
-          <p:nvPr>
-            <p:ph idx="2" type="body"/>
-          </p:nvPr>
-        </p:nvSpPr>
-        <p:spPr>
-          <a:xfrm>
-            <a:off x="4931750" y="861750"/>
-            <a:ext cx="3837000" cy="3420000"/>
-          </a:xfrm>
-          <a:prstGeom prst="rect">
-            <a:avLst/>
-          </a:prstGeom>
-        </p:spPr>
-        <p:txBody>
-          <a:bodyPr anchorCtr="0" anchor="ctr" bIns="91425" lIns="91425" spcFirstLastPara="1" rIns="91425" wrap="square" tIns="91425">
-            <a:noAutofit/>
-          </a:bodyPr>
-          <a:lstStyle/>
-          <a:p>
-            <a:pPr indent="-342900" lvl="0" marL="457200" rtl="0" algn="l">
-              <a:spcBef>
-                <a:spcPts val="0"/>
-              </a:spcBef>
-              <a:spcAft>
-                <a:spcPts val="0"/>
-              </a:spcAft>
-              <a:buSzPts val="1800"/>
-              <a:buChar char="●"/>
-            </a:pPr>
-            <a:r>
-              <a:rPr lang="ko"/>
-              <a:t>HTML5UP 오픈소스 템플릿</a:t>
-            </a:r>
-            <a:endParaRPr/>
-          </a:p>
-          <a:p>
-            <a:pPr indent="0" lvl="0" marL="457200" rtl="0" algn="l">
-              <a:spcBef>
-                <a:spcPts val="1600"/>
-              </a:spcBef>
-              <a:spcAft>
-                <a:spcPts val="0"/>
-              </a:spcAft>
-              <a:buNone/>
-            </a:pPr>
-            <a:r>
-              <a:t/>
-            </a:r>
-            <a:endParaRPr/>
-          </a:p>
-          <a:p>
-            <a:pPr indent="-342900" lvl="0" marL="457200" rtl="0" algn="l">
-              <a:spcBef>
-                <a:spcPts val="1600"/>
-              </a:spcBef>
-              <a:spcAft>
-                <a:spcPts val="0"/>
-              </a:spcAft>
-              <a:buSzPts val="1800"/>
-              <a:buChar char="●"/>
-            </a:pPr>
-            <a:r>
-              <a:rPr lang="ko"/>
-              <a:t>BOOTSTRAP 오픈소스 템플릿</a:t>
-            </a:r>
-            <a:endParaRPr/>
-          </a:p>
-          <a:p>
-            <a:pPr indent="0" lvl="0" marL="457200" rtl="0" algn="l">
-              <a:spcBef>
-                <a:spcPts val="1600"/>
-              </a:spcBef>
-              <a:spcAft>
-                <a:spcPts val="0"/>
-              </a:spcAft>
-              <a:buNone/>
-            </a:pPr>
-            <a:r>
-              <a:t/>
-            </a:r>
-            <a:endParaRPr/>
-          </a:p>
-          <a:p>
-            <a:pPr indent="-342900" lvl="0" marL="457200" rtl="0" algn="l">
-              <a:spcBef>
-                <a:spcPts val="1600"/>
-              </a:spcBef>
-              <a:spcAft>
-                <a:spcPts val="0"/>
-              </a:spcAft>
-              <a:buSzPts val="1800"/>
-              <a:buChar char="●"/>
-            </a:pPr>
-            <a:r>
-              <a:rPr lang="ko"/>
-              <a:t>SNS 제공 API</a:t>
-            </a:r>
-            <a:endParaRPr/>
-          </a:p>
-        </p:txBody>
-      </p:sp>
-      <p:sp>
-        <p:nvSpPr>
-          <p:cNvPr id="179" name="Google Shape;179;p21"/>
-          <p:cNvSpPr/>
-          <p:nvPr/>
-        </p:nvSpPr>
-        <p:spPr>
-          <a:xfrm>
-            <a:off x="4872375" y="4299150"/>
-            <a:ext cx="921900" cy="596400"/>
-          </a:xfrm>
-          <a:prstGeom prst="rect">
-            <a:avLst/>
-          </a:prstGeom>
+<file path=ppt/theme/theme1.xml><?xml version="1.0" encoding="utf-8"?>
+<a:theme xmlns:a="http://schemas.openxmlformats.org/drawingml/2006/main" xmlns:r="http://schemas.openxmlformats.org/officeDocument/2006/relationships" name="Slate">
+  <a:themeElements>
+    <a:clrScheme name="Slate">
+      <a:dk1>
+        <a:srgbClr val="FFFFFF"/>
+      </a:dk1>
+      <a:lt1>
+        <a:srgbClr val="37474F"/>
+      </a:lt1>
+      <a:dk2>
+        <a:srgbClr val="9E9E9E"/>
+      </a:dk2>
+      <a:lt2>
+        <a:srgbClr val="E0E0E0"/>
+      </a:lt2>
+      <a:accent1>
+        <a:srgbClr val="616161"/>
+      </a:accent1>
+      <a:accent2>
+        <a:srgbClr val="78909C"/>
+      </a:accent2>
+      <a:accent3>
+        <a:srgbClr val="CACACA"/>
+      </a:accent3>
+      <a:accent4>
+        <a:srgbClr val="64FFDA"/>
+      </a:accent4>
+      <a:accent5>
+        <a:srgbClr val="FFD966"/>
+      </a:accent5>
+      <a:accent6>
+        <a:srgbClr val="F5F5F5"/>
+      </a:accent6>
+      <a:hlink>
+        <a:srgbClr val="FFD966"/>
+      </a:hlink>
+      <a:folHlink>
+        <a:srgbClr val="FFD966"/>
+      </a:folHlink>
+    </a:clrScheme>
+    <a:fontScheme name="Office">
+      <a:majorFont>
+        <a:latin typeface="Arial"/>
+        <a:ea typeface=""/>
+        <a:cs typeface=""/>
+        <a:font script="Jpan" typeface="ＭＳ Ｐゴシック"/>
+        <a:font script="Hang" typeface="맑은 고딕"/>
+        <a:font script="Hans" typeface="宋体"/>
+        <a:font script="Hant" typeface="新細明體"/>
+        <a:font script="Arab" typeface="Times New Roman"/>
+        <a:font script="Hebr" typeface="Times New Roman"/>
+        <a:font script="Thai" typeface="Angsana New"/>
+        <a:font script="Ethi" typeface="Nyala"/>
+        <a:font script="Beng" typeface="Vrinda"/>
+        <a:font script="Gujr" typeface="Shruti"/>
+        <a:font script="Khmr" typeface="MoolBoran"/>
+        <a:font script="Knda" typeface="Tunga"/>
+        <a:font script="Guru" typeface="Raavi"/>
+        <a:font script="Cans" typeface="Euphemia"/>
+        <a:font script="Cher" typeface="Plantagenet Cherokee"/>
+        <a:font script="Yiii" typeface="Microsoft Yi Baiti"/>
+        <a:font script="Tibt" typeface="Microsoft Himalaya"/>
+        <a:font script="Thaa" typeface="MV Boli"/>
+        <a:font script="Deva" typeface="Mangal"/>
+        <a:font script="Telu" typeface="Gautami"/>
+        <a:font script="Taml" typeface="Latha"/>
+        <a:font script="Syrc" typeface="Estrangelo Edessa"/>
+        <a:font script="Orya" typeface="Kalinga"/>
+        <a:font script="Mlym" typeface="Kartika"/>
+        <a:font script="Laoo" typeface="DokChampa"/>
+        <a:font script="Sinh" typeface="Iskoola Pota"/>
+        <a:font script="Mong" typeface="Mongolian Baiti"/>
+        <a:font script="Viet" typeface="Times New Roman"/>
+        <a:font script="Uigh" typeface="Microsoft Uighur"/>
+        <a:font script="Geor" typeface="Sylfaen"/>
+      </a:majorFont>
+      <a:minorFont>
+        <a:latin typeface="Arial"/>
+        <a:ea typeface=""/>
+        <a:cs typeface=""/>
+        <a:font script="Jpan" typeface="ＭＳ Ｐゴシック"/>
+        <a:font script="Hang" typeface="맑은 고딕"/>
+        <a:font script="Hans" typeface="宋体"/>
+        <a:font script="Hant" typeface="新細明體"/>
+        <a:font script="Arab" typeface="Arial"/>
+        <a:font script="Hebr" typeface="Arial"/>
+        <a:font script="Thai" typeface="Cordia New"/>
+        <a:font script="Ethi" typeface="Nyala"/>
+        <a:font script="Beng" typeface="Vrinda"/>
+        <a:font script="Gujr" typeface="Shruti"/>
+        <a:font script="Khmr" typeface="DaunPenh"/>
+        <a:font script="Knda" typeface="Tunga"/>
+        <a:font script="Guru" typeface="Raavi"/>
+        <a:font script="Cans" typeface="Euphemia"/>
+        <a:font script="Cher" typeface="Plantagenet Cherokee"/>
+        <a:font script="Yiii" typeface="Microsoft Yi Baiti"/>
+        <a:font script="Tibt" typeface="Microsoft Himalaya"/>
+        <a:font script="Thaa" typeface="MV Boli"/>
+        <a:font script="Deva" typeface="Mangal"/>
+        <a:font script="Telu" typeface="Gautami"/>
+        <a:font script="Taml" typeface="Latha"/>
+        <a:font script="Syrc" typeface="Estrangelo Edessa"/>
+        <a:font script="Orya" typeface="Kalinga"/>
+        <a:font script="Mlym" typeface="Kartika"/>
+        <a:font script="Laoo" typeface="DokChampa"/>
+        <a:font script="Sinh" typeface="Iskoola Pota"/>
+        <a:font script="Mong" typeface="Mongolian Baiti"/>
+        <a:font script="Viet" typeface="Arial"/>
+        <a:font script="Uigh" typeface="Microsoft Uighur"/>
+        <a:font script="Geor" typeface="Sylfaen"/>
+      </a:minorFont>
+    </a:fontScheme>
+    <a:fmtScheme name="Office">
+      <a:fillStyleLst>
+        <a:solidFill>
+          <a:schemeClr val="phClr"/>
+        </a:solidFill>
+        <a:gradFill rotWithShape="1">
+          <a:gsLst>
+            <a:gs pos="0">
+              <a:schemeClr val="phClr">
+                <a:tint val="50000"/>
+                <a:satMod val="300000"/>
+              </a:schemeClr>
+            </a:gs>
+            <a:gs pos="35000">
+              <a:schemeClr val="phClr">
+                <a:tint val="37000"/>
+                <a:satMod val="300000"/>
+              </a:schemeClr>
+            </a:gs>
+            <a:gs pos="100000">
+              <a:schemeClr val="phClr">
+                <a:tint val="15000"/>
+                <a:satMod val="350000"/>
+              </a:schemeClr>
+            </a:gs>
+          </a:gsLst>
+          <a:lin ang="16200000" scaled="1"/>
+        </a:gradFill>
+        <a:gradFill rotWithShape="1">
+          <a:gsLst>
+            <a:gs pos="0">
+              <a:schemeClr val="phClr">
+                <a:tint val="100000"/>
+                <a:shade val="100000"/>
+                <a:satMod val="130000"/>
+              </a:schemeClr>
+            </a:gs>
+            <a:gs pos="100000">
+              <a:schemeClr val="phClr">
+                <a:tint val="50000"/>
+                <a:shade val="100000"/>
+                <a:satMod val="350000"/>
+              </a:schemeClr>
+            </a:gs>
+          </a:gsLst>
+          <a:lin ang="16200000" scaled="0"/>
+        </a:gradFill>
+      </a:fillStyleLst>
+      <a:lnStyleLst>
+        <a:ln w="9525" cap="flat" cmpd="sng" algn="ctr">
           <a:solidFill>
-            <a:srgbClr val="FFFFFF"/>
+            <a:schemeClr val="phClr">
+              <a:shade val="95000"/>
+              <a:satMod val="105000"/>
+            </a:schemeClr>
           </a:solidFill>
-          <a:ln cap="flat" cmpd="sng" w="9525">
-            <a:solidFill>
-              <a:srgbClr val="FFFFFF"/>
-            </a:solidFill>
-            <a:prstDash val="solid"/>
-            <a:round/>
-            <a:headEnd len="sm" w="sm" type="none"/>
-            <a:tailEnd len="sm" w="sm" type="none"/>
-          </a:ln>
-        </p:spPr>
-        <p:txBody>
-          <a:bodyPr anchorCtr="0" anchor="ctr" bIns="91425" lIns="91425" spcFirstLastPara="1" rIns="91425" wrap="square" tIns="91425">
-            <a:noAutofit/>
-          </a:bodyPr>
-          <a:lstStyle/>
-          <a:p>
-            <a:pPr indent="0" lvl="0" marL="0" rtl="0" algn="l">
-              <a:spcBef>
-                <a:spcPts val="0"/>
-              </a:spcBef>
-              <a:spcAft>
-                <a:spcPts val="0"/>
-              </a:spcAft>
-              <a:buNone/>
-            </a:pPr>
-            <a:r>
-              <a:t/>
-            </a:r>
-            <a:endParaRPr/>
-          </a:p>
-        </p:txBody>
-      </p:sp>
-    </p:spTree>
-  </p:cSld>
-  <p:clrMapOvr>
-    <a:masterClrMapping/>
-  </p:clrMapOvr>
-</p:sld>
+          <a:prstDash val="solid"/>
+        </a:ln>
+        <a:ln w="25400" cap="flat" cmpd="sng" algn="ctr">
+          <a:solidFill>
+            <a:schemeClr val="phClr"/>
+          </a:solidFill>
+          <a:prstDash val="solid"/>
+        </a:ln>
+        <a:ln w="38100" cap="flat" cmpd="sng" algn="ctr">
+          <a:solidFill>
+            <a:schemeClr val="phClr"/>
+          </a:solidFill>
+          <a:prstDash val="solid"/>
+        </a:ln>
+      </a:lnStyleLst>
+      <a:effectStyleLst>
+        <a:effectStyle>
+          <a:effectLst>
+            <a:outerShdw blurRad="40000" dist="20000" dir="5400000" rotWithShape="0">
+              <a:srgbClr val="000000">
+                <a:alpha val="38000"/>
+              </a:srgbClr>
+            </a:outerShdw>
+          </a:effectLst>
+        </a:effectStyle>
+        <a:effectStyle>
+          <a:effectLst>
+            <a:outerShdw blurRad="40000" dist="23000" dir="5400000" rotWithShape="0">
+              <a:srgbClr val="000000">
+                <a:alpha val="35000"/>
+              </a:srgbClr>
+            </a:outerShdw>
+          </a:effectLst>
+        </a:effectStyle>
+        <a:effectStyle>
+          <a:effectLst>
+            <a:outerShdw blurRad="40000" dist="23000" dir="5400000" rotWithShape="0">
+              <a:srgbClr val="000000">
+                <a:alpha val="35000"/>
+              </a:srgbClr>
+            </a:outerShdw>
+          </a:effectLst>
+          <a:scene3d>
+            <a:camera prst="orthographicFront">
+              <a:rot lat="0" lon="0" rev="0"/>
+            </a:camera>
+            <a:lightRig rig="threePt" dir="t">
+              <a:rot lat="0" lon="0" rev="1200000"/>
+            </a:lightRig>
+          </a:scene3d>
+          <a:sp3d>
+            <a:bevelT w="63500" h="25400"/>
+          </a:sp3d>
+        </a:effectStyle>
+      </a:effectStyleLst>
+      <a:bgFillStyleLst>
+        <a:solidFill>
+          <a:schemeClr val="phClr"/>
+        </a:solidFill>
+        <a:gradFill rotWithShape="1">
+          <a:gsLst>
+            <a:gs pos="0">
+              <a:schemeClr val="phClr">
+                <a:tint val="40000"/>
+                <a:satMod val="350000"/>
+              </a:schemeClr>
+            </a:gs>
+            <a:gs pos="40000">
+              <a:schemeClr val="phClr">
+                <a:tint val="45000"/>
+                <a:shade val="99000"/>
+                <a:satMod val="350000"/>
+              </a:schemeClr>
+            </a:gs>
+            <a:gs pos="100000">
+              <a:schemeClr val="phClr">
+                <a:shade val="20000"/>
+                <a:satMod val="255000"/>
+              </a:schemeClr>
+            </a:gs>
+          </a:gsLst>
+          <a:path path="circle">
+            <a:fillToRect l="50000" t="-80000" r="50000" b="180000"/>
+          </a:path>
+        </a:gradFill>
+        <a:gradFill rotWithShape="1">
+          <a:gsLst>
+            <a:gs pos="0">
+              <a:schemeClr val="phClr">
+                <a:tint val="80000"/>
+                <a:satMod val="300000"/>
+              </a:schemeClr>
+            </a:gs>
+            <a:gs pos="100000">
+              <a:schemeClr val="phClr">
+                <a:shade val="30000"/>
+                <a:satMod val="200000"/>
+              </a:schemeClr>
+            </a:gs>
+          </a:gsLst>
+          <a:path path="circle">
+            <a:fillToRect l="50000" t="50000" r="50000" b="50000"/>
+          </a:path>
+        </a:gradFill>
+      </a:bgFillStyleLst>
+    </a:fmtScheme>
+  </a:themeElements>
+</a:theme>
 </file>
 
-<file path=ppt/theme/theme1.xml><?xml version="1.0" encoding="utf-8"?>
+<file path=ppt/theme/theme2.xml><?xml version="1.0" encoding="utf-8"?>
 <a:theme xmlns:a="http://schemas.openxmlformats.org/drawingml/2006/main" xmlns:r="http://schemas.openxmlformats.org/officeDocument/2006/relationships">
   <a:themeElements>
     <a:clrScheme name="Default">
@@ -12421,283 +14486,4 @@
     </a:fmtScheme>
   </a:themeElements>
 </a:theme>
-</file>
-
-<file path=ppt/theme/theme2.xml><?xml version="1.0" encoding="utf-8"?>
-<a:theme xmlns:a="http://schemas.openxmlformats.org/drawingml/2006/main" xmlns:r="http://schemas.openxmlformats.org/officeDocument/2006/relationships" name="Slate">
-  <a:themeElements>
-    <a:clrScheme name="Slate">
-      <a:dk1>
-        <a:srgbClr val="FFFFFF"/>
-      </a:dk1>
-      <a:lt1>
-        <a:srgbClr val="37474F"/>
-      </a:lt1>
-      <a:dk2>
-        <a:srgbClr val="9E9E9E"/>
-      </a:dk2>
-      <a:lt2>
-        <a:srgbClr val="E0E0E0"/>
-      </a:lt2>
-      <a:accent1>
-        <a:srgbClr val="616161"/>
-      </a:accent1>
-      <a:accent2>
-        <a:srgbClr val="78909C"/>
-      </a:accent2>
-      <a:accent3>
-        <a:srgbClr val="CACACA"/>
-      </a:accent3>
-      <a:accent4>
-        <a:srgbClr val="64FFDA"/>
-      </a:accent4>
-      <a:accent5>
-        <a:srgbClr val="FFD966"/>
-      </a:accent5>
-      <a:accent6>
-        <a:srgbClr val="F5F5F5"/>
-      </a:accent6>
-      <a:hlink>
-        <a:srgbClr val="FFD966"/>
-      </a:hlink>
-      <a:folHlink>
-        <a:srgbClr val="FFD966"/>
-      </a:folHlink>
-    </a:clrScheme>
-    <a:fontScheme name="Office">
-      <a:majorFont>
-        <a:latin typeface="Arial"/>
-        <a:ea typeface=""/>
-        <a:cs typeface=""/>
-        <a:font script="Jpan" typeface="ＭＳ Ｐゴシック"/>
-        <a:font script="Hang" typeface="맑은 고딕"/>
-        <a:font script="Hans" typeface="宋体"/>
-        <a:font script="Hant" typeface="新細明體"/>
-        <a:font script="Arab" typeface="Times New Roman"/>
-        <a:font script="Hebr" typeface="Times New Roman"/>
-        <a:font script="Thai" typeface="Angsana New"/>
-        <a:font script="Ethi" typeface="Nyala"/>
-        <a:font script="Beng" typeface="Vrinda"/>
-        <a:font script="Gujr" typeface="Shruti"/>
-        <a:font script="Khmr" typeface="MoolBoran"/>
-        <a:font script="Knda" typeface="Tunga"/>
-        <a:font script="Guru" typeface="Raavi"/>
-        <a:font script="Cans" typeface="Euphemia"/>
-        <a:font script="Cher" typeface="Plantagenet Cherokee"/>
-        <a:font script="Yiii" typeface="Microsoft Yi Baiti"/>
-        <a:font script="Tibt" typeface="Microsoft Himalaya"/>
-        <a:font script="Thaa" typeface="MV Boli"/>
-        <a:font script="Deva" typeface="Mangal"/>
-        <a:font script="Telu" typeface="Gautami"/>
-        <a:font script="Taml" typeface="Latha"/>
-        <a:font script="Syrc" typeface="Estrangelo Edessa"/>
-        <a:font script="Orya" typeface="Kalinga"/>
-        <a:font script="Mlym" typeface="Kartika"/>
-        <a:font script="Laoo" typeface="DokChampa"/>
-        <a:font script="Sinh" typeface="Iskoola Pota"/>
-        <a:font script="Mong" typeface="Mongolian Baiti"/>
-        <a:font script="Viet" typeface="Times New Roman"/>
-        <a:font script="Uigh" typeface="Microsoft Uighur"/>
-        <a:font script="Geor" typeface="Sylfaen"/>
-      </a:majorFont>
-      <a:minorFont>
-        <a:latin typeface="Arial"/>
-        <a:ea typeface=""/>
-        <a:cs typeface=""/>
-        <a:font script="Jpan" typeface="ＭＳ Ｐゴシック"/>
-        <a:font script="Hang" typeface="맑은 고딕"/>
-        <a:font script="Hans" typeface="宋体"/>
-        <a:font script="Hant" typeface="新細明體"/>
-        <a:font script="Arab" typeface="Arial"/>
-        <a:font script="Hebr" typeface="Arial"/>
-        <a:font script="Thai" typeface="Cordia New"/>
-        <a:font script="Ethi" typeface="Nyala"/>
-        <a:font script="Beng" typeface="Vrinda"/>
-        <a:font script="Gujr" typeface="Shruti"/>
-        <a:font script="Khmr" typeface="DaunPenh"/>
-        <a:font script="Knda" typeface="Tunga"/>
-        <a:font script="Guru" typeface="Raavi"/>
-        <a:font script="Cans" typeface="Euphemia"/>
-        <a:font script="Cher" typeface="Plantagenet Cherokee"/>
-        <a:font script="Yiii" typeface="Microsoft Yi Baiti"/>
-        <a:font script="Tibt" typeface="Microsoft Himalaya"/>
-        <a:font script="Thaa" typeface="MV Boli"/>
-        <a:font script="Deva" typeface="Mangal"/>
-        <a:font script="Telu" typeface="Gautami"/>
-        <a:font script="Taml" typeface="Latha"/>
-        <a:font script="Syrc" typeface="Estrangelo Edessa"/>
-        <a:font script="Orya" typeface="Kalinga"/>
-        <a:font script="Mlym" typeface="Kartika"/>
-        <a:font script="Laoo" typeface="DokChampa"/>
-        <a:font script="Sinh" typeface="Iskoola Pota"/>
-        <a:font script="Mong" typeface="Mongolian Baiti"/>
-        <a:font script="Viet" typeface="Arial"/>
-        <a:font script="Uigh" typeface="Microsoft Uighur"/>
-        <a:font script="Geor" typeface="Sylfaen"/>
-      </a:minorFont>
-    </a:fontScheme>
-    <a:fmtScheme name="Office">
-      <a:fillStyleLst>
-        <a:solidFill>
-          <a:schemeClr val="phClr"/>
-        </a:solidFill>
-        <a:gradFill rotWithShape="1">
-          <a:gsLst>
-            <a:gs pos="0">
-              <a:schemeClr val="phClr">
-                <a:tint val="50000"/>
-                <a:satMod val="300000"/>
-              </a:schemeClr>
-            </a:gs>
-            <a:gs pos="35000">
-              <a:schemeClr val="phClr">
-                <a:tint val="37000"/>
-                <a:satMod val="300000"/>
-              </a:schemeClr>
-            </a:gs>
-            <a:gs pos="100000">
-              <a:schemeClr val="phClr">
-                <a:tint val="15000"/>
-                <a:satMod val="350000"/>
-              </a:schemeClr>
-            </a:gs>
-          </a:gsLst>
-          <a:lin ang="16200000" scaled="1"/>
-        </a:gradFill>
-        <a:gradFill rotWithShape="1">
-          <a:gsLst>
-            <a:gs pos="0">
-              <a:schemeClr val="phClr">
-                <a:tint val="100000"/>
-                <a:shade val="100000"/>
-                <a:satMod val="130000"/>
-              </a:schemeClr>
-            </a:gs>
-            <a:gs pos="100000">
-              <a:schemeClr val="phClr">
-                <a:tint val="50000"/>
-                <a:shade val="100000"/>
-                <a:satMod val="350000"/>
-              </a:schemeClr>
-            </a:gs>
-          </a:gsLst>
-          <a:lin ang="16200000" scaled="0"/>
-        </a:gradFill>
-      </a:fillStyleLst>
-      <a:lnStyleLst>
-        <a:ln w="9525" cap="flat" cmpd="sng" algn="ctr">
-          <a:solidFill>
-            <a:schemeClr val="phClr">
-              <a:shade val="95000"/>
-              <a:satMod val="105000"/>
-            </a:schemeClr>
-          </a:solidFill>
-          <a:prstDash val="solid"/>
-        </a:ln>
-        <a:ln w="25400" cap="flat" cmpd="sng" algn="ctr">
-          <a:solidFill>
-            <a:schemeClr val="phClr"/>
-          </a:solidFill>
-          <a:prstDash val="solid"/>
-        </a:ln>
-        <a:ln w="38100" cap="flat" cmpd="sng" algn="ctr">
-          <a:solidFill>
-            <a:schemeClr val="phClr"/>
-          </a:solidFill>
-          <a:prstDash val="solid"/>
-        </a:ln>
-      </a:lnStyleLst>
-      <a:effectStyleLst>
-        <a:effectStyle>
-          <a:effectLst>
-            <a:outerShdw blurRad="40000" dist="20000" dir="5400000" rotWithShape="0">
-              <a:srgbClr val="000000">
-                <a:alpha val="38000"/>
-              </a:srgbClr>
-            </a:outerShdw>
-          </a:effectLst>
-        </a:effectStyle>
-        <a:effectStyle>
-          <a:effectLst>
-            <a:outerShdw blurRad="40000" dist="23000" dir="5400000" rotWithShape="0">
-              <a:srgbClr val="000000">
-                <a:alpha val="35000"/>
-              </a:srgbClr>
-            </a:outerShdw>
-          </a:effectLst>
-        </a:effectStyle>
-        <a:effectStyle>
-          <a:effectLst>
-            <a:outerShdw blurRad="40000" dist="23000" dir="5400000" rotWithShape="0">
-              <a:srgbClr val="000000">
-                <a:alpha val="35000"/>
-              </a:srgbClr>
-            </a:outerShdw>
-          </a:effectLst>
-          <a:scene3d>
-            <a:camera prst="orthographicFront">
-              <a:rot lat="0" lon="0" rev="0"/>
-            </a:camera>
-            <a:lightRig rig="threePt" dir="t">
-              <a:rot lat="0" lon="0" rev="1200000"/>
-            </a:lightRig>
-          </a:scene3d>
-          <a:sp3d>
-            <a:bevelT w="63500" h="25400"/>
-          </a:sp3d>
-        </a:effectStyle>
-      </a:effectStyleLst>
-      <a:bgFillStyleLst>
-        <a:solidFill>
-          <a:schemeClr val="phClr"/>
-        </a:solidFill>
-        <a:gradFill rotWithShape="1">
-          <a:gsLst>
-            <a:gs pos="0">
-              <a:schemeClr val="phClr">
-                <a:tint val="40000"/>
-                <a:satMod val="350000"/>
-              </a:schemeClr>
-            </a:gs>
-            <a:gs pos="40000">
-              <a:schemeClr val="phClr">
-                <a:tint val="45000"/>
-                <a:shade val="99000"/>
-                <a:satMod val="350000"/>
-              </a:schemeClr>
-            </a:gs>
-            <a:gs pos="100000">
-              <a:schemeClr val="phClr">
-                <a:shade val="20000"/>
-                <a:satMod val="255000"/>
-              </a:schemeClr>
-            </a:gs>
-          </a:gsLst>
-          <a:path path="circle">
-            <a:fillToRect l="50000" t="-80000" r="50000" b="180000"/>
-          </a:path>
-        </a:gradFill>
-        <a:gradFill rotWithShape="1">
-          <a:gsLst>
-            <a:gs pos="0">
-              <a:schemeClr val="phClr">
-                <a:tint val="80000"/>
-                <a:satMod val="300000"/>
-              </a:schemeClr>
-            </a:gs>
-            <a:gs pos="100000">
-              <a:schemeClr val="phClr">
-                <a:shade val="30000"/>
-                <a:satMod val="200000"/>
-              </a:schemeClr>
-            </a:gs>
-          </a:gsLst>
-          <a:path path="circle">
-            <a:fillToRect l="50000" t="50000" r="50000" b="50000"/>
-          </a:path>
-        </a:gradFill>
-      </a:bgFillStyleLst>
-    </a:fmtScheme>
-  </a:themeElements>
-</a:theme>
 </file>
--- a/OSSW-PPT.pptx
+++ b/OSSW-PPT.pptx
@@ -26,18 +26,19 @@
     <p:sldId id="271" r:id="rId20"/>
     <p:sldId id="272" r:id="rId21"/>
     <p:sldId id="273" r:id="rId22"/>
+    <p:sldId id="274" r:id="rId23"/>
   </p:sldIdLst>
   <p:sldSz cy="5143500" cx="9144000"/>
   <p:notesSz cx="6858000" cy="9144000"/>
   <p:embeddedFontLst>
     <p:embeddedFont>
       <p:font typeface="Average"/>
-      <p:regular r:id="rId23"/>
+      <p:regular r:id="rId24"/>
     </p:embeddedFont>
     <p:embeddedFont>
       <p:font typeface="Oswald"/>
-      <p:regular r:id="rId24"/>
-      <p:bold r:id="rId25"/>
+      <p:regular r:id="rId25"/>
+      <p:bold r:id="rId26"/>
     </p:embeddedFont>
   </p:embeddedFontLst>
   <p:defaultTextStyle>
@@ -1408,7 +1409,7 @@
       </p:grpSpPr>
       <p:sp>
         <p:nvSpPr>
-          <p:cNvPr id="234" name="Google Shape;234;g49be4c35bd_0_102:notes"/>
+          <p:cNvPr id="234" name="Google Shape;234;g49e69808fb_1_0:notes"/>
           <p:cNvSpPr/>
           <p:nvPr>
             <p:ph idx="2" type="sldImg"/>
@@ -1443,7 +1444,7 @@
       </p:sp>
       <p:sp>
         <p:nvSpPr>
-          <p:cNvPr id="235" name="Google Shape;235;g49be4c35bd_0_102:notes"/>
+          <p:cNvPr id="235" name="Google Shape;235;g49e69808fb_1_0:notes"/>
           <p:cNvSpPr txBox="1"/>
           <p:nvPr>
             <p:ph idx="1" type="body"/>
@@ -1493,7 +1494,7 @@
   <p:cSld>
     <p:spTree>
       <p:nvGrpSpPr>
-        <p:cNvPr id="238" name="Shape 238"/>
+        <p:cNvPr id="242" name="Shape 242"/>
         <p:cNvGrpSpPr/>
         <p:nvPr/>
       </p:nvGrpSpPr>
@@ -1507,7 +1508,7 @@
       </p:grpSpPr>
       <p:sp>
         <p:nvSpPr>
-          <p:cNvPr id="239" name="Google Shape;239;g49be4c35bd_0_108:notes"/>
+          <p:cNvPr id="243" name="Google Shape;243;g49be4c35bd_0_102:notes"/>
           <p:cNvSpPr/>
           <p:nvPr>
             <p:ph idx="2" type="sldImg"/>
@@ -1542,7 +1543,7 @@
       </p:sp>
       <p:sp>
         <p:nvSpPr>
-          <p:cNvPr id="240" name="Google Shape;240;g49be4c35bd_0_108:notes"/>
+          <p:cNvPr id="244" name="Google Shape;244;g49be4c35bd_0_102:notes"/>
           <p:cNvSpPr txBox="1"/>
           <p:nvPr>
             <p:ph idx="1" type="body"/>
@@ -1592,7 +1593,7 @@
   <p:cSld>
     <p:spTree>
       <p:nvGrpSpPr>
-        <p:cNvPr id="243" name="Shape 243"/>
+        <p:cNvPr id="247" name="Shape 247"/>
         <p:cNvGrpSpPr/>
         <p:nvPr/>
       </p:nvGrpSpPr>
@@ -1606,7 +1607,7 @@
       </p:grpSpPr>
       <p:sp>
         <p:nvSpPr>
-          <p:cNvPr id="244" name="Google Shape;244;gc6f980f91_0_105:notes"/>
+          <p:cNvPr id="248" name="Google Shape;248;g49be4c35bd_0_108:notes"/>
           <p:cNvSpPr/>
           <p:nvPr>
             <p:ph idx="2" type="sldImg"/>
@@ -1641,7 +1642,106 @@
       </p:sp>
       <p:sp>
         <p:nvSpPr>
-          <p:cNvPr id="245" name="Google Shape;245;gc6f980f91_0_105:notes"/>
+          <p:cNvPr id="249" name="Google Shape;249;g49be4c35bd_0_108:notes"/>
+          <p:cNvSpPr txBox="1"/>
+          <p:nvPr>
+            <p:ph idx="1" type="body"/>
+          </p:nvPr>
+        </p:nvSpPr>
+        <p:spPr>
+          <a:xfrm>
+            <a:off x="685800" y="4343400"/>
+            <a:ext cx="5486400" cy="4114800"/>
+          </a:xfrm>
+          <a:prstGeom prst="rect">
+            <a:avLst/>
+          </a:prstGeom>
+        </p:spPr>
+        <p:txBody>
+          <a:bodyPr anchorCtr="0" anchor="t" bIns="91425" lIns="91425" spcFirstLastPara="1" rIns="91425" wrap="square" tIns="91425">
+            <a:noAutofit/>
+          </a:bodyPr>
+          <a:lstStyle/>
+          <a:p>
+            <a:pPr indent="0" lvl="0" marL="0" rtl="0" algn="l">
+              <a:spcBef>
+                <a:spcPts val="0"/>
+              </a:spcBef>
+              <a:spcAft>
+                <a:spcPts val="0"/>
+              </a:spcAft>
+              <a:buNone/>
+            </a:pPr>
+            <a:r>
+              <a:t/>
+            </a:r>
+            <a:endParaRPr/>
+          </a:p>
+        </p:txBody>
+      </p:sp>
+    </p:spTree>
+  </p:cSld>
+  <p:clrMapOvr>
+    <a:masterClrMapping/>
+  </p:clrMapOvr>
+</p:notes>
+</file>
+
+<file path=ppt/notesSlides/notesSlide19.xml><?xml version="1.0" encoding="utf-8"?>
+<p:notes xmlns:a="http://schemas.openxmlformats.org/drawingml/2006/main" xmlns:r="http://schemas.openxmlformats.org/officeDocument/2006/relationships" xmlns:mc="http://schemas.openxmlformats.org/markup-compatibility/2006" xmlns:mv="urn:schemas-microsoft-com:mac:vml" xmlns:p="http://schemas.openxmlformats.org/presentationml/2006/main" xmlns:c="http://schemas.openxmlformats.org/drawingml/2006/chart" xmlns:dgm="http://schemas.openxmlformats.org/drawingml/2006/diagram" xmlns:o="urn:schemas-microsoft-com:office:office" xmlns:v="urn:schemas-microsoft-com:vml" xmlns:pvml="urn:schemas-microsoft-com:office:powerpoint" xmlns:com="http://schemas.openxmlformats.org/drawingml/2006/compatibility" xmlns:p14="http://schemas.microsoft.com/office/powerpoint/2010/main" xmlns:p15="http://schemas.microsoft.com/office/powerpoint/2012/main" showMasterPhAnim="0" showMasterSp="0">
+  <p:cSld>
+    <p:spTree>
+      <p:nvGrpSpPr>
+        <p:cNvPr id="252" name="Shape 252"/>
+        <p:cNvGrpSpPr/>
+        <p:nvPr/>
+      </p:nvGrpSpPr>
+      <p:grpSpPr>
+        <a:xfrm>
+          <a:off x="0" y="0"/>
+          <a:ext cx="0" cy="0"/>
+          <a:chOff x="0" y="0"/>
+          <a:chExt cx="0" cy="0"/>
+        </a:xfrm>
+      </p:grpSpPr>
+      <p:sp>
+        <p:nvSpPr>
+          <p:cNvPr id="253" name="Google Shape;253;gc6f980f91_0_105:notes"/>
+          <p:cNvSpPr/>
+          <p:nvPr>
+            <p:ph idx="2" type="sldImg"/>
+          </p:nvPr>
+        </p:nvSpPr>
+        <p:spPr>
+          <a:xfrm>
+            <a:off x="381188" y="685800"/>
+            <a:ext cx="6096300" cy="3429000"/>
+          </a:xfrm>
+          <a:custGeom>
+            <a:rect b="b" l="l" r="r" t="t"/>
+            <a:pathLst>
+              <a:path extrusionOk="0" h="120000" w="120000">
+                <a:moveTo>
+                  <a:pt x="0" y="0"/>
+                </a:moveTo>
+                <a:lnTo>
+                  <a:pt x="120000" y="0"/>
+                </a:lnTo>
+                <a:lnTo>
+                  <a:pt x="120000" y="120000"/>
+                </a:lnTo>
+                <a:lnTo>
+                  <a:pt x="0" y="120000"/>
+                </a:lnTo>
+                <a:close/>
+              </a:path>
+            </a:pathLst>
+          </a:custGeom>
+        </p:spPr>
+      </p:sp>
+      <p:sp>
+        <p:nvSpPr>
+          <p:cNvPr id="254" name="Google Shape;254;gc6f980f91_0_105:notes"/>
           <p:cNvSpPr txBox="1"/>
           <p:nvPr>
             <p:ph idx="1" type="body"/>
@@ -1903,7 +2003,7 @@
       </p:grpSpPr>
       <p:sp>
         <p:nvSpPr>
-          <p:cNvPr id="92" name="Google Shape;92;g49be4c35bd_1_4:notes"/>
+          <p:cNvPr id="92" name="Google Shape;92;gc6f980f91_0_10:notes"/>
           <p:cNvSpPr/>
           <p:nvPr>
             <p:ph idx="2" type="sldImg"/>
@@ -1938,7 +2038,7 @@
       </p:sp>
       <p:sp>
         <p:nvSpPr>
-          <p:cNvPr id="93" name="Google Shape;93;g49be4c35bd_1_4:notes"/>
+          <p:cNvPr id="93" name="Google Shape;93;gc6f980f91_0_10:notes"/>
           <p:cNvSpPr txBox="1"/>
           <p:nvPr>
             <p:ph idx="1" type="body"/>
@@ -1988,7 +2088,7 @@
   <p:cSld>
     <p:spTree>
       <p:nvGrpSpPr>
-        <p:cNvPr id="96" name="Shape 96"/>
+        <p:cNvPr id="141" name="Shape 141"/>
         <p:cNvGrpSpPr/>
         <p:nvPr/>
       </p:nvGrpSpPr>
@@ -2002,7 +2102,7 @@
       </p:grpSpPr>
       <p:sp>
         <p:nvSpPr>
-          <p:cNvPr id="97" name="Google Shape;97;g4a600b429a_0_0:notes"/>
+          <p:cNvPr id="142" name="Google Shape;142;g49be4c35bd_1_4:notes"/>
           <p:cNvSpPr/>
           <p:nvPr>
             <p:ph idx="2" type="sldImg"/>
@@ -2037,7 +2137,7 @@
       </p:sp>
       <p:sp>
         <p:nvSpPr>
-          <p:cNvPr id="98" name="Google Shape;98;g4a600b429a_0_0:notes"/>
+          <p:cNvPr id="143" name="Google Shape;143;g49be4c35bd_1_4:notes"/>
           <p:cNvSpPr txBox="1"/>
           <p:nvPr>
             <p:ph idx="1" type="body"/>
@@ -2087,7 +2187,7 @@
   <p:cSld>
     <p:spTree>
       <p:nvGrpSpPr>
-        <p:cNvPr id="112" name="Shape 112"/>
+        <p:cNvPr id="146" name="Shape 146"/>
         <p:cNvGrpSpPr/>
         <p:nvPr/>
       </p:nvGrpSpPr>
@@ -2101,7 +2201,7 @@
       </p:grpSpPr>
       <p:sp>
         <p:nvSpPr>
-          <p:cNvPr id="113" name="Google Shape;113;gc6f980f91_0_10:notes"/>
+          <p:cNvPr id="147" name="Google Shape;147;g4a600b429a_0_0:notes"/>
           <p:cNvSpPr/>
           <p:nvPr>
             <p:ph idx="2" type="sldImg"/>
@@ -2136,7 +2236,7 @@
       </p:sp>
       <p:sp>
         <p:nvSpPr>
-          <p:cNvPr id="114" name="Google Shape;114;gc6f980f91_0_10:notes"/>
+          <p:cNvPr id="148" name="Google Shape;148;g4a600b429a_0_0:notes"/>
           <p:cNvSpPr txBox="1"/>
           <p:nvPr>
             <p:ph idx="1" type="body"/>
@@ -9321,6 +9421,323 @@
         </p:nvSpPr>
         <p:spPr>
           <a:xfrm>
+            <a:off x="265500" y="1733850"/>
+            <a:ext cx="4045200" cy="1675800"/>
+          </a:xfrm>
+          <a:prstGeom prst="rect">
+            <a:avLst/>
+          </a:prstGeom>
+        </p:spPr>
+        <p:txBody>
+          <a:bodyPr anchorCtr="0" anchor="ctr" bIns="91425" lIns="91425" spcFirstLastPara="1" rIns="91425" wrap="square" tIns="91425">
+            <a:noAutofit/>
+          </a:bodyPr>
+          <a:lstStyle/>
+          <a:p>
+            <a:pPr indent="0" lvl="0" marL="0" rtl="0" algn="ctr">
+              <a:spcBef>
+                <a:spcPts val="0"/>
+              </a:spcBef>
+              <a:spcAft>
+                <a:spcPts val="0"/>
+              </a:spcAft>
+              <a:buClr>
+                <a:srgbClr val="000000"/>
+              </a:buClr>
+              <a:buSzPts val="1100"/>
+              <a:buFont typeface="Arial"/>
+              <a:buNone/>
+            </a:pPr>
+            <a:r>
+              <a:rPr lang="ko"/>
+              <a:t>표기</a:t>
+            </a:r>
+            <a:endParaRPr b="1"/>
+          </a:p>
+        </p:txBody>
+      </p:sp>
+      <p:sp>
+        <p:nvSpPr>
+          <p:cNvPr id="238" name="Google Shape;238;p28"/>
+          <p:cNvSpPr/>
+          <p:nvPr/>
+        </p:nvSpPr>
+        <p:spPr>
+          <a:xfrm>
+            <a:off x="4856900" y="4252675"/>
+            <a:ext cx="689400" cy="526800"/>
+          </a:xfrm>
+          <a:prstGeom prst="rect">
+            <a:avLst/>
+          </a:prstGeom>
+          <a:solidFill>
+            <a:srgbClr val="FFFFFF"/>
+          </a:solidFill>
+          <a:ln>
+            <a:noFill/>
+          </a:ln>
+        </p:spPr>
+        <p:txBody>
+          <a:bodyPr anchorCtr="0" anchor="ctr" bIns="91425" lIns="91425" spcFirstLastPara="1" rIns="91425" wrap="square" tIns="91425">
+            <a:noAutofit/>
+          </a:bodyPr>
+          <a:lstStyle/>
+          <a:p>
+            <a:pPr indent="0" lvl="0" marL="0" rtl="0" algn="l">
+              <a:spcBef>
+                <a:spcPts val="0"/>
+              </a:spcBef>
+              <a:spcAft>
+                <a:spcPts val="0"/>
+              </a:spcAft>
+              <a:buNone/>
+            </a:pPr>
+            <a:r>
+              <a:t/>
+            </a:r>
+            <a:endParaRPr/>
+          </a:p>
+        </p:txBody>
+      </p:sp>
+      <p:pic>
+        <p:nvPicPr>
+          <p:cNvPr id="239" name="Google Shape;239;p28"/>
+          <p:cNvPicPr preferRelativeResize="0"/>
+          <p:nvPr/>
+        </p:nvPicPr>
+        <p:blipFill>
+          <a:blip r:embed="rId3">
+            <a:alphaModFix/>
+          </a:blip>
+          <a:stretch>
+            <a:fillRect/>
+          </a:stretch>
+        </p:blipFill>
+        <p:spPr>
+          <a:xfrm>
+            <a:off x="4892975" y="980713"/>
+            <a:ext cx="3913150" cy="3182076"/>
+          </a:xfrm>
+          <a:prstGeom prst="rect">
+            <a:avLst/>
+          </a:prstGeom>
+          <a:noFill/>
+          <a:ln>
+            <a:noFill/>
+          </a:ln>
+        </p:spPr>
+      </p:pic>
+      <p:pic>
+        <p:nvPicPr>
+          <p:cNvPr id="240" name="Google Shape;240;p28"/>
+          <p:cNvPicPr preferRelativeResize="0"/>
+          <p:nvPr/>
+        </p:nvPicPr>
+        <p:blipFill>
+          <a:blip r:embed="rId4">
+            <a:alphaModFix/>
+          </a:blip>
+          <a:stretch>
+            <a:fillRect/>
+          </a:stretch>
+        </p:blipFill>
+        <p:spPr>
+          <a:xfrm>
+            <a:off x="4892975" y="980725"/>
+            <a:ext cx="3913150" cy="3182075"/>
+          </a:xfrm>
+          <a:prstGeom prst="rect">
+            <a:avLst/>
+          </a:prstGeom>
+          <a:noFill/>
+          <a:ln>
+            <a:noFill/>
+          </a:ln>
+        </p:spPr>
+      </p:pic>
+      <p:pic>
+        <p:nvPicPr>
+          <p:cNvPr id="241" name="Google Shape;241;p28"/>
+          <p:cNvPicPr preferRelativeResize="0"/>
+          <p:nvPr/>
+        </p:nvPicPr>
+        <p:blipFill>
+          <a:blip r:embed="rId5">
+            <a:alphaModFix/>
+          </a:blip>
+          <a:stretch>
+            <a:fillRect/>
+          </a:stretch>
+        </p:blipFill>
+        <p:spPr>
+          <a:xfrm>
+            <a:off x="0" y="162859"/>
+            <a:ext cx="9143998" cy="4817806"/>
+          </a:xfrm>
+          <a:prstGeom prst="rect">
+            <a:avLst/>
+          </a:prstGeom>
+          <a:noFill/>
+          <a:ln>
+            <a:noFill/>
+          </a:ln>
+        </p:spPr>
+      </p:pic>
+    </p:spTree>
+  </p:cSld>
+  <p:clrMapOvr>
+    <a:masterClrMapping/>
+  </p:clrMapOvr>
+  <p:timing>
+    <p:tnLst>
+      <p:par>
+        <p:cTn dur="indefinite" nodeType="tmRoot" restart="never">
+          <p:childTnLst>
+            <p:seq concurrent="1" nextAc="seek">
+              <p:cTn dur="indefinite" id="2" nodeType="mainSeq">
+                <p:childTnLst>
+                  <p:par>
+                    <p:cTn fill="hold">
+                      <p:stCondLst>
+                        <p:cond delay="indefinite"/>
+                      </p:stCondLst>
+                      <p:childTnLst>
+                        <p:par>
+                          <p:cTn fill="hold">
+                            <p:stCondLst>
+                              <p:cond delay="0"/>
+                            </p:stCondLst>
+                            <p:childTnLst>
+                              <p:par>
+                                <p:cTn fill="hold" nodeType="clickEffect" presetClass="entr" presetID="1" presetSubtype="0">
+                                  <p:stCondLst>
+                                    <p:cond delay="0"/>
+                                  </p:stCondLst>
+                                  <p:childTnLst>
+                                    <p:set>
+                                      <p:cBhvr>
+                                        <p:cTn dur="1" fill="hold">
+                                          <p:stCondLst>
+                                            <p:cond delay="0"/>
+                                          </p:stCondLst>
+                                        </p:cTn>
+                                        <p:tgtEl>
+                                          <p:spTgt spid="240"/>
+                                        </p:tgtEl>
+                                        <p:attrNameLst>
+                                          <p:attrName>style.visibility</p:attrName>
+                                        </p:attrNameLst>
+                                      </p:cBhvr>
+                                      <p:to>
+                                        <p:strVal val="visible"/>
+                                      </p:to>
+                                    </p:set>
+                                  </p:childTnLst>
+                                </p:cTn>
+                              </p:par>
+                            </p:childTnLst>
+                          </p:cTn>
+                        </p:par>
+                      </p:childTnLst>
+                    </p:cTn>
+                  </p:par>
+                  <p:par>
+                    <p:cTn fill="hold">
+                      <p:stCondLst>
+                        <p:cond delay="indefinite"/>
+                      </p:stCondLst>
+                      <p:childTnLst>
+                        <p:par>
+                          <p:cTn fill="hold">
+                            <p:stCondLst>
+                              <p:cond delay="0"/>
+                            </p:stCondLst>
+                            <p:childTnLst>
+                              <p:par>
+                                <p:cTn fill="hold" nodeType="clickEffect" presetClass="entr" presetID="1" presetSubtype="0">
+                                  <p:stCondLst>
+                                    <p:cond delay="0"/>
+                                  </p:stCondLst>
+                                  <p:childTnLst>
+                                    <p:set>
+                                      <p:cBhvr>
+                                        <p:cTn dur="1" fill="hold">
+                                          <p:stCondLst>
+                                            <p:cond delay="0"/>
+                                          </p:stCondLst>
+                                        </p:cTn>
+                                        <p:tgtEl>
+                                          <p:spTgt spid="241"/>
+                                        </p:tgtEl>
+                                        <p:attrNameLst>
+                                          <p:attrName>style.visibility</p:attrName>
+                                        </p:attrNameLst>
+                                      </p:cBhvr>
+                                      <p:to>
+                                        <p:strVal val="visible"/>
+                                      </p:to>
+                                    </p:set>
+                                  </p:childTnLst>
+                                </p:cTn>
+                              </p:par>
+                            </p:childTnLst>
+                          </p:cTn>
+                        </p:par>
+                      </p:childTnLst>
+                    </p:cTn>
+                  </p:par>
+                </p:childTnLst>
+              </p:cTn>
+              <p:prevCondLst>
+                <p:cond evt="onPrev">
+                  <p:tgtEl>
+                    <p:sldTgt/>
+                  </p:tgtEl>
+                </p:cond>
+              </p:prevCondLst>
+              <p:nextCondLst>
+                <p:cond evt="onNext">
+                  <p:tgtEl>
+                    <p:sldTgt/>
+                  </p:tgtEl>
+                </p:cond>
+              </p:nextCondLst>
+            </p:seq>
+          </p:childTnLst>
+        </p:cTn>
+      </p:par>
+    </p:tnLst>
+  </p:timing>
+</p:sld>
+</file>
+
+<file path=ppt/slides/slide17.xml><?xml version="1.0" encoding="utf-8"?>
+<p:sld xmlns:a="http://schemas.openxmlformats.org/drawingml/2006/main" xmlns:r="http://schemas.openxmlformats.org/officeDocument/2006/relationships" xmlns:mc="http://schemas.openxmlformats.org/markup-compatibility/2006" xmlns:mv="urn:schemas-microsoft-com:mac:vml" xmlns:p="http://schemas.openxmlformats.org/presentationml/2006/main" xmlns:c="http://schemas.openxmlformats.org/drawingml/2006/chart" xmlns:dgm="http://schemas.openxmlformats.org/drawingml/2006/diagram" xmlns:o="urn:schemas-microsoft-com:office:office" xmlns:v="urn:schemas-microsoft-com:vml" xmlns:pvml="urn:schemas-microsoft-com:office:powerpoint" xmlns:com="http://schemas.openxmlformats.org/drawingml/2006/compatibility" xmlns:p14="http://schemas.microsoft.com/office/powerpoint/2010/main" xmlns:p15="http://schemas.microsoft.com/office/powerpoint/2012/main">
+  <p:cSld>
+    <p:spTree>
+      <p:nvGrpSpPr>
+        <p:cNvPr id="245" name="Shape 245"/>
+        <p:cNvGrpSpPr/>
+        <p:nvPr/>
+      </p:nvGrpSpPr>
+      <p:grpSpPr>
+        <a:xfrm>
+          <a:off x="0" y="0"/>
+          <a:ext cx="0" cy="0"/>
+          <a:chOff x="0" y="0"/>
+          <a:chExt cx="0" cy="0"/>
+        </a:xfrm>
+      </p:grpSpPr>
+      <p:sp>
+        <p:nvSpPr>
+          <p:cNvPr id="246" name="Google Shape;246;p29"/>
+          <p:cNvSpPr txBox="1"/>
+          <p:nvPr>
+            <p:ph type="title"/>
+          </p:nvPr>
+        </p:nvSpPr>
+        <p:spPr>
+          <a:xfrm>
             <a:off x="1458450" y="526350"/>
             <a:ext cx="6227100" cy="4090800"/>
           </a:xfrm>
@@ -9364,12 +9781,12 @@
 </p:sld>
 </file>
 
-<file path=ppt/slides/slide17.xml><?xml version="1.0" encoding="utf-8"?>
+<file path=ppt/slides/slide18.xml><?xml version="1.0" encoding="utf-8"?>
 <p:sld xmlns:a="http://schemas.openxmlformats.org/drawingml/2006/main" xmlns:r="http://schemas.openxmlformats.org/officeDocument/2006/relationships" xmlns:mc="http://schemas.openxmlformats.org/markup-compatibility/2006" xmlns:mv="urn:schemas-microsoft-com:mac:vml" xmlns:p="http://schemas.openxmlformats.org/presentationml/2006/main" xmlns:c="http://schemas.openxmlformats.org/drawingml/2006/chart" xmlns:dgm="http://schemas.openxmlformats.org/drawingml/2006/diagram" xmlns:o="urn:schemas-microsoft-com:office:office" xmlns:v="urn:schemas-microsoft-com:vml" xmlns:pvml="urn:schemas-microsoft-com:office:powerpoint" xmlns:com="http://schemas.openxmlformats.org/drawingml/2006/compatibility" xmlns:p14="http://schemas.microsoft.com/office/powerpoint/2010/main" xmlns:p15="http://schemas.microsoft.com/office/powerpoint/2012/main">
   <p:cSld>
     <p:spTree>
       <p:nvGrpSpPr>
-        <p:cNvPr id="241" name="Shape 241"/>
+        <p:cNvPr id="250" name="Shape 250"/>
         <p:cNvGrpSpPr/>
         <p:nvPr/>
       </p:nvGrpSpPr>
@@ -9383,7 +9800,7 @@
       </p:grpSpPr>
       <p:sp>
         <p:nvSpPr>
-          <p:cNvPr id="242" name="Google Shape;242;p29"/>
+          <p:cNvPr id="251" name="Google Shape;251;p30"/>
           <p:cNvSpPr txBox="1"/>
           <p:nvPr>
             <p:ph type="title"/>
@@ -9429,12 +9846,12 @@
 </p:sld>
 </file>
 
-<file path=ppt/slides/slide18.xml><?xml version="1.0" encoding="utf-8"?>
+<file path=ppt/slides/slide19.xml><?xml version="1.0" encoding="utf-8"?>
 <p:sld xmlns:a="http://schemas.openxmlformats.org/drawingml/2006/main" xmlns:r="http://schemas.openxmlformats.org/officeDocument/2006/relationships" xmlns:mc="http://schemas.openxmlformats.org/markup-compatibility/2006" xmlns:mv="urn:schemas-microsoft-com:mac:vml" xmlns:p="http://schemas.openxmlformats.org/presentationml/2006/main" xmlns:c="http://schemas.openxmlformats.org/drawingml/2006/chart" xmlns:dgm="http://schemas.openxmlformats.org/drawingml/2006/diagram" xmlns:o="urn:schemas-microsoft-com:office:office" xmlns:v="urn:schemas-microsoft-com:vml" xmlns:pvml="urn:schemas-microsoft-com:office:powerpoint" xmlns:com="http://schemas.openxmlformats.org/drawingml/2006/compatibility" xmlns:p14="http://schemas.microsoft.com/office/powerpoint/2010/main" xmlns:p15="http://schemas.microsoft.com/office/powerpoint/2012/main">
   <p:cSld>
     <p:spTree>
       <p:nvGrpSpPr>
-        <p:cNvPr id="246" name="Shape 246"/>
+        <p:cNvPr id="255" name="Shape 255"/>
         <p:cNvGrpSpPr/>
         <p:nvPr/>
       </p:nvGrpSpPr>
@@ -9448,7 +9865,7 @@
       </p:grpSpPr>
       <p:sp>
         <p:nvSpPr>
-          <p:cNvPr id="247" name="Google Shape;247;p30"/>
+          <p:cNvPr id="256" name="Google Shape;256;p31"/>
           <p:cNvSpPr txBox="1"/>
           <p:nvPr>
             <p:ph type="title"/>
@@ -9488,7 +9905,7 @@
       </p:sp>
       <p:sp>
         <p:nvSpPr>
-          <p:cNvPr id="248" name="Google Shape;248;p30"/>
+          <p:cNvPr id="257" name="Google Shape;257;p31"/>
           <p:cNvSpPr txBox="1"/>
           <p:nvPr>
             <p:ph idx="4294967295" type="body"/>
@@ -9536,7 +9953,7 @@
       </p:sp>
       <p:pic>
         <p:nvPicPr>
-          <p:cNvPr id="249" name="Google Shape;249;p30"/>
+          <p:cNvPr id="258" name="Google Shape;258;p31"/>
           <p:cNvPicPr preferRelativeResize="0"/>
           <p:nvPr/>
         </p:nvPicPr>
@@ -9564,7 +9981,7 @@
       </p:pic>
       <p:sp>
         <p:nvSpPr>
-          <p:cNvPr id="250" name="Google Shape;250;p30"/>
+          <p:cNvPr id="259" name="Google Shape;259;p31"/>
           <p:cNvSpPr txBox="1"/>
           <p:nvPr/>
         </p:nvSpPr>
@@ -9759,7 +10176,15 @@
                   <a:schemeClr val="lt1"/>
                 </a:solidFill>
               </a:rPr>
-              <a:t>9조 구리는 C.U</a:t>
+              <a:t>9조 </a:t>
+            </a:r>
+            <a:r>
+              <a:rPr lang="ko">
+                <a:solidFill>
+                  <a:schemeClr val="lt1"/>
+                </a:solidFill>
+              </a:rPr>
+              <a:t>구리는 CU</a:t>
             </a:r>
             <a:endParaRPr>
               <a:solidFill>
@@ -9904,22 +10329,6 @@
             </a:pPr>
             <a:r>
               <a:rPr lang="ko" sz="1300"/>
-              <a:t>라이센스</a:t>
-            </a:r>
-            <a:endParaRPr sz="1300"/>
-          </a:p>
-          <a:p>
-            <a:pPr indent="0" lvl="0" marL="0" rtl="0" algn="ctr">
-              <a:spcBef>
-                <a:spcPts val="1600"/>
-              </a:spcBef>
-              <a:spcAft>
-                <a:spcPts val="0"/>
-              </a:spcAft>
-              <a:buNone/>
-            </a:pPr>
-            <a:r>
-              <a:rPr lang="ko" sz="1300"/>
               <a:t>전염성 충돌성 조사</a:t>
             </a:r>
             <a:endParaRPr sz="1300"/>
@@ -9936,7 +10345,7 @@
             </a:pPr>
             <a:r>
               <a:rPr lang="ko" sz="1300"/>
-              <a:t>차트 작성 </a:t>
+              <a:t>라이센스 차트 작성 </a:t>
             </a:r>
             <a:endParaRPr sz="1300"/>
           </a:p>
@@ -10718,6 +11127,1499 @@
         </p:nvSpPr>
         <p:spPr>
           <a:xfrm>
+            <a:off x="311700" y="445025"/>
+            <a:ext cx="8520600" cy="572700"/>
+          </a:xfrm>
+          <a:prstGeom prst="rect">
+            <a:avLst/>
+          </a:prstGeom>
+        </p:spPr>
+        <p:txBody>
+          <a:bodyPr anchorCtr="0" anchor="t" bIns="91425" lIns="91425" spcFirstLastPara="1" rIns="91425" wrap="square" tIns="91425">
+            <a:noAutofit/>
+          </a:bodyPr>
+          <a:lstStyle/>
+          <a:p>
+            <a:pPr indent="0" lvl="0" marL="0" rtl="0" algn="ctr">
+              <a:spcBef>
+                <a:spcPts val="0"/>
+              </a:spcBef>
+              <a:spcAft>
+                <a:spcPts val="0"/>
+              </a:spcAft>
+              <a:buNone/>
+            </a:pPr>
+            <a:r>
+              <a:rPr lang="ko"/>
+              <a:t>요구 사항 분석</a:t>
+            </a:r>
+            <a:endParaRPr/>
+          </a:p>
+        </p:txBody>
+      </p:sp>
+      <p:grpSp>
+        <p:nvGrpSpPr>
+          <p:cNvPr id="96" name="Google Shape;96;p16"/>
+          <p:cNvGrpSpPr/>
+          <p:nvPr/>
+        </p:nvGrpSpPr>
+        <p:grpSpPr>
+          <a:xfrm>
+            <a:off x="431925" y="1304875"/>
+            <a:ext cx="2628925" cy="3416400"/>
+            <a:chOff x="431925" y="1304875"/>
+            <a:chExt cx="2628925" cy="3416400"/>
+          </a:xfrm>
+        </p:grpSpPr>
+        <p:sp>
+          <p:nvSpPr>
+            <p:cNvPr id="97" name="Google Shape;97;p16"/>
+            <p:cNvSpPr txBox="1"/>
+            <p:nvPr/>
+          </p:nvSpPr>
+          <p:spPr>
+            <a:xfrm>
+              <a:off x="431925" y="1304875"/>
+              <a:ext cx="2628900" cy="464100"/>
+            </a:xfrm>
+            <a:prstGeom prst="rect">
+              <a:avLst/>
+            </a:prstGeom>
+            <a:solidFill>
+              <a:schemeClr val="dk1"/>
+            </a:solidFill>
+            <a:ln>
+              <a:noFill/>
+            </a:ln>
+          </p:spPr>
+          <p:txBody>
+            <a:bodyPr anchorCtr="0" anchor="ctr" bIns="91425" lIns="91425" spcFirstLastPara="1" rIns="91425" wrap="square" tIns="91425">
+              <a:noAutofit/>
+            </a:bodyPr>
+            <a:lstStyle/>
+            <a:p>
+              <a:pPr indent="0" lvl="0" marL="0" rtl="0" algn="l">
+                <a:spcBef>
+                  <a:spcPts val="0"/>
+                </a:spcBef>
+                <a:spcAft>
+                  <a:spcPts val="0"/>
+                </a:spcAft>
+                <a:buNone/>
+              </a:pPr>
+              <a:r>
+                <a:t/>
+              </a:r>
+              <a:endParaRPr/>
+            </a:p>
+          </p:txBody>
+        </p:sp>
+        <p:sp>
+          <p:nvSpPr>
+            <p:cNvPr id="98" name="Google Shape;98;p16"/>
+            <p:cNvSpPr/>
+            <p:nvPr/>
+          </p:nvSpPr>
+          <p:spPr>
+            <a:xfrm>
+              <a:off x="431950" y="1304875"/>
+              <a:ext cx="2628900" cy="3416400"/>
+            </a:xfrm>
+            <a:prstGeom prst="rect">
+              <a:avLst/>
+            </a:prstGeom>
+            <a:noFill/>
+            <a:ln>
+              <a:noFill/>
+            </a:ln>
+          </p:spPr>
+          <p:txBody>
+            <a:bodyPr anchorCtr="0" anchor="ctr" bIns="91425" lIns="91425" spcFirstLastPara="1" rIns="91425" wrap="square" tIns="91425">
+              <a:noAutofit/>
+            </a:bodyPr>
+            <a:lstStyle/>
+            <a:p>
+              <a:pPr indent="0" lvl="0" marL="0" rtl="0" algn="l">
+                <a:spcBef>
+                  <a:spcPts val="0"/>
+                </a:spcBef>
+                <a:spcAft>
+                  <a:spcPts val="0"/>
+                </a:spcAft>
+                <a:buNone/>
+              </a:pPr>
+              <a:r>
+                <a:t/>
+              </a:r>
+              <a:endParaRPr/>
+            </a:p>
+          </p:txBody>
+        </p:sp>
+      </p:grpSp>
+      <p:sp>
+        <p:nvSpPr>
+          <p:cNvPr id="99" name="Google Shape;99;p16"/>
+          <p:cNvSpPr txBox="1"/>
+          <p:nvPr>
+            <p:ph idx="4294967295" type="body"/>
+          </p:nvPr>
+        </p:nvSpPr>
+        <p:spPr>
+          <a:xfrm>
+            <a:off x="506425" y="1304875"/>
+            <a:ext cx="2494500" cy="461400"/>
+          </a:xfrm>
+          <a:prstGeom prst="rect">
+            <a:avLst/>
+          </a:prstGeom>
+        </p:spPr>
+        <p:txBody>
+          <a:bodyPr anchorCtr="0" anchor="t" bIns="91425" lIns="91425" spcFirstLastPara="1" rIns="91425" wrap="square" tIns="91425">
+            <a:noAutofit/>
+          </a:bodyPr>
+          <a:lstStyle/>
+          <a:p>
+            <a:pPr indent="0" lvl="0" marL="0" rtl="0" algn="ctr">
+              <a:spcBef>
+                <a:spcPts val="0"/>
+              </a:spcBef>
+              <a:spcAft>
+                <a:spcPts val="0"/>
+              </a:spcAft>
+              <a:buNone/>
+            </a:pPr>
+            <a:r>
+              <a:rPr lang="ko">
+                <a:solidFill>
+                  <a:schemeClr val="lt1"/>
+                </a:solidFill>
+              </a:rPr>
+              <a:t>웹 서비스 서버 운용</a:t>
+            </a:r>
+            <a:endParaRPr>
+              <a:solidFill>
+                <a:schemeClr val="lt1"/>
+              </a:solidFill>
+            </a:endParaRPr>
+          </a:p>
+        </p:txBody>
+      </p:sp>
+      <p:grpSp>
+        <p:nvGrpSpPr>
+          <p:cNvPr id="100" name="Google Shape;100;p16"/>
+          <p:cNvGrpSpPr/>
+          <p:nvPr/>
+        </p:nvGrpSpPr>
+        <p:grpSpPr>
+          <a:xfrm>
+            <a:off x="3320450" y="1304875"/>
+            <a:ext cx="2632500" cy="3416400"/>
+            <a:chOff x="3320450" y="1304875"/>
+            <a:chExt cx="2632500" cy="3416400"/>
+          </a:xfrm>
+        </p:grpSpPr>
+        <p:sp>
+          <p:nvSpPr>
+            <p:cNvPr id="101" name="Google Shape;101;p16"/>
+            <p:cNvSpPr txBox="1"/>
+            <p:nvPr/>
+          </p:nvSpPr>
+          <p:spPr>
+            <a:xfrm>
+              <a:off x="3324050" y="1304875"/>
+              <a:ext cx="2628900" cy="464100"/>
+            </a:xfrm>
+            <a:prstGeom prst="rect">
+              <a:avLst/>
+            </a:prstGeom>
+            <a:solidFill>
+              <a:schemeClr val="dk1"/>
+            </a:solidFill>
+            <a:ln>
+              <a:noFill/>
+            </a:ln>
+          </p:spPr>
+          <p:txBody>
+            <a:bodyPr anchorCtr="0" anchor="ctr" bIns="91425" lIns="91425" spcFirstLastPara="1" rIns="91425" wrap="square" tIns="91425">
+              <a:noAutofit/>
+            </a:bodyPr>
+            <a:lstStyle/>
+            <a:p>
+              <a:pPr indent="0" lvl="0" marL="0" rtl="0" algn="l">
+                <a:spcBef>
+                  <a:spcPts val="0"/>
+                </a:spcBef>
+                <a:spcAft>
+                  <a:spcPts val="0"/>
+                </a:spcAft>
+                <a:buNone/>
+              </a:pPr>
+              <a:r>
+                <a:t/>
+              </a:r>
+              <a:endParaRPr/>
+            </a:p>
+          </p:txBody>
+        </p:sp>
+        <p:sp>
+          <p:nvSpPr>
+            <p:cNvPr id="102" name="Google Shape;102;p16"/>
+            <p:cNvSpPr/>
+            <p:nvPr/>
+          </p:nvSpPr>
+          <p:spPr>
+            <a:xfrm>
+              <a:off x="3320450" y="1304875"/>
+              <a:ext cx="2628900" cy="3416400"/>
+            </a:xfrm>
+            <a:prstGeom prst="rect">
+              <a:avLst/>
+            </a:prstGeom>
+            <a:noFill/>
+            <a:ln>
+              <a:noFill/>
+            </a:ln>
+          </p:spPr>
+          <p:txBody>
+            <a:bodyPr anchorCtr="0" anchor="ctr" bIns="91425" lIns="91425" spcFirstLastPara="1" rIns="91425" wrap="square" tIns="91425">
+              <a:noAutofit/>
+            </a:bodyPr>
+            <a:lstStyle/>
+            <a:p>
+              <a:pPr indent="0" lvl="0" marL="0" rtl="0" algn="l">
+                <a:spcBef>
+                  <a:spcPts val="0"/>
+                </a:spcBef>
+                <a:spcAft>
+                  <a:spcPts val="0"/>
+                </a:spcAft>
+                <a:buNone/>
+              </a:pPr>
+              <a:r>
+                <a:t/>
+              </a:r>
+              <a:endParaRPr/>
+            </a:p>
+          </p:txBody>
+        </p:sp>
+      </p:grpSp>
+      <p:sp>
+        <p:nvSpPr>
+          <p:cNvPr id="103" name="Google Shape;103;p16"/>
+          <p:cNvSpPr txBox="1"/>
+          <p:nvPr>
+            <p:ph idx="4294967295" type="body"/>
+          </p:nvPr>
+        </p:nvSpPr>
+        <p:spPr>
+          <a:xfrm>
+            <a:off x="3389450" y="1304875"/>
+            <a:ext cx="2494500" cy="461400"/>
+          </a:xfrm>
+          <a:prstGeom prst="rect">
+            <a:avLst/>
+          </a:prstGeom>
+        </p:spPr>
+        <p:txBody>
+          <a:bodyPr anchorCtr="0" anchor="t" bIns="91425" lIns="91425" spcFirstLastPara="1" rIns="91425" wrap="square" tIns="91425">
+            <a:noAutofit/>
+          </a:bodyPr>
+          <a:lstStyle/>
+          <a:p>
+            <a:pPr indent="0" lvl="0" marL="0" rtl="0" algn="ctr">
+              <a:spcBef>
+                <a:spcPts val="0"/>
+              </a:spcBef>
+              <a:spcAft>
+                <a:spcPts val="0"/>
+              </a:spcAft>
+              <a:buNone/>
+            </a:pPr>
+            <a:r>
+              <a:rPr lang="ko">
+                <a:solidFill>
+                  <a:schemeClr val="lt1"/>
+                </a:solidFill>
+              </a:rPr>
+              <a:t>오픈 소스 사용</a:t>
+            </a:r>
+            <a:endParaRPr>
+              <a:solidFill>
+                <a:schemeClr val="lt1"/>
+              </a:solidFill>
+            </a:endParaRPr>
+          </a:p>
+        </p:txBody>
+      </p:sp>
+      <p:grpSp>
+        <p:nvGrpSpPr>
+          <p:cNvPr id="104" name="Google Shape;104;p16"/>
+          <p:cNvGrpSpPr/>
+          <p:nvPr/>
+        </p:nvGrpSpPr>
+        <p:grpSpPr>
+          <a:xfrm>
+            <a:off x="6212550" y="1304875"/>
+            <a:ext cx="2632500" cy="3416400"/>
+            <a:chOff x="6212550" y="1304875"/>
+            <a:chExt cx="2632500" cy="3416400"/>
+          </a:xfrm>
+        </p:grpSpPr>
+        <p:sp>
+          <p:nvSpPr>
+            <p:cNvPr id="105" name="Google Shape;105;p16"/>
+            <p:cNvSpPr/>
+            <p:nvPr/>
+          </p:nvSpPr>
+          <p:spPr>
+            <a:xfrm>
+              <a:off x="6215400" y="1304875"/>
+              <a:ext cx="2628900" cy="3416400"/>
+            </a:xfrm>
+            <a:prstGeom prst="rect">
+              <a:avLst/>
+            </a:prstGeom>
+            <a:noFill/>
+            <a:ln>
+              <a:noFill/>
+            </a:ln>
+          </p:spPr>
+          <p:txBody>
+            <a:bodyPr anchorCtr="0" anchor="ctr" bIns="91425" lIns="91425" spcFirstLastPara="1" rIns="91425" wrap="square" tIns="91425">
+              <a:noAutofit/>
+            </a:bodyPr>
+            <a:lstStyle/>
+            <a:p>
+              <a:pPr indent="0" lvl="0" marL="0" rtl="0" algn="l">
+                <a:spcBef>
+                  <a:spcPts val="0"/>
+                </a:spcBef>
+                <a:spcAft>
+                  <a:spcPts val="0"/>
+                </a:spcAft>
+                <a:buNone/>
+              </a:pPr>
+              <a:r>
+                <a:t/>
+              </a:r>
+              <a:endParaRPr/>
+            </a:p>
+          </p:txBody>
+        </p:sp>
+        <p:sp>
+          <p:nvSpPr>
+            <p:cNvPr id="106" name="Google Shape;106;p16"/>
+            <p:cNvSpPr txBox="1"/>
+            <p:nvPr/>
+          </p:nvSpPr>
+          <p:spPr>
+            <a:xfrm>
+              <a:off x="6212550" y="1304875"/>
+              <a:ext cx="2632500" cy="464100"/>
+            </a:xfrm>
+            <a:prstGeom prst="rect">
+              <a:avLst/>
+            </a:prstGeom>
+            <a:solidFill>
+              <a:schemeClr val="dk1"/>
+            </a:solidFill>
+            <a:ln>
+              <a:noFill/>
+            </a:ln>
+          </p:spPr>
+          <p:txBody>
+            <a:bodyPr anchorCtr="0" anchor="ctr" bIns="91425" lIns="91425" spcFirstLastPara="1" rIns="91425" wrap="square" tIns="91425">
+              <a:noAutofit/>
+            </a:bodyPr>
+            <a:lstStyle/>
+            <a:p>
+              <a:pPr indent="0" lvl="0" marL="0" rtl="0" algn="l">
+                <a:spcBef>
+                  <a:spcPts val="0"/>
+                </a:spcBef>
+                <a:spcAft>
+                  <a:spcPts val="0"/>
+                </a:spcAft>
+                <a:buNone/>
+              </a:pPr>
+              <a:r>
+                <a:t/>
+              </a:r>
+              <a:endParaRPr/>
+            </a:p>
+          </p:txBody>
+        </p:sp>
+      </p:grpSp>
+      <p:sp>
+        <p:nvSpPr>
+          <p:cNvPr id="107" name="Google Shape;107;p16"/>
+          <p:cNvSpPr txBox="1"/>
+          <p:nvPr>
+            <p:ph idx="4294967295" type="body"/>
+          </p:nvPr>
+        </p:nvSpPr>
+        <p:spPr>
+          <a:xfrm>
+            <a:off x="6272475" y="1304875"/>
+            <a:ext cx="2494500" cy="461400"/>
+          </a:xfrm>
+          <a:prstGeom prst="rect">
+            <a:avLst/>
+          </a:prstGeom>
+        </p:spPr>
+        <p:txBody>
+          <a:bodyPr anchorCtr="0" anchor="t" bIns="91425" lIns="91425" spcFirstLastPara="1" rIns="91425" wrap="square" tIns="91425">
+            <a:noAutofit/>
+          </a:bodyPr>
+          <a:lstStyle/>
+          <a:p>
+            <a:pPr indent="0" lvl="0" marL="0" rtl="0" algn="ctr">
+              <a:spcBef>
+                <a:spcPts val="0"/>
+              </a:spcBef>
+              <a:spcAft>
+                <a:spcPts val="0"/>
+              </a:spcAft>
+              <a:buNone/>
+            </a:pPr>
+            <a:r>
+              <a:rPr lang="ko">
+                <a:solidFill>
+                  <a:schemeClr val="lt1"/>
+                </a:solidFill>
+              </a:rPr>
+              <a:t>법적인 검토</a:t>
+            </a:r>
+            <a:endParaRPr>
+              <a:solidFill>
+                <a:schemeClr val="lt1"/>
+              </a:solidFill>
+            </a:endParaRPr>
+          </a:p>
+        </p:txBody>
+      </p:sp>
+      <p:grpSp>
+        <p:nvGrpSpPr>
+          <p:cNvPr id="108" name="Google Shape;108;p16"/>
+          <p:cNvGrpSpPr/>
+          <p:nvPr/>
+        </p:nvGrpSpPr>
+        <p:grpSpPr>
+          <a:xfrm>
+            <a:off x="424663" y="4277900"/>
+            <a:ext cx="2636175" cy="3438050"/>
+            <a:chOff x="424650" y="1304875"/>
+            <a:chExt cx="2636175" cy="3438050"/>
+          </a:xfrm>
+        </p:grpSpPr>
+        <p:sp>
+          <p:nvSpPr>
+            <p:cNvPr id="109" name="Google Shape;109;p16"/>
+            <p:cNvSpPr txBox="1"/>
+            <p:nvPr/>
+          </p:nvSpPr>
+          <p:spPr>
+            <a:xfrm>
+              <a:off x="431925" y="1304875"/>
+              <a:ext cx="2628900" cy="464100"/>
+            </a:xfrm>
+            <a:prstGeom prst="rect">
+              <a:avLst/>
+            </a:prstGeom>
+            <a:solidFill>
+              <a:schemeClr val="dk1"/>
+            </a:solidFill>
+            <a:ln>
+              <a:noFill/>
+            </a:ln>
+          </p:spPr>
+          <p:txBody>
+            <a:bodyPr anchorCtr="0" anchor="ctr" bIns="91425" lIns="91425" spcFirstLastPara="1" rIns="91425" wrap="square" tIns="91425">
+              <a:noAutofit/>
+            </a:bodyPr>
+            <a:lstStyle/>
+            <a:p>
+              <a:pPr indent="0" lvl="0" marL="0" rtl="0" algn="l">
+                <a:spcBef>
+                  <a:spcPts val="0"/>
+                </a:spcBef>
+                <a:spcAft>
+                  <a:spcPts val="0"/>
+                </a:spcAft>
+                <a:buNone/>
+              </a:pPr>
+              <a:r>
+                <a:t/>
+              </a:r>
+              <a:endParaRPr/>
+            </a:p>
+          </p:txBody>
+        </p:sp>
+        <p:sp>
+          <p:nvSpPr>
+            <p:cNvPr id="110" name="Google Shape;110;p16"/>
+            <p:cNvSpPr/>
+            <p:nvPr/>
+          </p:nvSpPr>
+          <p:spPr>
+            <a:xfrm>
+              <a:off x="424650" y="1326525"/>
+              <a:ext cx="2628900" cy="3416400"/>
+            </a:xfrm>
+            <a:prstGeom prst="rect">
+              <a:avLst/>
+            </a:prstGeom>
+            <a:noFill/>
+            <a:ln>
+              <a:noFill/>
+            </a:ln>
+          </p:spPr>
+          <p:txBody>
+            <a:bodyPr anchorCtr="0" anchor="ctr" bIns="91425" lIns="91425" spcFirstLastPara="1" rIns="91425" wrap="square" tIns="91425">
+              <a:noAutofit/>
+            </a:bodyPr>
+            <a:lstStyle/>
+            <a:p>
+              <a:pPr indent="0" lvl="0" marL="0" rtl="0" algn="l">
+                <a:spcBef>
+                  <a:spcPts val="0"/>
+                </a:spcBef>
+                <a:spcAft>
+                  <a:spcPts val="0"/>
+                </a:spcAft>
+                <a:buNone/>
+              </a:pPr>
+              <a:r>
+                <a:t/>
+              </a:r>
+              <a:endParaRPr/>
+            </a:p>
+          </p:txBody>
+        </p:sp>
+      </p:grpSp>
+      <p:grpSp>
+        <p:nvGrpSpPr>
+          <p:cNvPr id="111" name="Google Shape;111;p16"/>
+          <p:cNvGrpSpPr/>
+          <p:nvPr/>
+        </p:nvGrpSpPr>
+        <p:grpSpPr>
+          <a:xfrm>
+            <a:off x="3318600" y="4277900"/>
+            <a:ext cx="2636175" cy="3438050"/>
+            <a:chOff x="424650" y="1304875"/>
+            <a:chExt cx="2636175" cy="3438050"/>
+          </a:xfrm>
+        </p:grpSpPr>
+        <p:sp>
+          <p:nvSpPr>
+            <p:cNvPr id="112" name="Google Shape;112;p16"/>
+            <p:cNvSpPr txBox="1"/>
+            <p:nvPr/>
+          </p:nvSpPr>
+          <p:spPr>
+            <a:xfrm>
+              <a:off x="431925" y="1304875"/>
+              <a:ext cx="2628900" cy="464100"/>
+            </a:xfrm>
+            <a:prstGeom prst="rect">
+              <a:avLst/>
+            </a:prstGeom>
+            <a:solidFill>
+              <a:schemeClr val="dk1"/>
+            </a:solidFill>
+            <a:ln>
+              <a:noFill/>
+            </a:ln>
+          </p:spPr>
+          <p:txBody>
+            <a:bodyPr anchorCtr="0" anchor="ctr" bIns="91425" lIns="91425" spcFirstLastPara="1" rIns="91425" wrap="square" tIns="91425">
+              <a:noAutofit/>
+            </a:bodyPr>
+            <a:lstStyle/>
+            <a:p>
+              <a:pPr indent="0" lvl="0" marL="0" rtl="0" algn="l">
+                <a:spcBef>
+                  <a:spcPts val="0"/>
+                </a:spcBef>
+                <a:spcAft>
+                  <a:spcPts val="0"/>
+                </a:spcAft>
+                <a:buNone/>
+              </a:pPr>
+              <a:r>
+                <a:t/>
+              </a:r>
+              <a:endParaRPr/>
+            </a:p>
+          </p:txBody>
+        </p:sp>
+        <p:sp>
+          <p:nvSpPr>
+            <p:cNvPr id="113" name="Google Shape;113;p16"/>
+            <p:cNvSpPr/>
+            <p:nvPr/>
+          </p:nvSpPr>
+          <p:spPr>
+            <a:xfrm>
+              <a:off x="424650" y="1326525"/>
+              <a:ext cx="2628900" cy="3416400"/>
+            </a:xfrm>
+            <a:prstGeom prst="rect">
+              <a:avLst/>
+            </a:prstGeom>
+            <a:noFill/>
+            <a:ln>
+              <a:noFill/>
+            </a:ln>
+          </p:spPr>
+          <p:txBody>
+            <a:bodyPr anchorCtr="0" anchor="ctr" bIns="91425" lIns="91425" spcFirstLastPara="1" rIns="91425" wrap="square" tIns="91425">
+              <a:noAutofit/>
+            </a:bodyPr>
+            <a:lstStyle/>
+            <a:p>
+              <a:pPr indent="0" lvl="0" marL="0" rtl="0" algn="l">
+                <a:spcBef>
+                  <a:spcPts val="0"/>
+                </a:spcBef>
+                <a:spcAft>
+                  <a:spcPts val="0"/>
+                </a:spcAft>
+                <a:buNone/>
+              </a:pPr>
+              <a:r>
+                <a:t/>
+              </a:r>
+              <a:endParaRPr/>
+            </a:p>
+          </p:txBody>
+        </p:sp>
+      </p:grpSp>
+      <p:grpSp>
+        <p:nvGrpSpPr>
+          <p:cNvPr id="114" name="Google Shape;114;p16"/>
+          <p:cNvGrpSpPr/>
+          <p:nvPr/>
+        </p:nvGrpSpPr>
+        <p:grpSpPr>
+          <a:xfrm>
+            <a:off x="6212525" y="4277900"/>
+            <a:ext cx="2636175" cy="3438050"/>
+            <a:chOff x="424650" y="1304875"/>
+            <a:chExt cx="2636175" cy="3438050"/>
+          </a:xfrm>
+        </p:grpSpPr>
+        <p:sp>
+          <p:nvSpPr>
+            <p:cNvPr id="115" name="Google Shape;115;p16"/>
+            <p:cNvSpPr txBox="1"/>
+            <p:nvPr/>
+          </p:nvSpPr>
+          <p:spPr>
+            <a:xfrm>
+              <a:off x="431925" y="1304875"/>
+              <a:ext cx="2628900" cy="464100"/>
+            </a:xfrm>
+            <a:prstGeom prst="rect">
+              <a:avLst/>
+            </a:prstGeom>
+            <a:solidFill>
+              <a:schemeClr val="dk1"/>
+            </a:solidFill>
+            <a:ln>
+              <a:noFill/>
+            </a:ln>
+          </p:spPr>
+          <p:txBody>
+            <a:bodyPr anchorCtr="0" anchor="ctr" bIns="91425" lIns="91425" spcFirstLastPara="1" rIns="91425" wrap="square" tIns="91425">
+              <a:noAutofit/>
+            </a:bodyPr>
+            <a:lstStyle/>
+            <a:p>
+              <a:pPr indent="0" lvl="0" marL="0" rtl="0" algn="l">
+                <a:spcBef>
+                  <a:spcPts val="0"/>
+                </a:spcBef>
+                <a:spcAft>
+                  <a:spcPts val="0"/>
+                </a:spcAft>
+                <a:buNone/>
+              </a:pPr>
+              <a:r>
+                <a:t/>
+              </a:r>
+              <a:endParaRPr/>
+            </a:p>
+          </p:txBody>
+        </p:sp>
+        <p:sp>
+          <p:nvSpPr>
+            <p:cNvPr id="116" name="Google Shape;116;p16"/>
+            <p:cNvSpPr/>
+            <p:nvPr/>
+          </p:nvSpPr>
+          <p:spPr>
+            <a:xfrm>
+              <a:off x="424650" y="1326525"/>
+              <a:ext cx="2628900" cy="3416400"/>
+            </a:xfrm>
+            <a:prstGeom prst="rect">
+              <a:avLst/>
+            </a:prstGeom>
+            <a:noFill/>
+            <a:ln>
+              <a:noFill/>
+            </a:ln>
+          </p:spPr>
+          <p:txBody>
+            <a:bodyPr anchorCtr="0" anchor="ctr" bIns="91425" lIns="91425" spcFirstLastPara="1" rIns="91425" wrap="square" tIns="91425">
+              <a:noAutofit/>
+            </a:bodyPr>
+            <a:lstStyle/>
+            <a:p>
+              <a:pPr indent="0" lvl="0" marL="0" rtl="0" algn="l">
+                <a:spcBef>
+                  <a:spcPts val="0"/>
+                </a:spcBef>
+                <a:spcAft>
+                  <a:spcPts val="0"/>
+                </a:spcAft>
+                <a:buNone/>
+              </a:pPr>
+              <a:r>
+                <a:t/>
+              </a:r>
+              <a:endParaRPr/>
+            </a:p>
+          </p:txBody>
+        </p:sp>
+      </p:grpSp>
+      <p:sp>
+        <p:nvSpPr>
+          <p:cNvPr id="117" name="Google Shape;117;p16"/>
+          <p:cNvSpPr txBox="1"/>
+          <p:nvPr>
+            <p:ph idx="4294967295" type="body"/>
+          </p:nvPr>
+        </p:nvSpPr>
+        <p:spPr>
+          <a:xfrm>
+            <a:off x="492475" y="4277900"/>
+            <a:ext cx="2494500" cy="461400"/>
+          </a:xfrm>
+          <a:prstGeom prst="rect">
+            <a:avLst/>
+          </a:prstGeom>
+        </p:spPr>
+        <p:txBody>
+          <a:bodyPr anchorCtr="0" anchor="t" bIns="91425" lIns="91425" spcFirstLastPara="1" rIns="91425" wrap="square" tIns="91425">
+            <a:noAutofit/>
+          </a:bodyPr>
+          <a:lstStyle/>
+          <a:p>
+            <a:pPr indent="0" lvl="0" marL="0" rtl="0" algn="ctr">
+              <a:spcBef>
+                <a:spcPts val="0"/>
+              </a:spcBef>
+              <a:spcAft>
+                <a:spcPts val="0"/>
+              </a:spcAft>
+              <a:buNone/>
+            </a:pPr>
+            <a:r>
+              <a:rPr lang="ko">
+                <a:solidFill>
+                  <a:schemeClr val="lt1"/>
+                </a:solidFill>
+              </a:rPr>
+              <a:t>개발 환경 마련</a:t>
+            </a:r>
+            <a:endParaRPr>
+              <a:solidFill>
+                <a:schemeClr val="lt1"/>
+              </a:solidFill>
+            </a:endParaRPr>
+          </a:p>
+        </p:txBody>
+      </p:sp>
+      <p:sp>
+        <p:nvSpPr>
+          <p:cNvPr id="118" name="Google Shape;118;p16"/>
+          <p:cNvSpPr txBox="1"/>
+          <p:nvPr>
+            <p:ph idx="4294967295" type="body"/>
+          </p:nvPr>
+        </p:nvSpPr>
+        <p:spPr>
+          <a:xfrm>
+            <a:off x="3352500" y="4277900"/>
+            <a:ext cx="2494500" cy="461400"/>
+          </a:xfrm>
+          <a:prstGeom prst="rect">
+            <a:avLst/>
+          </a:prstGeom>
+        </p:spPr>
+        <p:txBody>
+          <a:bodyPr anchorCtr="0" anchor="t" bIns="91425" lIns="91425" spcFirstLastPara="1" rIns="91425" wrap="square" tIns="91425">
+            <a:noAutofit/>
+          </a:bodyPr>
+          <a:lstStyle/>
+          <a:p>
+            <a:pPr indent="0" lvl="0" marL="0" rtl="0" algn="ctr">
+              <a:spcBef>
+                <a:spcPts val="0"/>
+              </a:spcBef>
+              <a:spcAft>
+                <a:spcPts val="0"/>
+              </a:spcAft>
+              <a:buNone/>
+            </a:pPr>
+            <a:r>
+              <a:rPr lang="ko">
+                <a:solidFill>
+                  <a:schemeClr val="lt1"/>
+                </a:solidFill>
+              </a:rPr>
+              <a:t>템플릿 사용</a:t>
+            </a:r>
+            <a:endParaRPr>
+              <a:solidFill>
+                <a:schemeClr val="lt1"/>
+              </a:solidFill>
+            </a:endParaRPr>
+          </a:p>
+        </p:txBody>
+      </p:sp>
+      <p:sp>
+        <p:nvSpPr>
+          <p:cNvPr id="119" name="Google Shape;119;p16"/>
+          <p:cNvSpPr txBox="1"/>
+          <p:nvPr>
+            <p:ph idx="4294967295" type="body"/>
+          </p:nvPr>
+        </p:nvSpPr>
+        <p:spPr>
+          <a:xfrm>
+            <a:off x="6286400" y="4277900"/>
+            <a:ext cx="2494500" cy="461400"/>
+          </a:xfrm>
+          <a:prstGeom prst="rect">
+            <a:avLst/>
+          </a:prstGeom>
+        </p:spPr>
+        <p:txBody>
+          <a:bodyPr anchorCtr="0" anchor="t" bIns="91425" lIns="91425" spcFirstLastPara="1" rIns="91425" wrap="square" tIns="91425">
+            <a:noAutofit/>
+          </a:bodyPr>
+          <a:lstStyle/>
+          <a:p>
+            <a:pPr indent="0" lvl="0" marL="0" rtl="0" algn="ctr">
+              <a:spcBef>
+                <a:spcPts val="0"/>
+              </a:spcBef>
+              <a:spcAft>
+                <a:spcPts val="0"/>
+              </a:spcAft>
+              <a:buNone/>
+            </a:pPr>
+            <a:r>
+              <a:rPr lang="ko">
+                <a:solidFill>
+                  <a:schemeClr val="lt1"/>
+                </a:solidFill>
+              </a:rPr>
+              <a:t>보증서 작성</a:t>
+            </a:r>
+            <a:endParaRPr>
+              <a:solidFill>
+                <a:schemeClr val="lt1"/>
+              </a:solidFill>
+            </a:endParaRPr>
+          </a:p>
+        </p:txBody>
+      </p:sp>
+      <p:cxnSp>
+        <p:nvCxnSpPr>
+          <p:cNvPr id="120" name="Google Shape;120;p16"/>
+          <p:cNvCxnSpPr/>
+          <p:nvPr/>
+        </p:nvCxnSpPr>
+        <p:spPr>
+          <a:xfrm>
+            <a:off x="1392275" y="2135300"/>
+            <a:ext cx="490500" cy="0"/>
+          </a:xfrm>
+          <a:prstGeom prst="straightConnector1">
+            <a:avLst/>
+          </a:prstGeom>
+          <a:noFill/>
+          <a:ln cap="flat" cmpd="sng" w="38100">
+            <a:solidFill>
+              <a:srgbClr val="FFFF00"/>
+            </a:solidFill>
+            <a:prstDash val="solid"/>
+            <a:round/>
+            <a:headEnd len="med" w="med" type="none"/>
+            <a:tailEnd len="med" w="med" type="none"/>
+          </a:ln>
+        </p:spPr>
+      </p:cxnSp>
+      <p:cxnSp>
+        <p:nvCxnSpPr>
+          <p:cNvPr id="121" name="Google Shape;121;p16"/>
+          <p:cNvCxnSpPr/>
+          <p:nvPr/>
+        </p:nvCxnSpPr>
+        <p:spPr>
+          <a:xfrm flipH="1" rot="10800000">
+            <a:off x="1882775" y="2135300"/>
+            <a:ext cx="900" cy="1312200"/>
+          </a:xfrm>
+          <a:prstGeom prst="straightConnector1">
+            <a:avLst/>
+          </a:prstGeom>
+          <a:noFill/>
+          <a:ln cap="flat" cmpd="sng" w="38100">
+            <a:solidFill>
+              <a:srgbClr val="FFFF00"/>
+            </a:solidFill>
+            <a:prstDash val="solid"/>
+            <a:round/>
+            <a:headEnd len="med" w="med" type="none"/>
+            <a:tailEnd len="med" w="med" type="none"/>
+          </a:ln>
+        </p:spPr>
+      </p:cxnSp>
+      <p:cxnSp>
+        <p:nvCxnSpPr>
+          <p:cNvPr id="122" name="Google Shape;122;p16"/>
+          <p:cNvCxnSpPr/>
+          <p:nvPr/>
+        </p:nvCxnSpPr>
+        <p:spPr>
+          <a:xfrm flipH="1" rot="10800000">
+            <a:off x="1392275" y="2135300"/>
+            <a:ext cx="900" cy="1312200"/>
+          </a:xfrm>
+          <a:prstGeom prst="straightConnector1">
+            <a:avLst/>
+          </a:prstGeom>
+          <a:noFill/>
+          <a:ln cap="flat" cmpd="sng" w="38100">
+            <a:solidFill>
+              <a:srgbClr val="FFFF00"/>
+            </a:solidFill>
+            <a:prstDash val="solid"/>
+            <a:round/>
+            <a:headEnd len="med" w="med" type="none"/>
+            <a:tailEnd len="med" w="med" type="none"/>
+          </a:ln>
+        </p:spPr>
+      </p:cxnSp>
+      <p:cxnSp>
+        <p:nvCxnSpPr>
+          <p:cNvPr id="123" name="Google Shape;123;p16"/>
+          <p:cNvCxnSpPr/>
+          <p:nvPr/>
+        </p:nvCxnSpPr>
+        <p:spPr>
+          <a:xfrm flipH="1" rot="10800000">
+            <a:off x="1082075" y="3449150"/>
+            <a:ext cx="311100" cy="6300"/>
+          </a:xfrm>
+          <a:prstGeom prst="straightConnector1">
+            <a:avLst/>
+          </a:prstGeom>
+          <a:noFill/>
+          <a:ln cap="flat" cmpd="sng" w="38100">
+            <a:solidFill>
+              <a:srgbClr val="FFFF00"/>
+            </a:solidFill>
+            <a:prstDash val="solid"/>
+            <a:round/>
+            <a:headEnd len="med" w="med" type="none"/>
+            <a:tailEnd len="med" w="med" type="none"/>
+          </a:ln>
+        </p:spPr>
+      </p:cxnSp>
+      <p:cxnSp>
+        <p:nvCxnSpPr>
+          <p:cNvPr id="124" name="Google Shape;124;p16"/>
+          <p:cNvCxnSpPr/>
+          <p:nvPr/>
+        </p:nvCxnSpPr>
+        <p:spPr>
+          <a:xfrm flipH="1" rot="10800000">
+            <a:off x="1882775" y="3449150"/>
+            <a:ext cx="311100" cy="6300"/>
+          </a:xfrm>
+          <a:prstGeom prst="straightConnector1">
+            <a:avLst/>
+          </a:prstGeom>
+          <a:noFill/>
+          <a:ln cap="flat" cmpd="sng" w="38100">
+            <a:solidFill>
+              <a:srgbClr val="FFFF00"/>
+            </a:solidFill>
+            <a:prstDash val="solid"/>
+            <a:round/>
+            <a:headEnd len="med" w="med" type="none"/>
+            <a:tailEnd len="med" w="med" type="none"/>
+          </a:ln>
+        </p:spPr>
+      </p:cxnSp>
+      <p:cxnSp>
+        <p:nvCxnSpPr>
+          <p:cNvPr id="125" name="Google Shape;125;p16"/>
+          <p:cNvCxnSpPr/>
+          <p:nvPr/>
+        </p:nvCxnSpPr>
+        <p:spPr>
+          <a:xfrm>
+            <a:off x="1082075" y="3457100"/>
+            <a:ext cx="577200" cy="575400"/>
+          </a:xfrm>
+          <a:prstGeom prst="straightConnector1">
+            <a:avLst/>
+          </a:prstGeom>
+          <a:noFill/>
+          <a:ln cap="flat" cmpd="sng" w="38100">
+            <a:solidFill>
+              <a:srgbClr val="FFFF00"/>
+            </a:solidFill>
+            <a:prstDash val="solid"/>
+            <a:round/>
+            <a:headEnd len="med" w="med" type="none"/>
+            <a:tailEnd len="med" w="med" type="none"/>
+          </a:ln>
+        </p:spPr>
+      </p:cxnSp>
+      <p:cxnSp>
+        <p:nvCxnSpPr>
+          <p:cNvPr id="126" name="Google Shape;126;p16"/>
+          <p:cNvCxnSpPr/>
+          <p:nvPr/>
+        </p:nvCxnSpPr>
+        <p:spPr>
+          <a:xfrm flipH="1">
+            <a:off x="1644875" y="3457100"/>
+            <a:ext cx="568800" cy="568200"/>
+          </a:xfrm>
+          <a:prstGeom prst="straightConnector1">
+            <a:avLst/>
+          </a:prstGeom>
+          <a:noFill/>
+          <a:ln cap="flat" cmpd="sng" w="38100">
+            <a:solidFill>
+              <a:srgbClr val="FFFF00"/>
+            </a:solidFill>
+            <a:prstDash val="solid"/>
+            <a:round/>
+            <a:headEnd len="med" w="med" type="none"/>
+            <a:tailEnd len="med" w="med" type="none"/>
+          </a:ln>
+        </p:spPr>
+      </p:cxnSp>
+      <p:cxnSp>
+        <p:nvCxnSpPr>
+          <p:cNvPr id="127" name="Google Shape;127;p16"/>
+          <p:cNvCxnSpPr/>
+          <p:nvPr/>
+        </p:nvCxnSpPr>
+        <p:spPr>
+          <a:xfrm>
+            <a:off x="4381100" y="2135300"/>
+            <a:ext cx="490500" cy="0"/>
+          </a:xfrm>
+          <a:prstGeom prst="straightConnector1">
+            <a:avLst/>
+          </a:prstGeom>
+          <a:noFill/>
+          <a:ln cap="flat" cmpd="sng" w="38100">
+            <a:solidFill>
+              <a:srgbClr val="FFFF00"/>
+            </a:solidFill>
+            <a:prstDash val="solid"/>
+            <a:round/>
+            <a:headEnd len="med" w="med" type="none"/>
+            <a:tailEnd len="med" w="med" type="none"/>
+          </a:ln>
+        </p:spPr>
+      </p:cxnSp>
+      <p:cxnSp>
+        <p:nvCxnSpPr>
+          <p:cNvPr id="128" name="Google Shape;128;p16"/>
+          <p:cNvCxnSpPr/>
+          <p:nvPr/>
+        </p:nvCxnSpPr>
+        <p:spPr>
+          <a:xfrm flipH="1" rot="10800000">
+            <a:off x="4871600" y="2135300"/>
+            <a:ext cx="900" cy="1312200"/>
+          </a:xfrm>
+          <a:prstGeom prst="straightConnector1">
+            <a:avLst/>
+          </a:prstGeom>
+          <a:noFill/>
+          <a:ln cap="flat" cmpd="sng" w="38100">
+            <a:solidFill>
+              <a:srgbClr val="FFFF00"/>
+            </a:solidFill>
+            <a:prstDash val="solid"/>
+            <a:round/>
+            <a:headEnd len="med" w="med" type="none"/>
+            <a:tailEnd len="med" w="med" type="none"/>
+          </a:ln>
+        </p:spPr>
+      </p:cxnSp>
+      <p:cxnSp>
+        <p:nvCxnSpPr>
+          <p:cNvPr id="129" name="Google Shape;129;p16"/>
+          <p:cNvCxnSpPr/>
+          <p:nvPr/>
+        </p:nvCxnSpPr>
+        <p:spPr>
+          <a:xfrm flipH="1" rot="10800000">
+            <a:off x="4381100" y="2135300"/>
+            <a:ext cx="900" cy="1312200"/>
+          </a:xfrm>
+          <a:prstGeom prst="straightConnector1">
+            <a:avLst/>
+          </a:prstGeom>
+          <a:noFill/>
+          <a:ln cap="flat" cmpd="sng" w="38100">
+            <a:solidFill>
+              <a:srgbClr val="FFFF00"/>
+            </a:solidFill>
+            <a:prstDash val="solid"/>
+            <a:round/>
+            <a:headEnd len="med" w="med" type="none"/>
+            <a:tailEnd len="med" w="med" type="none"/>
+          </a:ln>
+        </p:spPr>
+      </p:cxnSp>
+      <p:cxnSp>
+        <p:nvCxnSpPr>
+          <p:cNvPr id="130" name="Google Shape;130;p16"/>
+          <p:cNvCxnSpPr/>
+          <p:nvPr/>
+        </p:nvCxnSpPr>
+        <p:spPr>
+          <a:xfrm flipH="1" rot="10800000">
+            <a:off x="4070900" y="3449150"/>
+            <a:ext cx="311100" cy="6300"/>
+          </a:xfrm>
+          <a:prstGeom prst="straightConnector1">
+            <a:avLst/>
+          </a:prstGeom>
+          <a:noFill/>
+          <a:ln cap="flat" cmpd="sng" w="38100">
+            <a:solidFill>
+              <a:srgbClr val="FFFF00"/>
+            </a:solidFill>
+            <a:prstDash val="solid"/>
+            <a:round/>
+            <a:headEnd len="med" w="med" type="none"/>
+            <a:tailEnd len="med" w="med" type="none"/>
+          </a:ln>
+        </p:spPr>
+      </p:cxnSp>
+      <p:cxnSp>
+        <p:nvCxnSpPr>
+          <p:cNvPr id="131" name="Google Shape;131;p16"/>
+          <p:cNvCxnSpPr/>
+          <p:nvPr/>
+        </p:nvCxnSpPr>
+        <p:spPr>
+          <a:xfrm flipH="1" rot="10800000">
+            <a:off x="4871600" y="3449150"/>
+            <a:ext cx="311100" cy="6300"/>
+          </a:xfrm>
+          <a:prstGeom prst="straightConnector1">
+            <a:avLst/>
+          </a:prstGeom>
+          <a:noFill/>
+          <a:ln cap="flat" cmpd="sng" w="38100">
+            <a:solidFill>
+              <a:srgbClr val="FFFF00"/>
+            </a:solidFill>
+            <a:prstDash val="solid"/>
+            <a:round/>
+            <a:headEnd len="med" w="med" type="none"/>
+            <a:tailEnd len="med" w="med" type="none"/>
+          </a:ln>
+        </p:spPr>
+      </p:cxnSp>
+      <p:cxnSp>
+        <p:nvCxnSpPr>
+          <p:cNvPr id="132" name="Google Shape;132;p16"/>
+          <p:cNvCxnSpPr/>
+          <p:nvPr/>
+        </p:nvCxnSpPr>
+        <p:spPr>
+          <a:xfrm>
+            <a:off x="4070900" y="3457100"/>
+            <a:ext cx="577200" cy="575400"/>
+          </a:xfrm>
+          <a:prstGeom prst="straightConnector1">
+            <a:avLst/>
+          </a:prstGeom>
+          <a:noFill/>
+          <a:ln cap="flat" cmpd="sng" w="38100">
+            <a:solidFill>
+              <a:srgbClr val="FFFF00"/>
+            </a:solidFill>
+            <a:prstDash val="solid"/>
+            <a:round/>
+            <a:headEnd len="med" w="med" type="none"/>
+            <a:tailEnd len="med" w="med" type="none"/>
+          </a:ln>
+        </p:spPr>
+      </p:cxnSp>
+      <p:cxnSp>
+        <p:nvCxnSpPr>
+          <p:cNvPr id="133" name="Google Shape;133;p16"/>
+          <p:cNvCxnSpPr/>
+          <p:nvPr/>
+        </p:nvCxnSpPr>
+        <p:spPr>
+          <a:xfrm flipH="1">
+            <a:off x="4633700" y="3457100"/>
+            <a:ext cx="568800" cy="568200"/>
+          </a:xfrm>
+          <a:prstGeom prst="straightConnector1">
+            <a:avLst/>
+          </a:prstGeom>
+          <a:noFill/>
+          <a:ln cap="flat" cmpd="sng" w="38100">
+            <a:solidFill>
+              <a:srgbClr val="FFFF00"/>
+            </a:solidFill>
+            <a:prstDash val="solid"/>
+            <a:round/>
+            <a:headEnd len="med" w="med" type="none"/>
+            <a:tailEnd len="med" w="med" type="none"/>
+          </a:ln>
+        </p:spPr>
+      </p:cxnSp>
+      <p:cxnSp>
+        <p:nvCxnSpPr>
+          <p:cNvPr id="134" name="Google Shape;134;p16"/>
+          <p:cNvCxnSpPr/>
+          <p:nvPr/>
+        </p:nvCxnSpPr>
+        <p:spPr>
+          <a:xfrm>
+            <a:off x="7264125" y="2135300"/>
+            <a:ext cx="490500" cy="0"/>
+          </a:xfrm>
+          <a:prstGeom prst="straightConnector1">
+            <a:avLst/>
+          </a:prstGeom>
+          <a:noFill/>
+          <a:ln cap="flat" cmpd="sng" w="38100">
+            <a:solidFill>
+              <a:srgbClr val="FFFF00"/>
+            </a:solidFill>
+            <a:prstDash val="solid"/>
+            <a:round/>
+            <a:headEnd len="med" w="med" type="none"/>
+            <a:tailEnd len="med" w="med" type="none"/>
+          </a:ln>
+        </p:spPr>
+      </p:cxnSp>
+      <p:cxnSp>
+        <p:nvCxnSpPr>
+          <p:cNvPr id="135" name="Google Shape;135;p16"/>
+          <p:cNvCxnSpPr/>
+          <p:nvPr/>
+        </p:nvCxnSpPr>
+        <p:spPr>
+          <a:xfrm flipH="1" rot="10800000">
+            <a:off x="7754625" y="2135300"/>
+            <a:ext cx="900" cy="1312200"/>
+          </a:xfrm>
+          <a:prstGeom prst="straightConnector1">
+            <a:avLst/>
+          </a:prstGeom>
+          <a:noFill/>
+          <a:ln cap="flat" cmpd="sng" w="38100">
+            <a:solidFill>
+              <a:srgbClr val="FFFF00"/>
+            </a:solidFill>
+            <a:prstDash val="solid"/>
+            <a:round/>
+            <a:headEnd len="med" w="med" type="none"/>
+            <a:tailEnd len="med" w="med" type="none"/>
+          </a:ln>
+        </p:spPr>
+      </p:cxnSp>
+      <p:cxnSp>
+        <p:nvCxnSpPr>
+          <p:cNvPr id="136" name="Google Shape;136;p16"/>
+          <p:cNvCxnSpPr/>
+          <p:nvPr/>
+        </p:nvCxnSpPr>
+        <p:spPr>
+          <a:xfrm flipH="1" rot="10800000">
+            <a:off x="7264125" y="2135300"/>
+            <a:ext cx="900" cy="1312200"/>
+          </a:xfrm>
+          <a:prstGeom prst="straightConnector1">
+            <a:avLst/>
+          </a:prstGeom>
+          <a:noFill/>
+          <a:ln cap="flat" cmpd="sng" w="38100">
+            <a:solidFill>
+              <a:srgbClr val="FFFF00"/>
+            </a:solidFill>
+            <a:prstDash val="solid"/>
+            <a:round/>
+            <a:headEnd len="med" w="med" type="none"/>
+            <a:tailEnd len="med" w="med" type="none"/>
+          </a:ln>
+        </p:spPr>
+      </p:cxnSp>
+      <p:cxnSp>
+        <p:nvCxnSpPr>
+          <p:cNvPr id="137" name="Google Shape;137;p16"/>
+          <p:cNvCxnSpPr/>
+          <p:nvPr/>
+        </p:nvCxnSpPr>
+        <p:spPr>
+          <a:xfrm flipH="1" rot="10800000">
+            <a:off x="6953925" y="3449150"/>
+            <a:ext cx="311100" cy="6300"/>
+          </a:xfrm>
+          <a:prstGeom prst="straightConnector1">
+            <a:avLst/>
+          </a:prstGeom>
+          <a:noFill/>
+          <a:ln cap="flat" cmpd="sng" w="38100">
+            <a:solidFill>
+              <a:srgbClr val="FFFF00"/>
+            </a:solidFill>
+            <a:prstDash val="solid"/>
+            <a:round/>
+            <a:headEnd len="med" w="med" type="none"/>
+            <a:tailEnd len="med" w="med" type="none"/>
+          </a:ln>
+        </p:spPr>
+      </p:cxnSp>
+      <p:cxnSp>
+        <p:nvCxnSpPr>
+          <p:cNvPr id="138" name="Google Shape;138;p16"/>
+          <p:cNvCxnSpPr/>
+          <p:nvPr/>
+        </p:nvCxnSpPr>
+        <p:spPr>
+          <a:xfrm flipH="1" rot="10800000">
+            <a:off x="7754625" y="3449150"/>
+            <a:ext cx="311100" cy="6300"/>
+          </a:xfrm>
+          <a:prstGeom prst="straightConnector1">
+            <a:avLst/>
+          </a:prstGeom>
+          <a:noFill/>
+          <a:ln cap="flat" cmpd="sng" w="38100">
+            <a:solidFill>
+              <a:srgbClr val="FFFF00"/>
+            </a:solidFill>
+            <a:prstDash val="solid"/>
+            <a:round/>
+            <a:headEnd len="med" w="med" type="none"/>
+            <a:tailEnd len="med" w="med" type="none"/>
+          </a:ln>
+        </p:spPr>
+      </p:cxnSp>
+      <p:cxnSp>
+        <p:nvCxnSpPr>
+          <p:cNvPr id="139" name="Google Shape;139;p16"/>
+          <p:cNvCxnSpPr/>
+          <p:nvPr/>
+        </p:nvCxnSpPr>
+        <p:spPr>
+          <a:xfrm>
+            <a:off x="6953925" y="3457100"/>
+            <a:ext cx="577200" cy="575400"/>
+          </a:xfrm>
+          <a:prstGeom prst="straightConnector1">
+            <a:avLst/>
+          </a:prstGeom>
+          <a:noFill/>
+          <a:ln cap="flat" cmpd="sng" w="38100">
+            <a:solidFill>
+              <a:srgbClr val="FFFF00"/>
+            </a:solidFill>
+            <a:prstDash val="solid"/>
+            <a:round/>
+            <a:headEnd len="med" w="med" type="none"/>
+            <a:tailEnd len="med" w="med" type="none"/>
+          </a:ln>
+        </p:spPr>
+      </p:cxnSp>
+      <p:cxnSp>
+        <p:nvCxnSpPr>
+          <p:cNvPr id="140" name="Google Shape;140;p16"/>
+          <p:cNvCxnSpPr/>
+          <p:nvPr/>
+        </p:nvCxnSpPr>
+        <p:spPr>
+          <a:xfrm flipH="1">
+            <a:off x="7516725" y="3457100"/>
+            <a:ext cx="568800" cy="568200"/>
+          </a:xfrm>
+          <a:prstGeom prst="straightConnector1">
+            <a:avLst/>
+          </a:prstGeom>
+          <a:noFill/>
+          <a:ln cap="flat" cmpd="sng" w="38100">
+            <a:solidFill>
+              <a:srgbClr val="FFFF00"/>
+            </a:solidFill>
+            <a:prstDash val="solid"/>
+            <a:round/>
+            <a:headEnd len="med" w="med" type="none"/>
+            <a:tailEnd len="med" w="med" type="none"/>
+          </a:ln>
+        </p:spPr>
+      </p:cxnSp>
+    </p:spTree>
+  </p:cSld>
+  <p:clrMapOvr>
+    <a:masterClrMapping/>
+  </p:clrMapOvr>
+</p:sld>
+</file>
+
+<file path=ppt/slides/slide5.xml><?xml version="1.0" encoding="utf-8"?>
+<p:sld xmlns:a="http://schemas.openxmlformats.org/drawingml/2006/main" xmlns:r="http://schemas.openxmlformats.org/officeDocument/2006/relationships" xmlns:mc="http://schemas.openxmlformats.org/markup-compatibility/2006" xmlns:mv="urn:schemas-microsoft-com:mac:vml" xmlns:p="http://schemas.openxmlformats.org/presentationml/2006/main" xmlns:c="http://schemas.openxmlformats.org/drawingml/2006/chart" xmlns:dgm="http://schemas.openxmlformats.org/drawingml/2006/diagram" xmlns:o="urn:schemas-microsoft-com:office:office" xmlns:v="urn:schemas-microsoft-com:vml" xmlns:pvml="urn:schemas-microsoft-com:office:powerpoint" xmlns:com="http://schemas.openxmlformats.org/drawingml/2006/compatibility" xmlns:p14="http://schemas.microsoft.com/office/powerpoint/2010/main" xmlns:p15="http://schemas.microsoft.com/office/powerpoint/2012/main">
+  <p:cSld>
+    <p:spTree>
+      <p:nvGrpSpPr>
+        <p:cNvPr id="144" name="Shape 144"/>
+        <p:cNvGrpSpPr/>
+        <p:nvPr/>
+      </p:nvGrpSpPr>
+      <p:grpSpPr>
+        <a:xfrm>
+          <a:off x="0" y="0"/>
+          <a:ext cx="0" cy="0"/>
+          <a:chOff x="0" y="0"/>
+          <a:chExt cx="0" cy="0"/>
+        </a:xfrm>
+      </p:grpSpPr>
+      <p:sp>
+        <p:nvSpPr>
+          <p:cNvPr id="145" name="Google Shape;145;p17"/>
+          <p:cNvSpPr txBox="1"/>
+          <p:nvPr>
+            <p:ph type="title"/>
+          </p:nvPr>
+        </p:nvSpPr>
+        <p:spPr>
+          <a:xfrm>
             <a:off x="869250" y="999150"/>
             <a:ext cx="7405500" cy="3145200"/>
           </a:xfrm>
@@ -10818,12 +12720,12 @@
 </p:sld>
 </file>
 
-<file path=ppt/slides/slide5.xml><?xml version="1.0" encoding="utf-8"?>
+<file path=ppt/slides/slide6.xml><?xml version="1.0" encoding="utf-8"?>
 <p:sld xmlns:a="http://schemas.openxmlformats.org/drawingml/2006/main" xmlns:r="http://schemas.openxmlformats.org/officeDocument/2006/relationships" xmlns:mc="http://schemas.openxmlformats.org/markup-compatibility/2006" xmlns:mv="urn:schemas-microsoft-com:mac:vml" xmlns:p="http://schemas.openxmlformats.org/presentationml/2006/main" xmlns:c="http://schemas.openxmlformats.org/drawingml/2006/chart" xmlns:dgm="http://schemas.openxmlformats.org/drawingml/2006/diagram" xmlns:o="urn:schemas-microsoft-com:office:office" xmlns:v="urn:schemas-microsoft-com:vml" xmlns:pvml="urn:schemas-microsoft-com:office:powerpoint" xmlns:com="http://schemas.openxmlformats.org/drawingml/2006/compatibility" xmlns:p14="http://schemas.microsoft.com/office/powerpoint/2010/main" xmlns:p15="http://schemas.microsoft.com/office/powerpoint/2012/main">
   <p:cSld>
     <p:spTree>
       <p:nvGrpSpPr>
-        <p:cNvPr id="99" name="Shape 99"/>
+        <p:cNvPr id="149" name="Shape 149"/>
         <p:cNvGrpSpPr/>
         <p:nvPr/>
       </p:nvGrpSpPr>
@@ -10837,7 +12739,7 @@
       </p:grpSpPr>
       <p:sp>
         <p:nvSpPr>
-          <p:cNvPr id="100" name="Google Shape;100;p17"/>
+          <p:cNvPr id="150" name="Google Shape;150;p18"/>
           <p:cNvSpPr txBox="1"/>
           <p:nvPr>
             <p:ph type="title"/>
@@ -10845,8 +12747,8 @@
         </p:nvSpPr>
         <p:spPr>
           <a:xfrm>
-            <a:off x="0" y="0"/>
-            <a:ext cx="1715700" cy="855000"/>
+            <a:off x="277925" y="253525"/>
+            <a:ext cx="1611300" cy="770700"/>
           </a:xfrm>
           <a:prstGeom prst="rect">
             <a:avLst/>
@@ -10886,7 +12788,7 @@
       </p:sp>
       <p:sp>
         <p:nvSpPr>
-          <p:cNvPr id="101" name="Google Shape;101;p17"/>
+          <p:cNvPr id="151" name="Google Shape;151;p18"/>
           <p:cNvSpPr txBox="1"/>
           <p:nvPr>
             <p:ph type="title"/>
@@ -10894,8 +12796,8 @@
         </p:nvSpPr>
         <p:spPr>
           <a:xfrm>
-            <a:off x="1468725" y="854988"/>
-            <a:ext cx="1715700" cy="855000"/>
+            <a:off x="1571700" y="1024000"/>
+            <a:ext cx="1782600" cy="770700"/>
           </a:xfrm>
           <a:prstGeom prst="rect">
             <a:avLst/>
@@ -10935,7 +12837,7 @@
       </p:sp>
       <p:sp>
         <p:nvSpPr>
-          <p:cNvPr id="102" name="Google Shape;102;p17"/>
+          <p:cNvPr id="152" name="Google Shape;152;p18"/>
           <p:cNvSpPr txBox="1"/>
           <p:nvPr>
             <p:ph type="title"/>
@@ -10943,8 +12845,8 @@
         </p:nvSpPr>
         <p:spPr>
           <a:xfrm>
-            <a:off x="2948350" y="1710000"/>
-            <a:ext cx="1715700" cy="855000"/>
+            <a:off x="3047044" y="1794507"/>
+            <a:ext cx="1611300" cy="770700"/>
           </a:xfrm>
           <a:prstGeom prst="rect">
             <a:avLst/>
@@ -10984,7 +12886,7 @@
       </p:sp>
       <p:sp>
         <p:nvSpPr>
-          <p:cNvPr id="103" name="Google Shape;103;p17"/>
+          <p:cNvPr id="153" name="Google Shape;153;p18"/>
           <p:cNvSpPr txBox="1"/>
           <p:nvPr>
             <p:ph type="title"/>
@@ -10992,8 +12894,8 @@
         </p:nvSpPr>
         <p:spPr>
           <a:xfrm>
-            <a:off x="4454875" y="2565000"/>
-            <a:ext cx="1715700" cy="855000"/>
+            <a:off x="4461987" y="2564998"/>
+            <a:ext cx="1611300" cy="770700"/>
           </a:xfrm>
           <a:prstGeom prst="rect">
             <a:avLst/>
@@ -11033,7 +12935,7 @@
       </p:sp>
       <p:sp>
         <p:nvSpPr>
-          <p:cNvPr id="104" name="Google Shape;104;p17"/>
+          <p:cNvPr id="154" name="Google Shape;154;p18"/>
           <p:cNvSpPr txBox="1"/>
           <p:nvPr>
             <p:ph type="title"/>
@@ -11041,8 +12943,8 @@
         </p:nvSpPr>
         <p:spPr>
           <a:xfrm>
-            <a:off x="5975825" y="3420000"/>
-            <a:ext cx="1715700" cy="855000"/>
+            <a:off x="5890479" y="3335489"/>
+            <a:ext cx="1611300" cy="770700"/>
           </a:xfrm>
           <a:prstGeom prst="rect">
             <a:avLst/>
@@ -11082,7 +12984,7 @@
       </p:sp>
       <p:sp>
         <p:nvSpPr>
-          <p:cNvPr id="105" name="Google Shape;105;p17"/>
+          <p:cNvPr id="155" name="Google Shape;155;p18"/>
           <p:cNvSpPr txBox="1"/>
           <p:nvPr>
             <p:ph type="title"/>
@@ -11090,8 +12992,8 @@
         </p:nvSpPr>
         <p:spPr>
           <a:xfrm>
-            <a:off x="7428300" y="4275000"/>
-            <a:ext cx="1715700" cy="855000"/>
+            <a:off x="7254650" y="4105975"/>
+            <a:ext cx="1734000" cy="770700"/>
           </a:xfrm>
           <a:prstGeom prst="rect">
             <a:avLst/>
@@ -11131,14 +13033,14 @@
       </p:sp>
       <p:sp>
         <p:nvSpPr>
-          <p:cNvPr id="106" name="Google Shape;106;p17"/>
+          <p:cNvPr id="156" name="Google Shape;156;p18"/>
           <p:cNvSpPr/>
           <p:nvPr/>
         </p:nvSpPr>
         <p:spPr>
           <a:xfrm rot="5400000">
-            <a:off x="2048775" y="167850"/>
-            <a:ext cx="555600" cy="519300"/>
+            <a:off x="2212683" y="394879"/>
+            <a:ext cx="500700" cy="487800"/>
           </a:xfrm>
           <a:prstGeom prst="bentArrow">
             <a:avLst>
@@ -11185,14 +13087,14 @@
       </p:sp>
       <p:sp>
         <p:nvSpPr>
-          <p:cNvPr id="107" name="Google Shape;107;p17"/>
+          <p:cNvPr id="157" name="Google Shape;157;p18"/>
           <p:cNvSpPr/>
           <p:nvPr/>
         </p:nvSpPr>
         <p:spPr>
           <a:xfrm rot="5400000">
-            <a:off x="3528400" y="1022850"/>
-            <a:ext cx="555600" cy="519300"/>
+            <a:off x="3602361" y="1165370"/>
+            <a:ext cx="500700" cy="487800"/>
           </a:xfrm>
           <a:prstGeom prst="bentArrow">
             <a:avLst>
@@ -11239,14 +13141,14 @@
       </p:sp>
       <p:sp>
         <p:nvSpPr>
-          <p:cNvPr id="108" name="Google Shape;108;p17"/>
+          <p:cNvPr id="158" name="Google Shape;158;p18"/>
           <p:cNvSpPr/>
           <p:nvPr/>
         </p:nvSpPr>
         <p:spPr>
           <a:xfrm rot="5400000">
-            <a:off x="5034925" y="1877850"/>
-            <a:ext cx="555600" cy="519300"/>
+            <a:off x="5017304" y="1935861"/>
+            <a:ext cx="500700" cy="487800"/>
           </a:xfrm>
           <a:prstGeom prst="bentArrow">
             <a:avLst>
@@ -11293,14 +13195,14 @@
       </p:sp>
       <p:sp>
         <p:nvSpPr>
-          <p:cNvPr id="109" name="Google Shape;109;p17"/>
+          <p:cNvPr id="159" name="Google Shape;159;p18"/>
           <p:cNvSpPr/>
           <p:nvPr/>
         </p:nvSpPr>
         <p:spPr>
           <a:xfrm rot="5400000">
-            <a:off x="6555875" y="2732850"/>
-            <a:ext cx="555600" cy="519300"/>
+            <a:off x="6445795" y="2706352"/>
+            <a:ext cx="500700" cy="487800"/>
           </a:xfrm>
           <a:prstGeom prst="bentArrow">
             <a:avLst>
@@ -11347,14 +13249,14 @@
       </p:sp>
       <p:sp>
         <p:nvSpPr>
-          <p:cNvPr id="110" name="Google Shape;110;p17"/>
+          <p:cNvPr id="160" name="Google Shape;160;p18"/>
           <p:cNvSpPr/>
           <p:nvPr/>
         </p:nvSpPr>
         <p:spPr>
           <a:xfrm rot="5400000">
-            <a:off x="8008350" y="3587850"/>
-            <a:ext cx="555600" cy="519300"/>
+            <a:off x="7809974" y="3476843"/>
+            <a:ext cx="500700" cy="487800"/>
           </a:xfrm>
           <a:prstGeom prst="bentArrow">
             <a:avLst>
@@ -11401,14 +13303,14 @@
       </p:sp>
       <p:sp>
         <p:nvSpPr>
-          <p:cNvPr id="111" name="Google Shape;111;p17"/>
+          <p:cNvPr id="161" name="Google Shape;161;p18"/>
           <p:cNvSpPr/>
           <p:nvPr/>
         </p:nvSpPr>
         <p:spPr>
           <a:xfrm rot="-5400000">
-            <a:off x="3840550" y="2775900"/>
-            <a:ext cx="1055400" cy="1643400"/>
+            <a:off x="3905130" y="2723827"/>
+            <a:ext cx="951000" cy="1543500"/>
           </a:xfrm>
           <a:prstGeom prst="bentArrow">
             <a:avLst>
@@ -11496,7 +13398,7 @@
                                           </p:stCondLst>
                                         </p:cTn>
                                         <p:tgtEl>
-                                          <p:spTgt spid="111"/>
+                                          <p:spTgt spid="161"/>
                                         </p:tgtEl>
                                         <p:attrNameLst>
                                           <p:attrName>style.visibility</p:attrName>
@@ -11537,1499 +13439,6 @@
       </p:par>
     </p:tnLst>
   </p:timing>
-</p:sld>
-</file>
-
-<file path=ppt/slides/slide6.xml><?xml version="1.0" encoding="utf-8"?>
-<p:sld xmlns:a="http://schemas.openxmlformats.org/drawingml/2006/main" xmlns:r="http://schemas.openxmlformats.org/officeDocument/2006/relationships" xmlns:mc="http://schemas.openxmlformats.org/markup-compatibility/2006" xmlns:mv="urn:schemas-microsoft-com:mac:vml" xmlns:p="http://schemas.openxmlformats.org/presentationml/2006/main" xmlns:c="http://schemas.openxmlformats.org/drawingml/2006/chart" xmlns:dgm="http://schemas.openxmlformats.org/drawingml/2006/diagram" xmlns:o="urn:schemas-microsoft-com:office:office" xmlns:v="urn:schemas-microsoft-com:vml" xmlns:pvml="urn:schemas-microsoft-com:office:powerpoint" xmlns:com="http://schemas.openxmlformats.org/drawingml/2006/compatibility" xmlns:p14="http://schemas.microsoft.com/office/powerpoint/2010/main" xmlns:p15="http://schemas.microsoft.com/office/powerpoint/2012/main">
-  <p:cSld>
-    <p:spTree>
-      <p:nvGrpSpPr>
-        <p:cNvPr id="115" name="Shape 115"/>
-        <p:cNvGrpSpPr/>
-        <p:nvPr/>
-      </p:nvGrpSpPr>
-      <p:grpSpPr>
-        <a:xfrm>
-          <a:off x="0" y="0"/>
-          <a:ext cx="0" cy="0"/>
-          <a:chOff x="0" y="0"/>
-          <a:chExt cx="0" cy="0"/>
-        </a:xfrm>
-      </p:grpSpPr>
-      <p:sp>
-        <p:nvSpPr>
-          <p:cNvPr id="116" name="Google Shape;116;p18"/>
-          <p:cNvSpPr txBox="1"/>
-          <p:nvPr>
-            <p:ph type="title"/>
-          </p:nvPr>
-        </p:nvSpPr>
-        <p:spPr>
-          <a:xfrm>
-            <a:off x="311700" y="445025"/>
-            <a:ext cx="8520600" cy="572700"/>
-          </a:xfrm>
-          <a:prstGeom prst="rect">
-            <a:avLst/>
-          </a:prstGeom>
-        </p:spPr>
-        <p:txBody>
-          <a:bodyPr anchorCtr="0" anchor="t" bIns="91425" lIns="91425" spcFirstLastPara="1" rIns="91425" wrap="square" tIns="91425">
-            <a:noAutofit/>
-          </a:bodyPr>
-          <a:lstStyle/>
-          <a:p>
-            <a:pPr indent="0" lvl="0" marL="0" rtl="0" algn="ctr">
-              <a:spcBef>
-                <a:spcPts val="0"/>
-              </a:spcBef>
-              <a:spcAft>
-                <a:spcPts val="0"/>
-              </a:spcAft>
-              <a:buNone/>
-            </a:pPr>
-            <a:r>
-              <a:rPr lang="ko"/>
-              <a:t>요구 사항 분석</a:t>
-            </a:r>
-            <a:endParaRPr/>
-          </a:p>
-        </p:txBody>
-      </p:sp>
-      <p:grpSp>
-        <p:nvGrpSpPr>
-          <p:cNvPr id="117" name="Google Shape;117;p18"/>
-          <p:cNvGrpSpPr/>
-          <p:nvPr/>
-        </p:nvGrpSpPr>
-        <p:grpSpPr>
-          <a:xfrm>
-            <a:off x="431925" y="1304875"/>
-            <a:ext cx="2628925" cy="3416400"/>
-            <a:chOff x="431925" y="1304875"/>
-            <a:chExt cx="2628925" cy="3416400"/>
-          </a:xfrm>
-        </p:grpSpPr>
-        <p:sp>
-          <p:nvSpPr>
-            <p:cNvPr id="118" name="Google Shape;118;p18"/>
-            <p:cNvSpPr txBox="1"/>
-            <p:nvPr/>
-          </p:nvSpPr>
-          <p:spPr>
-            <a:xfrm>
-              <a:off x="431925" y="1304875"/>
-              <a:ext cx="2628900" cy="464100"/>
-            </a:xfrm>
-            <a:prstGeom prst="rect">
-              <a:avLst/>
-            </a:prstGeom>
-            <a:solidFill>
-              <a:schemeClr val="dk1"/>
-            </a:solidFill>
-            <a:ln>
-              <a:noFill/>
-            </a:ln>
-          </p:spPr>
-          <p:txBody>
-            <a:bodyPr anchorCtr="0" anchor="ctr" bIns="91425" lIns="91425" spcFirstLastPara="1" rIns="91425" wrap="square" tIns="91425">
-              <a:noAutofit/>
-            </a:bodyPr>
-            <a:lstStyle/>
-            <a:p>
-              <a:pPr indent="0" lvl="0" marL="0" rtl="0" algn="l">
-                <a:spcBef>
-                  <a:spcPts val="0"/>
-                </a:spcBef>
-                <a:spcAft>
-                  <a:spcPts val="0"/>
-                </a:spcAft>
-                <a:buNone/>
-              </a:pPr>
-              <a:r>
-                <a:t/>
-              </a:r>
-              <a:endParaRPr/>
-            </a:p>
-          </p:txBody>
-        </p:sp>
-        <p:sp>
-          <p:nvSpPr>
-            <p:cNvPr id="119" name="Google Shape;119;p18"/>
-            <p:cNvSpPr/>
-            <p:nvPr/>
-          </p:nvSpPr>
-          <p:spPr>
-            <a:xfrm>
-              <a:off x="431950" y="1304875"/>
-              <a:ext cx="2628900" cy="3416400"/>
-            </a:xfrm>
-            <a:prstGeom prst="rect">
-              <a:avLst/>
-            </a:prstGeom>
-            <a:noFill/>
-            <a:ln>
-              <a:noFill/>
-            </a:ln>
-          </p:spPr>
-          <p:txBody>
-            <a:bodyPr anchorCtr="0" anchor="ctr" bIns="91425" lIns="91425" spcFirstLastPara="1" rIns="91425" wrap="square" tIns="91425">
-              <a:noAutofit/>
-            </a:bodyPr>
-            <a:lstStyle/>
-            <a:p>
-              <a:pPr indent="0" lvl="0" marL="0" rtl="0" algn="l">
-                <a:spcBef>
-                  <a:spcPts val="0"/>
-                </a:spcBef>
-                <a:spcAft>
-                  <a:spcPts val="0"/>
-                </a:spcAft>
-                <a:buNone/>
-              </a:pPr>
-              <a:r>
-                <a:t/>
-              </a:r>
-              <a:endParaRPr/>
-            </a:p>
-          </p:txBody>
-        </p:sp>
-      </p:grpSp>
-      <p:sp>
-        <p:nvSpPr>
-          <p:cNvPr id="120" name="Google Shape;120;p18"/>
-          <p:cNvSpPr txBox="1"/>
-          <p:nvPr>
-            <p:ph idx="4294967295" type="body"/>
-          </p:nvPr>
-        </p:nvSpPr>
-        <p:spPr>
-          <a:xfrm>
-            <a:off x="506425" y="1304875"/>
-            <a:ext cx="2494500" cy="461400"/>
-          </a:xfrm>
-          <a:prstGeom prst="rect">
-            <a:avLst/>
-          </a:prstGeom>
-        </p:spPr>
-        <p:txBody>
-          <a:bodyPr anchorCtr="0" anchor="t" bIns="91425" lIns="91425" spcFirstLastPara="1" rIns="91425" wrap="square" tIns="91425">
-            <a:noAutofit/>
-          </a:bodyPr>
-          <a:lstStyle/>
-          <a:p>
-            <a:pPr indent="0" lvl="0" marL="0" rtl="0" algn="ctr">
-              <a:spcBef>
-                <a:spcPts val="0"/>
-              </a:spcBef>
-              <a:spcAft>
-                <a:spcPts val="0"/>
-              </a:spcAft>
-              <a:buNone/>
-            </a:pPr>
-            <a:r>
-              <a:rPr lang="ko">
-                <a:solidFill>
-                  <a:schemeClr val="lt1"/>
-                </a:solidFill>
-              </a:rPr>
-              <a:t>웹 서비스 서버 운용</a:t>
-            </a:r>
-            <a:endParaRPr>
-              <a:solidFill>
-                <a:schemeClr val="lt1"/>
-              </a:solidFill>
-            </a:endParaRPr>
-          </a:p>
-        </p:txBody>
-      </p:sp>
-      <p:grpSp>
-        <p:nvGrpSpPr>
-          <p:cNvPr id="121" name="Google Shape;121;p18"/>
-          <p:cNvGrpSpPr/>
-          <p:nvPr/>
-        </p:nvGrpSpPr>
-        <p:grpSpPr>
-          <a:xfrm>
-            <a:off x="3320450" y="1304875"/>
-            <a:ext cx="2632500" cy="3416400"/>
-            <a:chOff x="3320450" y="1304875"/>
-            <a:chExt cx="2632500" cy="3416400"/>
-          </a:xfrm>
-        </p:grpSpPr>
-        <p:sp>
-          <p:nvSpPr>
-            <p:cNvPr id="122" name="Google Shape;122;p18"/>
-            <p:cNvSpPr txBox="1"/>
-            <p:nvPr/>
-          </p:nvSpPr>
-          <p:spPr>
-            <a:xfrm>
-              <a:off x="3324050" y="1304875"/>
-              <a:ext cx="2628900" cy="464100"/>
-            </a:xfrm>
-            <a:prstGeom prst="rect">
-              <a:avLst/>
-            </a:prstGeom>
-            <a:solidFill>
-              <a:schemeClr val="dk1"/>
-            </a:solidFill>
-            <a:ln>
-              <a:noFill/>
-            </a:ln>
-          </p:spPr>
-          <p:txBody>
-            <a:bodyPr anchorCtr="0" anchor="ctr" bIns="91425" lIns="91425" spcFirstLastPara="1" rIns="91425" wrap="square" tIns="91425">
-              <a:noAutofit/>
-            </a:bodyPr>
-            <a:lstStyle/>
-            <a:p>
-              <a:pPr indent="0" lvl="0" marL="0" rtl="0" algn="l">
-                <a:spcBef>
-                  <a:spcPts val="0"/>
-                </a:spcBef>
-                <a:spcAft>
-                  <a:spcPts val="0"/>
-                </a:spcAft>
-                <a:buNone/>
-              </a:pPr>
-              <a:r>
-                <a:t/>
-              </a:r>
-              <a:endParaRPr/>
-            </a:p>
-          </p:txBody>
-        </p:sp>
-        <p:sp>
-          <p:nvSpPr>
-            <p:cNvPr id="123" name="Google Shape;123;p18"/>
-            <p:cNvSpPr/>
-            <p:nvPr/>
-          </p:nvSpPr>
-          <p:spPr>
-            <a:xfrm>
-              <a:off x="3320450" y="1304875"/>
-              <a:ext cx="2628900" cy="3416400"/>
-            </a:xfrm>
-            <a:prstGeom prst="rect">
-              <a:avLst/>
-            </a:prstGeom>
-            <a:noFill/>
-            <a:ln>
-              <a:noFill/>
-            </a:ln>
-          </p:spPr>
-          <p:txBody>
-            <a:bodyPr anchorCtr="0" anchor="ctr" bIns="91425" lIns="91425" spcFirstLastPara="1" rIns="91425" wrap="square" tIns="91425">
-              <a:noAutofit/>
-            </a:bodyPr>
-            <a:lstStyle/>
-            <a:p>
-              <a:pPr indent="0" lvl="0" marL="0" rtl="0" algn="l">
-                <a:spcBef>
-                  <a:spcPts val="0"/>
-                </a:spcBef>
-                <a:spcAft>
-                  <a:spcPts val="0"/>
-                </a:spcAft>
-                <a:buNone/>
-              </a:pPr>
-              <a:r>
-                <a:t/>
-              </a:r>
-              <a:endParaRPr/>
-            </a:p>
-          </p:txBody>
-        </p:sp>
-      </p:grpSp>
-      <p:sp>
-        <p:nvSpPr>
-          <p:cNvPr id="124" name="Google Shape;124;p18"/>
-          <p:cNvSpPr txBox="1"/>
-          <p:nvPr>
-            <p:ph idx="4294967295" type="body"/>
-          </p:nvPr>
-        </p:nvSpPr>
-        <p:spPr>
-          <a:xfrm>
-            <a:off x="3389450" y="1304875"/>
-            <a:ext cx="2494500" cy="461400"/>
-          </a:xfrm>
-          <a:prstGeom prst="rect">
-            <a:avLst/>
-          </a:prstGeom>
-        </p:spPr>
-        <p:txBody>
-          <a:bodyPr anchorCtr="0" anchor="t" bIns="91425" lIns="91425" spcFirstLastPara="1" rIns="91425" wrap="square" tIns="91425">
-            <a:noAutofit/>
-          </a:bodyPr>
-          <a:lstStyle/>
-          <a:p>
-            <a:pPr indent="0" lvl="0" marL="0" rtl="0" algn="ctr">
-              <a:spcBef>
-                <a:spcPts val="0"/>
-              </a:spcBef>
-              <a:spcAft>
-                <a:spcPts val="0"/>
-              </a:spcAft>
-              <a:buNone/>
-            </a:pPr>
-            <a:r>
-              <a:rPr lang="ko">
-                <a:solidFill>
-                  <a:schemeClr val="lt1"/>
-                </a:solidFill>
-              </a:rPr>
-              <a:t>오픈 소스 사용</a:t>
-            </a:r>
-            <a:endParaRPr>
-              <a:solidFill>
-                <a:schemeClr val="lt1"/>
-              </a:solidFill>
-            </a:endParaRPr>
-          </a:p>
-        </p:txBody>
-      </p:sp>
-      <p:grpSp>
-        <p:nvGrpSpPr>
-          <p:cNvPr id="125" name="Google Shape;125;p18"/>
-          <p:cNvGrpSpPr/>
-          <p:nvPr/>
-        </p:nvGrpSpPr>
-        <p:grpSpPr>
-          <a:xfrm>
-            <a:off x="6212550" y="1304875"/>
-            <a:ext cx="2632500" cy="3416400"/>
-            <a:chOff x="6212550" y="1304875"/>
-            <a:chExt cx="2632500" cy="3416400"/>
-          </a:xfrm>
-        </p:grpSpPr>
-        <p:sp>
-          <p:nvSpPr>
-            <p:cNvPr id="126" name="Google Shape;126;p18"/>
-            <p:cNvSpPr/>
-            <p:nvPr/>
-          </p:nvSpPr>
-          <p:spPr>
-            <a:xfrm>
-              <a:off x="6215400" y="1304875"/>
-              <a:ext cx="2628900" cy="3416400"/>
-            </a:xfrm>
-            <a:prstGeom prst="rect">
-              <a:avLst/>
-            </a:prstGeom>
-            <a:noFill/>
-            <a:ln>
-              <a:noFill/>
-            </a:ln>
-          </p:spPr>
-          <p:txBody>
-            <a:bodyPr anchorCtr="0" anchor="ctr" bIns="91425" lIns="91425" spcFirstLastPara="1" rIns="91425" wrap="square" tIns="91425">
-              <a:noAutofit/>
-            </a:bodyPr>
-            <a:lstStyle/>
-            <a:p>
-              <a:pPr indent="0" lvl="0" marL="0" rtl="0" algn="l">
-                <a:spcBef>
-                  <a:spcPts val="0"/>
-                </a:spcBef>
-                <a:spcAft>
-                  <a:spcPts val="0"/>
-                </a:spcAft>
-                <a:buNone/>
-              </a:pPr>
-              <a:r>
-                <a:t/>
-              </a:r>
-              <a:endParaRPr/>
-            </a:p>
-          </p:txBody>
-        </p:sp>
-        <p:sp>
-          <p:nvSpPr>
-            <p:cNvPr id="127" name="Google Shape;127;p18"/>
-            <p:cNvSpPr txBox="1"/>
-            <p:nvPr/>
-          </p:nvSpPr>
-          <p:spPr>
-            <a:xfrm>
-              <a:off x="6212550" y="1304875"/>
-              <a:ext cx="2632500" cy="464100"/>
-            </a:xfrm>
-            <a:prstGeom prst="rect">
-              <a:avLst/>
-            </a:prstGeom>
-            <a:solidFill>
-              <a:schemeClr val="dk1"/>
-            </a:solidFill>
-            <a:ln>
-              <a:noFill/>
-            </a:ln>
-          </p:spPr>
-          <p:txBody>
-            <a:bodyPr anchorCtr="0" anchor="ctr" bIns="91425" lIns="91425" spcFirstLastPara="1" rIns="91425" wrap="square" tIns="91425">
-              <a:noAutofit/>
-            </a:bodyPr>
-            <a:lstStyle/>
-            <a:p>
-              <a:pPr indent="0" lvl="0" marL="0" rtl="0" algn="l">
-                <a:spcBef>
-                  <a:spcPts val="0"/>
-                </a:spcBef>
-                <a:spcAft>
-                  <a:spcPts val="0"/>
-                </a:spcAft>
-                <a:buNone/>
-              </a:pPr>
-              <a:r>
-                <a:t/>
-              </a:r>
-              <a:endParaRPr/>
-            </a:p>
-          </p:txBody>
-        </p:sp>
-      </p:grpSp>
-      <p:sp>
-        <p:nvSpPr>
-          <p:cNvPr id="128" name="Google Shape;128;p18"/>
-          <p:cNvSpPr txBox="1"/>
-          <p:nvPr>
-            <p:ph idx="4294967295" type="body"/>
-          </p:nvPr>
-        </p:nvSpPr>
-        <p:spPr>
-          <a:xfrm>
-            <a:off x="6272475" y="1304875"/>
-            <a:ext cx="2494500" cy="461400"/>
-          </a:xfrm>
-          <a:prstGeom prst="rect">
-            <a:avLst/>
-          </a:prstGeom>
-        </p:spPr>
-        <p:txBody>
-          <a:bodyPr anchorCtr="0" anchor="t" bIns="91425" lIns="91425" spcFirstLastPara="1" rIns="91425" wrap="square" tIns="91425">
-            <a:noAutofit/>
-          </a:bodyPr>
-          <a:lstStyle/>
-          <a:p>
-            <a:pPr indent="0" lvl="0" marL="0" rtl="0" algn="ctr">
-              <a:spcBef>
-                <a:spcPts val="0"/>
-              </a:spcBef>
-              <a:spcAft>
-                <a:spcPts val="0"/>
-              </a:spcAft>
-              <a:buNone/>
-            </a:pPr>
-            <a:r>
-              <a:rPr lang="ko">
-                <a:solidFill>
-                  <a:schemeClr val="lt1"/>
-                </a:solidFill>
-              </a:rPr>
-              <a:t>법적인 검토</a:t>
-            </a:r>
-            <a:endParaRPr>
-              <a:solidFill>
-                <a:schemeClr val="lt1"/>
-              </a:solidFill>
-            </a:endParaRPr>
-          </a:p>
-        </p:txBody>
-      </p:sp>
-      <p:grpSp>
-        <p:nvGrpSpPr>
-          <p:cNvPr id="129" name="Google Shape;129;p18"/>
-          <p:cNvGrpSpPr/>
-          <p:nvPr/>
-        </p:nvGrpSpPr>
-        <p:grpSpPr>
-          <a:xfrm>
-            <a:off x="424663" y="4277900"/>
-            <a:ext cx="2636175" cy="3438050"/>
-            <a:chOff x="424650" y="1304875"/>
-            <a:chExt cx="2636175" cy="3438050"/>
-          </a:xfrm>
-        </p:grpSpPr>
-        <p:sp>
-          <p:nvSpPr>
-            <p:cNvPr id="130" name="Google Shape;130;p18"/>
-            <p:cNvSpPr txBox="1"/>
-            <p:nvPr/>
-          </p:nvSpPr>
-          <p:spPr>
-            <a:xfrm>
-              <a:off x="431925" y="1304875"/>
-              <a:ext cx="2628900" cy="464100"/>
-            </a:xfrm>
-            <a:prstGeom prst="rect">
-              <a:avLst/>
-            </a:prstGeom>
-            <a:solidFill>
-              <a:schemeClr val="dk1"/>
-            </a:solidFill>
-            <a:ln>
-              <a:noFill/>
-            </a:ln>
-          </p:spPr>
-          <p:txBody>
-            <a:bodyPr anchorCtr="0" anchor="ctr" bIns="91425" lIns="91425" spcFirstLastPara="1" rIns="91425" wrap="square" tIns="91425">
-              <a:noAutofit/>
-            </a:bodyPr>
-            <a:lstStyle/>
-            <a:p>
-              <a:pPr indent="0" lvl="0" marL="0" rtl="0" algn="l">
-                <a:spcBef>
-                  <a:spcPts val="0"/>
-                </a:spcBef>
-                <a:spcAft>
-                  <a:spcPts val="0"/>
-                </a:spcAft>
-                <a:buNone/>
-              </a:pPr>
-              <a:r>
-                <a:t/>
-              </a:r>
-              <a:endParaRPr/>
-            </a:p>
-          </p:txBody>
-        </p:sp>
-        <p:sp>
-          <p:nvSpPr>
-            <p:cNvPr id="131" name="Google Shape;131;p18"/>
-            <p:cNvSpPr/>
-            <p:nvPr/>
-          </p:nvSpPr>
-          <p:spPr>
-            <a:xfrm>
-              <a:off x="424650" y="1326525"/>
-              <a:ext cx="2628900" cy="3416400"/>
-            </a:xfrm>
-            <a:prstGeom prst="rect">
-              <a:avLst/>
-            </a:prstGeom>
-            <a:noFill/>
-            <a:ln>
-              <a:noFill/>
-            </a:ln>
-          </p:spPr>
-          <p:txBody>
-            <a:bodyPr anchorCtr="0" anchor="ctr" bIns="91425" lIns="91425" spcFirstLastPara="1" rIns="91425" wrap="square" tIns="91425">
-              <a:noAutofit/>
-            </a:bodyPr>
-            <a:lstStyle/>
-            <a:p>
-              <a:pPr indent="0" lvl="0" marL="0" rtl="0" algn="l">
-                <a:spcBef>
-                  <a:spcPts val="0"/>
-                </a:spcBef>
-                <a:spcAft>
-                  <a:spcPts val="0"/>
-                </a:spcAft>
-                <a:buNone/>
-              </a:pPr>
-              <a:r>
-                <a:t/>
-              </a:r>
-              <a:endParaRPr/>
-            </a:p>
-          </p:txBody>
-        </p:sp>
-      </p:grpSp>
-      <p:grpSp>
-        <p:nvGrpSpPr>
-          <p:cNvPr id="132" name="Google Shape;132;p18"/>
-          <p:cNvGrpSpPr/>
-          <p:nvPr/>
-        </p:nvGrpSpPr>
-        <p:grpSpPr>
-          <a:xfrm>
-            <a:off x="3318600" y="4277900"/>
-            <a:ext cx="2636175" cy="3438050"/>
-            <a:chOff x="424650" y="1304875"/>
-            <a:chExt cx="2636175" cy="3438050"/>
-          </a:xfrm>
-        </p:grpSpPr>
-        <p:sp>
-          <p:nvSpPr>
-            <p:cNvPr id="133" name="Google Shape;133;p18"/>
-            <p:cNvSpPr txBox="1"/>
-            <p:nvPr/>
-          </p:nvSpPr>
-          <p:spPr>
-            <a:xfrm>
-              <a:off x="431925" y="1304875"/>
-              <a:ext cx="2628900" cy="464100"/>
-            </a:xfrm>
-            <a:prstGeom prst="rect">
-              <a:avLst/>
-            </a:prstGeom>
-            <a:solidFill>
-              <a:schemeClr val="dk1"/>
-            </a:solidFill>
-            <a:ln>
-              <a:noFill/>
-            </a:ln>
-          </p:spPr>
-          <p:txBody>
-            <a:bodyPr anchorCtr="0" anchor="ctr" bIns="91425" lIns="91425" spcFirstLastPara="1" rIns="91425" wrap="square" tIns="91425">
-              <a:noAutofit/>
-            </a:bodyPr>
-            <a:lstStyle/>
-            <a:p>
-              <a:pPr indent="0" lvl="0" marL="0" rtl="0" algn="l">
-                <a:spcBef>
-                  <a:spcPts val="0"/>
-                </a:spcBef>
-                <a:spcAft>
-                  <a:spcPts val="0"/>
-                </a:spcAft>
-                <a:buNone/>
-              </a:pPr>
-              <a:r>
-                <a:t/>
-              </a:r>
-              <a:endParaRPr/>
-            </a:p>
-          </p:txBody>
-        </p:sp>
-        <p:sp>
-          <p:nvSpPr>
-            <p:cNvPr id="134" name="Google Shape;134;p18"/>
-            <p:cNvSpPr/>
-            <p:nvPr/>
-          </p:nvSpPr>
-          <p:spPr>
-            <a:xfrm>
-              <a:off x="424650" y="1326525"/>
-              <a:ext cx="2628900" cy="3416400"/>
-            </a:xfrm>
-            <a:prstGeom prst="rect">
-              <a:avLst/>
-            </a:prstGeom>
-            <a:noFill/>
-            <a:ln>
-              <a:noFill/>
-            </a:ln>
-          </p:spPr>
-          <p:txBody>
-            <a:bodyPr anchorCtr="0" anchor="ctr" bIns="91425" lIns="91425" spcFirstLastPara="1" rIns="91425" wrap="square" tIns="91425">
-              <a:noAutofit/>
-            </a:bodyPr>
-            <a:lstStyle/>
-            <a:p>
-              <a:pPr indent="0" lvl="0" marL="0" rtl="0" algn="l">
-                <a:spcBef>
-                  <a:spcPts val="0"/>
-                </a:spcBef>
-                <a:spcAft>
-                  <a:spcPts val="0"/>
-                </a:spcAft>
-                <a:buNone/>
-              </a:pPr>
-              <a:r>
-                <a:t/>
-              </a:r>
-              <a:endParaRPr/>
-            </a:p>
-          </p:txBody>
-        </p:sp>
-      </p:grpSp>
-      <p:grpSp>
-        <p:nvGrpSpPr>
-          <p:cNvPr id="135" name="Google Shape;135;p18"/>
-          <p:cNvGrpSpPr/>
-          <p:nvPr/>
-        </p:nvGrpSpPr>
-        <p:grpSpPr>
-          <a:xfrm>
-            <a:off x="6212525" y="4277900"/>
-            <a:ext cx="2636175" cy="3438050"/>
-            <a:chOff x="424650" y="1304875"/>
-            <a:chExt cx="2636175" cy="3438050"/>
-          </a:xfrm>
-        </p:grpSpPr>
-        <p:sp>
-          <p:nvSpPr>
-            <p:cNvPr id="136" name="Google Shape;136;p18"/>
-            <p:cNvSpPr txBox="1"/>
-            <p:nvPr/>
-          </p:nvSpPr>
-          <p:spPr>
-            <a:xfrm>
-              <a:off x="431925" y="1304875"/>
-              <a:ext cx="2628900" cy="464100"/>
-            </a:xfrm>
-            <a:prstGeom prst="rect">
-              <a:avLst/>
-            </a:prstGeom>
-            <a:solidFill>
-              <a:schemeClr val="dk1"/>
-            </a:solidFill>
-            <a:ln>
-              <a:noFill/>
-            </a:ln>
-          </p:spPr>
-          <p:txBody>
-            <a:bodyPr anchorCtr="0" anchor="ctr" bIns="91425" lIns="91425" spcFirstLastPara="1" rIns="91425" wrap="square" tIns="91425">
-              <a:noAutofit/>
-            </a:bodyPr>
-            <a:lstStyle/>
-            <a:p>
-              <a:pPr indent="0" lvl="0" marL="0" rtl="0" algn="l">
-                <a:spcBef>
-                  <a:spcPts val="0"/>
-                </a:spcBef>
-                <a:spcAft>
-                  <a:spcPts val="0"/>
-                </a:spcAft>
-                <a:buNone/>
-              </a:pPr>
-              <a:r>
-                <a:t/>
-              </a:r>
-              <a:endParaRPr/>
-            </a:p>
-          </p:txBody>
-        </p:sp>
-        <p:sp>
-          <p:nvSpPr>
-            <p:cNvPr id="137" name="Google Shape;137;p18"/>
-            <p:cNvSpPr/>
-            <p:nvPr/>
-          </p:nvSpPr>
-          <p:spPr>
-            <a:xfrm>
-              <a:off x="424650" y="1326525"/>
-              <a:ext cx="2628900" cy="3416400"/>
-            </a:xfrm>
-            <a:prstGeom prst="rect">
-              <a:avLst/>
-            </a:prstGeom>
-            <a:noFill/>
-            <a:ln>
-              <a:noFill/>
-            </a:ln>
-          </p:spPr>
-          <p:txBody>
-            <a:bodyPr anchorCtr="0" anchor="ctr" bIns="91425" lIns="91425" spcFirstLastPara="1" rIns="91425" wrap="square" tIns="91425">
-              <a:noAutofit/>
-            </a:bodyPr>
-            <a:lstStyle/>
-            <a:p>
-              <a:pPr indent="0" lvl="0" marL="0" rtl="0" algn="l">
-                <a:spcBef>
-                  <a:spcPts val="0"/>
-                </a:spcBef>
-                <a:spcAft>
-                  <a:spcPts val="0"/>
-                </a:spcAft>
-                <a:buNone/>
-              </a:pPr>
-              <a:r>
-                <a:t/>
-              </a:r>
-              <a:endParaRPr/>
-            </a:p>
-          </p:txBody>
-        </p:sp>
-      </p:grpSp>
-      <p:sp>
-        <p:nvSpPr>
-          <p:cNvPr id="138" name="Google Shape;138;p18"/>
-          <p:cNvSpPr txBox="1"/>
-          <p:nvPr>
-            <p:ph idx="4294967295" type="body"/>
-          </p:nvPr>
-        </p:nvSpPr>
-        <p:spPr>
-          <a:xfrm>
-            <a:off x="492475" y="4277900"/>
-            <a:ext cx="2494500" cy="461400"/>
-          </a:xfrm>
-          <a:prstGeom prst="rect">
-            <a:avLst/>
-          </a:prstGeom>
-        </p:spPr>
-        <p:txBody>
-          <a:bodyPr anchorCtr="0" anchor="t" bIns="91425" lIns="91425" spcFirstLastPara="1" rIns="91425" wrap="square" tIns="91425">
-            <a:noAutofit/>
-          </a:bodyPr>
-          <a:lstStyle/>
-          <a:p>
-            <a:pPr indent="0" lvl="0" marL="0" rtl="0" algn="ctr">
-              <a:spcBef>
-                <a:spcPts val="0"/>
-              </a:spcBef>
-              <a:spcAft>
-                <a:spcPts val="0"/>
-              </a:spcAft>
-              <a:buNone/>
-            </a:pPr>
-            <a:r>
-              <a:rPr lang="ko">
-                <a:solidFill>
-                  <a:schemeClr val="lt1"/>
-                </a:solidFill>
-              </a:rPr>
-              <a:t>개발 환경 마련</a:t>
-            </a:r>
-            <a:endParaRPr>
-              <a:solidFill>
-                <a:schemeClr val="lt1"/>
-              </a:solidFill>
-            </a:endParaRPr>
-          </a:p>
-        </p:txBody>
-      </p:sp>
-      <p:sp>
-        <p:nvSpPr>
-          <p:cNvPr id="139" name="Google Shape;139;p18"/>
-          <p:cNvSpPr txBox="1"/>
-          <p:nvPr>
-            <p:ph idx="4294967295" type="body"/>
-          </p:nvPr>
-        </p:nvSpPr>
-        <p:spPr>
-          <a:xfrm>
-            <a:off x="3352500" y="4277900"/>
-            <a:ext cx="2494500" cy="461400"/>
-          </a:xfrm>
-          <a:prstGeom prst="rect">
-            <a:avLst/>
-          </a:prstGeom>
-        </p:spPr>
-        <p:txBody>
-          <a:bodyPr anchorCtr="0" anchor="t" bIns="91425" lIns="91425" spcFirstLastPara="1" rIns="91425" wrap="square" tIns="91425">
-            <a:noAutofit/>
-          </a:bodyPr>
-          <a:lstStyle/>
-          <a:p>
-            <a:pPr indent="0" lvl="0" marL="0" rtl="0" algn="ctr">
-              <a:spcBef>
-                <a:spcPts val="0"/>
-              </a:spcBef>
-              <a:spcAft>
-                <a:spcPts val="0"/>
-              </a:spcAft>
-              <a:buNone/>
-            </a:pPr>
-            <a:r>
-              <a:rPr lang="ko">
-                <a:solidFill>
-                  <a:schemeClr val="lt1"/>
-                </a:solidFill>
-              </a:rPr>
-              <a:t>템플릿 사용</a:t>
-            </a:r>
-            <a:endParaRPr>
-              <a:solidFill>
-                <a:schemeClr val="lt1"/>
-              </a:solidFill>
-            </a:endParaRPr>
-          </a:p>
-        </p:txBody>
-      </p:sp>
-      <p:sp>
-        <p:nvSpPr>
-          <p:cNvPr id="140" name="Google Shape;140;p18"/>
-          <p:cNvSpPr txBox="1"/>
-          <p:nvPr>
-            <p:ph idx="4294967295" type="body"/>
-          </p:nvPr>
-        </p:nvSpPr>
-        <p:spPr>
-          <a:xfrm>
-            <a:off x="6286400" y="4277900"/>
-            <a:ext cx="2494500" cy="461400"/>
-          </a:xfrm>
-          <a:prstGeom prst="rect">
-            <a:avLst/>
-          </a:prstGeom>
-        </p:spPr>
-        <p:txBody>
-          <a:bodyPr anchorCtr="0" anchor="t" bIns="91425" lIns="91425" spcFirstLastPara="1" rIns="91425" wrap="square" tIns="91425">
-            <a:noAutofit/>
-          </a:bodyPr>
-          <a:lstStyle/>
-          <a:p>
-            <a:pPr indent="0" lvl="0" marL="0" rtl="0" algn="ctr">
-              <a:spcBef>
-                <a:spcPts val="0"/>
-              </a:spcBef>
-              <a:spcAft>
-                <a:spcPts val="0"/>
-              </a:spcAft>
-              <a:buNone/>
-            </a:pPr>
-            <a:r>
-              <a:rPr lang="ko">
-                <a:solidFill>
-                  <a:schemeClr val="lt1"/>
-                </a:solidFill>
-              </a:rPr>
-              <a:t>보증서 작성</a:t>
-            </a:r>
-            <a:endParaRPr>
-              <a:solidFill>
-                <a:schemeClr val="lt1"/>
-              </a:solidFill>
-            </a:endParaRPr>
-          </a:p>
-        </p:txBody>
-      </p:sp>
-      <p:cxnSp>
-        <p:nvCxnSpPr>
-          <p:cNvPr id="141" name="Google Shape;141;p18"/>
-          <p:cNvCxnSpPr/>
-          <p:nvPr/>
-        </p:nvCxnSpPr>
-        <p:spPr>
-          <a:xfrm>
-            <a:off x="1392275" y="2135300"/>
-            <a:ext cx="490500" cy="0"/>
-          </a:xfrm>
-          <a:prstGeom prst="straightConnector1">
-            <a:avLst/>
-          </a:prstGeom>
-          <a:noFill/>
-          <a:ln cap="flat" cmpd="sng" w="38100">
-            <a:solidFill>
-              <a:srgbClr val="FFFF00"/>
-            </a:solidFill>
-            <a:prstDash val="solid"/>
-            <a:round/>
-            <a:headEnd len="med" w="med" type="none"/>
-            <a:tailEnd len="med" w="med" type="none"/>
-          </a:ln>
-        </p:spPr>
-      </p:cxnSp>
-      <p:cxnSp>
-        <p:nvCxnSpPr>
-          <p:cNvPr id="142" name="Google Shape;142;p18"/>
-          <p:cNvCxnSpPr/>
-          <p:nvPr/>
-        </p:nvCxnSpPr>
-        <p:spPr>
-          <a:xfrm flipH="1" rot="10800000">
-            <a:off x="1882775" y="2135300"/>
-            <a:ext cx="900" cy="1312200"/>
-          </a:xfrm>
-          <a:prstGeom prst="straightConnector1">
-            <a:avLst/>
-          </a:prstGeom>
-          <a:noFill/>
-          <a:ln cap="flat" cmpd="sng" w="38100">
-            <a:solidFill>
-              <a:srgbClr val="FFFF00"/>
-            </a:solidFill>
-            <a:prstDash val="solid"/>
-            <a:round/>
-            <a:headEnd len="med" w="med" type="none"/>
-            <a:tailEnd len="med" w="med" type="none"/>
-          </a:ln>
-        </p:spPr>
-      </p:cxnSp>
-      <p:cxnSp>
-        <p:nvCxnSpPr>
-          <p:cNvPr id="143" name="Google Shape;143;p18"/>
-          <p:cNvCxnSpPr/>
-          <p:nvPr/>
-        </p:nvCxnSpPr>
-        <p:spPr>
-          <a:xfrm flipH="1" rot="10800000">
-            <a:off x="1392275" y="2135300"/>
-            <a:ext cx="900" cy="1312200"/>
-          </a:xfrm>
-          <a:prstGeom prst="straightConnector1">
-            <a:avLst/>
-          </a:prstGeom>
-          <a:noFill/>
-          <a:ln cap="flat" cmpd="sng" w="38100">
-            <a:solidFill>
-              <a:srgbClr val="FFFF00"/>
-            </a:solidFill>
-            <a:prstDash val="solid"/>
-            <a:round/>
-            <a:headEnd len="med" w="med" type="none"/>
-            <a:tailEnd len="med" w="med" type="none"/>
-          </a:ln>
-        </p:spPr>
-      </p:cxnSp>
-      <p:cxnSp>
-        <p:nvCxnSpPr>
-          <p:cNvPr id="144" name="Google Shape;144;p18"/>
-          <p:cNvCxnSpPr/>
-          <p:nvPr/>
-        </p:nvCxnSpPr>
-        <p:spPr>
-          <a:xfrm flipH="1" rot="10800000">
-            <a:off x="1082075" y="3449150"/>
-            <a:ext cx="311100" cy="6300"/>
-          </a:xfrm>
-          <a:prstGeom prst="straightConnector1">
-            <a:avLst/>
-          </a:prstGeom>
-          <a:noFill/>
-          <a:ln cap="flat" cmpd="sng" w="38100">
-            <a:solidFill>
-              <a:srgbClr val="FFFF00"/>
-            </a:solidFill>
-            <a:prstDash val="solid"/>
-            <a:round/>
-            <a:headEnd len="med" w="med" type="none"/>
-            <a:tailEnd len="med" w="med" type="none"/>
-          </a:ln>
-        </p:spPr>
-      </p:cxnSp>
-      <p:cxnSp>
-        <p:nvCxnSpPr>
-          <p:cNvPr id="145" name="Google Shape;145;p18"/>
-          <p:cNvCxnSpPr/>
-          <p:nvPr/>
-        </p:nvCxnSpPr>
-        <p:spPr>
-          <a:xfrm flipH="1" rot="10800000">
-            <a:off x="1882775" y="3449150"/>
-            <a:ext cx="311100" cy="6300"/>
-          </a:xfrm>
-          <a:prstGeom prst="straightConnector1">
-            <a:avLst/>
-          </a:prstGeom>
-          <a:noFill/>
-          <a:ln cap="flat" cmpd="sng" w="38100">
-            <a:solidFill>
-              <a:srgbClr val="FFFF00"/>
-            </a:solidFill>
-            <a:prstDash val="solid"/>
-            <a:round/>
-            <a:headEnd len="med" w="med" type="none"/>
-            <a:tailEnd len="med" w="med" type="none"/>
-          </a:ln>
-        </p:spPr>
-      </p:cxnSp>
-      <p:cxnSp>
-        <p:nvCxnSpPr>
-          <p:cNvPr id="146" name="Google Shape;146;p18"/>
-          <p:cNvCxnSpPr/>
-          <p:nvPr/>
-        </p:nvCxnSpPr>
-        <p:spPr>
-          <a:xfrm>
-            <a:off x="1082075" y="3457100"/>
-            <a:ext cx="577200" cy="575400"/>
-          </a:xfrm>
-          <a:prstGeom prst="straightConnector1">
-            <a:avLst/>
-          </a:prstGeom>
-          <a:noFill/>
-          <a:ln cap="flat" cmpd="sng" w="38100">
-            <a:solidFill>
-              <a:srgbClr val="FFFF00"/>
-            </a:solidFill>
-            <a:prstDash val="solid"/>
-            <a:round/>
-            <a:headEnd len="med" w="med" type="none"/>
-            <a:tailEnd len="med" w="med" type="none"/>
-          </a:ln>
-        </p:spPr>
-      </p:cxnSp>
-      <p:cxnSp>
-        <p:nvCxnSpPr>
-          <p:cNvPr id="147" name="Google Shape;147;p18"/>
-          <p:cNvCxnSpPr/>
-          <p:nvPr/>
-        </p:nvCxnSpPr>
-        <p:spPr>
-          <a:xfrm flipH="1">
-            <a:off x="1644875" y="3457100"/>
-            <a:ext cx="568800" cy="568200"/>
-          </a:xfrm>
-          <a:prstGeom prst="straightConnector1">
-            <a:avLst/>
-          </a:prstGeom>
-          <a:noFill/>
-          <a:ln cap="flat" cmpd="sng" w="38100">
-            <a:solidFill>
-              <a:srgbClr val="FFFF00"/>
-            </a:solidFill>
-            <a:prstDash val="solid"/>
-            <a:round/>
-            <a:headEnd len="med" w="med" type="none"/>
-            <a:tailEnd len="med" w="med" type="none"/>
-          </a:ln>
-        </p:spPr>
-      </p:cxnSp>
-      <p:cxnSp>
-        <p:nvCxnSpPr>
-          <p:cNvPr id="148" name="Google Shape;148;p18"/>
-          <p:cNvCxnSpPr/>
-          <p:nvPr/>
-        </p:nvCxnSpPr>
-        <p:spPr>
-          <a:xfrm>
-            <a:off x="4381100" y="2135300"/>
-            <a:ext cx="490500" cy="0"/>
-          </a:xfrm>
-          <a:prstGeom prst="straightConnector1">
-            <a:avLst/>
-          </a:prstGeom>
-          <a:noFill/>
-          <a:ln cap="flat" cmpd="sng" w="38100">
-            <a:solidFill>
-              <a:srgbClr val="FFFF00"/>
-            </a:solidFill>
-            <a:prstDash val="solid"/>
-            <a:round/>
-            <a:headEnd len="med" w="med" type="none"/>
-            <a:tailEnd len="med" w="med" type="none"/>
-          </a:ln>
-        </p:spPr>
-      </p:cxnSp>
-      <p:cxnSp>
-        <p:nvCxnSpPr>
-          <p:cNvPr id="149" name="Google Shape;149;p18"/>
-          <p:cNvCxnSpPr/>
-          <p:nvPr/>
-        </p:nvCxnSpPr>
-        <p:spPr>
-          <a:xfrm flipH="1" rot="10800000">
-            <a:off x="4871600" y="2135300"/>
-            <a:ext cx="900" cy="1312200"/>
-          </a:xfrm>
-          <a:prstGeom prst="straightConnector1">
-            <a:avLst/>
-          </a:prstGeom>
-          <a:noFill/>
-          <a:ln cap="flat" cmpd="sng" w="38100">
-            <a:solidFill>
-              <a:srgbClr val="FFFF00"/>
-            </a:solidFill>
-            <a:prstDash val="solid"/>
-            <a:round/>
-            <a:headEnd len="med" w="med" type="none"/>
-            <a:tailEnd len="med" w="med" type="none"/>
-          </a:ln>
-        </p:spPr>
-      </p:cxnSp>
-      <p:cxnSp>
-        <p:nvCxnSpPr>
-          <p:cNvPr id="150" name="Google Shape;150;p18"/>
-          <p:cNvCxnSpPr/>
-          <p:nvPr/>
-        </p:nvCxnSpPr>
-        <p:spPr>
-          <a:xfrm flipH="1" rot="10800000">
-            <a:off x="4381100" y="2135300"/>
-            <a:ext cx="900" cy="1312200"/>
-          </a:xfrm>
-          <a:prstGeom prst="straightConnector1">
-            <a:avLst/>
-          </a:prstGeom>
-          <a:noFill/>
-          <a:ln cap="flat" cmpd="sng" w="38100">
-            <a:solidFill>
-              <a:srgbClr val="FFFF00"/>
-            </a:solidFill>
-            <a:prstDash val="solid"/>
-            <a:round/>
-            <a:headEnd len="med" w="med" type="none"/>
-            <a:tailEnd len="med" w="med" type="none"/>
-          </a:ln>
-        </p:spPr>
-      </p:cxnSp>
-      <p:cxnSp>
-        <p:nvCxnSpPr>
-          <p:cNvPr id="151" name="Google Shape;151;p18"/>
-          <p:cNvCxnSpPr/>
-          <p:nvPr/>
-        </p:nvCxnSpPr>
-        <p:spPr>
-          <a:xfrm flipH="1" rot="10800000">
-            <a:off x="4070900" y="3449150"/>
-            <a:ext cx="311100" cy="6300"/>
-          </a:xfrm>
-          <a:prstGeom prst="straightConnector1">
-            <a:avLst/>
-          </a:prstGeom>
-          <a:noFill/>
-          <a:ln cap="flat" cmpd="sng" w="38100">
-            <a:solidFill>
-              <a:srgbClr val="FFFF00"/>
-            </a:solidFill>
-            <a:prstDash val="solid"/>
-            <a:round/>
-            <a:headEnd len="med" w="med" type="none"/>
-            <a:tailEnd len="med" w="med" type="none"/>
-          </a:ln>
-        </p:spPr>
-      </p:cxnSp>
-      <p:cxnSp>
-        <p:nvCxnSpPr>
-          <p:cNvPr id="152" name="Google Shape;152;p18"/>
-          <p:cNvCxnSpPr/>
-          <p:nvPr/>
-        </p:nvCxnSpPr>
-        <p:spPr>
-          <a:xfrm flipH="1" rot="10800000">
-            <a:off x="4871600" y="3449150"/>
-            <a:ext cx="311100" cy="6300"/>
-          </a:xfrm>
-          <a:prstGeom prst="straightConnector1">
-            <a:avLst/>
-          </a:prstGeom>
-          <a:noFill/>
-          <a:ln cap="flat" cmpd="sng" w="38100">
-            <a:solidFill>
-              <a:srgbClr val="FFFF00"/>
-            </a:solidFill>
-            <a:prstDash val="solid"/>
-            <a:round/>
-            <a:headEnd len="med" w="med" type="none"/>
-            <a:tailEnd len="med" w="med" type="none"/>
-          </a:ln>
-        </p:spPr>
-      </p:cxnSp>
-      <p:cxnSp>
-        <p:nvCxnSpPr>
-          <p:cNvPr id="153" name="Google Shape;153;p18"/>
-          <p:cNvCxnSpPr/>
-          <p:nvPr/>
-        </p:nvCxnSpPr>
-        <p:spPr>
-          <a:xfrm>
-            <a:off x="4070900" y="3457100"/>
-            <a:ext cx="577200" cy="575400"/>
-          </a:xfrm>
-          <a:prstGeom prst="straightConnector1">
-            <a:avLst/>
-          </a:prstGeom>
-          <a:noFill/>
-          <a:ln cap="flat" cmpd="sng" w="38100">
-            <a:solidFill>
-              <a:srgbClr val="FFFF00"/>
-            </a:solidFill>
-            <a:prstDash val="solid"/>
-            <a:round/>
-            <a:headEnd len="med" w="med" type="none"/>
-            <a:tailEnd len="med" w="med" type="none"/>
-          </a:ln>
-        </p:spPr>
-      </p:cxnSp>
-      <p:cxnSp>
-        <p:nvCxnSpPr>
-          <p:cNvPr id="154" name="Google Shape;154;p18"/>
-          <p:cNvCxnSpPr/>
-          <p:nvPr/>
-        </p:nvCxnSpPr>
-        <p:spPr>
-          <a:xfrm flipH="1">
-            <a:off x="4633700" y="3457100"/>
-            <a:ext cx="568800" cy="568200"/>
-          </a:xfrm>
-          <a:prstGeom prst="straightConnector1">
-            <a:avLst/>
-          </a:prstGeom>
-          <a:noFill/>
-          <a:ln cap="flat" cmpd="sng" w="38100">
-            <a:solidFill>
-              <a:srgbClr val="FFFF00"/>
-            </a:solidFill>
-            <a:prstDash val="solid"/>
-            <a:round/>
-            <a:headEnd len="med" w="med" type="none"/>
-            <a:tailEnd len="med" w="med" type="none"/>
-          </a:ln>
-        </p:spPr>
-      </p:cxnSp>
-      <p:cxnSp>
-        <p:nvCxnSpPr>
-          <p:cNvPr id="155" name="Google Shape;155;p18"/>
-          <p:cNvCxnSpPr/>
-          <p:nvPr/>
-        </p:nvCxnSpPr>
-        <p:spPr>
-          <a:xfrm>
-            <a:off x="7264125" y="2135300"/>
-            <a:ext cx="490500" cy="0"/>
-          </a:xfrm>
-          <a:prstGeom prst="straightConnector1">
-            <a:avLst/>
-          </a:prstGeom>
-          <a:noFill/>
-          <a:ln cap="flat" cmpd="sng" w="38100">
-            <a:solidFill>
-              <a:srgbClr val="FFFF00"/>
-            </a:solidFill>
-            <a:prstDash val="solid"/>
-            <a:round/>
-            <a:headEnd len="med" w="med" type="none"/>
-            <a:tailEnd len="med" w="med" type="none"/>
-          </a:ln>
-        </p:spPr>
-      </p:cxnSp>
-      <p:cxnSp>
-        <p:nvCxnSpPr>
-          <p:cNvPr id="156" name="Google Shape;156;p18"/>
-          <p:cNvCxnSpPr/>
-          <p:nvPr/>
-        </p:nvCxnSpPr>
-        <p:spPr>
-          <a:xfrm flipH="1" rot="10800000">
-            <a:off x="7754625" y="2135300"/>
-            <a:ext cx="900" cy="1312200"/>
-          </a:xfrm>
-          <a:prstGeom prst="straightConnector1">
-            <a:avLst/>
-          </a:prstGeom>
-          <a:noFill/>
-          <a:ln cap="flat" cmpd="sng" w="38100">
-            <a:solidFill>
-              <a:srgbClr val="FFFF00"/>
-            </a:solidFill>
-            <a:prstDash val="solid"/>
-            <a:round/>
-            <a:headEnd len="med" w="med" type="none"/>
-            <a:tailEnd len="med" w="med" type="none"/>
-          </a:ln>
-        </p:spPr>
-      </p:cxnSp>
-      <p:cxnSp>
-        <p:nvCxnSpPr>
-          <p:cNvPr id="157" name="Google Shape;157;p18"/>
-          <p:cNvCxnSpPr/>
-          <p:nvPr/>
-        </p:nvCxnSpPr>
-        <p:spPr>
-          <a:xfrm flipH="1" rot="10800000">
-            <a:off x="7264125" y="2135300"/>
-            <a:ext cx="900" cy="1312200"/>
-          </a:xfrm>
-          <a:prstGeom prst="straightConnector1">
-            <a:avLst/>
-          </a:prstGeom>
-          <a:noFill/>
-          <a:ln cap="flat" cmpd="sng" w="38100">
-            <a:solidFill>
-              <a:srgbClr val="FFFF00"/>
-            </a:solidFill>
-            <a:prstDash val="solid"/>
-            <a:round/>
-            <a:headEnd len="med" w="med" type="none"/>
-            <a:tailEnd len="med" w="med" type="none"/>
-          </a:ln>
-        </p:spPr>
-      </p:cxnSp>
-      <p:cxnSp>
-        <p:nvCxnSpPr>
-          <p:cNvPr id="158" name="Google Shape;158;p18"/>
-          <p:cNvCxnSpPr/>
-          <p:nvPr/>
-        </p:nvCxnSpPr>
-        <p:spPr>
-          <a:xfrm flipH="1" rot="10800000">
-            <a:off x="6953925" y="3449150"/>
-            <a:ext cx="311100" cy="6300"/>
-          </a:xfrm>
-          <a:prstGeom prst="straightConnector1">
-            <a:avLst/>
-          </a:prstGeom>
-          <a:noFill/>
-          <a:ln cap="flat" cmpd="sng" w="38100">
-            <a:solidFill>
-              <a:srgbClr val="FFFF00"/>
-            </a:solidFill>
-            <a:prstDash val="solid"/>
-            <a:round/>
-            <a:headEnd len="med" w="med" type="none"/>
-            <a:tailEnd len="med" w="med" type="none"/>
-          </a:ln>
-        </p:spPr>
-      </p:cxnSp>
-      <p:cxnSp>
-        <p:nvCxnSpPr>
-          <p:cNvPr id="159" name="Google Shape;159;p18"/>
-          <p:cNvCxnSpPr/>
-          <p:nvPr/>
-        </p:nvCxnSpPr>
-        <p:spPr>
-          <a:xfrm flipH="1" rot="10800000">
-            <a:off x="7754625" y="3449150"/>
-            <a:ext cx="311100" cy="6300"/>
-          </a:xfrm>
-          <a:prstGeom prst="straightConnector1">
-            <a:avLst/>
-          </a:prstGeom>
-          <a:noFill/>
-          <a:ln cap="flat" cmpd="sng" w="38100">
-            <a:solidFill>
-              <a:srgbClr val="FFFF00"/>
-            </a:solidFill>
-            <a:prstDash val="solid"/>
-            <a:round/>
-            <a:headEnd len="med" w="med" type="none"/>
-            <a:tailEnd len="med" w="med" type="none"/>
-          </a:ln>
-        </p:spPr>
-      </p:cxnSp>
-      <p:cxnSp>
-        <p:nvCxnSpPr>
-          <p:cNvPr id="160" name="Google Shape;160;p18"/>
-          <p:cNvCxnSpPr/>
-          <p:nvPr/>
-        </p:nvCxnSpPr>
-        <p:spPr>
-          <a:xfrm>
-            <a:off x="6953925" y="3457100"/>
-            <a:ext cx="577200" cy="575400"/>
-          </a:xfrm>
-          <a:prstGeom prst="straightConnector1">
-            <a:avLst/>
-          </a:prstGeom>
-          <a:noFill/>
-          <a:ln cap="flat" cmpd="sng" w="38100">
-            <a:solidFill>
-              <a:srgbClr val="FFFF00"/>
-            </a:solidFill>
-            <a:prstDash val="solid"/>
-            <a:round/>
-            <a:headEnd len="med" w="med" type="none"/>
-            <a:tailEnd len="med" w="med" type="none"/>
-          </a:ln>
-        </p:spPr>
-      </p:cxnSp>
-      <p:cxnSp>
-        <p:nvCxnSpPr>
-          <p:cNvPr id="161" name="Google Shape;161;p18"/>
-          <p:cNvCxnSpPr/>
-          <p:nvPr/>
-        </p:nvCxnSpPr>
-        <p:spPr>
-          <a:xfrm flipH="1">
-            <a:off x="7516725" y="3457100"/>
-            <a:ext cx="568800" cy="568200"/>
-          </a:xfrm>
-          <a:prstGeom prst="straightConnector1">
-            <a:avLst/>
-          </a:prstGeom>
-          <a:noFill/>
-          <a:ln cap="flat" cmpd="sng" w="38100">
-            <a:solidFill>
-              <a:srgbClr val="FFFF00"/>
-            </a:solidFill>
-            <a:prstDash val="solid"/>
-            <a:round/>
-            <a:headEnd len="med" w="med" type="none"/>
-            <a:tailEnd len="med" w="med" type="none"/>
-          </a:ln>
-        </p:spPr>
-      </p:cxnSp>
-    </p:spTree>
-  </p:cSld>
-  <p:clrMapOvr>
-    <a:masterClrMapping/>
-  </p:clrMapOvr>
 </p:sld>
 </file>
 
